--- a/002 - Deliverables/Social_Media_v0.01.pptx
+++ b/002 - Deliverables/Social_Media_v0.01.pptx
@@ -5,7 +5,7 @@
     <p:sldMasterId id="2147483648" r:id="rId1"/>
   </p:sldMasterIdLst>
   <p:notesMasterIdLst>
-    <p:notesMasterId r:id="rId18"/>
+    <p:notesMasterId r:id="rId21"/>
   </p:notesMasterIdLst>
   <p:sldIdLst>
     <p:sldId id="264" r:id="rId2"/>
@@ -23,7 +23,10 @@
     <p:sldId id="276" r:id="rId14"/>
     <p:sldId id="287" r:id="rId15"/>
     <p:sldId id="277" r:id="rId16"/>
-    <p:sldId id="278" r:id="rId17"/>
+    <p:sldId id="290" r:id="rId17"/>
+    <p:sldId id="291" r:id="rId18"/>
+    <p:sldId id="292" r:id="rId19"/>
+    <p:sldId id="293" r:id="rId20"/>
   </p:sldIdLst>
   <p:sldSz cx="12192000" cy="6858000"/>
   <p:notesSz cx="6858000" cy="9144000"/>
@@ -1628,7 +1631,7 @@
 <dgm:dataModel xmlns:dgm="http://schemas.openxmlformats.org/drawingml/2006/diagram" xmlns:a="http://schemas.openxmlformats.org/drawingml/2006/main">
   <dgm:ptLst>
     <dgm:pt modelId="{60714EA6-46FE-4500-BDD4-1C704E8B9E99}" type="doc">
-      <dgm:prSet loTypeId="urn:microsoft.com/office/officeart/2005/8/layout/hierarchy1" loCatId="hierarchy" qsTypeId="urn:microsoft.com/office/officeart/2005/8/quickstyle/simple1" qsCatId="simple" csTypeId="urn:microsoft.com/office/officeart/2005/8/colors/accent1_2" csCatId="accent1" phldr="0"/>
+      <dgm:prSet loTypeId="urn:microsoft.com/office/officeart/2005/8/layout/hierarchy1" loCatId="hierarchy" qsTypeId="urn:microsoft.com/office/officeart/2005/8/quickstyle/simple1" qsCatId="simple" csTypeId="urn:microsoft.com/office/officeart/2005/8/colors/accent1_2" csCatId="accent1" phldr="1"/>
       <dgm:spPr/>
       <dgm:t>
         <a:bodyPr/>
@@ -1645,7 +1648,7 @@
         <a:bodyPr/>
         <a:lstStyle/>
         <a:p>
-          <a:endParaRPr lang="en-CA"/>
+          <a:endParaRPr lang="en-CA" dirty="0"/>
         </a:p>
       </dgm:t>
     </dgm:pt>
@@ -1711,7 +1714,7 @@
         <a:bodyPr/>
         <a:lstStyle/>
         <a:p>
-          <a:endParaRPr lang="en-CA"/>
+          <a:endParaRPr lang="en-CA" dirty="0"/>
         </a:p>
       </dgm:t>
     </dgm:pt>
@@ -1744,7 +1747,7 @@
         <a:bodyPr/>
         <a:lstStyle/>
         <a:p>
-          <a:endParaRPr lang="en-CA"/>
+          <a:endParaRPr lang="en-CA" dirty="0"/>
         </a:p>
       </dgm:t>
     </dgm:pt>
@@ -3509,7 +3512,7 @@
             </a:spcAft>
             <a:buNone/>
           </a:pPr>
-          <a:endParaRPr lang="en-CA" sz="4400" kern="1200"/>
+          <a:endParaRPr lang="en-CA" sz="4400" kern="1200" dirty="0"/>
         </a:p>
       </dsp:txBody>
       <dsp:txXfrm>
@@ -8144,7 +8147,7 @@
           <a:p>
             <a:fld id="{B72D89D6-1A82-47AE-A578-1D1A039685D3}" type="datetimeFigureOut">
               <a:rPr lang="en-CA" smtClean="0"/>
-              <a:t>2020-03-12</a:t>
+              <a:t>2020-03-13</a:t>
             </a:fld>
             <a:endParaRPr lang="en-CA"/>
           </a:p>
@@ -8561,7 +8564,7 @@
           <a:p>
             <a:fld id="{D3EA804D-2281-49B7-9479-79291B2ABE7D}" type="datetime1">
               <a:rPr lang="en-CA" smtClean="0"/>
-              <a:t>2020-03-12</a:t>
+              <a:t>2020-03-13</a:t>
             </a:fld>
             <a:endParaRPr lang="en-CA"/>
           </a:p>
@@ -8761,7 +8764,7 @@
           <a:p>
             <a:fld id="{A44BEBE3-46E2-4B16-83EA-EF244089F705}" type="datetime1">
               <a:rPr lang="en-CA" smtClean="0"/>
-              <a:t>2020-03-12</a:t>
+              <a:t>2020-03-13</a:t>
             </a:fld>
             <a:endParaRPr lang="en-CA"/>
           </a:p>
@@ -8971,7 +8974,7 @@
           <a:p>
             <a:fld id="{6D86A2CB-AF4C-46F3-8849-027EC5C34E44}" type="datetime1">
               <a:rPr lang="en-CA" smtClean="0"/>
-              <a:t>2020-03-12</a:t>
+              <a:t>2020-03-13</a:t>
             </a:fld>
             <a:endParaRPr lang="en-CA"/>
           </a:p>
@@ -9171,7 +9174,7 @@
           <a:p>
             <a:fld id="{EFCF45C6-0C92-4362-9CCD-3B35D08D8278}" type="datetime1">
               <a:rPr lang="en-CA" smtClean="0"/>
-              <a:t>2020-03-12</a:t>
+              <a:t>2020-03-13</a:t>
             </a:fld>
             <a:endParaRPr lang="en-CA"/>
           </a:p>
@@ -9447,7 +9450,7 @@
           <a:p>
             <a:fld id="{3C266647-B0FC-40A7-878A-D3075E09A60D}" type="datetime1">
               <a:rPr lang="en-CA" smtClean="0"/>
-              <a:t>2020-03-12</a:t>
+              <a:t>2020-03-13</a:t>
             </a:fld>
             <a:endParaRPr lang="en-CA"/>
           </a:p>
@@ -9715,7 +9718,7 @@
           <a:p>
             <a:fld id="{C6B3F6F5-2D9F-4C4F-B94C-19209C993E1B}" type="datetime1">
               <a:rPr lang="en-CA" smtClean="0"/>
-              <a:t>2020-03-12</a:t>
+              <a:t>2020-03-13</a:t>
             </a:fld>
             <a:endParaRPr lang="en-CA"/>
           </a:p>
@@ -10130,7 +10133,7 @@
           <a:p>
             <a:fld id="{F0EA00FA-3A7F-4A4A-AA2B-E3236E85837B}" type="datetime1">
               <a:rPr lang="en-CA" smtClean="0"/>
-              <a:t>2020-03-12</a:t>
+              <a:t>2020-03-13</a:t>
             </a:fld>
             <a:endParaRPr lang="en-CA"/>
           </a:p>
@@ -10272,7 +10275,7 @@
           <a:p>
             <a:fld id="{3BF0CE1A-9461-409D-A2B4-CBBFE4D19036}" type="datetime1">
               <a:rPr lang="en-CA" smtClean="0"/>
-              <a:t>2020-03-12</a:t>
+              <a:t>2020-03-13</a:t>
             </a:fld>
             <a:endParaRPr lang="en-CA"/>
           </a:p>
@@ -10385,7 +10388,7 @@
           <a:p>
             <a:fld id="{7D7E69F0-839D-4D14-8248-B37405F6506A}" type="datetime1">
               <a:rPr lang="en-CA" smtClean="0"/>
-              <a:t>2020-03-12</a:t>
+              <a:t>2020-03-13</a:t>
             </a:fld>
             <a:endParaRPr lang="en-CA"/>
           </a:p>
@@ -10698,7 +10701,7 @@
           <a:p>
             <a:fld id="{9076E1AD-6E80-40AA-836C-783706E2FB77}" type="datetime1">
               <a:rPr lang="en-CA" smtClean="0"/>
-              <a:t>2020-03-12</a:t>
+              <a:t>2020-03-13</a:t>
             </a:fld>
             <a:endParaRPr lang="en-CA"/>
           </a:p>
@@ -10987,7 +10990,7 @@
           <a:p>
             <a:fld id="{79A5A19C-7551-44DF-9F73-2C7240120CF0}" type="datetime1">
               <a:rPr lang="en-CA" smtClean="0"/>
-              <a:t>2020-03-12</a:t>
+              <a:t>2020-03-13</a:t>
             </a:fld>
             <a:endParaRPr lang="en-CA"/>
           </a:p>
@@ -11230,7 +11233,7 @@
           <a:p>
             <a:fld id="{8AA54C8C-1A85-4367-9836-6487B2863912}" type="datetime1">
               <a:rPr lang="en-CA" smtClean="0"/>
-              <a:t>2020-03-12</a:t>
+              <a:t>2020-03-13</a:t>
             </a:fld>
             <a:endParaRPr lang="en-CA"/>
           </a:p>
@@ -13989,36 +13992,434 @@
           </a:p>
         </p:txBody>
       </p:sp>
-      <p:sp>
-        <p:nvSpPr>
-          <p:cNvPr id="6" name="Content Placeholder 5">
+      <p:graphicFrame>
+        <p:nvGraphicFramePr>
+          <p:cNvPr id="5" name="Table 6">
             <a:extLst>
               <a:ext uri="{FF2B5EF4-FFF2-40B4-BE49-F238E27FC236}">
-                <a16:creationId xmlns:a16="http://schemas.microsoft.com/office/drawing/2014/main" id="{83A9D63F-A83C-4A31-8625-D65B3004790B}"/>
+                <a16:creationId xmlns:a16="http://schemas.microsoft.com/office/drawing/2014/main" id="{E452FC23-290F-4B3D-8CE8-11E1347413BD}"/>
               </a:ext>
             </a:extLst>
           </p:cNvPr>
-          <p:cNvSpPr>
-            <a:spLocks noGrp="1"/>
-          </p:cNvSpPr>
+          <p:cNvGraphicFramePr>
+            <a:graphicFrameLocks noGrp="1"/>
+          </p:cNvGraphicFramePr>
           <p:nvPr>
             <p:ph idx="1"/>
+            <p:extLst>
+              <p:ext uri="{D42A27DB-BD31-4B8C-83A1-F6EECF244321}">
+                <p14:modId xmlns:p14="http://schemas.microsoft.com/office/powerpoint/2010/main" val="4245291815"/>
+              </p:ext>
+            </p:extLst>
           </p:nvPr>
-        </p:nvSpPr>
-        <p:spPr>
-          <a:xfrm>
-            <a:off x="838200" y="1392236"/>
-            <a:ext cx="10515600" cy="4690269"/>
-          </a:xfrm>
-        </p:spPr>
-        <p:txBody>
-          <a:bodyPr/>
-          <a:lstStyle/>
-          <a:p>
-            <a:endParaRPr lang="en-CA"/>
-          </a:p>
-        </p:txBody>
-      </p:sp>
+        </p:nvGraphicFramePr>
+        <p:xfrm>
+          <a:off x="838200" y="1825625"/>
+          <a:ext cx="10515597" cy="3708400"/>
+        </p:xfrm>
+        <a:graphic>
+          <a:graphicData uri="http://schemas.openxmlformats.org/drawingml/2006/table">
+            <a:tbl>
+              <a:tblPr firstRow="1" bandRow="1">
+                <a:tableStyleId>{5C22544A-7EE6-4342-B048-85BDC9FD1C3A}</a:tableStyleId>
+              </a:tblPr>
+              <a:tblGrid>
+                <a:gridCol w="3505199">
+                  <a:extLst>
+                    <a:ext uri="{9D8B030D-6E8A-4147-A177-3AD203B41FA5}">
+                      <a16:colId xmlns:a16="http://schemas.microsoft.com/office/drawing/2014/main" val="659500182"/>
+                    </a:ext>
+                  </a:extLst>
+                </a:gridCol>
+                <a:gridCol w="3505199">
+                  <a:extLst>
+                    <a:ext uri="{9D8B030D-6E8A-4147-A177-3AD203B41FA5}">
+                      <a16:colId xmlns:a16="http://schemas.microsoft.com/office/drawing/2014/main" val="2329865244"/>
+                    </a:ext>
+                  </a:extLst>
+                </a:gridCol>
+                <a:gridCol w="3505199">
+                  <a:extLst>
+                    <a:ext uri="{9D8B030D-6E8A-4147-A177-3AD203B41FA5}">
+                      <a16:colId xmlns:a16="http://schemas.microsoft.com/office/drawing/2014/main" val="352581232"/>
+                    </a:ext>
+                  </a:extLst>
+                </a:gridCol>
+              </a:tblGrid>
+              <a:tr h="370840">
+                <a:tc>
+                  <a:txBody>
+                    <a:bodyPr/>
+                    <a:lstStyle/>
+                    <a:p>
+                      <a:endParaRPr lang="en-CA"/>
+                    </a:p>
+                  </a:txBody>
+                  <a:tcPr/>
+                </a:tc>
+                <a:tc>
+                  <a:txBody>
+                    <a:bodyPr/>
+                    <a:lstStyle/>
+                    <a:p>
+                      <a:endParaRPr lang="en-CA"/>
+                    </a:p>
+                  </a:txBody>
+                  <a:tcPr/>
+                </a:tc>
+                <a:tc>
+                  <a:txBody>
+                    <a:bodyPr/>
+                    <a:lstStyle/>
+                    <a:p>
+                      <a:endParaRPr lang="en-CA"/>
+                    </a:p>
+                  </a:txBody>
+                  <a:tcPr/>
+                </a:tc>
+                <a:extLst>
+                  <a:ext uri="{0D108BD9-81ED-4DB2-BD59-A6C34878D82A}">
+                    <a16:rowId xmlns:a16="http://schemas.microsoft.com/office/drawing/2014/main" val="2352957968"/>
+                  </a:ext>
+                </a:extLst>
+              </a:tr>
+              <a:tr h="370840">
+                <a:tc>
+                  <a:txBody>
+                    <a:bodyPr/>
+                    <a:lstStyle/>
+                    <a:p>
+                      <a:endParaRPr lang="en-CA"/>
+                    </a:p>
+                  </a:txBody>
+                  <a:tcPr/>
+                </a:tc>
+                <a:tc>
+                  <a:txBody>
+                    <a:bodyPr/>
+                    <a:lstStyle/>
+                    <a:p>
+                      <a:endParaRPr lang="en-CA"/>
+                    </a:p>
+                  </a:txBody>
+                  <a:tcPr/>
+                </a:tc>
+                <a:tc>
+                  <a:txBody>
+                    <a:bodyPr/>
+                    <a:lstStyle/>
+                    <a:p>
+                      <a:endParaRPr lang="en-CA"/>
+                    </a:p>
+                  </a:txBody>
+                  <a:tcPr/>
+                </a:tc>
+                <a:extLst>
+                  <a:ext uri="{0D108BD9-81ED-4DB2-BD59-A6C34878D82A}">
+                    <a16:rowId xmlns:a16="http://schemas.microsoft.com/office/drawing/2014/main" val="2318709727"/>
+                  </a:ext>
+                </a:extLst>
+              </a:tr>
+              <a:tr h="370840">
+                <a:tc>
+                  <a:txBody>
+                    <a:bodyPr/>
+                    <a:lstStyle/>
+                    <a:p>
+                      <a:endParaRPr lang="en-CA"/>
+                    </a:p>
+                  </a:txBody>
+                  <a:tcPr/>
+                </a:tc>
+                <a:tc>
+                  <a:txBody>
+                    <a:bodyPr/>
+                    <a:lstStyle/>
+                    <a:p>
+                      <a:endParaRPr lang="en-CA"/>
+                    </a:p>
+                  </a:txBody>
+                  <a:tcPr/>
+                </a:tc>
+                <a:tc>
+                  <a:txBody>
+                    <a:bodyPr/>
+                    <a:lstStyle/>
+                    <a:p>
+                      <a:endParaRPr lang="en-CA"/>
+                    </a:p>
+                  </a:txBody>
+                  <a:tcPr/>
+                </a:tc>
+                <a:extLst>
+                  <a:ext uri="{0D108BD9-81ED-4DB2-BD59-A6C34878D82A}">
+                    <a16:rowId xmlns:a16="http://schemas.microsoft.com/office/drawing/2014/main" val="2724417541"/>
+                  </a:ext>
+                </a:extLst>
+              </a:tr>
+              <a:tr h="370840">
+                <a:tc>
+                  <a:txBody>
+                    <a:bodyPr/>
+                    <a:lstStyle/>
+                    <a:p>
+                      <a:endParaRPr lang="en-CA"/>
+                    </a:p>
+                  </a:txBody>
+                  <a:tcPr/>
+                </a:tc>
+                <a:tc>
+                  <a:txBody>
+                    <a:bodyPr/>
+                    <a:lstStyle/>
+                    <a:p>
+                      <a:endParaRPr lang="en-CA"/>
+                    </a:p>
+                  </a:txBody>
+                  <a:tcPr/>
+                </a:tc>
+                <a:tc>
+                  <a:txBody>
+                    <a:bodyPr/>
+                    <a:lstStyle/>
+                    <a:p>
+                      <a:endParaRPr lang="en-CA"/>
+                    </a:p>
+                  </a:txBody>
+                  <a:tcPr/>
+                </a:tc>
+                <a:extLst>
+                  <a:ext uri="{0D108BD9-81ED-4DB2-BD59-A6C34878D82A}">
+                    <a16:rowId xmlns:a16="http://schemas.microsoft.com/office/drawing/2014/main" val="3846309460"/>
+                  </a:ext>
+                </a:extLst>
+              </a:tr>
+              <a:tr h="370840">
+                <a:tc>
+                  <a:txBody>
+                    <a:bodyPr/>
+                    <a:lstStyle/>
+                    <a:p>
+                      <a:endParaRPr lang="en-CA"/>
+                    </a:p>
+                  </a:txBody>
+                  <a:tcPr/>
+                </a:tc>
+                <a:tc>
+                  <a:txBody>
+                    <a:bodyPr/>
+                    <a:lstStyle/>
+                    <a:p>
+                      <a:endParaRPr lang="en-CA"/>
+                    </a:p>
+                  </a:txBody>
+                  <a:tcPr/>
+                </a:tc>
+                <a:tc>
+                  <a:txBody>
+                    <a:bodyPr/>
+                    <a:lstStyle/>
+                    <a:p>
+                      <a:endParaRPr lang="en-CA"/>
+                    </a:p>
+                  </a:txBody>
+                  <a:tcPr/>
+                </a:tc>
+                <a:extLst>
+                  <a:ext uri="{0D108BD9-81ED-4DB2-BD59-A6C34878D82A}">
+                    <a16:rowId xmlns:a16="http://schemas.microsoft.com/office/drawing/2014/main" val="1570116772"/>
+                  </a:ext>
+                </a:extLst>
+              </a:tr>
+              <a:tr h="370840">
+                <a:tc>
+                  <a:txBody>
+                    <a:bodyPr/>
+                    <a:lstStyle/>
+                    <a:p>
+                      <a:endParaRPr lang="en-CA"/>
+                    </a:p>
+                  </a:txBody>
+                  <a:tcPr/>
+                </a:tc>
+                <a:tc>
+                  <a:txBody>
+                    <a:bodyPr/>
+                    <a:lstStyle/>
+                    <a:p>
+                      <a:endParaRPr lang="en-CA"/>
+                    </a:p>
+                  </a:txBody>
+                  <a:tcPr/>
+                </a:tc>
+                <a:tc>
+                  <a:txBody>
+                    <a:bodyPr/>
+                    <a:lstStyle/>
+                    <a:p>
+                      <a:endParaRPr lang="en-CA"/>
+                    </a:p>
+                  </a:txBody>
+                  <a:tcPr/>
+                </a:tc>
+                <a:extLst>
+                  <a:ext uri="{0D108BD9-81ED-4DB2-BD59-A6C34878D82A}">
+                    <a16:rowId xmlns:a16="http://schemas.microsoft.com/office/drawing/2014/main" val="3142725205"/>
+                  </a:ext>
+                </a:extLst>
+              </a:tr>
+              <a:tr h="370840">
+                <a:tc>
+                  <a:txBody>
+                    <a:bodyPr/>
+                    <a:lstStyle/>
+                    <a:p>
+                      <a:endParaRPr lang="en-CA"/>
+                    </a:p>
+                  </a:txBody>
+                  <a:tcPr/>
+                </a:tc>
+                <a:tc>
+                  <a:txBody>
+                    <a:bodyPr/>
+                    <a:lstStyle/>
+                    <a:p>
+                      <a:endParaRPr lang="en-CA"/>
+                    </a:p>
+                  </a:txBody>
+                  <a:tcPr/>
+                </a:tc>
+                <a:tc>
+                  <a:txBody>
+                    <a:bodyPr/>
+                    <a:lstStyle/>
+                    <a:p>
+                      <a:endParaRPr lang="en-CA"/>
+                    </a:p>
+                  </a:txBody>
+                  <a:tcPr/>
+                </a:tc>
+                <a:extLst>
+                  <a:ext uri="{0D108BD9-81ED-4DB2-BD59-A6C34878D82A}">
+                    <a16:rowId xmlns:a16="http://schemas.microsoft.com/office/drawing/2014/main" val="304388306"/>
+                  </a:ext>
+                </a:extLst>
+              </a:tr>
+              <a:tr h="370840">
+                <a:tc>
+                  <a:txBody>
+                    <a:bodyPr/>
+                    <a:lstStyle/>
+                    <a:p>
+                      <a:endParaRPr lang="en-CA"/>
+                    </a:p>
+                  </a:txBody>
+                  <a:tcPr/>
+                </a:tc>
+                <a:tc>
+                  <a:txBody>
+                    <a:bodyPr/>
+                    <a:lstStyle/>
+                    <a:p>
+                      <a:endParaRPr lang="en-CA"/>
+                    </a:p>
+                  </a:txBody>
+                  <a:tcPr/>
+                </a:tc>
+                <a:tc>
+                  <a:txBody>
+                    <a:bodyPr/>
+                    <a:lstStyle/>
+                    <a:p>
+                      <a:endParaRPr lang="en-CA"/>
+                    </a:p>
+                  </a:txBody>
+                  <a:tcPr/>
+                </a:tc>
+                <a:extLst>
+                  <a:ext uri="{0D108BD9-81ED-4DB2-BD59-A6C34878D82A}">
+                    <a16:rowId xmlns:a16="http://schemas.microsoft.com/office/drawing/2014/main" val="2874954563"/>
+                  </a:ext>
+                </a:extLst>
+              </a:tr>
+              <a:tr h="370840">
+                <a:tc>
+                  <a:txBody>
+                    <a:bodyPr/>
+                    <a:lstStyle/>
+                    <a:p>
+                      <a:endParaRPr lang="en-CA"/>
+                    </a:p>
+                  </a:txBody>
+                  <a:tcPr/>
+                </a:tc>
+                <a:tc>
+                  <a:txBody>
+                    <a:bodyPr/>
+                    <a:lstStyle/>
+                    <a:p>
+                      <a:endParaRPr lang="en-CA"/>
+                    </a:p>
+                  </a:txBody>
+                  <a:tcPr/>
+                </a:tc>
+                <a:tc>
+                  <a:txBody>
+                    <a:bodyPr/>
+                    <a:lstStyle/>
+                    <a:p>
+                      <a:endParaRPr lang="en-CA"/>
+                    </a:p>
+                  </a:txBody>
+                  <a:tcPr/>
+                </a:tc>
+                <a:extLst>
+                  <a:ext uri="{0D108BD9-81ED-4DB2-BD59-A6C34878D82A}">
+                    <a16:rowId xmlns:a16="http://schemas.microsoft.com/office/drawing/2014/main" val="1211222070"/>
+                  </a:ext>
+                </a:extLst>
+              </a:tr>
+              <a:tr h="370840">
+                <a:tc>
+                  <a:txBody>
+                    <a:bodyPr/>
+                    <a:lstStyle/>
+                    <a:p>
+                      <a:endParaRPr lang="en-CA"/>
+                    </a:p>
+                  </a:txBody>
+                  <a:tcPr/>
+                </a:tc>
+                <a:tc>
+                  <a:txBody>
+                    <a:bodyPr/>
+                    <a:lstStyle/>
+                    <a:p>
+                      <a:endParaRPr lang="en-CA"/>
+                    </a:p>
+                  </a:txBody>
+                  <a:tcPr/>
+                </a:tc>
+                <a:tc>
+                  <a:txBody>
+                    <a:bodyPr/>
+                    <a:lstStyle/>
+                    <a:p>
+                      <a:endParaRPr lang="en-CA" dirty="0"/>
+                    </a:p>
+                  </a:txBody>
+                  <a:tcPr/>
+                </a:tc>
+                <a:extLst>
+                  <a:ext uri="{0D108BD9-81ED-4DB2-BD59-A6C34878D82A}">
+                    <a16:rowId xmlns:a16="http://schemas.microsoft.com/office/drawing/2014/main" val="2895420077"/>
+                  </a:ext>
+                </a:extLst>
+              </a:tr>
+            </a:tbl>
+          </a:graphicData>
+        </a:graphic>
+      </p:graphicFrame>
       <p:sp>
         <p:nvSpPr>
           <p:cNvPr id="4" name="Slide Number Placeholder 3">
@@ -14870,36 +15271,570 @@
           </a:p>
         </p:txBody>
       </p:sp>
-      <p:sp>
-        <p:nvSpPr>
-          <p:cNvPr id="6" name="Content Placeholder 5">
+      <p:graphicFrame>
+        <p:nvGraphicFramePr>
+          <p:cNvPr id="5" name="Table 6">
             <a:extLst>
               <a:ext uri="{FF2B5EF4-FFF2-40B4-BE49-F238E27FC236}">
-                <a16:creationId xmlns:a16="http://schemas.microsoft.com/office/drawing/2014/main" id="{83A9D63F-A83C-4A31-8625-D65B3004790B}"/>
+                <a16:creationId xmlns:a16="http://schemas.microsoft.com/office/drawing/2014/main" id="{9AB5487A-2BD1-40DA-95ED-87F03138D9F1}"/>
               </a:ext>
             </a:extLst>
           </p:cNvPr>
-          <p:cNvSpPr>
-            <a:spLocks noGrp="1"/>
-          </p:cNvSpPr>
+          <p:cNvGraphicFramePr>
+            <a:graphicFrameLocks noGrp="1"/>
+          </p:cNvGraphicFramePr>
           <p:nvPr>
             <p:ph idx="1"/>
+            <p:extLst>
+              <p:ext uri="{D42A27DB-BD31-4B8C-83A1-F6EECF244321}">
+                <p14:modId xmlns:p14="http://schemas.microsoft.com/office/powerpoint/2010/main" val="4086977832"/>
+              </p:ext>
+            </p:extLst>
           </p:nvPr>
-        </p:nvSpPr>
-        <p:spPr>
-          <a:xfrm>
-            <a:off x="838200" y="1392236"/>
-            <a:ext cx="10515600" cy="4690269"/>
-          </a:xfrm>
-        </p:spPr>
-        <p:txBody>
-          <a:bodyPr/>
-          <a:lstStyle/>
-          <a:p>
-            <a:endParaRPr lang="en-CA"/>
-          </a:p>
-        </p:txBody>
-      </p:sp>
+        </p:nvGraphicFramePr>
+        <p:xfrm>
+          <a:off x="838200" y="1825625"/>
+          <a:ext cx="10515600" cy="3996690"/>
+        </p:xfrm>
+        <a:graphic>
+          <a:graphicData uri="http://schemas.openxmlformats.org/drawingml/2006/table">
+            <a:tbl>
+              <a:tblPr firstRow="1" bandRow="1">
+                <a:tableStyleId>{5C22544A-7EE6-4342-B048-85BDC9FD1C3A}</a:tableStyleId>
+              </a:tblPr>
+              <a:tblGrid>
+                <a:gridCol w="2103120">
+                  <a:extLst>
+                    <a:ext uri="{9D8B030D-6E8A-4147-A177-3AD203B41FA5}">
+                      <a16:colId xmlns:a16="http://schemas.microsoft.com/office/drawing/2014/main" val="384588614"/>
+                    </a:ext>
+                  </a:extLst>
+                </a:gridCol>
+                <a:gridCol w="2103120">
+                  <a:extLst>
+                    <a:ext uri="{9D8B030D-6E8A-4147-A177-3AD203B41FA5}">
+                      <a16:colId xmlns:a16="http://schemas.microsoft.com/office/drawing/2014/main" val="2562364378"/>
+                    </a:ext>
+                  </a:extLst>
+                </a:gridCol>
+                <a:gridCol w="2103120">
+                  <a:extLst>
+                    <a:ext uri="{9D8B030D-6E8A-4147-A177-3AD203B41FA5}">
+                      <a16:colId xmlns:a16="http://schemas.microsoft.com/office/drawing/2014/main" val="1735286701"/>
+                    </a:ext>
+                  </a:extLst>
+                </a:gridCol>
+                <a:gridCol w="2103120">
+                  <a:extLst>
+                    <a:ext uri="{9D8B030D-6E8A-4147-A177-3AD203B41FA5}">
+                      <a16:colId xmlns:a16="http://schemas.microsoft.com/office/drawing/2014/main" val="3479443308"/>
+                    </a:ext>
+                  </a:extLst>
+                </a:gridCol>
+                <a:gridCol w="2103120">
+                  <a:extLst>
+                    <a:ext uri="{9D8B030D-6E8A-4147-A177-3AD203B41FA5}">
+                      <a16:colId xmlns:a16="http://schemas.microsoft.com/office/drawing/2014/main" val="1857565254"/>
+                    </a:ext>
+                  </a:extLst>
+                </a:gridCol>
+              </a:tblGrid>
+              <a:tr h="370840">
+                <a:tc>
+                  <a:txBody>
+                    <a:bodyPr/>
+                    <a:lstStyle/>
+                    <a:p>
+                      <a:pPr>
+                        <a:lnSpc>
+                          <a:spcPct val="250000"/>
+                        </a:lnSpc>
+                      </a:pPr>
+                      <a:endParaRPr lang="en-CA" dirty="0"/>
+                    </a:p>
+                  </a:txBody>
+                  <a:tcPr/>
+                </a:tc>
+                <a:tc>
+                  <a:txBody>
+                    <a:bodyPr/>
+                    <a:lstStyle/>
+                    <a:p>
+                      <a:pPr>
+                        <a:lnSpc>
+                          <a:spcPct val="250000"/>
+                        </a:lnSpc>
+                      </a:pPr>
+                      <a:endParaRPr lang="en-CA" dirty="0"/>
+                    </a:p>
+                  </a:txBody>
+                  <a:tcPr/>
+                </a:tc>
+                <a:tc>
+                  <a:txBody>
+                    <a:bodyPr/>
+                    <a:lstStyle/>
+                    <a:p>
+                      <a:pPr>
+                        <a:lnSpc>
+                          <a:spcPct val="250000"/>
+                        </a:lnSpc>
+                      </a:pPr>
+                      <a:endParaRPr lang="en-CA" dirty="0"/>
+                    </a:p>
+                  </a:txBody>
+                  <a:tcPr/>
+                </a:tc>
+                <a:tc>
+                  <a:txBody>
+                    <a:bodyPr/>
+                    <a:lstStyle/>
+                    <a:p>
+                      <a:pPr>
+                        <a:lnSpc>
+                          <a:spcPct val="250000"/>
+                        </a:lnSpc>
+                      </a:pPr>
+                      <a:endParaRPr lang="en-CA"/>
+                    </a:p>
+                  </a:txBody>
+                  <a:tcPr/>
+                </a:tc>
+                <a:tc>
+                  <a:txBody>
+                    <a:bodyPr/>
+                    <a:lstStyle/>
+                    <a:p>
+                      <a:pPr>
+                        <a:lnSpc>
+                          <a:spcPct val="250000"/>
+                        </a:lnSpc>
+                      </a:pPr>
+                      <a:endParaRPr lang="en-CA"/>
+                    </a:p>
+                  </a:txBody>
+                  <a:tcPr/>
+                </a:tc>
+                <a:extLst>
+                  <a:ext uri="{0D108BD9-81ED-4DB2-BD59-A6C34878D82A}">
+                    <a16:rowId xmlns:a16="http://schemas.microsoft.com/office/drawing/2014/main" val="1624943525"/>
+                  </a:ext>
+                </a:extLst>
+              </a:tr>
+              <a:tr h="370840">
+                <a:tc>
+                  <a:txBody>
+                    <a:bodyPr/>
+                    <a:lstStyle/>
+                    <a:p>
+                      <a:pPr>
+                        <a:lnSpc>
+                          <a:spcPct val="250000"/>
+                        </a:lnSpc>
+                      </a:pPr>
+                      <a:endParaRPr lang="en-CA"/>
+                    </a:p>
+                  </a:txBody>
+                  <a:tcPr/>
+                </a:tc>
+                <a:tc>
+                  <a:txBody>
+                    <a:bodyPr/>
+                    <a:lstStyle/>
+                    <a:p>
+                      <a:pPr>
+                        <a:lnSpc>
+                          <a:spcPct val="250000"/>
+                        </a:lnSpc>
+                      </a:pPr>
+                      <a:endParaRPr lang="en-CA"/>
+                    </a:p>
+                  </a:txBody>
+                  <a:tcPr/>
+                </a:tc>
+                <a:tc>
+                  <a:txBody>
+                    <a:bodyPr/>
+                    <a:lstStyle/>
+                    <a:p>
+                      <a:pPr>
+                        <a:lnSpc>
+                          <a:spcPct val="250000"/>
+                        </a:lnSpc>
+                      </a:pPr>
+                      <a:endParaRPr lang="en-CA"/>
+                    </a:p>
+                  </a:txBody>
+                  <a:tcPr/>
+                </a:tc>
+                <a:tc>
+                  <a:txBody>
+                    <a:bodyPr/>
+                    <a:lstStyle/>
+                    <a:p>
+                      <a:pPr>
+                        <a:lnSpc>
+                          <a:spcPct val="250000"/>
+                        </a:lnSpc>
+                      </a:pPr>
+                      <a:endParaRPr lang="en-CA" dirty="0"/>
+                    </a:p>
+                  </a:txBody>
+                  <a:tcPr/>
+                </a:tc>
+                <a:tc>
+                  <a:txBody>
+                    <a:bodyPr/>
+                    <a:lstStyle/>
+                    <a:p>
+                      <a:pPr>
+                        <a:lnSpc>
+                          <a:spcPct val="250000"/>
+                        </a:lnSpc>
+                      </a:pPr>
+                      <a:endParaRPr lang="en-CA"/>
+                    </a:p>
+                  </a:txBody>
+                  <a:tcPr/>
+                </a:tc>
+                <a:extLst>
+                  <a:ext uri="{0D108BD9-81ED-4DB2-BD59-A6C34878D82A}">
+                    <a16:rowId xmlns:a16="http://schemas.microsoft.com/office/drawing/2014/main" val="2919621948"/>
+                  </a:ext>
+                </a:extLst>
+              </a:tr>
+              <a:tr h="370840">
+                <a:tc>
+                  <a:txBody>
+                    <a:bodyPr/>
+                    <a:lstStyle/>
+                    <a:p>
+                      <a:pPr>
+                        <a:lnSpc>
+                          <a:spcPct val="250000"/>
+                        </a:lnSpc>
+                      </a:pPr>
+                      <a:endParaRPr lang="en-CA"/>
+                    </a:p>
+                  </a:txBody>
+                  <a:tcPr/>
+                </a:tc>
+                <a:tc>
+                  <a:txBody>
+                    <a:bodyPr/>
+                    <a:lstStyle/>
+                    <a:p>
+                      <a:pPr>
+                        <a:lnSpc>
+                          <a:spcPct val="250000"/>
+                        </a:lnSpc>
+                      </a:pPr>
+                      <a:endParaRPr lang="en-CA"/>
+                    </a:p>
+                  </a:txBody>
+                  <a:tcPr/>
+                </a:tc>
+                <a:tc>
+                  <a:txBody>
+                    <a:bodyPr/>
+                    <a:lstStyle/>
+                    <a:p>
+                      <a:pPr>
+                        <a:lnSpc>
+                          <a:spcPct val="250000"/>
+                        </a:lnSpc>
+                      </a:pPr>
+                      <a:endParaRPr lang="en-CA"/>
+                    </a:p>
+                  </a:txBody>
+                  <a:tcPr/>
+                </a:tc>
+                <a:tc>
+                  <a:txBody>
+                    <a:bodyPr/>
+                    <a:lstStyle/>
+                    <a:p>
+                      <a:pPr>
+                        <a:lnSpc>
+                          <a:spcPct val="250000"/>
+                        </a:lnSpc>
+                      </a:pPr>
+                      <a:endParaRPr lang="en-CA" dirty="0"/>
+                    </a:p>
+                  </a:txBody>
+                  <a:tcPr/>
+                </a:tc>
+                <a:tc>
+                  <a:txBody>
+                    <a:bodyPr/>
+                    <a:lstStyle/>
+                    <a:p>
+                      <a:pPr>
+                        <a:lnSpc>
+                          <a:spcPct val="250000"/>
+                        </a:lnSpc>
+                      </a:pPr>
+                      <a:endParaRPr lang="en-CA" dirty="0"/>
+                    </a:p>
+                  </a:txBody>
+                  <a:tcPr/>
+                </a:tc>
+                <a:extLst>
+                  <a:ext uri="{0D108BD9-81ED-4DB2-BD59-A6C34878D82A}">
+                    <a16:rowId xmlns:a16="http://schemas.microsoft.com/office/drawing/2014/main" val="247153510"/>
+                  </a:ext>
+                </a:extLst>
+              </a:tr>
+              <a:tr h="370840">
+                <a:tc>
+                  <a:txBody>
+                    <a:bodyPr/>
+                    <a:lstStyle/>
+                    <a:p>
+                      <a:pPr>
+                        <a:lnSpc>
+                          <a:spcPct val="250000"/>
+                        </a:lnSpc>
+                      </a:pPr>
+                      <a:endParaRPr lang="en-CA"/>
+                    </a:p>
+                  </a:txBody>
+                  <a:tcPr/>
+                </a:tc>
+                <a:tc>
+                  <a:txBody>
+                    <a:bodyPr/>
+                    <a:lstStyle/>
+                    <a:p>
+                      <a:pPr>
+                        <a:lnSpc>
+                          <a:spcPct val="250000"/>
+                        </a:lnSpc>
+                      </a:pPr>
+                      <a:endParaRPr lang="en-CA"/>
+                    </a:p>
+                  </a:txBody>
+                  <a:tcPr/>
+                </a:tc>
+                <a:tc>
+                  <a:txBody>
+                    <a:bodyPr/>
+                    <a:lstStyle/>
+                    <a:p>
+                      <a:pPr>
+                        <a:lnSpc>
+                          <a:spcPct val="250000"/>
+                        </a:lnSpc>
+                      </a:pPr>
+                      <a:endParaRPr lang="en-CA"/>
+                    </a:p>
+                  </a:txBody>
+                  <a:tcPr/>
+                </a:tc>
+                <a:tc>
+                  <a:txBody>
+                    <a:bodyPr/>
+                    <a:lstStyle/>
+                    <a:p>
+                      <a:pPr>
+                        <a:lnSpc>
+                          <a:spcPct val="250000"/>
+                        </a:lnSpc>
+                      </a:pPr>
+                      <a:endParaRPr lang="en-CA"/>
+                    </a:p>
+                  </a:txBody>
+                  <a:tcPr/>
+                </a:tc>
+                <a:tc>
+                  <a:txBody>
+                    <a:bodyPr/>
+                    <a:lstStyle/>
+                    <a:p>
+                      <a:pPr>
+                        <a:lnSpc>
+                          <a:spcPct val="250000"/>
+                        </a:lnSpc>
+                      </a:pPr>
+                      <a:endParaRPr lang="en-CA" dirty="0"/>
+                    </a:p>
+                  </a:txBody>
+                  <a:tcPr/>
+                </a:tc>
+                <a:extLst>
+                  <a:ext uri="{0D108BD9-81ED-4DB2-BD59-A6C34878D82A}">
+                    <a16:rowId xmlns:a16="http://schemas.microsoft.com/office/drawing/2014/main" val="1469596459"/>
+                  </a:ext>
+                </a:extLst>
+              </a:tr>
+              <a:tr h="370840">
+                <a:tc>
+                  <a:txBody>
+                    <a:bodyPr/>
+                    <a:lstStyle/>
+                    <a:p>
+                      <a:pPr>
+                        <a:lnSpc>
+                          <a:spcPct val="250000"/>
+                        </a:lnSpc>
+                      </a:pPr>
+                      <a:endParaRPr lang="en-CA"/>
+                    </a:p>
+                  </a:txBody>
+                  <a:tcPr/>
+                </a:tc>
+                <a:tc>
+                  <a:txBody>
+                    <a:bodyPr/>
+                    <a:lstStyle/>
+                    <a:p>
+                      <a:pPr>
+                        <a:lnSpc>
+                          <a:spcPct val="250000"/>
+                        </a:lnSpc>
+                      </a:pPr>
+                      <a:endParaRPr lang="en-CA"/>
+                    </a:p>
+                  </a:txBody>
+                  <a:tcPr/>
+                </a:tc>
+                <a:tc>
+                  <a:txBody>
+                    <a:bodyPr/>
+                    <a:lstStyle/>
+                    <a:p>
+                      <a:pPr>
+                        <a:lnSpc>
+                          <a:spcPct val="250000"/>
+                        </a:lnSpc>
+                      </a:pPr>
+                      <a:endParaRPr lang="en-CA"/>
+                    </a:p>
+                  </a:txBody>
+                  <a:tcPr/>
+                </a:tc>
+                <a:tc>
+                  <a:txBody>
+                    <a:bodyPr/>
+                    <a:lstStyle/>
+                    <a:p>
+                      <a:pPr>
+                        <a:lnSpc>
+                          <a:spcPct val="250000"/>
+                        </a:lnSpc>
+                      </a:pPr>
+                      <a:endParaRPr lang="en-CA"/>
+                    </a:p>
+                  </a:txBody>
+                  <a:tcPr/>
+                </a:tc>
+                <a:tc>
+                  <a:txBody>
+                    <a:bodyPr/>
+                    <a:lstStyle/>
+                    <a:p>
+                      <a:pPr>
+                        <a:lnSpc>
+                          <a:spcPct val="250000"/>
+                        </a:lnSpc>
+                      </a:pPr>
+                      <a:endParaRPr lang="en-CA" dirty="0"/>
+                    </a:p>
+                  </a:txBody>
+                  <a:tcPr/>
+                </a:tc>
+                <a:extLst>
+                  <a:ext uri="{0D108BD9-81ED-4DB2-BD59-A6C34878D82A}">
+                    <a16:rowId xmlns:a16="http://schemas.microsoft.com/office/drawing/2014/main" val="1124426808"/>
+                  </a:ext>
+                </a:extLst>
+              </a:tr>
+              <a:tr h="370840">
+                <a:tc>
+                  <a:txBody>
+                    <a:bodyPr/>
+                    <a:lstStyle/>
+                    <a:p>
+                      <a:pPr>
+                        <a:lnSpc>
+                          <a:spcPct val="250000"/>
+                        </a:lnSpc>
+                      </a:pPr>
+                      <a:endParaRPr lang="en-CA"/>
+                    </a:p>
+                  </a:txBody>
+                  <a:tcPr/>
+                </a:tc>
+                <a:tc>
+                  <a:txBody>
+                    <a:bodyPr/>
+                    <a:lstStyle/>
+                    <a:p>
+                      <a:pPr>
+                        <a:lnSpc>
+                          <a:spcPct val="250000"/>
+                        </a:lnSpc>
+                      </a:pPr>
+                      <a:endParaRPr lang="en-CA"/>
+                    </a:p>
+                  </a:txBody>
+                  <a:tcPr/>
+                </a:tc>
+                <a:tc>
+                  <a:txBody>
+                    <a:bodyPr/>
+                    <a:lstStyle/>
+                    <a:p>
+                      <a:pPr>
+                        <a:lnSpc>
+                          <a:spcPct val="250000"/>
+                        </a:lnSpc>
+                      </a:pPr>
+                      <a:endParaRPr lang="en-CA"/>
+                    </a:p>
+                  </a:txBody>
+                  <a:tcPr/>
+                </a:tc>
+                <a:tc>
+                  <a:txBody>
+                    <a:bodyPr/>
+                    <a:lstStyle/>
+                    <a:p>
+                      <a:pPr>
+                        <a:lnSpc>
+                          <a:spcPct val="250000"/>
+                        </a:lnSpc>
+                      </a:pPr>
+                      <a:endParaRPr lang="en-CA"/>
+                    </a:p>
+                  </a:txBody>
+                  <a:tcPr/>
+                </a:tc>
+                <a:tc>
+                  <a:txBody>
+                    <a:bodyPr/>
+                    <a:lstStyle/>
+                    <a:p>
+                      <a:pPr>
+                        <a:lnSpc>
+                          <a:spcPct val="250000"/>
+                        </a:lnSpc>
+                      </a:pPr>
+                      <a:endParaRPr lang="en-CA" dirty="0"/>
+                    </a:p>
+                  </a:txBody>
+                  <a:tcPr/>
+                </a:tc>
+                <a:extLst>
+                  <a:ext uri="{0D108BD9-81ED-4DB2-BD59-A6C34878D82A}">
+                    <a16:rowId xmlns:a16="http://schemas.microsoft.com/office/drawing/2014/main" val="3695615333"/>
+                  </a:ext>
+                </a:extLst>
+              </a:tr>
+            </a:tbl>
+          </a:graphicData>
+        </a:graphic>
+      </p:graphicFrame>
       <p:sp>
         <p:nvSpPr>
           <p:cNvPr id="4" name="Slide Number Placeholder 3">
@@ -15903,6 +16838,14 @@
 <file path=ppt/slides/slide16.xml><?xml version="1.0" encoding="utf-8"?>
 <p:sld xmlns:a="http://schemas.openxmlformats.org/drawingml/2006/main" xmlns:r="http://schemas.openxmlformats.org/officeDocument/2006/relationships" xmlns:p="http://schemas.openxmlformats.org/presentationml/2006/main">
   <p:cSld>
+    <p:bg>
+      <p:bgPr>
+        <a:solidFill>
+          <a:schemeClr val="bg1"/>
+        </a:solidFill>
+        <a:effectLst/>
+      </p:bgPr>
+    </p:bg>
     <p:spTree>
       <p:nvGrpSpPr>
         <p:cNvPr id="1" name=""/>
@@ -15919,6 +16862,49 @@
       </p:grpSpPr>
       <p:sp>
         <p:nvSpPr>
+          <p:cNvPr id="2" name="Title 1">
+            <a:extLst>
+              <a:ext uri="{FF2B5EF4-FFF2-40B4-BE49-F238E27FC236}">
+                <a16:creationId xmlns:a16="http://schemas.microsoft.com/office/drawing/2014/main" id="{EABBB07E-8C51-4F19-8A46-3D82ACA5858D}"/>
+              </a:ext>
+            </a:extLst>
+          </p:cNvPr>
+          <p:cNvSpPr>
+            <a:spLocks noGrp="1"/>
+          </p:cNvSpPr>
+          <p:nvPr>
+            <p:ph type="title"/>
+          </p:nvPr>
+        </p:nvSpPr>
+        <p:spPr>
+          <a:xfrm>
+            <a:off x="643468" y="3320859"/>
+            <a:ext cx="4666470" cy="2076333"/>
+          </a:xfrm>
+        </p:spPr>
+        <p:txBody>
+          <a:bodyPr vert="horz" lIns="91440" tIns="45720" rIns="91440" bIns="45720" rtlCol="0" anchor="t">
+            <a:normAutofit/>
+          </a:bodyPr>
+          <a:lstStyle/>
+          <a:p>
+            <a:r>
+              <a:rPr lang="en-US" sz="4800" b="1" dirty="0"/>
+              <a:t>Thanks for your attention !</a:t>
+            </a:r>
+            <a:endParaRPr lang="en-US" sz="4800" b="1" kern="1200" dirty="0">
+              <a:solidFill>
+                <a:schemeClr val="tx1"/>
+              </a:solidFill>
+              <a:latin typeface="+mj-lt"/>
+              <a:ea typeface="+mj-ea"/>
+              <a:cs typeface="+mj-cs"/>
+            </a:endParaRPr>
+          </a:p>
+        </p:txBody>
+      </p:sp>
+      <p:sp>
+        <p:nvSpPr>
           <p:cNvPr id="4" name="Slide Number Placeholder 3">
             <a:extLst>
               <a:ext uri="{FF2B5EF4-FFF2-40B4-BE49-F238E27FC236}">
@@ -15933,23 +16919,2802 @@
             <p:ph type="sldNum" sz="quarter" idx="12"/>
           </p:nvPr>
         </p:nvSpPr>
-        <p:spPr/>
+        <p:spPr>
+          <a:xfrm>
+            <a:off x="804672" y="603504"/>
+            <a:ext cx="548640" cy="548640"/>
+          </a:xfrm>
+          <a:prstGeom prst="ellipse">
+            <a:avLst/>
+          </a:prstGeom>
+          <a:solidFill>
+            <a:srgbClr val="7F7F7F"/>
+          </a:solidFill>
+        </p:spPr>
         <p:txBody>
-          <a:bodyPr/>
+          <a:bodyPr vert="horz" lIns="91440" tIns="45720" rIns="91440" bIns="45720" rtlCol="0" anchor="ctr">
+            <a:normAutofit/>
+          </a:bodyPr>
           <a:lstStyle/>
           <a:p>
+            <a:pPr algn="ctr">
+              <a:spcAft>
+                <a:spcPts val="600"/>
+              </a:spcAft>
+            </a:pPr>
             <a:fld id="{A56E3B75-B6C5-4C90-8D86-3D0E4B666D89}" type="slidenum">
-              <a:rPr lang="en-CA" smtClean="0"/>
+              <a:rPr lang="en-US" sz="1500" smtClean="0">
+                <a:solidFill>
+                  <a:srgbClr val="FFFFFF"/>
+                </a:solidFill>
+              </a:rPr>
+              <a:pPr algn="ctr">
+                <a:spcAft>
+                  <a:spcPts val="600"/>
+                </a:spcAft>
+              </a:pPr>
               <a:t>16</a:t>
             </a:fld>
-            <a:endParaRPr lang="en-CA"/>
+            <a:endParaRPr lang="en-US" sz="1500">
+              <a:solidFill>
+                <a:srgbClr val="FFFFFF"/>
+              </a:solidFill>
+            </a:endParaRPr>
+          </a:p>
+        </p:txBody>
+      </p:sp>
+      <p:sp>
+        <p:nvSpPr>
+          <p:cNvPr id="18" name="Freeform: Shape 11">
+            <a:extLst>
+              <a:ext uri="{FF2B5EF4-FFF2-40B4-BE49-F238E27FC236}">
+                <a16:creationId xmlns:a16="http://schemas.microsoft.com/office/drawing/2014/main" id="{BCC55ACC-A2F6-403C-A3A4-D59B3734D45F}"/>
+              </a:ext>
+              <a:ext uri="{C183D7F6-B498-43B3-948B-1728B52AA6E4}">
+                <adec:decorative xmlns:adec="http://schemas.microsoft.com/office/drawing/2017/decorative" val="1"/>
+              </a:ext>
+            </a:extLst>
+          </p:cNvPr>
+          <p:cNvSpPr>
+            <a:spLocks noGrp="1" noRot="1" noChangeAspect="1" noMove="1" noResize="1" noEditPoints="1" noAdjustHandles="1" noChangeArrowheads="1" noChangeShapeType="1" noTextEdit="1"/>
+          </p:cNvSpPr>
+          <p:nvPr>
+            <p:extLst>
+              <p:ext uri="{386F3935-93C4-4BCD-93E2-E3B085C9AB24}">
+                <p16:designElem xmlns:p16="http://schemas.microsoft.com/office/powerpoint/2015/main" val="1"/>
+              </p:ext>
+            </p:extLst>
+          </p:nvPr>
+        </p:nvSpPr>
+        <p:spPr>
+          <a:xfrm>
+            <a:off x="5857312" y="381000"/>
+            <a:ext cx="6334689" cy="6477000"/>
+          </a:xfrm>
+          <a:custGeom>
+            <a:avLst/>
+            <a:gdLst>
+              <a:gd name="connsiteX0" fmla="*/ 3561588 w 6334689"/>
+              <a:gd name="connsiteY0" fmla="*/ 0 h 6477000"/>
+              <a:gd name="connsiteX1" fmla="*/ 6309883 w 6334689"/>
+              <a:gd name="connsiteY1" fmla="*/ 1296087 h 6477000"/>
+              <a:gd name="connsiteX2" fmla="*/ 6334689 w 6334689"/>
+              <a:gd name="connsiteY2" fmla="*/ 1329261 h 6477000"/>
+              <a:gd name="connsiteX3" fmla="*/ 6334689 w 6334689"/>
+              <a:gd name="connsiteY3" fmla="*/ 5793916 h 6477000"/>
+              <a:gd name="connsiteX4" fmla="*/ 6309883 w 6334689"/>
+              <a:gd name="connsiteY4" fmla="*/ 5827089 h 6477000"/>
+              <a:gd name="connsiteX5" fmla="*/ 5760467 w 6334689"/>
+              <a:gd name="connsiteY5" fmla="*/ 6363539 h 6477000"/>
+              <a:gd name="connsiteX6" fmla="*/ 5607796 w 6334689"/>
+              <a:gd name="connsiteY6" fmla="*/ 6477000 h 6477000"/>
+              <a:gd name="connsiteX7" fmla="*/ 1519571 w 6334689"/>
+              <a:gd name="connsiteY7" fmla="*/ 6477000 h 6477000"/>
+              <a:gd name="connsiteX8" fmla="*/ 1296088 w 6334689"/>
+              <a:gd name="connsiteY8" fmla="*/ 6309883 h 6477000"/>
+              <a:gd name="connsiteX9" fmla="*/ 0 w 6334689"/>
+              <a:gd name="connsiteY9" fmla="*/ 3561588 h 6477000"/>
+              <a:gd name="connsiteX10" fmla="*/ 3561588 w 6334689"/>
+              <a:gd name="connsiteY10" fmla="*/ 0 h 6477000"/>
+            </a:gdLst>
+            <a:ahLst/>
+            <a:cxnLst>
+              <a:cxn ang="0">
+                <a:pos x="connsiteX0" y="connsiteY0"/>
+              </a:cxn>
+              <a:cxn ang="0">
+                <a:pos x="connsiteX1" y="connsiteY1"/>
+              </a:cxn>
+              <a:cxn ang="0">
+                <a:pos x="connsiteX2" y="connsiteY2"/>
+              </a:cxn>
+              <a:cxn ang="0">
+                <a:pos x="connsiteX3" y="connsiteY3"/>
+              </a:cxn>
+              <a:cxn ang="0">
+                <a:pos x="connsiteX4" y="connsiteY4"/>
+              </a:cxn>
+              <a:cxn ang="0">
+                <a:pos x="connsiteX5" y="connsiteY5"/>
+              </a:cxn>
+              <a:cxn ang="0">
+                <a:pos x="connsiteX6" y="connsiteY6"/>
+              </a:cxn>
+              <a:cxn ang="0">
+                <a:pos x="connsiteX7" y="connsiteY7"/>
+              </a:cxn>
+              <a:cxn ang="0">
+                <a:pos x="connsiteX8" y="connsiteY8"/>
+              </a:cxn>
+              <a:cxn ang="0">
+                <a:pos x="connsiteX9" y="connsiteY9"/>
+              </a:cxn>
+              <a:cxn ang="0">
+                <a:pos x="connsiteX10" y="connsiteY10"/>
+              </a:cxn>
+            </a:cxnLst>
+            <a:rect l="l" t="t" r="r" b="b"/>
+            <a:pathLst>
+              <a:path w="6334689" h="6477000">
+                <a:moveTo>
+                  <a:pt x="3561588" y="0"/>
+                </a:moveTo>
+                <a:cubicBezTo>
+                  <a:pt x="4668032" y="0"/>
+                  <a:pt x="5656635" y="504534"/>
+                  <a:pt x="6309883" y="1296087"/>
+                </a:cubicBezTo>
+                <a:lnTo>
+                  <a:pt x="6334689" y="1329261"/>
+                </a:lnTo>
+                <a:lnTo>
+                  <a:pt x="6334689" y="5793916"/>
+                </a:lnTo>
+                <a:lnTo>
+                  <a:pt x="6309883" y="5827089"/>
+                </a:lnTo>
+                <a:cubicBezTo>
+                  <a:pt x="6146571" y="6024977"/>
+                  <a:pt x="5962299" y="6204927"/>
+                  <a:pt x="5760467" y="6363539"/>
+                </a:cubicBezTo>
+                <a:lnTo>
+                  <a:pt x="5607796" y="6477000"/>
+                </a:lnTo>
+                <a:lnTo>
+                  <a:pt x="1519571" y="6477000"/>
+                </a:lnTo>
+                <a:lnTo>
+                  <a:pt x="1296088" y="6309883"/>
+                </a:lnTo>
+                <a:cubicBezTo>
+                  <a:pt x="504535" y="5656635"/>
+                  <a:pt x="0" y="4668032"/>
+                  <a:pt x="0" y="3561588"/>
+                </a:cubicBezTo>
+                <a:cubicBezTo>
+                  <a:pt x="0" y="1594577"/>
+                  <a:pt x="1594577" y="0"/>
+                  <a:pt x="3561588" y="0"/>
+                </a:cubicBezTo>
+                <a:close/>
+              </a:path>
+            </a:pathLst>
+          </a:custGeom>
+          <a:solidFill>
+            <a:srgbClr val="FFFFFF">
+              <a:alpha val="80000"/>
+            </a:srgbClr>
+          </a:solidFill>
+          <a:ln>
+            <a:noFill/>
+          </a:ln>
+        </p:spPr>
+        <p:style>
+          <a:lnRef idx="2">
+            <a:schemeClr val="accent1">
+              <a:shade val="50000"/>
+            </a:schemeClr>
+          </a:lnRef>
+          <a:fillRef idx="1">
+            <a:schemeClr val="accent1"/>
+          </a:fillRef>
+          <a:effectRef idx="0">
+            <a:schemeClr val="accent1"/>
+          </a:effectRef>
+          <a:fontRef idx="minor">
+            <a:schemeClr val="lt1"/>
+          </a:fontRef>
+        </p:style>
+        <p:txBody>
+          <a:bodyPr rtlCol="0" anchor="ctr"/>
+          <a:lstStyle/>
+          <a:p>
+            <a:pPr marL="0" marR="0" lvl="0" indent="0" algn="ctr" defTabSz="914400" rtl="0" eaLnBrk="1" fontAlgn="auto" latinLnBrk="0" hangingPunct="1">
+              <a:lnSpc>
+                <a:spcPct val="100000"/>
+              </a:lnSpc>
+              <a:spcBef>
+                <a:spcPts val="0"/>
+              </a:spcBef>
+              <a:spcAft>
+                <a:spcPts val="0"/>
+              </a:spcAft>
+              <a:buClrTx/>
+              <a:buSzTx/>
+              <a:buFontTx/>
+              <a:buNone/>
+              <a:tabLst/>
+              <a:defRPr/>
+            </a:pPr>
+            <a:endParaRPr kumimoji="0" lang="en-US" sz="1800" b="0" i="0" u="none" strike="noStrike" kern="1200" cap="none" spc="0" normalizeH="0" baseline="0" noProof="0">
+              <a:ln>
+                <a:noFill/>
+              </a:ln>
+              <a:solidFill>
+                <a:prstClr val="white"/>
+              </a:solidFill>
+              <a:effectLst/>
+              <a:uLnTx/>
+              <a:uFillTx/>
+              <a:latin typeface="Calibri" panose="020F0502020204030204"/>
+              <a:ea typeface="+mn-ea"/>
+              <a:cs typeface="+mn-cs"/>
+            </a:endParaRPr>
+          </a:p>
+        </p:txBody>
+      </p:sp>
+      <p:pic>
+        <p:nvPicPr>
+          <p:cNvPr id="7" name="Picture 6">
+            <a:extLst>
+              <a:ext uri="{FF2B5EF4-FFF2-40B4-BE49-F238E27FC236}">
+                <a16:creationId xmlns:a16="http://schemas.microsoft.com/office/drawing/2014/main" id="{510D78B8-F885-46C6-8A37-AE5F0FA43020}"/>
+              </a:ext>
+            </a:extLst>
+          </p:cNvPr>
+          <p:cNvPicPr>
+            <a:picLocks noChangeAspect="1"/>
+          </p:cNvPicPr>
+          <p:nvPr/>
+        </p:nvPicPr>
+        <p:blipFill rotWithShape="1">
+          <a:blip r:embed="rId2">
+            <a:extLst>
+              <a:ext uri="{28A0092B-C50C-407E-A947-70E740481C1C}">
+                <a14:useLocalDpi xmlns:a14="http://schemas.microsoft.com/office/drawing/2010/main" val="0"/>
+              </a:ext>
+            </a:extLst>
+          </a:blip>
+          <a:srcRect l="18450" r="26568" b="1"/>
+          <a:stretch/>
+        </p:blipFill>
+        <p:spPr>
+          <a:xfrm>
+            <a:off x="6021086" y="544804"/>
+            <a:ext cx="6170914" cy="6313225"/>
+          </a:xfrm>
+          <a:custGeom>
+            <a:avLst/>
+            <a:gdLst/>
+            <a:ahLst/>
+            <a:cxnLst/>
+            <a:rect l="l" t="t" r="r" b="b"/>
+            <a:pathLst>
+              <a:path w="6170914" h="6313225">
+                <a:moveTo>
+                  <a:pt x="3397813" y="0"/>
+                </a:moveTo>
+                <a:cubicBezTo>
+                  <a:pt x="4453378" y="0"/>
+                  <a:pt x="5396522" y="481334"/>
+                  <a:pt x="6019731" y="1236489"/>
+                </a:cubicBezTo>
+                <a:lnTo>
+                  <a:pt x="6170914" y="1438663"/>
+                </a:lnTo>
+                <a:lnTo>
+                  <a:pt x="6170914" y="5356963"/>
+                </a:lnTo>
+                <a:lnTo>
+                  <a:pt x="6019731" y="5559138"/>
+                </a:lnTo>
+                <a:cubicBezTo>
+                  <a:pt x="5786028" y="5842321"/>
+                  <a:pt x="5507333" y="6086998"/>
+                  <a:pt x="5194591" y="6282226"/>
+                </a:cubicBezTo>
+                <a:lnTo>
+                  <a:pt x="5141791" y="6313225"/>
+                </a:lnTo>
+                <a:lnTo>
+                  <a:pt x="1659199" y="6313225"/>
+                </a:lnTo>
+                <a:lnTo>
+                  <a:pt x="1498064" y="6215333"/>
+                </a:lnTo>
+                <a:cubicBezTo>
+                  <a:pt x="594240" y="5604721"/>
+                  <a:pt x="0" y="4570663"/>
+                  <a:pt x="0" y="3397813"/>
+                </a:cubicBezTo>
+                <a:cubicBezTo>
+                  <a:pt x="0" y="1521253"/>
+                  <a:pt x="1521253" y="0"/>
+                  <a:pt x="3397813" y="0"/>
+                </a:cubicBezTo>
+                <a:close/>
+              </a:path>
+            </a:pathLst>
+          </a:custGeom>
+        </p:spPr>
+      </p:pic>
+    </p:spTree>
+    <p:extLst>
+      <p:ext uri="{BB962C8B-B14F-4D97-AF65-F5344CB8AC3E}">
+        <p14:creationId xmlns:p14="http://schemas.microsoft.com/office/powerpoint/2010/main" val="2326076908"/>
+      </p:ext>
+    </p:extLst>
+  </p:cSld>
+  <p:clrMapOvr>
+    <a:overrideClrMapping bg1="dk1" tx1="lt1" bg2="dk2" tx2="lt2" accent1="accent1" accent2="accent2" accent3="accent3" accent4="accent4" accent5="accent5" accent6="accent6" hlink="hlink" folHlink="folHlink"/>
+  </p:clrMapOvr>
+</p:sld>
+</file>
+
+<file path=ppt/slides/slide17.xml><?xml version="1.0" encoding="utf-8"?>
+<p:sld xmlns:a="http://schemas.openxmlformats.org/drawingml/2006/main" xmlns:r="http://schemas.openxmlformats.org/officeDocument/2006/relationships" xmlns:p="http://schemas.openxmlformats.org/presentationml/2006/main">
+  <p:cSld>
+    <p:bg>
+      <p:bgPr>
+        <a:solidFill>
+          <a:schemeClr val="bg1"/>
+        </a:solidFill>
+        <a:effectLst/>
+      </p:bgPr>
+    </p:bg>
+    <p:spTree>
+      <p:nvGrpSpPr>
+        <p:cNvPr id="1" name=""/>
+        <p:cNvGrpSpPr/>
+        <p:nvPr/>
+      </p:nvGrpSpPr>
+      <p:grpSpPr>
+        <a:xfrm>
+          <a:off x="0" y="0"/>
+          <a:ext cx="0" cy="0"/>
+          <a:chOff x="0" y="0"/>
+          <a:chExt cx="0" cy="0"/>
+        </a:xfrm>
+      </p:grpSpPr>
+      <p:pic>
+        <p:nvPicPr>
+          <p:cNvPr id="7" name="Picture 6">
+            <a:extLst>
+              <a:ext uri="{FF2B5EF4-FFF2-40B4-BE49-F238E27FC236}">
+                <a16:creationId xmlns:a16="http://schemas.microsoft.com/office/drawing/2014/main" id="{510D78B8-F885-46C6-8A37-AE5F0FA43020}"/>
+              </a:ext>
+            </a:extLst>
+          </p:cNvPr>
+          <p:cNvPicPr>
+            <a:picLocks noChangeAspect="1"/>
+          </p:cNvPicPr>
+          <p:nvPr/>
+        </p:nvPicPr>
+        <p:blipFill rotWithShape="1">
+          <a:blip r:embed="rId2">
+            <a:extLst>
+              <a:ext uri="{28A0092B-C50C-407E-A947-70E740481C1C}">
+                <a14:useLocalDpi xmlns:a14="http://schemas.microsoft.com/office/drawing/2010/main" val="0"/>
+              </a:ext>
+            </a:extLst>
+          </a:blip>
+          <a:srcRect/>
+          <a:stretch/>
+        </p:blipFill>
+        <p:spPr>
+          <a:xfrm>
+            <a:off x="20" y="10"/>
+            <a:ext cx="12191980" cy="6857990"/>
+          </a:xfrm>
+          <a:prstGeom prst="rect">
+            <a:avLst/>
+          </a:prstGeom>
+        </p:spPr>
+      </p:pic>
+      <p:sp>
+        <p:nvSpPr>
+          <p:cNvPr id="23" name="Rectangle 22">
+            <a:extLst>
+              <a:ext uri="{FF2B5EF4-FFF2-40B4-BE49-F238E27FC236}">
+                <a16:creationId xmlns:a16="http://schemas.microsoft.com/office/drawing/2014/main" id="{37C89E4B-3C9F-44B9-8B86-D9E3D112D8EC}"/>
+              </a:ext>
+              <a:ext uri="{C183D7F6-B498-43B3-948B-1728B52AA6E4}">
+                <adec:decorative xmlns:adec="http://schemas.microsoft.com/office/drawing/2017/decorative" val="1"/>
+              </a:ext>
+            </a:extLst>
+          </p:cNvPr>
+          <p:cNvSpPr>
+            <a:spLocks noGrp="1" noRot="1" noChangeAspect="1" noMove="1" noResize="1" noEditPoints="1" noAdjustHandles="1" noChangeArrowheads="1" noChangeShapeType="1" noTextEdit="1"/>
+          </p:cNvSpPr>
+          <p:nvPr>
+            <p:extLst>
+              <p:ext uri="{386F3935-93C4-4BCD-93E2-E3B085C9AB24}">
+                <p16:designElem xmlns:p16="http://schemas.microsoft.com/office/powerpoint/2015/main" val="1"/>
+              </p:ext>
+            </p:extLst>
+          </p:nvPr>
+        </p:nvSpPr>
+        <p:spPr>
+          <a:xfrm>
+            <a:off x="0" y="5320142"/>
+            <a:ext cx="12192000" cy="736551"/>
+          </a:xfrm>
+          <a:prstGeom prst="rect">
+            <a:avLst/>
+          </a:prstGeom>
+          <a:solidFill>
+            <a:schemeClr val="bg1">
+              <a:alpha val="93000"/>
+            </a:schemeClr>
+          </a:solidFill>
+          <a:ln>
+            <a:noFill/>
+          </a:ln>
+        </p:spPr>
+        <p:style>
+          <a:lnRef idx="2">
+            <a:schemeClr val="accent1">
+              <a:shade val="50000"/>
+            </a:schemeClr>
+          </a:lnRef>
+          <a:fillRef idx="1">
+            <a:schemeClr val="accent1"/>
+          </a:fillRef>
+          <a:effectRef idx="0">
+            <a:schemeClr val="accent1"/>
+          </a:effectRef>
+          <a:fontRef idx="minor">
+            <a:schemeClr val="lt1"/>
+          </a:fontRef>
+        </p:style>
+        <p:txBody>
+          <a:bodyPr rtlCol="0" anchor="ctr"/>
+          <a:lstStyle/>
+          <a:p>
+            <a:pPr algn="ctr"/>
+            <a:endParaRPr lang="en-US"/>
+          </a:p>
+        </p:txBody>
+      </p:sp>
+      <p:sp>
+        <p:nvSpPr>
+          <p:cNvPr id="2" name="Title 1">
+            <a:extLst>
+              <a:ext uri="{FF2B5EF4-FFF2-40B4-BE49-F238E27FC236}">
+                <a16:creationId xmlns:a16="http://schemas.microsoft.com/office/drawing/2014/main" id="{EABBB07E-8C51-4F19-8A46-3D82ACA5858D}"/>
+              </a:ext>
+            </a:extLst>
+          </p:cNvPr>
+          <p:cNvSpPr>
+            <a:spLocks noGrp="1"/>
+          </p:cNvSpPr>
+          <p:nvPr>
+            <p:ph type="title"/>
+          </p:nvPr>
+        </p:nvSpPr>
+        <p:spPr>
+          <a:xfrm>
+            <a:off x="523875" y="5317240"/>
+            <a:ext cx="11210925" cy="744836"/>
+          </a:xfrm>
+        </p:spPr>
+        <p:txBody>
+          <a:bodyPr vert="horz" lIns="91440" tIns="45720" rIns="91440" bIns="45720" rtlCol="0" anchor="ctr">
+            <a:normAutofit/>
+          </a:bodyPr>
+          <a:lstStyle/>
+          <a:p>
+            <a:pPr algn="ctr"/>
+            <a:r>
+              <a:rPr lang="en-US" sz="3600" b="1">
+                <a:solidFill>
+                  <a:schemeClr val="tx1">
+                    <a:lumMod val="85000"/>
+                    <a:lumOff val="15000"/>
+                  </a:schemeClr>
+                </a:solidFill>
+              </a:rPr>
+              <a:t>Thanks for your attention !</a:t>
+            </a:r>
+          </a:p>
+        </p:txBody>
+      </p:sp>
+      <p:cxnSp>
+        <p:nvCxnSpPr>
+          <p:cNvPr id="25" name="Straight Connector 24">
+            <a:extLst>
+              <a:ext uri="{FF2B5EF4-FFF2-40B4-BE49-F238E27FC236}">
+                <a16:creationId xmlns:a16="http://schemas.microsoft.com/office/drawing/2014/main" id="{AA2EAA10-076F-46BD-8F0F-B9A2FB77A85C}"/>
+              </a:ext>
+              <a:ext uri="{C183D7F6-B498-43B3-948B-1728B52AA6E4}">
+                <adec:decorative xmlns:adec="http://schemas.microsoft.com/office/drawing/2017/decorative" val="1"/>
+              </a:ext>
+            </a:extLst>
+          </p:cNvPr>
+          <p:cNvCxnSpPr>
+            <a:cxnSpLocks noGrp="1" noRot="1" noChangeAspect="1" noMove="1" noResize="1" noEditPoints="1" noAdjustHandles="1" noChangeArrowheads="1" noChangeShapeType="1"/>
+          </p:cNvCxnSpPr>
+          <p:nvPr>
+            <p:extLst>
+              <p:ext uri="{386F3935-93C4-4BCD-93E2-E3B085C9AB24}">
+                <p16:designElem xmlns:p16="http://schemas.microsoft.com/office/powerpoint/2015/main" val="1"/>
+              </p:ext>
+            </p:extLst>
+          </p:nvPr>
+        </p:nvCxnSpPr>
+        <p:spPr>
+          <a:xfrm>
+            <a:off x="0" y="5241983"/>
+            <a:ext cx="12192000" cy="0"/>
+          </a:xfrm>
+          <a:prstGeom prst="line">
+            <a:avLst/>
+          </a:prstGeom>
+          <a:ln w="41275">
+            <a:solidFill>
+              <a:schemeClr val="bg1">
+                <a:alpha val="90000"/>
+              </a:schemeClr>
+            </a:solidFill>
+          </a:ln>
+        </p:spPr>
+        <p:style>
+          <a:lnRef idx="1">
+            <a:schemeClr val="accent1"/>
+          </a:lnRef>
+          <a:fillRef idx="0">
+            <a:schemeClr val="accent1"/>
+          </a:fillRef>
+          <a:effectRef idx="0">
+            <a:schemeClr val="accent1"/>
+          </a:effectRef>
+          <a:fontRef idx="minor">
+            <a:schemeClr val="tx1"/>
+          </a:fontRef>
+        </p:style>
+      </p:cxnSp>
+      <p:cxnSp>
+        <p:nvCxnSpPr>
+          <p:cNvPr id="27" name="Straight Connector 26">
+            <a:extLst>
+              <a:ext uri="{FF2B5EF4-FFF2-40B4-BE49-F238E27FC236}">
+                <a16:creationId xmlns:a16="http://schemas.microsoft.com/office/drawing/2014/main" id="{D891E407-403B-4764-86C9-33A56D3BCAA3}"/>
+              </a:ext>
+              <a:ext uri="{C183D7F6-B498-43B3-948B-1728B52AA6E4}">
+                <adec:decorative xmlns:adec="http://schemas.microsoft.com/office/drawing/2017/decorative" val="1"/>
+              </a:ext>
+            </a:extLst>
+          </p:cNvPr>
+          <p:cNvCxnSpPr>
+            <a:cxnSpLocks noGrp="1" noRot="1" noChangeAspect="1" noMove="1" noResize="1" noEditPoints="1" noAdjustHandles="1" noChangeArrowheads="1" noChangeShapeType="1"/>
+          </p:cNvCxnSpPr>
+          <p:nvPr>
+            <p:extLst>
+              <p:ext uri="{386F3935-93C4-4BCD-93E2-E3B085C9AB24}">
+                <p16:designElem xmlns:p16="http://schemas.microsoft.com/office/powerpoint/2015/main" val="1"/>
+              </p:ext>
+            </p:extLst>
+          </p:nvPr>
+        </p:nvCxnSpPr>
+        <p:spPr>
+          <a:xfrm>
+            <a:off x="0" y="6134852"/>
+            <a:ext cx="12192000" cy="0"/>
+          </a:xfrm>
+          <a:prstGeom prst="line">
+            <a:avLst/>
+          </a:prstGeom>
+          <a:ln w="41275">
+            <a:solidFill>
+              <a:schemeClr val="bg1">
+                <a:alpha val="90000"/>
+              </a:schemeClr>
+            </a:solidFill>
+          </a:ln>
+        </p:spPr>
+        <p:style>
+          <a:lnRef idx="1">
+            <a:schemeClr val="accent1"/>
+          </a:lnRef>
+          <a:fillRef idx="0">
+            <a:schemeClr val="accent1"/>
+          </a:fillRef>
+          <a:effectRef idx="0">
+            <a:schemeClr val="accent1"/>
+          </a:effectRef>
+          <a:fontRef idx="minor">
+            <a:schemeClr val="tx1"/>
+          </a:fontRef>
+        </p:style>
+      </p:cxnSp>
+      <p:sp>
+        <p:nvSpPr>
+          <p:cNvPr id="4" name="Slide Number Placeholder 3">
+            <a:extLst>
+              <a:ext uri="{FF2B5EF4-FFF2-40B4-BE49-F238E27FC236}">
+                <a16:creationId xmlns:a16="http://schemas.microsoft.com/office/drawing/2014/main" id="{6BD1DEB1-84C6-4D93-9AC5-3EC5BC06623F}"/>
+              </a:ext>
+            </a:extLst>
+          </p:cNvPr>
+          <p:cNvSpPr>
+            <a:spLocks noGrp="1"/>
+          </p:cNvSpPr>
+          <p:nvPr>
+            <p:ph type="sldNum" sz="quarter" idx="12"/>
+          </p:nvPr>
+        </p:nvSpPr>
+        <p:spPr>
+          <a:xfrm>
+            <a:off x="8610600" y="6356350"/>
+            <a:ext cx="2743200" cy="365125"/>
+          </a:xfrm>
+          <a:prstGeom prst="ellipse">
+            <a:avLst/>
+          </a:prstGeom>
+        </p:spPr>
+        <p:txBody>
+          <a:bodyPr vert="horz" lIns="91440" tIns="45720" rIns="91440" bIns="45720" rtlCol="0" anchor="ctr">
+            <a:normAutofit/>
+          </a:bodyPr>
+          <a:lstStyle/>
+          <a:p>
+            <a:pPr defTabSz="457200">
+              <a:lnSpc>
+                <a:spcPct val="90000"/>
+              </a:lnSpc>
+              <a:spcAft>
+                <a:spcPts val="600"/>
+              </a:spcAft>
+            </a:pPr>
+            <a:fld id="{A56E3B75-B6C5-4C90-8D86-3D0E4B666D89}" type="slidenum">
+              <a:rPr lang="en-US">
+                <a:solidFill>
+                  <a:srgbClr val="FFFFFF"/>
+                </a:solidFill>
+              </a:rPr>
+              <a:pPr defTabSz="457200">
+                <a:lnSpc>
+                  <a:spcPct val="90000"/>
+                </a:lnSpc>
+                <a:spcAft>
+                  <a:spcPts val="600"/>
+                </a:spcAft>
+              </a:pPr>
+              <a:t>17</a:t>
+            </a:fld>
+            <a:endParaRPr lang="en-US">
+              <a:solidFill>
+                <a:srgbClr val="FFFFFF"/>
+              </a:solidFill>
+            </a:endParaRPr>
           </a:p>
         </p:txBody>
       </p:sp>
     </p:spTree>
     <p:extLst>
       <p:ext uri="{BB962C8B-B14F-4D97-AF65-F5344CB8AC3E}">
-        <p14:creationId xmlns:p14="http://schemas.microsoft.com/office/powerpoint/2010/main" val="3206374873"/>
+        <p14:creationId xmlns:p14="http://schemas.microsoft.com/office/powerpoint/2010/main" val="3540186312"/>
+      </p:ext>
+    </p:extLst>
+  </p:cSld>
+  <p:clrMapOvr>
+    <a:masterClrMapping/>
+  </p:clrMapOvr>
+</p:sld>
+</file>
+
+<file path=ppt/slides/slide18.xml><?xml version="1.0" encoding="utf-8"?>
+<p:sld xmlns:a="http://schemas.openxmlformats.org/drawingml/2006/main" xmlns:r="http://schemas.openxmlformats.org/officeDocument/2006/relationships" xmlns:p="http://schemas.openxmlformats.org/presentationml/2006/main">
+  <p:cSld>
+    <p:bg>
+      <p:bgPr>
+        <a:solidFill>
+          <a:schemeClr val="bg1"/>
+        </a:solidFill>
+        <a:effectLst/>
+      </p:bgPr>
+    </p:bg>
+    <p:spTree>
+      <p:nvGrpSpPr>
+        <p:cNvPr id="1" name=""/>
+        <p:cNvGrpSpPr/>
+        <p:nvPr/>
+      </p:nvGrpSpPr>
+      <p:grpSpPr>
+        <a:xfrm>
+          <a:off x="0" y="0"/>
+          <a:ext cx="0" cy="0"/>
+          <a:chOff x="0" y="0"/>
+          <a:chExt cx="0" cy="0"/>
+        </a:xfrm>
+      </p:grpSpPr>
+      <p:sp>
+        <p:nvSpPr>
+          <p:cNvPr id="55" name="Rectangle 31">
+            <a:extLst>
+              <a:ext uri="{FF2B5EF4-FFF2-40B4-BE49-F238E27FC236}">
+                <a16:creationId xmlns:a16="http://schemas.microsoft.com/office/drawing/2014/main" id="{75F4D120-3921-42A8-A063-46B023CB0CDA}"/>
+              </a:ext>
+              <a:ext uri="{C183D7F6-B498-43B3-948B-1728B52AA6E4}">
+                <adec:decorative xmlns:adec="http://schemas.microsoft.com/office/drawing/2017/decorative" val="1"/>
+              </a:ext>
+            </a:extLst>
+          </p:cNvPr>
+          <p:cNvSpPr>
+            <a:spLocks noGrp="1" noRot="1" noChangeAspect="1" noMove="1" noResize="1" noEditPoints="1" noAdjustHandles="1" noChangeArrowheads="1" noChangeShapeType="1" noTextEdit="1"/>
+          </p:cNvSpPr>
+          <p:nvPr>
+            <p:extLst>
+              <p:ext uri="{386F3935-93C4-4BCD-93E2-E3B085C9AB24}">
+                <p16:designElem xmlns:p16="http://schemas.microsoft.com/office/powerpoint/2015/main" val="1"/>
+              </p:ext>
+            </p:extLst>
+          </p:nvPr>
+        </p:nvSpPr>
+        <p:spPr>
+          <a:xfrm>
+            <a:off x="0" y="0"/>
+            <a:ext cx="12192000" cy="6858000"/>
+          </a:xfrm>
+          <a:prstGeom prst="rect">
+            <a:avLst/>
+          </a:prstGeom>
+          <a:solidFill>
+            <a:srgbClr val="FFFFFF"/>
+          </a:solidFill>
+          <a:ln w="12700" cap="flat" cmpd="sng" algn="ctr">
+            <a:noFill/>
+            <a:prstDash val="solid"/>
+            <a:miter lim="800000"/>
+          </a:ln>
+          <a:effectLst/>
+        </p:spPr>
+        <p:style>
+          <a:lnRef idx="2">
+            <a:schemeClr val="accent1">
+              <a:shade val="50000"/>
+            </a:schemeClr>
+          </a:lnRef>
+          <a:fillRef idx="1">
+            <a:schemeClr val="accent1"/>
+          </a:fillRef>
+          <a:effectRef idx="0">
+            <a:schemeClr val="accent1"/>
+          </a:effectRef>
+          <a:fontRef idx="minor">
+            <a:schemeClr val="lt1"/>
+          </a:fontRef>
+        </p:style>
+        <p:txBody>
+          <a:bodyPr rtlCol="0" anchor="ctr"/>
+          <a:lstStyle/>
+          <a:p>
+            <a:pPr algn="ctr"/>
+            <a:endParaRPr lang="en-US"/>
+          </a:p>
+        </p:txBody>
+      </p:sp>
+      <p:pic>
+        <p:nvPicPr>
+          <p:cNvPr id="7" name="Picture 6">
+            <a:extLst>
+              <a:ext uri="{FF2B5EF4-FFF2-40B4-BE49-F238E27FC236}">
+                <a16:creationId xmlns:a16="http://schemas.microsoft.com/office/drawing/2014/main" id="{510D78B8-F885-46C6-8A37-AE5F0FA43020}"/>
+              </a:ext>
+            </a:extLst>
+          </p:cNvPr>
+          <p:cNvPicPr>
+            <a:picLocks noChangeAspect="1"/>
+          </p:cNvPicPr>
+          <p:nvPr/>
+        </p:nvPicPr>
+        <p:blipFill rotWithShape="1">
+          <a:blip r:embed="rId2">
+            <a:extLst>
+              <a:ext uri="{28A0092B-C50C-407E-A947-70E740481C1C}">
+                <a14:useLocalDpi xmlns:a14="http://schemas.microsoft.com/office/drawing/2010/main" val="0"/>
+              </a:ext>
+            </a:extLst>
+          </a:blip>
+          <a:srcRect l="7591" r="15709" b="2"/>
+          <a:stretch/>
+        </p:blipFill>
+        <p:spPr>
+          <a:xfrm>
+            <a:off x="4476307" y="595421"/>
+            <a:ext cx="7715693" cy="5658438"/>
+          </a:xfrm>
+          <a:prstGeom prst="rect">
+            <a:avLst/>
+          </a:prstGeom>
+        </p:spPr>
+      </p:pic>
+      <p:pic>
+        <p:nvPicPr>
+          <p:cNvPr id="56" name="Picture 33">
+            <a:extLst>
+              <a:ext uri="{FF2B5EF4-FFF2-40B4-BE49-F238E27FC236}">
+                <a16:creationId xmlns:a16="http://schemas.microsoft.com/office/drawing/2014/main" id="{9D01B3E5-85F4-41A9-A504-D5E6268DEC1D}"/>
+              </a:ext>
+              <a:ext uri="{C183D7F6-B498-43B3-948B-1728B52AA6E4}">
+                <adec:decorative xmlns:adec="http://schemas.microsoft.com/office/drawing/2017/decorative" val="1"/>
+              </a:ext>
+            </a:extLst>
+          </p:cNvPr>
+          <p:cNvPicPr>
+            <a:picLocks noGrp="1" noRot="1" noChangeAspect="1" noMove="1" noResize="1" noEditPoints="1" noAdjustHandles="1" noChangeArrowheads="1" noChangeShapeType="1" noCrop="1"/>
+          </p:cNvPicPr>
+          <p:nvPr>
+            <p:extLst>
+              <p:ext uri="{386F3935-93C4-4BCD-93E2-E3B085C9AB24}">
+                <p16:designElem xmlns:p16="http://schemas.microsoft.com/office/powerpoint/2015/main" val="1"/>
+              </p:ext>
+            </p:extLst>
+          </p:nvPr>
+        </p:nvPicPr>
+        <p:blipFill>
+          <a:blip r:embed="rId3">
+            <a:extLst>
+              <a:ext uri="{28A0092B-C50C-407E-A947-70E740481C1C}">
+                <a14:useLocalDpi xmlns:a14="http://schemas.microsoft.com/office/drawing/2010/main" val="0"/>
+              </a:ext>
+            </a:extLst>
+          </a:blip>
+          <a:srcRect r="14729"/>
+          <a:stretch>
+            <a:fillRect/>
+          </a:stretch>
+        </p:blipFill>
+        <p:spPr>
+          <a:xfrm>
+            <a:off x="3466214" y="550975"/>
+            <a:ext cx="8725786" cy="5756049"/>
+          </a:xfrm>
+          <a:custGeom>
+            <a:avLst/>
+            <a:gdLst>
+              <a:gd name="connsiteX0" fmla="*/ 0 w 8725786"/>
+              <a:gd name="connsiteY0" fmla="*/ 0 h 5756049"/>
+              <a:gd name="connsiteX1" fmla="*/ 8725786 w 8725786"/>
+              <a:gd name="connsiteY1" fmla="*/ 0 h 5756049"/>
+              <a:gd name="connsiteX2" fmla="*/ 8725786 w 8725786"/>
+              <a:gd name="connsiteY2" fmla="*/ 5756049 h 5756049"/>
+              <a:gd name="connsiteX3" fmla="*/ 0 w 8725786"/>
+              <a:gd name="connsiteY3" fmla="*/ 5756049 h 5756049"/>
+            </a:gdLst>
+            <a:ahLst/>
+            <a:cxnLst>
+              <a:cxn ang="0">
+                <a:pos x="connsiteX0" y="connsiteY0"/>
+              </a:cxn>
+              <a:cxn ang="0">
+                <a:pos x="connsiteX1" y="connsiteY1"/>
+              </a:cxn>
+              <a:cxn ang="0">
+                <a:pos x="connsiteX2" y="connsiteY2"/>
+              </a:cxn>
+              <a:cxn ang="0">
+                <a:pos x="connsiteX3" y="connsiteY3"/>
+              </a:cxn>
+            </a:cxnLst>
+            <a:rect l="l" t="t" r="r" b="b"/>
+            <a:pathLst>
+              <a:path w="8725786" h="5756049">
+                <a:moveTo>
+                  <a:pt x="0" y="0"/>
+                </a:moveTo>
+                <a:lnTo>
+                  <a:pt x="8725786" y="0"/>
+                </a:lnTo>
+                <a:lnTo>
+                  <a:pt x="8725786" y="5756049"/>
+                </a:lnTo>
+                <a:lnTo>
+                  <a:pt x="0" y="5756049"/>
+                </a:lnTo>
+                <a:close/>
+              </a:path>
+            </a:pathLst>
+          </a:custGeom>
+        </p:spPr>
+      </p:pic>
+      <p:sp>
+        <p:nvSpPr>
+          <p:cNvPr id="2" name="Title 1">
+            <a:extLst>
+              <a:ext uri="{FF2B5EF4-FFF2-40B4-BE49-F238E27FC236}">
+                <a16:creationId xmlns:a16="http://schemas.microsoft.com/office/drawing/2014/main" id="{EABBB07E-8C51-4F19-8A46-3D82ACA5858D}"/>
+              </a:ext>
+            </a:extLst>
+          </p:cNvPr>
+          <p:cNvSpPr>
+            <a:spLocks noGrp="1"/>
+          </p:cNvSpPr>
+          <p:nvPr>
+            <p:ph type="title"/>
+          </p:nvPr>
+        </p:nvSpPr>
+        <p:spPr>
+          <a:xfrm>
+            <a:off x="804484" y="2546823"/>
+            <a:ext cx="3948269" cy="2383844"/>
+          </a:xfrm>
+        </p:spPr>
+        <p:txBody>
+          <a:bodyPr vert="horz" lIns="91440" tIns="45720" rIns="91440" bIns="45720" rtlCol="0" anchor="t">
+            <a:normAutofit/>
+          </a:bodyPr>
+          <a:lstStyle/>
+          <a:p>
+            <a:r>
+              <a:rPr lang="en-US" b="1">
+                <a:solidFill>
+                  <a:srgbClr val="000000"/>
+                </a:solidFill>
+              </a:rPr>
+              <a:t>Thanks for your attention !</a:t>
+            </a:r>
+          </a:p>
+        </p:txBody>
+      </p:sp>
+      <p:sp>
+        <p:nvSpPr>
+          <p:cNvPr id="4" name="Slide Number Placeholder 3">
+            <a:extLst>
+              <a:ext uri="{FF2B5EF4-FFF2-40B4-BE49-F238E27FC236}">
+                <a16:creationId xmlns:a16="http://schemas.microsoft.com/office/drawing/2014/main" id="{6BD1DEB1-84C6-4D93-9AC5-3EC5BC06623F}"/>
+              </a:ext>
+            </a:extLst>
+          </p:cNvPr>
+          <p:cNvSpPr>
+            <a:spLocks noGrp="1"/>
+          </p:cNvSpPr>
+          <p:nvPr>
+            <p:ph type="sldNum" sz="quarter" idx="12"/>
+          </p:nvPr>
+        </p:nvSpPr>
+        <p:spPr>
+          <a:xfrm>
+            <a:off x="10825930" y="6223702"/>
+            <a:ext cx="570728" cy="314067"/>
+          </a:xfrm>
+          <a:prstGeom prst="ellipse">
+            <a:avLst/>
+          </a:prstGeom>
+        </p:spPr>
+        <p:txBody>
+          <a:bodyPr vert="horz" lIns="91440" tIns="45720" rIns="91440" bIns="45720" rtlCol="0" anchor="ctr">
+            <a:normAutofit/>
+          </a:bodyPr>
+          <a:lstStyle/>
+          <a:p>
+            <a:pPr>
+              <a:lnSpc>
+                <a:spcPct val="90000"/>
+              </a:lnSpc>
+              <a:spcAft>
+                <a:spcPts val="600"/>
+              </a:spcAft>
+              <a:defRPr/>
+            </a:pPr>
+            <a:fld id="{A56E3B75-B6C5-4C90-8D86-3D0E4B666D89}" type="slidenum">
+              <a:rPr lang="en-US" sz="900">
+                <a:solidFill>
+                  <a:srgbClr val="898989"/>
+                </a:solidFill>
+                <a:latin typeface="Calibri" panose="020F0502020204030204"/>
+              </a:rPr>
+              <a:pPr>
+                <a:lnSpc>
+                  <a:spcPct val="90000"/>
+                </a:lnSpc>
+                <a:spcAft>
+                  <a:spcPts val="600"/>
+                </a:spcAft>
+                <a:defRPr/>
+              </a:pPr>
+              <a:t>18</a:t>
+            </a:fld>
+            <a:endParaRPr lang="en-US" sz="900">
+              <a:solidFill>
+                <a:srgbClr val="898989"/>
+              </a:solidFill>
+              <a:latin typeface="Calibri" panose="020F0502020204030204"/>
+            </a:endParaRPr>
+          </a:p>
+        </p:txBody>
+      </p:sp>
+    </p:spTree>
+    <p:extLst>
+      <p:ext uri="{BB962C8B-B14F-4D97-AF65-F5344CB8AC3E}">
+        <p14:creationId xmlns:p14="http://schemas.microsoft.com/office/powerpoint/2010/main" val="2495179674"/>
+      </p:ext>
+    </p:extLst>
+  </p:cSld>
+  <p:clrMapOvr>
+    <a:masterClrMapping/>
+  </p:clrMapOvr>
+</p:sld>
+</file>
+
+<file path=ppt/slides/slide19.xml><?xml version="1.0" encoding="utf-8"?>
+<p:sld xmlns:a="http://schemas.openxmlformats.org/drawingml/2006/main" xmlns:r="http://schemas.openxmlformats.org/officeDocument/2006/relationships" xmlns:p="http://schemas.openxmlformats.org/presentationml/2006/main">
+  <p:cSld>
+    <p:bg>
+      <p:bgPr>
+        <a:solidFill>
+          <a:schemeClr val="bg1"/>
+        </a:solidFill>
+        <a:effectLst/>
+      </p:bgPr>
+    </p:bg>
+    <p:spTree>
+      <p:nvGrpSpPr>
+        <p:cNvPr id="1" name=""/>
+        <p:cNvGrpSpPr/>
+        <p:nvPr/>
+      </p:nvGrpSpPr>
+      <p:grpSpPr>
+        <a:xfrm>
+          <a:off x="0" y="0"/>
+          <a:ext cx="0" cy="0"/>
+          <a:chOff x="0" y="0"/>
+          <a:chExt cx="0" cy="0"/>
+        </a:xfrm>
+      </p:grpSpPr>
+      <p:sp>
+        <p:nvSpPr>
+          <p:cNvPr id="61" name="Freeform 5">
+            <a:extLst>
+              <a:ext uri="{FF2B5EF4-FFF2-40B4-BE49-F238E27FC236}">
+                <a16:creationId xmlns:a16="http://schemas.microsoft.com/office/drawing/2014/main" id="{07322A9E-F1EC-405E-8971-BA906EFFCCB8}"/>
+              </a:ext>
+              <a:ext uri="{C183D7F6-B498-43B3-948B-1728B52AA6E4}">
+                <adec:decorative xmlns:adec="http://schemas.microsoft.com/office/drawing/2017/decorative" val="1"/>
+              </a:ext>
+            </a:extLst>
+          </p:cNvPr>
+          <p:cNvSpPr>
+            <a:spLocks noGrp="1" noRot="1" noChangeAspect="1" noMove="1" noResize="1" noEditPoints="1" noAdjustHandles="1" noChangeArrowheads="1" noChangeShapeType="1" noTextEdit="1"/>
+          </p:cNvSpPr>
+          <p:nvPr>
+            <p:extLst>
+              <p:ext uri="{386F3935-93C4-4BCD-93E2-E3B085C9AB24}">
+                <p16:designElem xmlns:p16="http://schemas.microsoft.com/office/powerpoint/2015/main" val="1"/>
+              </p:ext>
+            </p:extLst>
+          </p:nvPr>
+        </p:nvSpPr>
+        <p:spPr bwMode="auto">
+          <a:xfrm>
+            <a:off x="-329674" y="1290909"/>
+            <a:ext cx="9702800" cy="5573512"/>
+          </a:xfrm>
+          <a:custGeom>
+            <a:avLst/>
+            <a:gdLst>
+              <a:gd name="T0" fmla="*/ 1752 w 2038"/>
+              <a:gd name="T1" fmla="*/ 1169 h 1169"/>
+              <a:gd name="T2" fmla="*/ 1487 w 2038"/>
+              <a:gd name="T3" fmla="*/ 334 h 1169"/>
+              <a:gd name="T4" fmla="*/ 860 w 2038"/>
+              <a:gd name="T5" fmla="*/ 22 h 1169"/>
+              <a:gd name="T6" fmla="*/ 199 w 2038"/>
+              <a:gd name="T7" fmla="*/ 318 h 1169"/>
+              <a:gd name="T8" fmla="*/ 399 w 2038"/>
+              <a:gd name="T9" fmla="*/ 1165 h 1169"/>
+            </a:gdLst>
+            <a:ahLst/>
+            <a:cxnLst>
+              <a:cxn ang="0">
+                <a:pos x="T0" y="T1"/>
+              </a:cxn>
+              <a:cxn ang="0">
+                <a:pos x="T2" y="T3"/>
+              </a:cxn>
+              <a:cxn ang="0">
+                <a:pos x="T4" y="T5"/>
+              </a:cxn>
+              <a:cxn ang="0">
+                <a:pos x="T6" y="T7"/>
+              </a:cxn>
+              <a:cxn ang="0">
+                <a:pos x="T8" y="T9"/>
+              </a:cxn>
+            </a:cxnLst>
+            <a:rect l="0" t="0" r="r" b="b"/>
+            <a:pathLst>
+              <a:path w="2038" h="1169">
+                <a:moveTo>
+                  <a:pt x="1752" y="1169"/>
+                </a:moveTo>
+                <a:cubicBezTo>
+                  <a:pt x="2038" y="928"/>
+                  <a:pt x="1673" y="513"/>
+                  <a:pt x="1487" y="334"/>
+                </a:cubicBezTo>
+                <a:cubicBezTo>
+                  <a:pt x="1316" y="170"/>
+                  <a:pt x="1099" y="43"/>
+                  <a:pt x="860" y="22"/>
+                </a:cubicBezTo>
+                <a:cubicBezTo>
+                  <a:pt x="621" y="0"/>
+                  <a:pt x="341" y="128"/>
+                  <a:pt x="199" y="318"/>
+                </a:cubicBezTo>
+                <a:cubicBezTo>
+                  <a:pt x="0" y="586"/>
+                  <a:pt x="184" y="965"/>
+                  <a:pt x="399" y="1165"/>
+                </a:cubicBezTo>
+              </a:path>
+            </a:pathLst>
+          </a:custGeom>
+          <a:noFill/>
+          <a:ln w="9525" cap="flat">
+            <a:solidFill>
+              <a:schemeClr val="tx1">
+                <a:alpha val="20000"/>
+              </a:schemeClr>
+            </a:solidFill>
+            <a:prstDash val="solid"/>
+            <a:miter lim="800000"/>
+            <a:headEnd/>
+            <a:tailEnd/>
+          </a:ln>
+          <a:extLst>
+            <a:ext uri="{909E8E84-426E-40DD-AFC4-6F175D3DCCD1}">
+              <a14:hiddenFill xmlns:a14="http://schemas.microsoft.com/office/drawing/2010/main">
+                <a:solidFill>
+                  <a:srgbClr val="FFFFFF"/>
+                </a:solidFill>
+              </a14:hiddenFill>
+            </a:ext>
+          </a:extLst>
+        </p:spPr>
+        <p:txBody>
+          <a:bodyPr vert="horz" wrap="square" lIns="91440" tIns="45720" rIns="91440" bIns="45720" numCol="1" anchor="t" anchorCtr="0" compatLnSpc="1">
+            <a:prstTxWarp prst="textNoShape">
+              <a:avLst/>
+            </a:prstTxWarp>
+          </a:bodyPr>
+          <a:lstStyle/>
+          <a:p>
+            <a:endParaRPr lang="en-US"/>
+          </a:p>
+        </p:txBody>
+      </p:sp>
+      <p:sp>
+        <p:nvSpPr>
+          <p:cNvPr id="63" name="Freeform 6">
+            <a:extLst>
+              <a:ext uri="{FF2B5EF4-FFF2-40B4-BE49-F238E27FC236}">
+                <a16:creationId xmlns:a16="http://schemas.microsoft.com/office/drawing/2014/main" id="{A5704422-1118-4FD1-95AD-29A064EB80D9}"/>
+              </a:ext>
+              <a:ext uri="{C183D7F6-B498-43B3-948B-1728B52AA6E4}">
+                <adec:decorative xmlns:adec="http://schemas.microsoft.com/office/drawing/2017/decorative" val="1"/>
+              </a:ext>
+            </a:extLst>
+          </p:cNvPr>
+          <p:cNvSpPr>
+            <a:spLocks noGrp="1" noRot="1" noChangeAspect="1" noMove="1" noResize="1" noEditPoints="1" noAdjustHandles="1" noChangeArrowheads="1" noChangeShapeType="1" noTextEdit="1"/>
+          </p:cNvSpPr>
+          <p:nvPr>
+            <p:extLst>
+              <p:ext uri="{386F3935-93C4-4BCD-93E2-E3B085C9AB24}">
+                <p16:designElem xmlns:p16="http://schemas.microsoft.com/office/powerpoint/2015/main" val="1"/>
+              </p:ext>
+            </p:extLst>
+          </p:nvPr>
+        </p:nvSpPr>
+        <p:spPr bwMode="auto">
+          <a:xfrm>
+            <a:off x="670451" y="2010741"/>
+            <a:ext cx="7373938" cy="4848892"/>
+          </a:xfrm>
+          <a:custGeom>
+            <a:avLst/>
+            <a:gdLst>
+              <a:gd name="T0" fmla="*/ 1025 w 1549"/>
+              <a:gd name="T1" fmla="*/ 1016 h 1017"/>
+              <a:gd name="T2" fmla="*/ 1443 w 1549"/>
+              <a:gd name="T3" fmla="*/ 592 h 1017"/>
+              <a:gd name="T4" fmla="*/ 782 w 1549"/>
+              <a:gd name="T5" fmla="*/ 53 h 1017"/>
+              <a:gd name="T6" fmla="*/ 150 w 1549"/>
+              <a:gd name="T7" fmla="*/ 329 h 1017"/>
+              <a:gd name="T8" fmla="*/ 477 w 1549"/>
+              <a:gd name="T9" fmla="*/ 1017 h 1017"/>
+            </a:gdLst>
+            <a:ahLst/>
+            <a:cxnLst>
+              <a:cxn ang="0">
+                <a:pos x="T0" y="T1"/>
+              </a:cxn>
+              <a:cxn ang="0">
+                <a:pos x="T2" y="T3"/>
+              </a:cxn>
+              <a:cxn ang="0">
+                <a:pos x="T4" y="T5"/>
+              </a:cxn>
+              <a:cxn ang="0">
+                <a:pos x="T6" y="T7"/>
+              </a:cxn>
+              <a:cxn ang="0">
+                <a:pos x="T8" y="T9"/>
+              </a:cxn>
+            </a:cxnLst>
+            <a:rect l="0" t="0" r="r" b="b"/>
+            <a:pathLst>
+              <a:path w="1549" h="1017">
+                <a:moveTo>
+                  <a:pt x="1025" y="1016"/>
+                </a:moveTo>
+                <a:cubicBezTo>
+                  <a:pt x="1223" y="971"/>
+                  <a:pt x="1549" y="857"/>
+                  <a:pt x="1443" y="592"/>
+                </a:cubicBezTo>
+                <a:cubicBezTo>
+                  <a:pt x="1344" y="344"/>
+                  <a:pt x="1041" y="111"/>
+                  <a:pt x="782" y="53"/>
+                </a:cubicBezTo>
+                <a:cubicBezTo>
+                  <a:pt x="545" y="0"/>
+                  <a:pt x="275" y="117"/>
+                  <a:pt x="150" y="329"/>
+                </a:cubicBezTo>
+                <a:cubicBezTo>
+                  <a:pt x="0" y="584"/>
+                  <a:pt x="243" y="911"/>
+                  <a:pt x="477" y="1017"/>
+                </a:cubicBezTo>
+              </a:path>
+            </a:pathLst>
+          </a:custGeom>
+          <a:noFill/>
+          <a:ln w="9525" cap="flat">
+            <a:solidFill>
+              <a:schemeClr val="tx1">
+                <a:alpha val="20000"/>
+              </a:schemeClr>
+            </a:solidFill>
+            <a:prstDash val="solid"/>
+            <a:miter lim="800000"/>
+            <a:headEnd/>
+            <a:tailEnd/>
+          </a:ln>
+          <a:extLst>
+            <a:ext uri="{909E8E84-426E-40DD-AFC4-6F175D3DCCD1}">
+              <a14:hiddenFill xmlns:a14="http://schemas.microsoft.com/office/drawing/2010/main">
+                <a:solidFill>
+                  <a:srgbClr val="FFFFFF"/>
+                </a:solidFill>
+              </a14:hiddenFill>
+            </a:ext>
+          </a:extLst>
+        </p:spPr>
+        <p:txBody>
+          <a:bodyPr vert="horz" wrap="square" lIns="91440" tIns="45720" rIns="91440" bIns="45720" numCol="1" anchor="t" anchorCtr="0" compatLnSpc="1">
+            <a:prstTxWarp prst="textNoShape">
+              <a:avLst/>
+            </a:prstTxWarp>
+          </a:bodyPr>
+          <a:lstStyle/>
+          <a:p>
+            <a:endParaRPr lang="en-US"/>
+          </a:p>
+        </p:txBody>
+      </p:sp>
+      <p:sp>
+        <p:nvSpPr>
+          <p:cNvPr id="65" name="Freeform 7">
+            <a:extLst>
+              <a:ext uri="{FF2B5EF4-FFF2-40B4-BE49-F238E27FC236}">
+                <a16:creationId xmlns:a16="http://schemas.microsoft.com/office/drawing/2014/main" id="{A88B2AAA-B805-498E-A9E6-98B885855498}"/>
+              </a:ext>
+              <a:ext uri="{C183D7F6-B498-43B3-948B-1728B52AA6E4}">
+                <adec:decorative xmlns:adec="http://schemas.microsoft.com/office/drawing/2017/decorative" val="1"/>
+              </a:ext>
+            </a:extLst>
+          </p:cNvPr>
+          <p:cNvSpPr>
+            <a:spLocks noGrp="1" noRot="1" noChangeAspect="1" noMove="1" noResize="1" noEditPoints="1" noAdjustHandles="1" noChangeArrowheads="1" noChangeShapeType="1" noTextEdit="1"/>
+          </p:cNvSpPr>
+          <p:nvPr>
+            <p:extLst>
+              <p:ext uri="{386F3935-93C4-4BCD-93E2-E3B085C9AB24}">
+                <p16:designElem xmlns:p16="http://schemas.microsoft.com/office/powerpoint/2015/main" val="1"/>
+              </p:ext>
+            </p:extLst>
+          </p:nvPr>
+        </p:nvSpPr>
+        <p:spPr bwMode="auto">
+          <a:xfrm>
+            <a:off x="251351" y="1780905"/>
+            <a:ext cx="8035925" cy="5083516"/>
+          </a:xfrm>
+          <a:custGeom>
+            <a:avLst/>
+            <a:gdLst>
+              <a:gd name="T0" fmla="*/ 1302 w 1688"/>
+              <a:gd name="T1" fmla="*/ 1066 h 1066"/>
+              <a:gd name="T2" fmla="*/ 1613 w 1688"/>
+              <a:gd name="T3" fmla="*/ 850 h 1066"/>
+              <a:gd name="T4" fmla="*/ 1517 w 1688"/>
+              <a:gd name="T5" fmla="*/ 471 h 1066"/>
+              <a:gd name="T6" fmla="*/ 798 w 1688"/>
+              <a:gd name="T7" fmla="*/ 28 h 1066"/>
+              <a:gd name="T8" fmla="*/ 181 w 1688"/>
+              <a:gd name="T9" fmla="*/ 333 h 1066"/>
+              <a:gd name="T10" fmla="*/ 420 w 1688"/>
+              <a:gd name="T11" fmla="*/ 1066 h 1066"/>
+            </a:gdLst>
+            <a:ahLst/>
+            <a:cxnLst>
+              <a:cxn ang="0">
+                <a:pos x="T0" y="T1"/>
+              </a:cxn>
+              <a:cxn ang="0">
+                <a:pos x="T2" y="T3"/>
+              </a:cxn>
+              <a:cxn ang="0">
+                <a:pos x="T4" y="T5"/>
+              </a:cxn>
+              <a:cxn ang="0">
+                <a:pos x="T6" y="T7"/>
+              </a:cxn>
+              <a:cxn ang="0">
+                <a:pos x="T8" y="T9"/>
+              </a:cxn>
+              <a:cxn ang="0">
+                <a:pos x="T10" y="T11"/>
+              </a:cxn>
+            </a:cxnLst>
+            <a:rect l="0" t="0" r="r" b="b"/>
+            <a:pathLst>
+              <a:path w="1688" h="1066">
+                <a:moveTo>
+                  <a:pt x="1302" y="1066"/>
+                </a:moveTo>
+                <a:cubicBezTo>
+                  <a:pt x="1416" y="1024"/>
+                  <a:pt x="1551" y="962"/>
+                  <a:pt x="1613" y="850"/>
+                </a:cubicBezTo>
+                <a:cubicBezTo>
+                  <a:pt x="1688" y="715"/>
+                  <a:pt x="1606" y="575"/>
+                  <a:pt x="1517" y="471"/>
+                </a:cubicBezTo>
+                <a:cubicBezTo>
+                  <a:pt x="1336" y="258"/>
+                  <a:pt x="1084" y="62"/>
+                  <a:pt x="798" y="28"/>
+                </a:cubicBezTo>
+                <a:cubicBezTo>
+                  <a:pt x="559" y="0"/>
+                  <a:pt x="317" y="138"/>
+                  <a:pt x="181" y="333"/>
+                </a:cubicBezTo>
+                <a:cubicBezTo>
+                  <a:pt x="0" y="592"/>
+                  <a:pt x="191" y="907"/>
+                  <a:pt x="420" y="1066"/>
+                </a:cubicBezTo>
+              </a:path>
+            </a:pathLst>
+          </a:custGeom>
+          <a:noFill/>
+          <a:ln w="9525" cap="flat">
+            <a:solidFill>
+              <a:schemeClr val="tx1">
+                <a:alpha val="20000"/>
+              </a:schemeClr>
+            </a:solidFill>
+            <a:prstDash val="dash"/>
+            <a:miter lim="800000"/>
+            <a:headEnd/>
+            <a:tailEnd/>
+          </a:ln>
+          <a:extLst>
+            <a:ext uri="{909E8E84-426E-40DD-AFC4-6F175D3DCCD1}">
+              <a14:hiddenFill xmlns:a14="http://schemas.microsoft.com/office/drawing/2010/main">
+                <a:solidFill>
+                  <a:srgbClr val="FFFFFF"/>
+                </a:solidFill>
+              </a14:hiddenFill>
+            </a:ext>
+          </a:extLst>
+        </p:spPr>
+        <p:txBody>
+          <a:bodyPr vert="horz" wrap="square" lIns="91440" tIns="45720" rIns="91440" bIns="45720" numCol="1" anchor="t" anchorCtr="0" compatLnSpc="1">
+            <a:prstTxWarp prst="textNoShape">
+              <a:avLst/>
+            </a:prstTxWarp>
+          </a:bodyPr>
+          <a:lstStyle/>
+          <a:p>
+            <a:endParaRPr lang="en-US"/>
+          </a:p>
+        </p:txBody>
+      </p:sp>
+      <p:sp>
+        <p:nvSpPr>
+          <p:cNvPr id="67" name="Freeform 8">
+            <a:extLst>
+              <a:ext uri="{FF2B5EF4-FFF2-40B4-BE49-F238E27FC236}">
+                <a16:creationId xmlns:a16="http://schemas.microsoft.com/office/drawing/2014/main" id="{9B8051E0-19D7-43E1-BFD9-E6DBFEB3A3F1}"/>
+              </a:ext>
+              <a:ext uri="{C183D7F6-B498-43B3-948B-1728B52AA6E4}">
+                <adec:decorative xmlns:adec="http://schemas.microsoft.com/office/drawing/2017/decorative" val="1"/>
+              </a:ext>
+            </a:extLst>
+          </p:cNvPr>
+          <p:cNvSpPr>
+            <a:spLocks noGrp="1" noRot="1" noChangeAspect="1" noMove="1" noResize="1" noEditPoints="1" noAdjustHandles="1" noChangeArrowheads="1" noChangeShapeType="1" noTextEdit="1"/>
+          </p:cNvSpPr>
+          <p:nvPr>
+            <p:extLst>
+              <p:ext uri="{386F3935-93C4-4BCD-93E2-E3B085C9AB24}">
+                <p16:designElem xmlns:p16="http://schemas.microsoft.com/office/powerpoint/2015/main" val="1"/>
+              </p:ext>
+            </p:extLst>
+          </p:nvPr>
+        </p:nvSpPr>
+        <p:spPr bwMode="auto">
+          <a:xfrm>
+            <a:off x="-1061" y="542347"/>
+            <a:ext cx="10334625" cy="6322075"/>
+          </a:xfrm>
+          <a:custGeom>
+            <a:avLst/>
+            <a:gdLst>
+              <a:gd name="T0" fmla="*/ 1873 w 2171"/>
+              <a:gd name="T1" fmla="*/ 1326 h 1326"/>
+              <a:gd name="T2" fmla="*/ 1609 w 2171"/>
+              <a:gd name="T3" fmla="*/ 473 h 1326"/>
+              <a:gd name="T4" fmla="*/ 880 w 2171"/>
+              <a:gd name="T5" fmla="*/ 63 h 1326"/>
+              <a:gd name="T6" fmla="*/ 0 w 2171"/>
+              <a:gd name="T7" fmla="*/ 423 h 1326"/>
+            </a:gdLst>
+            <a:ahLst/>
+            <a:cxnLst>
+              <a:cxn ang="0">
+                <a:pos x="T0" y="T1"/>
+              </a:cxn>
+              <a:cxn ang="0">
+                <a:pos x="T2" y="T3"/>
+              </a:cxn>
+              <a:cxn ang="0">
+                <a:pos x="T4" y="T5"/>
+              </a:cxn>
+              <a:cxn ang="0">
+                <a:pos x="T6" y="T7"/>
+              </a:cxn>
+            </a:cxnLst>
+            <a:rect l="0" t="0" r="r" b="b"/>
+            <a:pathLst>
+              <a:path w="2171" h="1326">
+                <a:moveTo>
+                  <a:pt x="1873" y="1326"/>
+                </a:moveTo>
+                <a:cubicBezTo>
+                  <a:pt x="2171" y="1045"/>
+                  <a:pt x="1825" y="678"/>
+                  <a:pt x="1609" y="473"/>
+                </a:cubicBezTo>
+                <a:cubicBezTo>
+                  <a:pt x="1406" y="281"/>
+                  <a:pt x="1159" y="116"/>
+                  <a:pt x="880" y="63"/>
+                </a:cubicBezTo>
+                <a:cubicBezTo>
+                  <a:pt x="545" y="0"/>
+                  <a:pt x="214" y="161"/>
+                  <a:pt x="0" y="423"/>
+                </a:cubicBezTo>
+              </a:path>
+            </a:pathLst>
+          </a:custGeom>
+          <a:noFill/>
+          <a:ln w="9525" cap="flat">
+            <a:solidFill>
+              <a:schemeClr val="tx1">
+                <a:alpha val="20000"/>
+              </a:schemeClr>
+            </a:solidFill>
+            <a:prstDash val="solid"/>
+            <a:miter lim="800000"/>
+            <a:headEnd/>
+            <a:tailEnd/>
+          </a:ln>
+          <a:extLst>
+            <a:ext uri="{909E8E84-426E-40DD-AFC4-6F175D3DCCD1}">
+              <a14:hiddenFill xmlns:a14="http://schemas.microsoft.com/office/drawing/2010/main">
+                <a:solidFill>
+                  <a:srgbClr val="FFFFFF"/>
+                </a:solidFill>
+              </a14:hiddenFill>
+            </a:ext>
+          </a:extLst>
+        </p:spPr>
+        <p:txBody>
+          <a:bodyPr vert="horz" wrap="square" lIns="91440" tIns="45720" rIns="91440" bIns="45720" numCol="1" anchor="t" anchorCtr="0" compatLnSpc="1">
+            <a:prstTxWarp prst="textNoShape">
+              <a:avLst/>
+            </a:prstTxWarp>
+          </a:bodyPr>
+          <a:lstStyle/>
+          <a:p>
+            <a:endParaRPr lang="en-US"/>
+          </a:p>
+        </p:txBody>
+      </p:sp>
+      <p:sp>
+        <p:nvSpPr>
+          <p:cNvPr id="69" name="Freeform 9">
+            <a:extLst>
+              <a:ext uri="{FF2B5EF4-FFF2-40B4-BE49-F238E27FC236}">
+                <a16:creationId xmlns:a16="http://schemas.microsoft.com/office/drawing/2014/main" id="{4EDB2B02-86A2-46F5-A4BE-B7D9B10411D6}"/>
+              </a:ext>
+              <a:ext uri="{C183D7F6-B498-43B3-948B-1728B52AA6E4}">
+                <adec:decorative xmlns:adec="http://schemas.microsoft.com/office/drawing/2017/decorative" val="1"/>
+              </a:ext>
+            </a:extLst>
+          </p:cNvPr>
+          <p:cNvSpPr>
+            <a:spLocks noGrp="1" noRot="1" noChangeAspect="1" noMove="1" noResize="1" noEditPoints="1" noAdjustHandles="1" noChangeArrowheads="1" noChangeShapeType="1" noTextEdit="1"/>
+          </p:cNvSpPr>
+          <p:nvPr>
+            <p:extLst>
+              <p:ext uri="{386F3935-93C4-4BCD-93E2-E3B085C9AB24}">
+                <p16:designElem xmlns:p16="http://schemas.microsoft.com/office/powerpoint/2015/main" val="1"/>
+              </p:ext>
+            </p:extLst>
+          </p:nvPr>
+        </p:nvSpPr>
+        <p:spPr bwMode="auto">
+          <a:xfrm>
+            <a:off x="3701" y="6178751"/>
+            <a:ext cx="504825" cy="681527"/>
+          </a:xfrm>
+          <a:custGeom>
+            <a:avLst/>
+            <a:gdLst>
+              <a:gd name="T0" fmla="*/ 0 w 106"/>
+              <a:gd name="T1" fmla="*/ 0 h 143"/>
+              <a:gd name="T2" fmla="*/ 106 w 106"/>
+              <a:gd name="T3" fmla="*/ 143 h 143"/>
+            </a:gdLst>
+            <a:ahLst/>
+            <a:cxnLst>
+              <a:cxn ang="0">
+                <a:pos x="T0" y="T1"/>
+              </a:cxn>
+              <a:cxn ang="0">
+                <a:pos x="T2" y="T3"/>
+              </a:cxn>
+            </a:cxnLst>
+            <a:rect l="0" t="0" r="r" b="b"/>
+            <a:pathLst>
+              <a:path w="106" h="143">
+                <a:moveTo>
+                  <a:pt x="0" y="0"/>
+                </a:moveTo>
+                <a:cubicBezTo>
+                  <a:pt x="35" y="54"/>
+                  <a:pt x="70" y="101"/>
+                  <a:pt x="106" y="143"/>
+                </a:cubicBezTo>
+              </a:path>
+            </a:pathLst>
+          </a:custGeom>
+          <a:noFill/>
+          <a:ln w="4763" cap="flat">
+            <a:solidFill>
+              <a:schemeClr val="tx1">
+                <a:alpha val="20000"/>
+              </a:schemeClr>
+            </a:solidFill>
+            <a:prstDash val="solid"/>
+            <a:miter lim="800000"/>
+            <a:headEnd/>
+            <a:tailEnd/>
+          </a:ln>
+          <a:extLst>
+            <a:ext uri="{909E8E84-426E-40DD-AFC4-6F175D3DCCD1}">
+              <a14:hiddenFill xmlns:a14="http://schemas.microsoft.com/office/drawing/2010/main">
+                <a:solidFill>
+                  <a:srgbClr val="FFFFFF"/>
+                </a:solidFill>
+              </a14:hiddenFill>
+            </a:ext>
+          </a:extLst>
+        </p:spPr>
+        <p:txBody>
+          <a:bodyPr vert="horz" wrap="square" lIns="91440" tIns="45720" rIns="91440" bIns="45720" numCol="1" anchor="t" anchorCtr="0" compatLnSpc="1">
+            <a:prstTxWarp prst="textNoShape">
+              <a:avLst/>
+            </a:prstTxWarp>
+          </a:bodyPr>
+          <a:lstStyle/>
+          <a:p>
+            <a:endParaRPr lang="en-US"/>
+          </a:p>
+        </p:txBody>
+      </p:sp>
+      <p:sp>
+        <p:nvSpPr>
+          <p:cNvPr id="71" name="Freeform 10">
+            <a:extLst>
+              <a:ext uri="{FF2B5EF4-FFF2-40B4-BE49-F238E27FC236}">
+                <a16:creationId xmlns:a16="http://schemas.microsoft.com/office/drawing/2014/main" id="{43954639-FB5D-41F4-9560-6F6DFE778425}"/>
+              </a:ext>
+              <a:ext uri="{C183D7F6-B498-43B3-948B-1728B52AA6E4}">
+                <adec:decorative xmlns:adec="http://schemas.microsoft.com/office/drawing/2017/decorative" val="1"/>
+              </a:ext>
+            </a:extLst>
+          </p:cNvPr>
+          <p:cNvSpPr>
+            <a:spLocks noGrp="1" noRot="1" noChangeAspect="1" noMove="1" noResize="1" noEditPoints="1" noAdjustHandles="1" noChangeArrowheads="1" noChangeShapeType="1" noTextEdit="1"/>
+          </p:cNvSpPr>
+          <p:nvPr>
+            <p:extLst>
+              <p:ext uri="{386F3935-93C4-4BCD-93E2-E3B085C9AB24}">
+                <p16:designElem xmlns:p16="http://schemas.microsoft.com/office/powerpoint/2015/main" val="1"/>
+              </p:ext>
+            </p:extLst>
+          </p:nvPr>
+        </p:nvSpPr>
+        <p:spPr bwMode="auto">
+          <a:xfrm>
+            <a:off x="-1061" y="-59376"/>
+            <a:ext cx="11091863" cy="6923796"/>
+          </a:xfrm>
+          <a:custGeom>
+            <a:avLst/>
+            <a:gdLst>
+              <a:gd name="T0" fmla="*/ 2046 w 2330"/>
+              <a:gd name="T1" fmla="*/ 1452 h 1452"/>
+              <a:gd name="T2" fmla="*/ 1813 w 2330"/>
+              <a:gd name="T3" fmla="*/ 601 h 1452"/>
+              <a:gd name="T4" fmla="*/ 956 w 2330"/>
+              <a:gd name="T5" fmla="*/ 97 h 1452"/>
+              <a:gd name="T6" fmla="*/ 0 w 2330"/>
+              <a:gd name="T7" fmla="*/ 366 h 1452"/>
+            </a:gdLst>
+            <a:ahLst/>
+            <a:cxnLst>
+              <a:cxn ang="0">
+                <a:pos x="T0" y="T1"/>
+              </a:cxn>
+              <a:cxn ang="0">
+                <a:pos x="T2" y="T3"/>
+              </a:cxn>
+              <a:cxn ang="0">
+                <a:pos x="T4" y="T5"/>
+              </a:cxn>
+              <a:cxn ang="0">
+                <a:pos x="T6" y="T7"/>
+              </a:cxn>
+            </a:cxnLst>
+            <a:rect l="0" t="0" r="r" b="b"/>
+            <a:pathLst>
+              <a:path w="2330" h="1452">
+                <a:moveTo>
+                  <a:pt x="2046" y="1452"/>
+                </a:moveTo>
+                <a:cubicBezTo>
+                  <a:pt x="2330" y="1153"/>
+                  <a:pt x="2049" y="821"/>
+                  <a:pt x="1813" y="601"/>
+                </a:cubicBezTo>
+                <a:cubicBezTo>
+                  <a:pt x="1569" y="375"/>
+                  <a:pt x="1282" y="179"/>
+                  <a:pt x="956" y="97"/>
+                </a:cubicBezTo>
+                <a:cubicBezTo>
+                  <a:pt x="572" y="0"/>
+                  <a:pt x="292" y="101"/>
+                  <a:pt x="0" y="366"/>
+                </a:cubicBezTo>
+              </a:path>
+            </a:pathLst>
+          </a:custGeom>
+          <a:noFill/>
+          <a:ln w="9525" cap="flat">
+            <a:solidFill>
+              <a:schemeClr val="tx1">
+                <a:alpha val="20000"/>
+              </a:schemeClr>
+            </a:solidFill>
+            <a:prstDash val="solid"/>
+            <a:miter lim="800000"/>
+            <a:headEnd/>
+            <a:tailEnd/>
+          </a:ln>
+          <a:extLst>
+            <a:ext uri="{909E8E84-426E-40DD-AFC4-6F175D3DCCD1}">
+              <a14:hiddenFill xmlns:a14="http://schemas.microsoft.com/office/drawing/2010/main">
+                <a:solidFill>
+                  <a:srgbClr val="FFFFFF"/>
+                </a:solidFill>
+              </a14:hiddenFill>
+            </a:ext>
+          </a:extLst>
+        </p:spPr>
+        <p:txBody>
+          <a:bodyPr vert="horz" wrap="square" lIns="91440" tIns="45720" rIns="91440" bIns="45720" numCol="1" anchor="t" anchorCtr="0" compatLnSpc="1">
+            <a:prstTxWarp prst="textNoShape">
+              <a:avLst/>
+            </a:prstTxWarp>
+          </a:bodyPr>
+          <a:lstStyle/>
+          <a:p>
+            <a:endParaRPr lang="en-US"/>
+          </a:p>
+        </p:txBody>
+      </p:sp>
+      <p:sp>
+        <p:nvSpPr>
+          <p:cNvPr id="73" name="Freeform 12">
+            <a:extLst>
+              <a:ext uri="{FF2B5EF4-FFF2-40B4-BE49-F238E27FC236}">
+                <a16:creationId xmlns:a16="http://schemas.microsoft.com/office/drawing/2014/main" id="{E898931C-0323-41FA-A036-20F818B1FF81}"/>
+              </a:ext>
+              <a:ext uri="{C183D7F6-B498-43B3-948B-1728B52AA6E4}">
+                <adec:decorative xmlns:adec="http://schemas.microsoft.com/office/drawing/2017/decorative" val="1"/>
+              </a:ext>
+            </a:extLst>
+          </p:cNvPr>
+          <p:cNvSpPr>
+            <a:spLocks noGrp="1" noRot="1" noChangeAspect="1" noMove="1" noResize="1" noEditPoints="1" noAdjustHandles="1" noChangeArrowheads="1" noChangeShapeType="1" noTextEdit="1"/>
+          </p:cNvSpPr>
+          <p:nvPr>
+            <p:extLst>
+              <p:ext uri="{386F3935-93C4-4BCD-93E2-E3B085C9AB24}">
+                <p16:designElem xmlns:p16="http://schemas.microsoft.com/office/powerpoint/2015/main" val="1"/>
+              </p:ext>
+            </p:extLst>
+          </p:nvPr>
+        </p:nvSpPr>
+        <p:spPr bwMode="auto">
+          <a:xfrm>
+            <a:off x="-1061" y="-1916"/>
+            <a:ext cx="1057275" cy="614491"/>
+          </a:xfrm>
+          <a:custGeom>
+            <a:avLst/>
+            <a:gdLst>
+              <a:gd name="T0" fmla="*/ 222 w 222"/>
+              <a:gd name="T1" fmla="*/ 0 h 129"/>
+              <a:gd name="T2" fmla="*/ 0 w 222"/>
+              <a:gd name="T3" fmla="*/ 129 h 129"/>
+            </a:gdLst>
+            <a:ahLst/>
+            <a:cxnLst>
+              <a:cxn ang="0">
+                <a:pos x="T0" y="T1"/>
+              </a:cxn>
+              <a:cxn ang="0">
+                <a:pos x="T2" y="T3"/>
+              </a:cxn>
+            </a:cxnLst>
+            <a:rect l="0" t="0" r="r" b="b"/>
+            <a:pathLst>
+              <a:path w="222" h="129">
+                <a:moveTo>
+                  <a:pt x="222" y="0"/>
+                </a:moveTo>
+                <a:cubicBezTo>
+                  <a:pt x="152" y="35"/>
+                  <a:pt x="76" y="78"/>
+                  <a:pt x="0" y="129"/>
+                </a:cubicBezTo>
+              </a:path>
+            </a:pathLst>
+          </a:custGeom>
+          <a:noFill/>
+          <a:ln w="9525" cap="flat">
+            <a:solidFill>
+              <a:schemeClr val="tx1">
+                <a:alpha val="20000"/>
+              </a:schemeClr>
+            </a:solidFill>
+            <a:prstDash val="solid"/>
+            <a:miter lim="800000"/>
+            <a:headEnd/>
+            <a:tailEnd/>
+          </a:ln>
+          <a:extLst>
+            <a:ext uri="{909E8E84-426E-40DD-AFC4-6F175D3DCCD1}">
+              <a14:hiddenFill xmlns:a14="http://schemas.microsoft.com/office/drawing/2010/main">
+                <a:solidFill>
+                  <a:srgbClr val="FFFFFF"/>
+                </a:solidFill>
+              </a14:hiddenFill>
+            </a:ext>
+          </a:extLst>
+        </p:spPr>
+        <p:txBody>
+          <a:bodyPr vert="horz" wrap="square" lIns="91440" tIns="45720" rIns="91440" bIns="45720" numCol="1" anchor="t" anchorCtr="0" compatLnSpc="1">
+            <a:prstTxWarp prst="textNoShape">
+              <a:avLst/>
+            </a:prstTxWarp>
+          </a:bodyPr>
+          <a:lstStyle/>
+          <a:p>
+            <a:endParaRPr lang="en-US"/>
+          </a:p>
+        </p:txBody>
+      </p:sp>
+      <p:sp>
+        <p:nvSpPr>
+          <p:cNvPr id="75" name="Freeform 14">
+            <a:extLst>
+              <a:ext uri="{FF2B5EF4-FFF2-40B4-BE49-F238E27FC236}">
+                <a16:creationId xmlns:a16="http://schemas.microsoft.com/office/drawing/2014/main" id="{89AFE9DD-0792-4B98-B4EB-97ACA17E6AA8}"/>
+              </a:ext>
+              <a:ext uri="{C183D7F6-B498-43B3-948B-1728B52AA6E4}">
+                <adec:decorative xmlns:adec="http://schemas.microsoft.com/office/drawing/2017/decorative" val="1"/>
+              </a:ext>
+            </a:extLst>
+          </p:cNvPr>
+          <p:cNvSpPr>
+            <a:spLocks noGrp="1" noRot="1" noChangeAspect="1" noMove="1" noResize="1" noEditPoints="1" noAdjustHandles="1" noChangeArrowheads="1" noChangeShapeType="1" noTextEdit="1"/>
+          </p:cNvSpPr>
+          <p:nvPr>
+            <p:extLst>
+              <p:ext uri="{386F3935-93C4-4BCD-93E2-E3B085C9AB24}">
+                <p16:designElem xmlns:p16="http://schemas.microsoft.com/office/powerpoint/2015/main" val="1"/>
+              </p:ext>
+            </p:extLst>
+          </p:nvPr>
+        </p:nvSpPr>
+        <p:spPr bwMode="auto">
+          <a:xfrm>
+            <a:off x="3701" y="-6705"/>
+            <a:ext cx="595313" cy="352734"/>
+          </a:xfrm>
+          <a:custGeom>
+            <a:avLst/>
+            <a:gdLst>
+              <a:gd name="T0" fmla="*/ 125 w 125"/>
+              <a:gd name="T1" fmla="*/ 0 h 74"/>
+              <a:gd name="T2" fmla="*/ 0 w 125"/>
+              <a:gd name="T3" fmla="*/ 74 h 74"/>
+            </a:gdLst>
+            <a:ahLst/>
+            <a:cxnLst>
+              <a:cxn ang="0">
+                <a:pos x="T0" y="T1"/>
+              </a:cxn>
+              <a:cxn ang="0">
+                <a:pos x="T2" y="T3"/>
+              </a:cxn>
+            </a:cxnLst>
+            <a:rect l="0" t="0" r="r" b="b"/>
+            <a:pathLst>
+              <a:path w="125" h="74">
+                <a:moveTo>
+                  <a:pt x="125" y="0"/>
+                </a:moveTo>
+                <a:cubicBezTo>
+                  <a:pt x="85" y="22"/>
+                  <a:pt x="43" y="47"/>
+                  <a:pt x="0" y="74"/>
+                </a:cubicBezTo>
+              </a:path>
+            </a:pathLst>
+          </a:custGeom>
+          <a:noFill/>
+          <a:ln w="9525" cap="flat">
+            <a:solidFill>
+              <a:schemeClr val="tx1">
+                <a:alpha val="20000"/>
+              </a:schemeClr>
+            </a:solidFill>
+            <a:prstDash val="dash"/>
+            <a:miter lim="800000"/>
+            <a:headEnd/>
+            <a:tailEnd/>
+          </a:ln>
+          <a:extLst>
+            <a:ext uri="{909E8E84-426E-40DD-AFC4-6F175D3DCCD1}">
+              <a14:hiddenFill xmlns:a14="http://schemas.microsoft.com/office/drawing/2010/main">
+                <a:solidFill>
+                  <a:srgbClr val="FFFFFF"/>
+                </a:solidFill>
+              </a14:hiddenFill>
+            </a:ext>
+          </a:extLst>
+        </p:spPr>
+        <p:txBody>
+          <a:bodyPr vert="horz" wrap="square" lIns="91440" tIns="45720" rIns="91440" bIns="45720" numCol="1" anchor="t" anchorCtr="0" compatLnSpc="1">
+            <a:prstTxWarp prst="textNoShape">
+              <a:avLst/>
+            </a:prstTxWarp>
+          </a:bodyPr>
+          <a:lstStyle/>
+          <a:p>
+            <a:endParaRPr lang="en-US"/>
+          </a:p>
+        </p:txBody>
+      </p:sp>
+      <p:sp>
+        <p:nvSpPr>
+          <p:cNvPr id="77" name="Freeform 16">
+            <a:extLst>
+              <a:ext uri="{FF2B5EF4-FFF2-40B4-BE49-F238E27FC236}">
+                <a16:creationId xmlns:a16="http://schemas.microsoft.com/office/drawing/2014/main" id="{3981F5C4-9AE1-404E-AF44-A4E6DB374F9D}"/>
+              </a:ext>
+              <a:ext uri="{C183D7F6-B498-43B3-948B-1728B52AA6E4}">
+                <adec:decorative xmlns:adec="http://schemas.microsoft.com/office/drawing/2017/decorative" val="1"/>
+              </a:ext>
+            </a:extLst>
+          </p:cNvPr>
+          <p:cNvSpPr>
+            <a:spLocks noGrp="1" noRot="1" noChangeAspect="1" noMove="1" noResize="1" noEditPoints="1" noAdjustHandles="1" noChangeArrowheads="1" noChangeShapeType="1" noTextEdit="1"/>
+          </p:cNvSpPr>
+          <p:nvPr>
+            <p:extLst>
+              <p:ext uri="{386F3935-93C4-4BCD-93E2-E3B085C9AB24}">
+                <p16:designElem xmlns:p16="http://schemas.microsoft.com/office/powerpoint/2015/main" val="1"/>
+              </p:ext>
+            </p:extLst>
+          </p:nvPr>
+        </p:nvSpPr>
+        <p:spPr bwMode="auto">
+          <a:xfrm>
+            <a:off x="-1061" y="-1916"/>
+            <a:ext cx="357188" cy="213875"/>
+          </a:xfrm>
+          <a:custGeom>
+            <a:avLst/>
+            <a:gdLst>
+              <a:gd name="T0" fmla="*/ 75 w 75"/>
+              <a:gd name="T1" fmla="*/ 0 h 45"/>
+              <a:gd name="T2" fmla="*/ 0 w 75"/>
+              <a:gd name="T3" fmla="*/ 45 h 45"/>
+            </a:gdLst>
+            <a:ahLst/>
+            <a:cxnLst>
+              <a:cxn ang="0">
+                <a:pos x="T0" y="T1"/>
+              </a:cxn>
+              <a:cxn ang="0">
+                <a:pos x="T2" y="T3"/>
+              </a:cxn>
+            </a:cxnLst>
+            <a:rect l="0" t="0" r="r" b="b"/>
+            <a:pathLst>
+              <a:path w="75" h="45">
+                <a:moveTo>
+                  <a:pt x="75" y="0"/>
+                </a:moveTo>
+                <a:cubicBezTo>
+                  <a:pt x="50" y="14"/>
+                  <a:pt x="25" y="29"/>
+                  <a:pt x="0" y="45"/>
+                </a:cubicBezTo>
+              </a:path>
+            </a:pathLst>
+          </a:custGeom>
+          <a:noFill/>
+          <a:ln w="12700" cap="flat">
+            <a:solidFill>
+              <a:schemeClr val="tx1">
+                <a:alpha val="20000"/>
+              </a:schemeClr>
+            </a:solidFill>
+            <a:prstDash val="dashDot"/>
+            <a:miter lim="800000"/>
+            <a:headEnd/>
+            <a:tailEnd/>
+          </a:ln>
+          <a:extLst>
+            <a:ext uri="{909E8E84-426E-40DD-AFC4-6F175D3DCCD1}">
+              <a14:hiddenFill xmlns:a14="http://schemas.microsoft.com/office/drawing/2010/main">
+                <a:solidFill>
+                  <a:srgbClr val="FFFFFF"/>
+                </a:solidFill>
+              </a14:hiddenFill>
+            </a:ext>
+          </a:extLst>
+        </p:spPr>
+        <p:txBody>
+          <a:bodyPr vert="horz" wrap="square" lIns="91440" tIns="45720" rIns="91440" bIns="45720" numCol="1" anchor="t" anchorCtr="0" compatLnSpc="1">
+            <a:prstTxWarp prst="textNoShape">
+              <a:avLst/>
+            </a:prstTxWarp>
+          </a:bodyPr>
+          <a:lstStyle/>
+          <a:p>
+            <a:endParaRPr lang="en-US"/>
+          </a:p>
+        </p:txBody>
+      </p:sp>
+      <p:sp>
+        <p:nvSpPr>
+          <p:cNvPr id="79" name="Freeform 11">
+            <a:extLst>
+              <a:ext uri="{FF2B5EF4-FFF2-40B4-BE49-F238E27FC236}">
+                <a16:creationId xmlns:a16="http://schemas.microsoft.com/office/drawing/2014/main" id="{763C1781-8726-4FAC-8C45-FF40376BE409}"/>
+              </a:ext>
+              <a:ext uri="{C183D7F6-B498-43B3-948B-1728B52AA6E4}">
+                <adec:decorative xmlns:adec="http://schemas.microsoft.com/office/drawing/2017/decorative" val="1"/>
+              </a:ext>
+            </a:extLst>
+          </p:cNvPr>
+          <p:cNvSpPr>
+            <a:spLocks noGrp="1" noRot="1" noChangeAspect="1" noMove="1" noResize="1" noEditPoints="1" noAdjustHandles="1" noChangeArrowheads="1" noChangeShapeType="1" noTextEdit="1"/>
+          </p:cNvSpPr>
+          <p:nvPr>
+            <p:extLst>
+              <p:ext uri="{386F3935-93C4-4BCD-93E2-E3B085C9AB24}">
+                <p16:designElem xmlns:p16="http://schemas.microsoft.com/office/powerpoint/2015/main" val="1"/>
+              </p:ext>
+            </p:extLst>
+          </p:nvPr>
+        </p:nvSpPr>
+        <p:spPr bwMode="auto">
+          <a:xfrm>
+            <a:off x="5426601" y="-1916"/>
+            <a:ext cx="5788025" cy="6847184"/>
+          </a:xfrm>
+          <a:custGeom>
+            <a:avLst/>
+            <a:gdLst>
+              <a:gd name="T0" fmla="*/ 1094 w 1216"/>
+              <a:gd name="T1" fmla="*/ 1436 h 1436"/>
+              <a:gd name="T2" fmla="*/ 709 w 1216"/>
+              <a:gd name="T3" fmla="*/ 551 h 1436"/>
+              <a:gd name="T4" fmla="*/ 0 w 1216"/>
+              <a:gd name="T5" fmla="*/ 0 h 1436"/>
+            </a:gdLst>
+            <a:ahLst/>
+            <a:cxnLst>
+              <a:cxn ang="0">
+                <a:pos x="T0" y="T1"/>
+              </a:cxn>
+              <a:cxn ang="0">
+                <a:pos x="T2" y="T3"/>
+              </a:cxn>
+              <a:cxn ang="0">
+                <a:pos x="T4" y="T5"/>
+              </a:cxn>
+            </a:cxnLst>
+            <a:rect l="0" t="0" r="r" b="b"/>
+            <a:pathLst>
+              <a:path w="1216" h="1436">
+                <a:moveTo>
+                  <a:pt x="1094" y="1436"/>
+                </a:moveTo>
+                <a:cubicBezTo>
+                  <a:pt x="1216" y="1114"/>
+                  <a:pt x="904" y="770"/>
+                  <a:pt x="709" y="551"/>
+                </a:cubicBezTo>
+                <a:cubicBezTo>
+                  <a:pt x="509" y="327"/>
+                  <a:pt x="274" y="127"/>
+                  <a:pt x="0" y="0"/>
+                </a:cubicBezTo>
+              </a:path>
+            </a:pathLst>
+          </a:custGeom>
+          <a:noFill/>
+          <a:ln w="9525" cap="flat">
+            <a:solidFill>
+              <a:schemeClr val="tx1">
+                <a:alpha val="20000"/>
+              </a:schemeClr>
+            </a:solidFill>
+            <a:prstDash val="solid"/>
+            <a:miter lim="800000"/>
+            <a:headEnd/>
+            <a:tailEnd/>
+          </a:ln>
+          <a:extLst>
+            <a:ext uri="{909E8E84-426E-40DD-AFC4-6F175D3DCCD1}">
+              <a14:hiddenFill xmlns:a14="http://schemas.microsoft.com/office/drawing/2010/main">
+                <a:solidFill>
+                  <a:srgbClr val="FFFFFF"/>
+                </a:solidFill>
+              </a14:hiddenFill>
+            </a:ext>
+          </a:extLst>
+        </p:spPr>
+        <p:txBody>
+          <a:bodyPr vert="horz" wrap="square" lIns="91440" tIns="45720" rIns="91440" bIns="45720" numCol="1" anchor="t" anchorCtr="0" compatLnSpc="1">
+            <a:prstTxWarp prst="textNoShape">
+              <a:avLst/>
+            </a:prstTxWarp>
+          </a:bodyPr>
+          <a:lstStyle/>
+          <a:p>
+            <a:endParaRPr lang="en-US"/>
+          </a:p>
+        </p:txBody>
+      </p:sp>
+      <p:sp>
+        <p:nvSpPr>
+          <p:cNvPr id="81" name="Freeform 21">
+            <a:extLst>
+              <a:ext uri="{FF2B5EF4-FFF2-40B4-BE49-F238E27FC236}">
+                <a16:creationId xmlns:a16="http://schemas.microsoft.com/office/drawing/2014/main" id="{301491B5-56C7-43DC-A3D9-861EECCA056A}"/>
+              </a:ext>
+              <a:ext uri="{C183D7F6-B498-43B3-948B-1728B52AA6E4}">
+                <adec:decorative xmlns:adec="http://schemas.microsoft.com/office/drawing/2017/decorative" val="1"/>
+              </a:ext>
+            </a:extLst>
+          </p:cNvPr>
+          <p:cNvSpPr>
+            <a:spLocks noGrp="1" noRot="1" noChangeAspect="1" noMove="1" noResize="1" noEditPoints="1" noAdjustHandles="1" noChangeArrowheads="1" noChangeShapeType="1" noTextEdit="1"/>
+          </p:cNvSpPr>
+          <p:nvPr>
+            <p:extLst>
+              <p:ext uri="{386F3935-93C4-4BCD-93E2-E3B085C9AB24}">
+                <p16:designElem xmlns:p16="http://schemas.microsoft.com/office/powerpoint/2015/main" val="1"/>
+              </p:ext>
+            </p:extLst>
+          </p:nvPr>
+        </p:nvSpPr>
+        <p:spPr bwMode="auto">
+          <a:xfrm>
+            <a:off x="9235014" y="2872"/>
+            <a:ext cx="2951163" cy="2555325"/>
+          </a:xfrm>
+          <a:custGeom>
+            <a:avLst/>
+            <a:gdLst>
+              <a:gd name="T0" fmla="*/ 620 w 620"/>
+              <a:gd name="T1" fmla="*/ 536 h 536"/>
+              <a:gd name="T2" fmla="*/ 0 w 620"/>
+              <a:gd name="T3" fmla="*/ 0 h 536"/>
+            </a:gdLst>
+            <a:ahLst/>
+            <a:cxnLst>
+              <a:cxn ang="0">
+                <a:pos x="T0" y="T1"/>
+              </a:cxn>
+              <a:cxn ang="0">
+                <a:pos x="T2" y="T3"/>
+              </a:cxn>
+            </a:cxnLst>
+            <a:rect l="0" t="0" r="r" b="b"/>
+            <a:pathLst>
+              <a:path w="620" h="536">
+                <a:moveTo>
+                  <a:pt x="620" y="536"/>
+                </a:moveTo>
+                <a:cubicBezTo>
+                  <a:pt x="404" y="314"/>
+                  <a:pt x="196" y="138"/>
+                  <a:pt x="0" y="0"/>
+                </a:cubicBezTo>
+              </a:path>
+            </a:pathLst>
+          </a:custGeom>
+          <a:noFill/>
+          <a:ln w="9525" cap="flat">
+            <a:solidFill>
+              <a:schemeClr val="tx1">
+                <a:alpha val="20000"/>
+              </a:schemeClr>
+            </a:solidFill>
+            <a:prstDash val="solid"/>
+            <a:miter lim="800000"/>
+            <a:headEnd/>
+            <a:tailEnd/>
+          </a:ln>
+          <a:extLst>
+            <a:ext uri="{909E8E84-426E-40DD-AFC4-6F175D3DCCD1}">
+              <a14:hiddenFill xmlns:a14="http://schemas.microsoft.com/office/drawing/2010/main">
+                <a:solidFill>
+                  <a:srgbClr val="FFFFFF"/>
+                </a:solidFill>
+              </a14:hiddenFill>
+            </a:ext>
+          </a:extLst>
+        </p:spPr>
+        <p:txBody>
+          <a:bodyPr vert="horz" wrap="square" lIns="91440" tIns="45720" rIns="91440" bIns="45720" numCol="1" anchor="t" anchorCtr="0" compatLnSpc="1">
+            <a:prstTxWarp prst="textNoShape">
+              <a:avLst/>
+            </a:prstTxWarp>
+          </a:bodyPr>
+          <a:lstStyle/>
+          <a:p>
+            <a:endParaRPr lang="en-US"/>
+          </a:p>
+        </p:txBody>
+      </p:sp>
+      <p:sp>
+        <p:nvSpPr>
+          <p:cNvPr id="2" name="Title 1">
+            <a:extLst>
+              <a:ext uri="{FF2B5EF4-FFF2-40B4-BE49-F238E27FC236}">
+                <a16:creationId xmlns:a16="http://schemas.microsoft.com/office/drawing/2014/main" id="{EABBB07E-8C51-4F19-8A46-3D82ACA5858D}"/>
+              </a:ext>
+            </a:extLst>
+          </p:cNvPr>
+          <p:cNvSpPr>
+            <a:spLocks noGrp="1"/>
+          </p:cNvSpPr>
+          <p:nvPr>
+            <p:ph type="title"/>
+          </p:nvPr>
+        </p:nvSpPr>
+        <p:spPr>
+          <a:xfrm>
+            <a:off x="8842248" y="1481328"/>
+            <a:ext cx="2926080" cy="2468880"/>
+          </a:xfrm>
+        </p:spPr>
+        <p:txBody>
+          <a:bodyPr vert="horz" lIns="91440" tIns="45720" rIns="91440" bIns="45720" rtlCol="0" anchor="b">
+            <a:normAutofit/>
+          </a:bodyPr>
+          <a:lstStyle/>
+          <a:p>
+            <a:r>
+              <a:rPr lang="en-US" sz="4000" b="1"/>
+              <a:t>Thanks for your attention !</a:t>
+            </a:r>
+          </a:p>
+        </p:txBody>
+      </p:sp>
+      <p:sp>
+        <p:nvSpPr>
+          <p:cNvPr id="83" name="Freeform 22">
+            <a:extLst>
+              <a:ext uri="{FF2B5EF4-FFF2-40B4-BE49-F238E27FC236}">
+                <a16:creationId xmlns:a16="http://schemas.microsoft.com/office/drawing/2014/main" id="{237E2353-22DF-46E0-A200-FB30F8F394E2}"/>
+              </a:ext>
+              <a:ext uri="{C183D7F6-B498-43B3-948B-1728B52AA6E4}">
+                <adec:decorative xmlns:adec="http://schemas.microsoft.com/office/drawing/2017/decorative" val="1"/>
+              </a:ext>
+            </a:extLst>
+          </p:cNvPr>
+          <p:cNvSpPr>
+            <a:spLocks noGrp="1" noRot="1" noChangeAspect="1" noMove="1" noResize="1" noEditPoints="1" noAdjustHandles="1" noChangeArrowheads="1" noChangeShapeType="1" noTextEdit="1"/>
+          </p:cNvSpPr>
+          <p:nvPr>
+            <p:extLst>
+              <p:ext uri="{386F3935-93C4-4BCD-93E2-E3B085C9AB24}">
+                <p16:designElem xmlns:p16="http://schemas.microsoft.com/office/powerpoint/2015/main" val="1"/>
+              </p:ext>
+            </p:extLst>
+          </p:nvPr>
+        </p:nvSpPr>
+        <p:spPr bwMode="auto">
+          <a:xfrm>
+            <a:off x="10020826" y="-1916"/>
+            <a:ext cx="2165350" cy="1358265"/>
+          </a:xfrm>
+          <a:custGeom>
+            <a:avLst/>
+            <a:gdLst>
+              <a:gd name="T0" fmla="*/ 0 w 455"/>
+              <a:gd name="T1" fmla="*/ 0 h 285"/>
+              <a:gd name="T2" fmla="*/ 455 w 455"/>
+              <a:gd name="T3" fmla="*/ 285 h 285"/>
+            </a:gdLst>
+            <a:ahLst/>
+            <a:cxnLst>
+              <a:cxn ang="0">
+                <a:pos x="T0" y="T1"/>
+              </a:cxn>
+              <a:cxn ang="0">
+                <a:pos x="T2" y="T3"/>
+              </a:cxn>
+            </a:cxnLst>
+            <a:rect l="0" t="0" r="r" b="b"/>
+            <a:pathLst>
+              <a:path w="455" h="285">
+                <a:moveTo>
+                  <a:pt x="0" y="0"/>
+                </a:moveTo>
+                <a:cubicBezTo>
+                  <a:pt x="153" y="85"/>
+                  <a:pt x="308" y="180"/>
+                  <a:pt x="455" y="285"/>
+                </a:cubicBezTo>
+              </a:path>
+            </a:pathLst>
+          </a:custGeom>
+          <a:noFill/>
+          <a:ln w="9525" cap="flat">
+            <a:solidFill>
+              <a:schemeClr val="tx1">
+                <a:alpha val="20000"/>
+              </a:schemeClr>
+            </a:solidFill>
+            <a:prstDash val="dash"/>
+            <a:miter lim="800000"/>
+            <a:headEnd/>
+            <a:tailEnd/>
+          </a:ln>
+          <a:extLst>
+            <a:ext uri="{909E8E84-426E-40DD-AFC4-6F175D3DCCD1}">
+              <a14:hiddenFill xmlns:a14="http://schemas.microsoft.com/office/drawing/2010/main">
+                <a:solidFill>
+                  <a:srgbClr val="FFFFFF"/>
+                </a:solidFill>
+              </a14:hiddenFill>
+            </a:ext>
+          </a:extLst>
+        </p:spPr>
+        <p:txBody>
+          <a:bodyPr vert="horz" wrap="square" lIns="91440" tIns="45720" rIns="91440" bIns="45720" numCol="1" anchor="t" anchorCtr="0" compatLnSpc="1">
+            <a:prstTxWarp prst="textNoShape">
+              <a:avLst/>
+            </a:prstTxWarp>
+          </a:bodyPr>
+          <a:lstStyle/>
+          <a:p>
+            <a:endParaRPr lang="en-US"/>
+          </a:p>
+        </p:txBody>
+      </p:sp>
+      <p:sp>
+        <p:nvSpPr>
+          <p:cNvPr id="85" name="Freeform 23">
+            <a:extLst>
+              <a:ext uri="{FF2B5EF4-FFF2-40B4-BE49-F238E27FC236}">
+                <a16:creationId xmlns:a16="http://schemas.microsoft.com/office/drawing/2014/main" id="{DD6138DB-057B-45F7-A5F4-E7BFDA20D02C}"/>
+              </a:ext>
+              <a:ext uri="{C183D7F6-B498-43B3-948B-1728B52AA6E4}">
+                <adec:decorative xmlns:adec="http://schemas.microsoft.com/office/drawing/2017/decorative" val="1"/>
+              </a:ext>
+            </a:extLst>
+          </p:cNvPr>
+          <p:cNvSpPr>
+            <a:spLocks noGrp="1" noRot="1" noChangeAspect="1" noMove="1" noResize="1" noEditPoints="1" noAdjustHandles="1" noChangeArrowheads="1" noChangeShapeType="1" noTextEdit="1"/>
+          </p:cNvSpPr>
+          <p:nvPr>
+            <p:extLst>
+              <p:ext uri="{386F3935-93C4-4BCD-93E2-E3B085C9AB24}">
+                <p16:designElem xmlns:p16="http://schemas.microsoft.com/office/powerpoint/2015/main" val="1"/>
+              </p:ext>
+            </p:extLst>
+          </p:nvPr>
+        </p:nvSpPr>
+        <p:spPr bwMode="auto">
+          <a:xfrm>
+            <a:off x="11290826" y="-1916"/>
+            <a:ext cx="895350" cy="534687"/>
+          </a:xfrm>
+          <a:custGeom>
+            <a:avLst/>
+            <a:gdLst>
+              <a:gd name="T0" fmla="*/ 0 w 188"/>
+              <a:gd name="T1" fmla="*/ 0 h 112"/>
+              <a:gd name="T2" fmla="*/ 188 w 188"/>
+              <a:gd name="T3" fmla="*/ 112 h 112"/>
+            </a:gdLst>
+            <a:ahLst/>
+            <a:cxnLst>
+              <a:cxn ang="0">
+                <a:pos x="T0" y="T1"/>
+              </a:cxn>
+              <a:cxn ang="0">
+                <a:pos x="T2" y="T3"/>
+              </a:cxn>
+            </a:cxnLst>
+            <a:rect l="0" t="0" r="r" b="b"/>
+            <a:pathLst>
+              <a:path w="188" h="112">
+                <a:moveTo>
+                  <a:pt x="0" y="0"/>
+                </a:moveTo>
+                <a:cubicBezTo>
+                  <a:pt x="63" y="36"/>
+                  <a:pt x="126" y="73"/>
+                  <a:pt x="188" y="112"/>
+                </a:cubicBezTo>
+              </a:path>
+            </a:pathLst>
+          </a:custGeom>
+          <a:noFill/>
+          <a:ln w="9525" cap="flat">
+            <a:solidFill>
+              <a:schemeClr val="tx1">
+                <a:alpha val="20000"/>
+              </a:schemeClr>
+            </a:solidFill>
+            <a:prstDash val="solid"/>
+            <a:miter lim="800000"/>
+            <a:headEnd/>
+            <a:tailEnd/>
+          </a:ln>
+          <a:extLst>
+            <a:ext uri="{909E8E84-426E-40DD-AFC4-6F175D3DCCD1}">
+              <a14:hiddenFill xmlns:a14="http://schemas.microsoft.com/office/drawing/2010/main">
+                <a:solidFill>
+                  <a:srgbClr val="FFFFFF"/>
+                </a:solidFill>
+              </a14:hiddenFill>
+            </a:ext>
+          </a:extLst>
+        </p:spPr>
+        <p:txBody>
+          <a:bodyPr vert="horz" wrap="square" lIns="91440" tIns="45720" rIns="91440" bIns="45720" numCol="1" anchor="t" anchorCtr="0" compatLnSpc="1">
+            <a:prstTxWarp prst="textNoShape">
+              <a:avLst/>
+            </a:prstTxWarp>
+          </a:bodyPr>
+          <a:lstStyle/>
+          <a:p>
+            <a:endParaRPr lang="en-US"/>
+          </a:p>
+        </p:txBody>
+      </p:sp>
+      <p:sp>
+        <p:nvSpPr>
+          <p:cNvPr id="4" name="Slide Number Placeholder 3">
+            <a:extLst>
+              <a:ext uri="{FF2B5EF4-FFF2-40B4-BE49-F238E27FC236}">
+                <a16:creationId xmlns:a16="http://schemas.microsoft.com/office/drawing/2014/main" id="{6BD1DEB1-84C6-4D93-9AC5-3EC5BC06623F}"/>
+              </a:ext>
+            </a:extLst>
+          </p:cNvPr>
+          <p:cNvSpPr>
+            <a:spLocks noGrp="1"/>
+          </p:cNvSpPr>
+          <p:nvPr>
+            <p:ph type="sldNum" sz="quarter" idx="12"/>
+          </p:nvPr>
+        </p:nvSpPr>
+        <p:spPr>
+          <a:xfrm>
+            <a:off x="10469880" y="320040"/>
+            <a:ext cx="914400" cy="320040"/>
+          </a:xfrm>
+          <a:prstGeom prst="ellipse">
+            <a:avLst/>
+          </a:prstGeom>
+        </p:spPr>
+        <p:txBody>
+          <a:bodyPr vert="horz" lIns="91440" tIns="45720" rIns="91440" bIns="45720" rtlCol="0" anchor="ctr">
+            <a:normAutofit/>
+          </a:bodyPr>
+          <a:lstStyle/>
+          <a:p>
+            <a:pPr>
+              <a:lnSpc>
+                <a:spcPct val="90000"/>
+              </a:lnSpc>
+              <a:spcAft>
+                <a:spcPts val="600"/>
+              </a:spcAft>
+              <a:defRPr/>
+            </a:pPr>
+            <a:fld id="{A56E3B75-B6C5-4C90-8D86-3D0E4B666D89}" type="slidenum">
+              <a:rPr lang="en-US" sz="900">
+                <a:solidFill>
+                  <a:schemeClr val="tx1">
+                    <a:lumMod val="50000"/>
+                    <a:lumOff val="50000"/>
+                  </a:schemeClr>
+                </a:solidFill>
+                <a:latin typeface="Calibri" panose="020F0502020204030204"/>
+              </a:rPr>
+              <a:pPr>
+                <a:lnSpc>
+                  <a:spcPct val="90000"/>
+                </a:lnSpc>
+                <a:spcAft>
+                  <a:spcPts val="600"/>
+                </a:spcAft>
+                <a:defRPr/>
+              </a:pPr>
+              <a:t>19</a:t>
+            </a:fld>
+            <a:endParaRPr lang="en-US" sz="900">
+              <a:solidFill>
+                <a:schemeClr val="tx1">
+                  <a:lumMod val="50000"/>
+                  <a:lumOff val="50000"/>
+                </a:schemeClr>
+              </a:solidFill>
+              <a:latin typeface="Calibri" panose="020F0502020204030204"/>
+            </a:endParaRPr>
+          </a:p>
+        </p:txBody>
+      </p:sp>
+      <p:sp>
+        <p:nvSpPr>
+          <p:cNvPr id="87" name="Freeform: Shape 86">
+            <a:extLst>
+              <a:ext uri="{FF2B5EF4-FFF2-40B4-BE49-F238E27FC236}">
+                <a16:creationId xmlns:a16="http://schemas.microsoft.com/office/drawing/2014/main" id="{79A54AB1-B64F-4843-BFAB-81CB74E66B65}"/>
+              </a:ext>
+              <a:ext uri="{C183D7F6-B498-43B3-948B-1728B52AA6E4}">
+                <adec:decorative xmlns:adec="http://schemas.microsoft.com/office/drawing/2017/decorative" val="1"/>
+              </a:ext>
+            </a:extLst>
+          </p:cNvPr>
+          <p:cNvSpPr>
+            <a:spLocks noGrp="1" noRot="1" noChangeAspect="1" noMove="1" noResize="1" noEditPoints="1" noAdjustHandles="1" noChangeArrowheads="1" noChangeShapeType="1" noTextEdit="1"/>
+          </p:cNvSpPr>
+          <p:nvPr>
+            <p:extLst>
+              <p:ext uri="{386F3935-93C4-4BCD-93E2-E3B085C9AB24}">
+                <p16:designElem xmlns:p16="http://schemas.microsoft.com/office/powerpoint/2015/main" val="1"/>
+              </p:ext>
+            </p:extLst>
+          </p:nvPr>
+        </p:nvSpPr>
+        <p:spPr>
+          <a:xfrm rot="20931529">
+            <a:off x="752078" y="2218040"/>
+            <a:ext cx="4418757" cy="4259609"/>
+          </a:xfrm>
+          <a:custGeom>
+            <a:avLst/>
+            <a:gdLst>
+              <a:gd name="connsiteX0" fmla="*/ 404107 w 4507111"/>
+              <a:gd name="connsiteY0" fmla="*/ 0 h 4344781"/>
+              <a:gd name="connsiteX1" fmla="*/ 371857 w 4507111"/>
+              <a:gd name="connsiteY1" fmla="*/ 117359 h 4344781"/>
+              <a:gd name="connsiteX2" fmla="*/ 307833 w 4507111"/>
+              <a:gd name="connsiteY2" fmla="*/ 632970 h 4344781"/>
+              <a:gd name="connsiteX3" fmla="*/ 3569418 w 4507111"/>
+              <a:gd name="connsiteY3" fmla="*/ 4141149 h 4344781"/>
+              <a:gd name="connsiteX4" fmla="*/ 4440861 w 4507111"/>
+              <a:gd name="connsiteY4" fmla="*/ 4332480 h 4344781"/>
+              <a:gd name="connsiteX5" fmla="*/ 4507111 w 4507111"/>
+              <a:gd name="connsiteY5" fmla="*/ 4341752 h 4344781"/>
+              <a:gd name="connsiteX6" fmla="*/ 4296045 w 4507111"/>
+              <a:gd name="connsiteY6" fmla="*/ 4344781 h 4344781"/>
+              <a:gd name="connsiteX7" fmla="*/ 3749565 w 4507111"/>
+              <a:gd name="connsiteY7" fmla="*/ 4321853 h 4344781"/>
+              <a:gd name="connsiteX8" fmla="*/ 36764 w 4507111"/>
+              <a:gd name="connsiteY8" fmla="*/ 1629794 h 4344781"/>
+              <a:gd name="connsiteX9" fmla="*/ 300069 w 4507111"/>
+              <a:gd name="connsiteY9" fmla="*/ 144750 h 4344781"/>
+            </a:gdLst>
+            <a:ahLst/>
+            <a:cxnLst>
+              <a:cxn ang="0">
+                <a:pos x="connsiteX0" y="connsiteY0"/>
+              </a:cxn>
+              <a:cxn ang="0">
+                <a:pos x="connsiteX1" y="connsiteY1"/>
+              </a:cxn>
+              <a:cxn ang="0">
+                <a:pos x="connsiteX2" y="connsiteY2"/>
+              </a:cxn>
+              <a:cxn ang="0">
+                <a:pos x="connsiteX3" y="connsiteY3"/>
+              </a:cxn>
+              <a:cxn ang="0">
+                <a:pos x="connsiteX4" y="connsiteY4"/>
+              </a:cxn>
+              <a:cxn ang="0">
+                <a:pos x="connsiteX5" y="connsiteY5"/>
+              </a:cxn>
+              <a:cxn ang="0">
+                <a:pos x="connsiteX6" y="connsiteY6"/>
+              </a:cxn>
+              <a:cxn ang="0">
+                <a:pos x="connsiteX7" y="connsiteY7"/>
+              </a:cxn>
+              <a:cxn ang="0">
+                <a:pos x="connsiteX8" y="connsiteY8"/>
+              </a:cxn>
+              <a:cxn ang="0">
+                <a:pos x="connsiteX9" y="connsiteY9"/>
+              </a:cxn>
+            </a:cxnLst>
+            <a:rect l="l" t="t" r="r" b="b"/>
+            <a:pathLst>
+              <a:path w="4507111" h="4344781">
+                <a:moveTo>
+                  <a:pt x="404107" y="0"/>
+                </a:moveTo>
+                <a:lnTo>
+                  <a:pt x="371857" y="117359"/>
+                </a:lnTo>
+                <a:cubicBezTo>
+                  <a:pt x="333827" y="278567"/>
+                  <a:pt x="311875" y="450459"/>
+                  <a:pt x="307833" y="632970"/>
+                </a:cubicBezTo>
+                <a:cubicBezTo>
+                  <a:pt x="264711" y="2579752"/>
+                  <a:pt x="2253987" y="3769243"/>
+                  <a:pt x="3569418" y="4141149"/>
+                </a:cubicBezTo>
+                <a:cubicBezTo>
+                  <a:pt x="3816061" y="4210881"/>
+                  <a:pt x="4114807" y="4279754"/>
+                  <a:pt x="4440861" y="4332480"/>
+                </a:cubicBezTo>
+                <a:lnTo>
+                  <a:pt x="4507111" y="4341752"/>
+                </a:lnTo>
+                <a:lnTo>
+                  <a:pt x="4296045" y="4344781"/>
+                </a:lnTo>
+                <a:cubicBezTo>
+                  <a:pt x="4097363" y="4343711"/>
+                  <a:pt x="3912623" y="4335104"/>
+                  <a:pt x="3749565" y="4321853"/>
+                </a:cubicBezTo>
+                <a:cubicBezTo>
+                  <a:pt x="2445102" y="4215850"/>
+                  <a:pt x="356405" y="3466499"/>
+                  <a:pt x="36764" y="1629794"/>
+                </a:cubicBezTo>
+                <a:cubicBezTo>
+                  <a:pt x="-63123" y="1055823"/>
+                  <a:pt x="45741" y="555869"/>
+                  <a:pt x="300069" y="144750"/>
+                </a:cubicBezTo>
+                <a:close/>
+              </a:path>
+            </a:pathLst>
+          </a:custGeom>
+          <a:solidFill>
+            <a:schemeClr val="tx1">
+              <a:alpha val="70000"/>
+            </a:schemeClr>
+          </a:solidFill>
+          <a:ln>
+            <a:noFill/>
+          </a:ln>
+        </p:spPr>
+        <p:style>
+          <a:lnRef idx="2">
+            <a:schemeClr val="accent1">
+              <a:shade val="50000"/>
+            </a:schemeClr>
+          </a:lnRef>
+          <a:fillRef idx="1">
+            <a:schemeClr val="accent1"/>
+          </a:fillRef>
+          <a:effectRef idx="0">
+            <a:schemeClr val="accent1"/>
+          </a:effectRef>
+          <a:fontRef idx="minor">
+            <a:schemeClr val="lt1"/>
+          </a:fontRef>
+        </p:style>
+        <p:txBody>
+          <a:bodyPr wrap="square" rtlCol="0" anchor="ctr">
+            <a:noAutofit/>
+          </a:bodyPr>
+          <a:lstStyle/>
+          <a:p>
+            <a:pPr marL="0" marR="0" lvl="0" indent="0" algn="ctr" defTabSz="457200" rtl="0" eaLnBrk="1" fontAlgn="auto" latinLnBrk="0" hangingPunct="1">
+              <a:lnSpc>
+                <a:spcPct val="100000"/>
+              </a:lnSpc>
+              <a:spcBef>
+                <a:spcPts val="0"/>
+              </a:spcBef>
+              <a:spcAft>
+                <a:spcPts val="0"/>
+              </a:spcAft>
+              <a:buClrTx/>
+              <a:buSzTx/>
+              <a:buFontTx/>
+              <a:buNone/>
+              <a:tabLst/>
+              <a:defRPr/>
+            </a:pPr>
+            <a:endParaRPr kumimoji="0" lang="en-US" sz="1800" b="0" i="0" u="none" strike="noStrike" kern="1200" cap="none" spc="0" normalizeH="0" baseline="0" noProof="0">
+              <a:ln>
+                <a:noFill/>
+              </a:ln>
+              <a:solidFill>
+                <a:prstClr val="white"/>
+              </a:solidFill>
+              <a:effectLst/>
+              <a:uLnTx/>
+              <a:uFillTx/>
+              <a:latin typeface="Rockwell" panose="02060603020205020403"/>
+              <a:ea typeface="+mn-ea"/>
+              <a:cs typeface="+mn-cs"/>
+            </a:endParaRPr>
+          </a:p>
+        </p:txBody>
+      </p:sp>
+      <p:pic>
+        <p:nvPicPr>
+          <p:cNvPr id="7" name="Picture 6">
+            <a:extLst>
+              <a:ext uri="{FF2B5EF4-FFF2-40B4-BE49-F238E27FC236}">
+                <a16:creationId xmlns:a16="http://schemas.microsoft.com/office/drawing/2014/main" id="{510D78B8-F885-46C6-8A37-AE5F0FA43020}"/>
+              </a:ext>
+            </a:extLst>
+          </p:cNvPr>
+          <p:cNvPicPr>
+            <a:picLocks noChangeAspect="1"/>
+          </p:cNvPicPr>
+          <p:nvPr/>
+        </p:nvPicPr>
+        <p:blipFill rotWithShape="1">
+          <a:blip r:embed="rId2">
+            <a:extLst>
+              <a:ext uri="{28A0092B-C50C-407E-A947-70E740481C1C}">
+                <a14:useLocalDpi xmlns:a14="http://schemas.microsoft.com/office/drawing/2010/main" val="0"/>
+              </a:ext>
+            </a:extLst>
+          </a:blip>
+          <a:srcRect l="5084" r="13201"/>
+          <a:stretch/>
+        </p:blipFill>
+        <p:spPr>
+          <a:xfrm>
+            <a:off x="921910" y="465243"/>
+            <a:ext cx="7761924" cy="5343065"/>
+          </a:xfrm>
+          <a:custGeom>
+            <a:avLst/>
+            <a:gdLst/>
+            <a:ahLst/>
+            <a:cxnLst/>
+            <a:rect l="l" t="t" r="r" b="b"/>
+            <a:pathLst>
+              <a:path w="7761924" h="5343065">
+                <a:moveTo>
+                  <a:pt x="3025687" y="76"/>
+                </a:moveTo>
+                <a:cubicBezTo>
+                  <a:pt x="3140786" y="756"/>
+                  <a:pt x="3256631" y="6055"/>
+                  <a:pt x="3372722" y="16088"/>
+                </a:cubicBezTo>
+                <a:cubicBezTo>
+                  <a:pt x="5230178" y="176616"/>
+                  <a:pt x="7761924" y="1424594"/>
+                  <a:pt x="7761924" y="3316816"/>
+                </a:cubicBezTo>
+                <a:cubicBezTo>
+                  <a:pt x="7646022" y="5237647"/>
+                  <a:pt x="4988715" y="5423921"/>
+                  <a:pt x="3701109" y="5320611"/>
+                </a:cubicBezTo>
+                <a:cubicBezTo>
+                  <a:pt x="2413504" y="5217301"/>
+                  <a:pt x="351800" y="4486992"/>
+                  <a:pt x="36290" y="2696959"/>
+                </a:cubicBezTo>
+                <a:cubicBezTo>
+                  <a:pt x="-259500" y="1018804"/>
+                  <a:pt x="1299198" y="-10133"/>
+                  <a:pt x="3025687" y="76"/>
+                </a:cubicBezTo>
+                <a:close/>
+              </a:path>
+            </a:pathLst>
+          </a:custGeom>
+        </p:spPr>
+      </p:pic>
+    </p:spTree>
+    <p:extLst>
+      <p:ext uri="{BB962C8B-B14F-4D97-AF65-F5344CB8AC3E}">
+        <p14:creationId xmlns:p14="http://schemas.microsoft.com/office/powerpoint/2010/main" val="1480376297"/>
       </p:ext>
     </p:extLst>
   </p:cSld>
@@ -17135,14 +20900,14 @@
           <p:nvPr>
             <p:extLst>
               <p:ext uri="{D42A27DB-BD31-4B8C-83A1-F6EECF244321}">
-                <p14:modId xmlns:p14="http://schemas.microsoft.com/office/powerpoint/2010/main" val="766185600"/>
+                <p14:modId xmlns:p14="http://schemas.microsoft.com/office/powerpoint/2010/main" val="4008237676"/>
               </p:ext>
             </p:extLst>
           </p:nvPr>
         </p:nvGraphicFramePr>
         <p:xfrm>
-          <a:off x="828675" y="1890887"/>
-          <a:ext cx="10525125" cy="4220818"/>
+          <a:off x="73870" y="4446848"/>
+          <a:ext cx="7015062" cy="2274627"/>
         </p:xfrm>
         <a:graphic>
           <a:graphicData uri="http://schemas.openxmlformats.org/drawingml/2006/table">
@@ -17152,14 +20917,14 @@
                 <a:tableStyleId>{5C22544A-7EE6-4342-B048-85BDC9FD1C3A}</a:tableStyleId>
               </a:tblPr>
               <a:tblGrid>
-                <a:gridCol w="3591706">
+                <a:gridCol w="2393894">
                   <a:extLst>
                     <a:ext uri="{9D8B030D-6E8A-4147-A177-3AD203B41FA5}">
                       <a16:colId xmlns:a16="http://schemas.microsoft.com/office/drawing/2014/main" val="3766312328"/>
                     </a:ext>
                   </a:extLst>
                 </a:gridCol>
-                <a:gridCol w="6933419">
+                <a:gridCol w="4621168">
                   <a:extLst>
                     <a:ext uri="{9D8B030D-6E8A-4147-A177-3AD203B41FA5}">
                       <a16:colId xmlns:a16="http://schemas.microsoft.com/office/drawing/2014/main" val="2907508387"/>
@@ -17167,7 +20932,7 @@
                   </a:extLst>
                 </a:gridCol>
               </a:tblGrid>
-              <a:tr h="987669">
+              <a:tr h="0">
                 <a:tc>
                   <a:txBody>
                     <a:bodyPr/>
@@ -17185,7 +20950,7 @@
                         </a:spcAft>
                       </a:pPr>
                       <a:r>
-                        <a:rPr lang="en-US" sz="1900" b="1">
+                        <a:rPr lang="en-US" sz="1000" b="1" dirty="0">
                           <a:solidFill>
                             <a:srgbClr val="FFFFFF"/>
                           </a:solidFill>
@@ -17193,7 +20958,7 @@
                         </a:rPr>
                         <a:t>Project Title: </a:t>
                       </a:r>
-                      <a:endParaRPr lang="en-CA" sz="1900" b="1">
+                      <a:endParaRPr lang="en-CA" sz="1000" b="1" dirty="0">
                         <a:solidFill>
                           <a:srgbClr val="FFFFFF"/>
                         </a:solidFill>
@@ -17249,7 +21014,7 @@
                         </a:spcAft>
                       </a:pPr>
                       <a:r>
-                        <a:rPr lang="en-US" sz="1900" b="1">
+                        <a:rPr lang="en-US" sz="1000" b="1">
                           <a:solidFill>
                             <a:srgbClr val="FFFFFF"/>
                           </a:solidFill>
@@ -17257,7 +21022,7 @@
                         </a:rPr>
                         <a:t>Is social media becoming addictive and changing users’ behavior?</a:t>
                       </a:r>
-                      <a:endParaRPr lang="en-CA" sz="1900" b="1" dirty="0">
+                      <a:endParaRPr lang="en-CA" sz="1000" b="1" dirty="0">
                         <a:solidFill>
                           <a:srgbClr val="FFFFFF"/>
                         </a:solidFill>
@@ -17302,7 +21067,7 @@
                   </a:ext>
                 </a:extLst>
               </a:tr>
-              <a:tr h="2245480">
+              <a:tr h="861394">
                 <a:tc>
                   <a:txBody>
                     <a:bodyPr/>
@@ -17320,7 +21085,7 @@
                         </a:spcAft>
                       </a:pPr>
                       <a:r>
-                        <a:rPr lang="en-US" sz="1900" b="1">
+                        <a:rPr lang="en-US" sz="1000" b="1" dirty="0">
                           <a:solidFill>
                             <a:srgbClr val="FFFFFF"/>
                           </a:solidFill>
@@ -17328,7 +21093,7 @@
                         </a:rPr>
                         <a:t>Team Members:</a:t>
                       </a:r>
-                      <a:endParaRPr lang="en-CA" sz="1900" b="1" dirty="0">
+                      <a:endParaRPr lang="en-CA" sz="1000" b="1" dirty="0">
                         <a:solidFill>
                           <a:srgbClr val="FFFFFF"/>
                         </a:solidFill>
@@ -17386,7 +21151,7 @@
                         </a:spcAft>
                       </a:pPr>
                       <a:r>
-                        <a:rPr lang="en-US" sz="1900">
+                        <a:rPr lang="en-US" sz="1000" dirty="0">
                           <a:solidFill>
                             <a:schemeClr val="tx1">
                               <a:lumMod val="85000"/>
@@ -17397,7 +21162,7 @@
                         </a:rPr>
                         <a:t>Anna Wrobel</a:t>
                       </a:r>
-                      <a:endParaRPr lang="en-CA" sz="1900">
+                      <a:endParaRPr lang="en-CA" sz="1000" dirty="0">
                         <a:solidFill>
                           <a:schemeClr val="tx1">
                             <a:lumMod val="85000"/>
@@ -17420,7 +21185,7 @@
                         </a:spcAft>
                       </a:pPr>
                       <a:r>
-                        <a:rPr lang="en-US" sz="1900">
+                        <a:rPr lang="en-US" sz="1000" dirty="0">
                           <a:solidFill>
                             <a:schemeClr val="tx1">
                               <a:lumMod val="85000"/>
@@ -17431,7 +21196,7 @@
                         </a:rPr>
                         <a:t>Latyr Thiao</a:t>
                       </a:r>
-                      <a:endParaRPr lang="en-CA" sz="1900">
+                      <a:endParaRPr lang="en-CA" sz="1000" dirty="0">
                         <a:solidFill>
                           <a:schemeClr val="tx1">
                             <a:lumMod val="85000"/>
@@ -17454,7 +21219,7 @@
                         </a:spcAft>
                       </a:pPr>
                       <a:r>
-                        <a:rPr lang="en-US" sz="1900">
+                        <a:rPr lang="en-US" sz="1000" dirty="0" err="1">
                           <a:solidFill>
                             <a:schemeClr val="tx1">
                               <a:lumMod val="85000"/>
@@ -17463,9 +21228,33 @@
                           </a:solidFill>
                           <a:effectLst/>
                         </a:rPr>
-                        <a:t>Lujane Abdelgadir</a:t>
+                        <a:t>Lujane</a:t>
                       </a:r>
-                      <a:endParaRPr lang="en-CA" sz="1900">
+                      <a:r>
+                        <a:rPr lang="en-US" sz="1000" dirty="0">
+                          <a:solidFill>
+                            <a:schemeClr val="tx1">
+                              <a:lumMod val="85000"/>
+                              <a:lumOff val="15000"/>
+                            </a:schemeClr>
+                          </a:solidFill>
+                          <a:effectLst/>
+                        </a:rPr>
+                        <a:t> </a:t>
+                      </a:r>
+                      <a:r>
+                        <a:rPr lang="en-US" sz="1000" dirty="0" err="1">
+                          <a:solidFill>
+                            <a:schemeClr val="tx1">
+                              <a:lumMod val="85000"/>
+                              <a:lumOff val="15000"/>
+                            </a:schemeClr>
+                          </a:solidFill>
+                          <a:effectLst/>
+                        </a:rPr>
+                        <a:t>Abdelgadir</a:t>
+                      </a:r>
+                      <a:endParaRPr lang="en-CA" sz="1000" dirty="0">
                         <a:solidFill>
                           <a:schemeClr val="tx1">
                             <a:lumMod val="85000"/>
@@ -17488,7 +21277,7 @@
                         </a:spcAft>
                       </a:pPr>
                       <a:r>
-                        <a:rPr lang="en-US" sz="1900">
+                        <a:rPr lang="en-US" sz="1000" dirty="0">
                           <a:solidFill>
                             <a:schemeClr val="tx1">
                               <a:lumMod val="85000"/>
@@ -17497,9 +21286,21 @@
                           </a:solidFill>
                           <a:effectLst/>
                         </a:rPr>
-                        <a:t>Prajakta Galvankar</a:t>
+                        <a:t>Prajakta </a:t>
                       </a:r>
-                      <a:endParaRPr lang="en-CA" sz="1900">
+                      <a:r>
+                        <a:rPr lang="en-US" sz="1000" dirty="0" err="1">
+                          <a:solidFill>
+                            <a:schemeClr val="tx1">
+                              <a:lumMod val="85000"/>
+                              <a:lumOff val="15000"/>
+                            </a:schemeClr>
+                          </a:solidFill>
+                          <a:effectLst/>
+                        </a:rPr>
+                        <a:t>Galvankar</a:t>
+                      </a:r>
+                      <a:endParaRPr lang="en-CA" sz="1000" dirty="0">
                         <a:solidFill>
                           <a:schemeClr val="tx1">
                             <a:lumMod val="85000"/>
@@ -17522,7 +21323,7 @@
                         </a:spcAft>
                       </a:pPr>
                       <a:r>
-                        <a:rPr lang="en-US" sz="1900">
+                        <a:rPr lang="en-US" sz="1000" dirty="0">
                           <a:solidFill>
                             <a:schemeClr val="tx1">
                               <a:lumMod val="85000"/>
@@ -17533,7 +21334,7 @@
                         </a:rPr>
                         <a:t>Stephen Zhang</a:t>
                       </a:r>
-                      <a:endParaRPr lang="en-CA" sz="1900">
+                      <a:endParaRPr lang="en-CA" sz="1000" dirty="0">
                         <a:solidFill>
                           <a:schemeClr val="tx1">
                             <a:lumMod val="85000"/>
@@ -17556,7 +21357,7 @@
                         </a:spcAft>
                       </a:pPr>
                       <a:r>
-                        <a:rPr lang="en-US" sz="1900">
+                        <a:rPr lang="en-US" sz="1000" dirty="0">
                           <a:solidFill>
                             <a:schemeClr val="tx1">
                               <a:lumMod val="85000"/>
@@ -17567,7 +21368,7 @@
                         </a:rPr>
                         <a:t> </a:t>
                       </a:r>
-                      <a:endParaRPr lang="en-CA" sz="1900" dirty="0">
+                      <a:endParaRPr lang="en-CA" sz="1000" dirty="0">
                         <a:solidFill>
                           <a:schemeClr val="tx1">
                             <a:lumMod val="85000"/>
@@ -17617,7 +21418,7 @@
                   </a:ext>
                 </a:extLst>
               </a:tr>
-              <a:tr h="987669">
+              <a:tr h="0">
                 <a:tc>
                   <a:txBody>
                     <a:bodyPr/>
@@ -17635,7 +21436,7 @@
                         </a:spcAft>
                       </a:pPr>
                       <a:r>
-                        <a:rPr lang="en-US" sz="1900" b="1">
+                        <a:rPr lang="en-US" sz="1000" b="1" dirty="0">
                           <a:solidFill>
                             <a:srgbClr val="FFFFFF"/>
                           </a:solidFill>
@@ -17643,7 +21444,7 @@
                         </a:rPr>
                         <a:t>Project Description / Outline:</a:t>
                       </a:r>
-                      <a:endParaRPr lang="en-CA" sz="1900" b="1" dirty="0">
+                      <a:endParaRPr lang="en-CA" sz="1000" b="1" dirty="0">
                         <a:solidFill>
                           <a:srgbClr val="FFFFFF"/>
                         </a:solidFill>
@@ -17664,12 +21465,18 @@
                         <a:srgbClr val="FFFFFF"/>
                       </a:solidFill>
                       <a:prstDash val="solid"/>
+                      <a:round/>
+                      <a:headEnd type="none" w="med" len="med"/>
+                      <a:tailEnd type="none" w="med" len="med"/>
                     </a:lnR>
                     <a:lnT w="38100" cap="flat" cmpd="sng" algn="ctr">
                       <a:solidFill>
                         <a:srgbClr val="FFFFFF"/>
                       </a:solidFill>
                       <a:prstDash val="solid"/>
+                      <a:round/>
+                      <a:headEnd type="none" w="med" len="med"/>
+                      <a:tailEnd type="none" w="med" len="med"/>
                     </a:lnT>
                     <a:lnB w="38100" cap="flat" cmpd="sng" algn="ctr">
                       <a:noFill/>
@@ -17699,7 +21506,7 @@
                         </a:spcAft>
                       </a:pPr>
                       <a:r>
-                        <a:rPr lang="en-US" sz="1900" dirty="0">
+                        <a:rPr lang="en-US" sz="1000" dirty="0">
                           <a:solidFill>
                             <a:schemeClr val="tx1">
                               <a:lumMod val="85000"/>
@@ -17710,7 +21517,7 @@
                         </a:rPr>
                         <a:t> </a:t>
                       </a:r>
-                      <a:endParaRPr lang="en-CA" sz="1900" dirty="0">
+                      <a:endParaRPr lang="en-CA" sz="1000" dirty="0">
                         <a:solidFill>
                           <a:schemeClr val="tx1">
                             <a:lumMod val="85000"/>
@@ -17730,6 +21537,9 @@
                         <a:srgbClr val="FFFFFF"/>
                       </a:solidFill>
                       <a:prstDash val="solid"/>
+                      <a:round/>
+                      <a:headEnd type="none" w="med" len="med"/>
+                      <a:tailEnd type="none" w="med" len="med"/>
                     </a:lnL>
                     <a:lnR w="12700" cmpd="sng">
                       <a:noFill/>
@@ -17740,6 +21550,9 @@
                         <a:srgbClr val="FFFFFF"/>
                       </a:solidFill>
                       <a:prstDash val="solid"/>
+                      <a:round/>
+                      <a:headEnd type="none" w="med" len="med"/>
+                      <a:tailEnd type="none" w="med" len="med"/>
                     </a:lnT>
                     <a:lnB w="12700" cmpd="sng">
                       <a:noFill/>
@@ -17827,16 +21640,7 @@
                 </a:solidFill>
                 <a:latin typeface="+mn-lt"/>
               </a:rPr>
-              <a:t>1. </a:t>
-            </a:r>
-            <a:r>
-              <a:rPr lang="en-US" b="1" dirty="0" err="1">
-                <a:solidFill>
-                  <a:srgbClr val="0070C0"/>
-                </a:solidFill>
-                <a:latin typeface="+mn-lt"/>
-              </a:rPr>
-              <a:t>xyz</a:t>
+              <a:t>1. Team &amp; Topic</a:t>
             </a:r>
             <a:endParaRPr lang="en-CA" b="1" dirty="0">
               <a:solidFill>
@@ -17924,6 +21728,433 @@
           </a:p>
         </p:txBody>
       </p:sp>
+      <p:graphicFrame>
+        <p:nvGraphicFramePr>
+          <p:cNvPr id="7" name="Table 5">
+            <a:extLst>
+              <a:ext uri="{FF2B5EF4-FFF2-40B4-BE49-F238E27FC236}">
+                <a16:creationId xmlns:a16="http://schemas.microsoft.com/office/drawing/2014/main" id="{22684081-49CA-4146-ABD5-D8EA51BA8490}"/>
+              </a:ext>
+            </a:extLst>
+          </p:cNvPr>
+          <p:cNvGraphicFramePr>
+            <a:graphicFrameLocks/>
+          </p:cNvGraphicFramePr>
+          <p:nvPr>
+            <p:extLst>
+              <p:ext uri="{D42A27DB-BD31-4B8C-83A1-F6EECF244321}">
+                <p14:modId xmlns:p14="http://schemas.microsoft.com/office/powerpoint/2010/main" val="340209670"/>
+              </p:ext>
+            </p:extLst>
+          </p:nvPr>
+        </p:nvGraphicFramePr>
+        <p:xfrm>
+          <a:off x="838200" y="1825625"/>
+          <a:ext cx="10515597" cy="3708400"/>
+        </p:xfrm>
+        <a:graphic>
+          <a:graphicData uri="http://schemas.openxmlformats.org/drawingml/2006/table">
+            <a:tbl>
+              <a:tblPr firstRow="1" bandRow="1">
+                <a:tableStyleId>{5C22544A-7EE6-4342-B048-85BDC9FD1C3A}</a:tableStyleId>
+              </a:tblPr>
+              <a:tblGrid>
+                <a:gridCol w="3505199">
+                  <a:extLst>
+                    <a:ext uri="{9D8B030D-6E8A-4147-A177-3AD203B41FA5}">
+                      <a16:colId xmlns:a16="http://schemas.microsoft.com/office/drawing/2014/main" val="1862688226"/>
+                    </a:ext>
+                  </a:extLst>
+                </a:gridCol>
+                <a:gridCol w="3505199">
+                  <a:extLst>
+                    <a:ext uri="{9D8B030D-6E8A-4147-A177-3AD203B41FA5}">
+                      <a16:colId xmlns:a16="http://schemas.microsoft.com/office/drawing/2014/main" val="3819491378"/>
+                    </a:ext>
+                  </a:extLst>
+                </a:gridCol>
+                <a:gridCol w="3505199">
+                  <a:extLst>
+                    <a:ext uri="{9D8B030D-6E8A-4147-A177-3AD203B41FA5}">
+                      <a16:colId xmlns:a16="http://schemas.microsoft.com/office/drawing/2014/main" val="1649810070"/>
+                    </a:ext>
+                  </a:extLst>
+                </a:gridCol>
+              </a:tblGrid>
+              <a:tr h="370840">
+                <a:tc>
+                  <a:txBody>
+                    <a:bodyPr/>
+                    <a:lstStyle/>
+                    <a:p>
+                      <a:endParaRPr lang="en-CA"/>
+                    </a:p>
+                  </a:txBody>
+                  <a:tcPr/>
+                </a:tc>
+                <a:tc>
+                  <a:txBody>
+                    <a:bodyPr/>
+                    <a:lstStyle/>
+                    <a:p>
+                      <a:endParaRPr lang="en-CA"/>
+                    </a:p>
+                  </a:txBody>
+                  <a:tcPr/>
+                </a:tc>
+                <a:tc>
+                  <a:txBody>
+                    <a:bodyPr/>
+                    <a:lstStyle/>
+                    <a:p>
+                      <a:endParaRPr lang="en-CA"/>
+                    </a:p>
+                  </a:txBody>
+                  <a:tcPr/>
+                </a:tc>
+                <a:extLst>
+                  <a:ext uri="{0D108BD9-81ED-4DB2-BD59-A6C34878D82A}">
+                    <a16:rowId xmlns:a16="http://schemas.microsoft.com/office/drawing/2014/main" val="657480846"/>
+                  </a:ext>
+                </a:extLst>
+              </a:tr>
+              <a:tr h="370840">
+                <a:tc>
+                  <a:txBody>
+                    <a:bodyPr/>
+                    <a:lstStyle/>
+                    <a:p>
+                      <a:endParaRPr lang="en-CA"/>
+                    </a:p>
+                  </a:txBody>
+                  <a:tcPr/>
+                </a:tc>
+                <a:tc>
+                  <a:txBody>
+                    <a:bodyPr/>
+                    <a:lstStyle/>
+                    <a:p>
+                      <a:endParaRPr lang="en-CA"/>
+                    </a:p>
+                  </a:txBody>
+                  <a:tcPr/>
+                </a:tc>
+                <a:tc>
+                  <a:txBody>
+                    <a:bodyPr/>
+                    <a:lstStyle/>
+                    <a:p>
+                      <a:endParaRPr lang="en-CA"/>
+                    </a:p>
+                  </a:txBody>
+                  <a:tcPr/>
+                </a:tc>
+                <a:extLst>
+                  <a:ext uri="{0D108BD9-81ED-4DB2-BD59-A6C34878D82A}">
+                    <a16:rowId xmlns:a16="http://schemas.microsoft.com/office/drawing/2014/main" val="461162963"/>
+                  </a:ext>
+                </a:extLst>
+              </a:tr>
+              <a:tr h="370840">
+                <a:tc>
+                  <a:txBody>
+                    <a:bodyPr/>
+                    <a:lstStyle/>
+                    <a:p>
+                      <a:endParaRPr lang="en-CA" dirty="0"/>
+                    </a:p>
+                  </a:txBody>
+                  <a:tcPr/>
+                </a:tc>
+                <a:tc>
+                  <a:txBody>
+                    <a:bodyPr/>
+                    <a:lstStyle/>
+                    <a:p>
+                      <a:endParaRPr lang="en-CA"/>
+                    </a:p>
+                  </a:txBody>
+                  <a:tcPr/>
+                </a:tc>
+                <a:tc>
+                  <a:txBody>
+                    <a:bodyPr/>
+                    <a:lstStyle/>
+                    <a:p>
+                      <a:endParaRPr lang="en-CA"/>
+                    </a:p>
+                  </a:txBody>
+                  <a:tcPr/>
+                </a:tc>
+                <a:extLst>
+                  <a:ext uri="{0D108BD9-81ED-4DB2-BD59-A6C34878D82A}">
+                    <a16:rowId xmlns:a16="http://schemas.microsoft.com/office/drawing/2014/main" val="1378059480"/>
+                  </a:ext>
+                </a:extLst>
+              </a:tr>
+              <a:tr h="370840">
+                <a:tc>
+                  <a:txBody>
+                    <a:bodyPr/>
+                    <a:lstStyle/>
+                    <a:p>
+                      <a:endParaRPr lang="en-CA"/>
+                    </a:p>
+                  </a:txBody>
+                  <a:tcPr/>
+                </a:tc>
+                <a:tc>
+                  <a:txBody>
+                    <a:bodyPr/>
+                    <a:lstStyle/>
+                    <a:p>
+                      <a:endParaRPr lang="en-CA"/>
+                    </a:p>
+                  </a:txBody>
+                  <a:tcPr/>
+                </a:tc>
+                <a:tc>
+                  <a:txBody>
+                    <a:bodyPr/>
+                    <a:lstStyle/>
+                    <a:p>
+                      <a:endParaRPr lang="en-CA"/>
+                    </a:p>
+                  </a:txBody>
+                  <a:tcPr/>
+                </a:tc>
+                <a:extLst>
+                  <a:ext uri="{0D108BD9-81ED-4DB2-BD59-A6C34878D82A}">
+                    <a16:rowId xmlns:a16="http://schemas.microsoft.com/office/drawing/2014/main" val="3328626114"/>
+                  </a:ext>
+                </a:extLst>
+              </a:tr>
+              <a:tr h="370840">
+                <a:tc>
+                  <a:txBody>
+                    <a:bodyPr/>
+                    <a:lstStyle/>
+                    <a:p>
+                      <a:endParaRPr lang="en-CA"/>
+                    </a:p>
+                  </a:txBody>
+                  <a:tcPr/>
+                </a:tc>
+                <a:tc>
+                  <a:txBody>
+                    <a:bodyPr/>
+                    <a:lstStyle/>
+                    <a:p>
+                      <a:endParaRPr lang="en-CA"/>
+                    </a:p>
+                  </a:txBody>
+                  <a:tcPr/>
+                </a:tc>
+                <a:tc>
+                  <a:txBody>
+                    <a:bodyPr/>
+                    <a:lstStyle/>
+                    <a:p>
+                      <a:endParaRPr lang="en-CA"/>
+                    </a:p>
+                  </a:txBody>
+                  <a:tcPr/>
+                </a:tc>
+                <a:extLst>
+                  <a:ext uri="{0D108BD9-81ED-4DB2-BD59-A6C34878D82A}">
+                    <a16:rowId xmlns:a16="http://schemas.microsoft.com/office/drawing/2014/main" val="60962293"/>
+                  </a:ext>
+                </a:extLst>
+              </a:tr>
+              <a:tr h="370840">
+                <a:tc>
+                  <a:txBody>
+                    <a:bodyPr/>
+                    <a:lstStyle/>
+                    <a:p>
+                      <a:endParaRPr lang="en-CA"/>
+                    </a:p>
+                  </a:txBody>
+                  <a:tcPr/>
+                </a:tc>
+                <a:tc>
+                  <a:txBody>
+                    <a:bodyPr/>
+                    <a:lstStyle/>
+                    <a:p>
+                      <a:endParaRPr lang="en-CA"/>
+                    </a:p>
+                  </a:txBody>
+                  <a:tcPr/>
+                </a:tc>
+                <a:tc>
+                  <a:txBody>
+                    <a:bodyPr/>
+                    <a:lstStyle/>
+                    <a:p>
+                      <a:endParaRPr lang="en-CA"/>
+                    </a:p>
+                  </a:txBody>
+                  <a:tcPr/>
+                </a:tc>
+                <a:extLst>
+                  <a:ext uri="{0D108BD9-81ED-4DB2-BD59-A6C34878D82A}">
+                    <a16:rowId xmlns:a16="http://schemas.microsoft.com/office/drawing/2014/main" val="2493269417"/>
+                  </a:ext>
+                </a:extLst>
+              </a:tr>
+              <a:tr h="370840">
+                <a:tc>
+                  <a:txBody>
+                    <a:bodyPr/>
+                    <a:lstStyle/>
+                    <a:p>
+                      <a:endParaRPr lang="en-CA"/>
+                    </a:p>
+                  </a:txBody>
+                  <a:tcPr/>
+                </a:tc>
+                <a:tc>
+                  <a:txBody>
+                    <a:bodyPr/>
+                    <a:lstStyle/>
+                    <a:p>
+                      <a:endParaRPr lang="en-CA"/>
+                    </a:p>
+                  </a:txBody>
+                  <a:tcPr/>
+                </a:tc>
+                <a:tc>
+                  <a:txBody>
+                    <a:bodyPr/>
+                    <a:lstStyle/>
+                    <a:p>
+                      <a:endParaRPr lang="en-CA"/>
+                    </a:p>
+                  </a:txBody>
+                  <a:tcPr/>
+                </a:tc>
+                <a:extLst>
+                  <a:ext uri="{0D108BD9-81ED-4DB2-BD59-A6C34878D82A}">
+                    <a16:rowId xmlns:a16="http://schemas.microsoft.com/office/drawing/2014/main" val="1175110840"/>
+                  </a:ext>
+                </a:extLst>
+              </a:tr>
+              <a:tr h="370840">
+                <a:tc>
+                  <a:txBody>
+                    <a:bodyPr/>
+                    <a:lstStyle/>
+                    <a:p>
+                      <a:endParaRPr lang="en-CA"/>
+                    </a:p>
+                  </a:txBody>
+                  <a:tcPr/>
+                </a:tc>
+                <a:tc>
+                  <a:txBody>
+                    <a:bodyPr/>
+                    <a:lstStyle/>
+                    <a:p>
+                      <a:endParaRPr lang="en-CA"/>
+                    </a:p>
+                  </a:txBody>
+                  <a:tcPr/>
+                </a:tc>
+                <a:tc>
+                  <a:txBody>
+                    <a:bodyPr/>
+                    <a:lstStyle/>
+                    <a:p>
+                      <a:endParaRPr lang="en-CA"/>
+                    </a:p>
+                  </a:txBody>
+                  <a:tcPr/>
+                </a:tc>
+                <a:extLst>
+                  <a:ext uri="{0D108BD9-81ED-4DB2-BD59-A6C34878D82A}">
+                    <a16:rowId xmlns:a16="http://schemas.microsoft.com/office/drawing/2014/main" val="1208868716"/>
+                  </a:ext>
+                </a:extLst>
+              </a:tr>
+              <a:tr h="370840">
+                <a:tc>
+                  <a:txBody>
+                    <a:bodyPr/>
+                    <a:lstStyle/>
+                    <a:p>
+                      <a:endParaRPr lang="en-CA"/>
+                    </a:p>
+                  </a:txBody>
+                  <a:tcPr/>
+                </a:tc>
+                <a:tc>
+                  <a:txBody>
+                    <a:bodyPr/>
+                    <a:lstStyle/>
+                    <a:p>
+                      <a:endParaRPr lang="en-CA"/>
+                    </a:p>
+                  </a:txBody>
+                  <a:tcPr/>
+                </a:tc>
+                <a:tc>
+                  <a:txBody>
+                    <a:bodyPr/>
+                    <a:lstStyle/>
+                    <a:p>
+                      <a:endParaRPr lang="en-CA"/>
+                    </a:p>
+                  </a:txBody>
+                  <a:tcPr/>
+                </a:tc>
+                <a:extLst>
+                  <a:ext uri="{0D108BD9-81ED-4DB2-BD59-A6C34878D82A}">
+                    <a16:rowId xmlns:a16="http://schemas.microsoft.com/office/drawing/2014/main" val="3087199743"/>
+                  </a:ext>
+                </a:extLst>
+              </a:tr>
+              <a:tr h="370840">
+                <a:tc>
+                  <a:txBody>
+                    <a:bodyPr/>
+                    <a:lstStyle/>
+                    <a:p>
+                      <a:endParaRPr lang="en-CA"/>
+                    </a:p>
+                  </a:txBody>
+                  <a:tcPr/>
+                </a:tc>
+                <a:tc>
+                  <a:txBody>
+                    <a:bodyPr/>
+                    <a:lstStyle/>
+                    <a:p>
+                      <a:endParaRPr lang="en-CA"/>
+                    </a:p>
+                  </a:txBody>
+                  <a:tcPr/>
+                </a:tc>
+                <a:tc>
+                  <a:txBody>
+                    <a:bodyPr/>
+                    <a:lstStyle/>
+                    <a:p>
+                      <a:endParaRPr lang="en-CA" dirty="0"/>
+                    </a:p>
+                  </a:txBody>
+                  <a:tcPr/>
+                </a:tc>
+                <a:extLst>
+                  <a:ext uri="{0D108BD9-81ED-4DB2-BD59-A6C34878D82A}">
+                    <a16:rowId xmlns:a16="http://schemas.microsoft.com/office/drawing/2014/main" val="1843084733"/>
+                  </a:ext>
+                </a:extLst>
+              </a:tr>
+            </a:tbl>
+          </a:graphicData>
+        </a:graphic>
+      </p:graphicFrame>
     </p:spTree>
     <p:extLst>
       <p:ext uri="{BB962C8B-B14F-4D97-AF65-F5344CB8AC3E}">
@@ -18775,31 +23006,434 @@
           </a:p>
         </p:txBody>
       </p:sp>
-      <p:sp>
-        <p:nvSpPr>
-          <p:cNvPr id="11" name="Content Placeholder 10">
+      <p:graphicFrame>
+        <p:nvGraphicFramePr>
+          <p:cNvPr id="5" name="Table 5">
             <a:extLst>
               <a:ext uri="{FF2B5EF4-FFF2-40B4-BE49-F238E27FC236}">
-                <a16:creationId xmlns:a16="http://schemas.microsoft.com/office/drawing/2014/main" id="{0E265B84-CFAB-40E9-8FFE-A86C70B6CE20}"/>
+                <a16:creationId xmlns:a16="http://schemas.microsoft.com/office/drawing/2014/main" id="{1DC13A17-6E75-43E8-A062-F62C99DFC578}"/>
               </a:ext>
             </a:extLst>
           </p:cNvPr>
-          <p:cNvSpPr>
-            <a:spLocks noGrp="1"/>
-          </p:cNvSpPr>
+          <p:cNvGraphicFramePr>
+            <a:graphicFrameLocks noGrp="1"/>
+          </p:cNvGraphicFramePr>
           <p:nvPr>
             <p:ph idx="1"/>
+            <p:extLst>
+              <p:ext uri="{D42A27DB-BD31-4B8C-83A1-F6EECF244321}">
+                <p14:modId xmlns:p14="http://schemas.microsoft.com/office/powerpoint/2010/main" val="2311967634"/>
+              </p:ext>
+            </p:extLst>
           </p:nvPr>
-        </p:nvSpPr>
-        <p:spPr/>
-        <p:txBody>
-          <a:bodyPr/>
-          <a:lstStyle/>
-          <a:p>
-            <a:endParaRPr lang="en-CA"/>
-          </a:p>
-        </p:txBody>
-      </p:sp>
+        </p:nvGraphicFramePr>
+        <p:xfrm>
+          <a:off x="838200" y="1825625"/>
+          <a:ext cx="10515597" cy="3708400"/>
+        </p:xfrm>
+        <a:graphic>
+          <a:graphicData uri="http://schemas.openxmlformats.org/drawingml/2006/table">
+            <a:tbl>
+              <a:tblPr firstRow="1" bandRow="1">
+                <a:tableStyleId>{5C22544A-7EE6-4342-B048-85BDC9FD1C3A}</a:tableStyleId>
+              </a:tblPr>
+              <a:tblGrid>
+                <a:gridCol w="3505199">
+                  <a:extLst>
+                    <a:ext uri="{9D8B030D-6E8A-4147-A177-3AD203B41FA5}">
+                      <a16:colId xmlns:a16="http://schemas.microsoft.com/office/drawing/2014/main" val="1862688226"/>
+                    </a:ext>
+                  </a:extLst>
+                </a:gridCol>
+                <a:gridCol w="3505199">
+                  <a:extLst>
+                    <a:ext uri="{9D8B030D-6E8A-4147-A177-3AD203B41FA5}">
+                      <a16:colId xmlns:a16="http://schemas.microsoft.com/office/drawing/2014/main" val="3819491378"/>
+                    </a:ext>
+                  </a:extLst>
+                </a:gridCol>
+                <a:gridCol w="3505199">
+                  <a:extLst>
+                    <a:ext uri="{9D8B030D-6E8A-4147-A177-3AD203B41FA5}">
+                      <a16:colId xmlns:a16="http://schemas.microsoft.com/office/drawing/2014/main" val="1649810070"/>
+                    </a:ext>
+                  </a:extLst>
+                </a:gridCol>
+              </a:tblGrid>
+              <a:tr h="370840">
+                <a:tc>
+                  <a:txBody>
+                    <a:bodyPr/>
+                    <a:lstStyle/>
+                    <a:p>
+                      <a:endParaRPr lang="en-CA"/>
+                    </a:p>
+                  </a:txBody>
+                  <a:tcPr/>
+                </a:tc>
+                <a:tc>
+                  <a:txBody>
+                    <a:bodyPr/>
+                    <a:lstStyle/>
+                    <a:p>
+                      <a:endParaRPr lang="en-CA"/>
+                    </a:p>
+                  </a:txBody>
+                  <a:tcPr/>
+                </a:tc>
+                <a:tc>
+                  <a:txBody>
+                    <a:bodyPr/>
+                    <a:lstStyle/>
+                    <a:p>
+                      <a:endParaRPr lang="en-CA"/>
+                    </a:p>
+                  </a:txBody>
+                  <a:tcPr/>
+                </a:tc>
+                <a:extLst>
+                  <a:ext uri="{0D108BD9-81ED-4DB2-BD59-A6C34878D82A}">
+                    <a16:rowId xmlns:a16="http://schemas.microsoft.com/office/drawing/2014/main" val="657480846"/>
+                  </a:ext>
+                </a:extLst>
+              </a:tr>
+              <a:tr h="370840">
+                <a:tc>
+                  <a:txBody>
+                    <a:bodyPr/>
+                    <a:lstStyle/>
+                    <a:p>
+                      <a:endParaRPr lang="en-CA"/>
+                    </a:p>
+                  </a:txBody>
+                  <a:tcPr/>
+                </a:tc>
+                <a:tc>
+                  <a:txBody>
+                    <a:bodyPr/>
+                    <a:lstStyle/>
+                    <a:p>
+                      <a:endParaRPr lang="en-CA"/>
+                    </a:p>
+                  </a:txBody>
+                  <a:tcPr/>
+                </a:tc>
+                <a:tc>
+                  <a:txBody>
+                    <a:bodyPr/>
+                    <a:lstStyle/>
+                    <a:p>
+                      <a:endParaRPr lang="en-CA"/>
+                    </a:p>
+                  </a:txBody>
+                  <a:tcPr/>
+                </a:tc>
+                <a:extLst>
+                  <a:ext uri="{0D108BD9-81ED-4DB2-BD59-A6C34878D82A}">
+                    <a16:rowId xmlns:a16="http://schemas.microsoft.com/office/drawing/2014/main" val="461162963"/>
+                  </a:ext>
+                </a:extLst>
+              </a:tr>
+              <a:tr h="370840">
+                <a:tc>
+                  <a:txBody>
+                    <a:bodyPr/>
+                    <a:lstStyle/>
+                    <a:p>
+                      <a:endParaRPr lang="en-CA" dirty="0"/>
+                    </a:p>
+                  </a:txBody>
+                  <a:tcPr/>
+                </a:tc>
+                <a:tc>
+                  <a:txBody>
+                    <a:bodyPr/>
+                    <a:lstStyle/>
+                    <a:p>
+                      <a:endParaRPr lang="en-CA"/>
+                    </a:p>
+                  </a:txBody>
+                  <a:tcPr/>
+                </a:tc>
+                <a:tc>
+                  <a:txBody>
+                    <a:bodyPr/>
+                    <a:lstStyle/>
+                    <a:p>
+                      <a:endParaRPr lang="en-CA"/>
+                    </a:p>
+                  </a:txBody>
+                  <a:tcPr/>
+                </a:tc>
+                <a:extLst>
+                  <a:ext uri="{0D108BD9-81ED-4DB2-BD59-A6C34878D82A}">
+                    <a16:rowId xmlns:a16="http://schemas.microsoft.com/office/drawing/2014/main" val="1378059480"/>
+                  </a:ext>
+                </a:extLst>
+              </a:tr>
+              <a:tr h="370840">
+                <a:tc>
+                  <a:txBody>
+                    <a:bodyPr/>
+                    <a:lstStyle/>
+                    <a:p>
+                      <a:endParaRPr lang="en-CA"/>
+                    </a:p>
+                  </a:txBody>
+                  <a:tcPr/>
+                </a:tc>
+                <a:tc>
+                  <a:txBody>
+                    <a:bodyPr/>
+                    <a:lstStyle/>
+                    <a:p>
+                      <a:endParaRPr lang="en-CA"/>
+                    </a:p>
+                  </a:txBody>
+                  <a:tcPr/>
+                </a:tc>
+                <a:tc>
+                  <a:txBody>
+                    <a:bodyPr/>
+                    <a:lstStyle/>
+                    <a:p>
+                      <a:endParaRPr lang="en-CA"/>
+                    </a:p>
+                  </a:txBody>
+                  <a:tcPr/>
+                </a:tc>
+                <a:extLst>
+                  <a:ext uri="{0D108BD9-81ED-4DB2-BD59-A6C34878D82A}">
+                    <a16:rowId xmlns:a16="http://schemas.microsoft.com/office/drawing/2014/main" val="3328626114"/>
+                  </a:ext>
+                </a:extLst>
+              </a:tr>
+              <a:tr h="370840">
+                <a:tc>
+                  <a:txBody>
+                    <a:bodyPr/>
+                    <a:lstStyle/>
+                    <a:p>
+                      <a:endParaRPr lang="en-CA"/>
+                    </a:p>
+                  </a:txBody>
+                  <a:tcPr/>
+                </a:tc>
+                <a:tc>
+                  <a:txBody>
+                    <a:bodyPr/>
+                    <a:lstStyle/>
+                    <a:p>
+                      <a:endParaRPr lang="en-CA"/>
+                    </a:p>
+                  </a:txBody>
+                  <a:tcPr/>
+                </a:tc>
+                <a:tc>
+                  <a:txBody>
+                    <a:bodyPr/>
+                    <a:lstStyle/>
+                    <a:p>
+                      <a:endParaRPr lang="en-CA"/>
+                    </a:p>
+                  </a:txBody>
+                  <a:tcPr/>
+                </a:tc>
+                <a:extLst>
+                  <a:ext uri="{0D108BD9-81ED-4DB2-BD59-A6C34878D82A}">
+                    <a16:rowId xmlns:a16="http://schemas.microsoft.com/office/drawing/2014/main" val="60962293"/>
+                  </a:ext>
+                </a:extLst>
+              </a:tr>
+              <a:tr h="370840">
+                <a:tc>
+                  <a:txBody>
+                    <a:bodyPr/>
+                    <a:lstStyle/>
+                    <a:p>
+                      <a:endParaRPr lang="en-CA"/>
+                    </a:p>
+                  </a:txBody>
+                  <a:tcPr/>
+                </a:tc>
+                <a:tc>
+                  <a:txBody>
+                    <a:bodyPr/>
+                    <a:lstStyle/>
+                    <a:p>
+                      <a:endParaRPr lang="en-CA"/>
+                    </a:p>
+                  </a:txBody>
+                  <a:tcPr/>
+                </a:tc>
+                <a:tc>
+                  <a:txBody>
+                    <a:bodyPr/>
+                    <a:lstStyle/>
+                    <a:p>
+                      <a:endParaRPr lang="en-CA"/>
+                    </a:p>
+                  </a:txBody>
+                  <a:tcPr/>
+                </a:tc>
+                <a:extLst>
+                  <a:ext uri="{0D108BD9-81ED-4DB2-BD59-A6C34878D82A}">
+                    <a16:rowId xmlns:a16="http://schemas.microsoft.com/office/drawing/2014/main" val="2493269417"/>
+                  </a:ext>
+                </a:extLst>
+              </a:tr>
+              <a:tr h="370840">
+                <a:tc>
+                  <a:txBody>
+                    <a:bodyPr/>
+                    <a:lstStyle/>
+                    <a:p>
+                      <a:endParaRPr lang="en-CA"/>
+                    </a:p>
+                  </a:txBody>
+                  <a:tcPr/>
+                </a:tc>
+                <a:tc>
+                  <a:txBody>
+                    <a:bodyPr/>
+                    <a:lstStyle/>
+                    <a:p>
+                      <a:endParaRPr lang="en-CA"/>
+                    </a:p>
+                  </a:txBody>
+                  <a:tcPr/>
+                </a:tc>
+                <a:tc>
+                  <a:txBody>
+                    <a:bodyPr/>
+                    <a:lstStyle/>
+                    <a:p>
+                      <a:endParaRPr lang="en-CA"/>
+                    </a:p>
+                  </a:txBody>
+                  <a:tcPr/>
+                </a:tc>
+                <a:extLst>
+                  <a:ext uri="{0D108BD9-81ED-4DB2-BD59-A6C34878D82A}">
+                    <a16:rowId xmlns:a16="http://schemas.microsoft.com/office/drawing/2014/main" val="1175110840"/>
+                  </a:ext>
+                </a:extLst>
+              </a:tr>
+              <a:tr h="370840">
+                <a:tc>
+                  <a:txBody>
+                    <a:bodyPr/>
+                    <a:lstStyle/>
+                    <a:p>
+                      <a:endParaRPr lang="en-CA"/>
+                    </a:p>
+                  </a:txBody>
+                  <a:tcPr/>
+                </a:tc>
+                <a:tc>
+                  <a:txBody>
+                    <a:bodyPr/>
+                    <a:lstStyle/>
+                    <a:p>
+                      <a:endParaRPr lang="en-CA"/>
+                    </a:p>
+                  </a:txBody>
+                  <a:tcPr/>
+                </a:tc>
+                <a:tc>
+                  <a:txBody>
+                    <a:bodyPr/>
+                    <a:lstStyle/>
+                    <a:p>
+                      <a:endParaRPr lang="en-CA"/>
+                    </a:p>
+                  </a:txBody>
+                  <a:tcPr/>
+                </a:tc>
+                <a:extLst>
+                  <a:ext uri="{0D108BD9-81ED-4DB2-BD59-A6C34878D82A}">
+                    <a16:rowId xmlns:a16="http://schemas.microsoft.com/office/drawing/2014/main" val="1208868716"/>
+                  </a:ext>
+                </a:extLst>
+              </a:tr>
+              <a:tr h="370840">
+                <a:tc>
+                  <a:txBody>
+                    <a:bodyPr/>
+                    <a:lstStyle/>
+                    <a:p>
+                      <a:endParaRPr lang="en-CA"/>
+                    </a:p>
+                  </a:txBody>
+                  <a:tcPr/>
+                </a:tc>
+                <a:tc>
+                  <a:txBody>
+                    <a:bodyPr/>
+                    <a:lstStyle/>
+                    <a:p>
+                      <a:endParaRPr lang="en-CA"/>
+                    </a:p>
+                  </a:txBody>
+                  <a:tcPr/>
+                </a:tc>
+                <a:tc>
+                  <a:txBody>
+                    <a:bodyPr/>
+                    <a:lstStyle/>
+                    <a:p>
+                      <a:endParaRPr lang="en-CA"/>
+                    </a:p>
+                  </a:txBody>
+                  <a:tcPr/>
+                </a:tc>
+                <a:extLst>
+                  <a:ext uri="{0D108BD9-81ED-4DB2-BD59-A6C34878D82A}">
+                    <a16:rowId xmlns:a16="http://schemas.microsoft.com/office/drawing/2014/main" val="3087199743"/>
+                  </a:ext>
+                </a:extLst>
+              </a:tr>
+              <a:tr h="370840">
+                <a:tc>
+                  <a:txBody>
+                    <a:bodyPr/>
+                    <a:lstStyle/>
+                    <a:p>
+                      <a:endParaRPr lang="en-CA"/>
+                    </a:p>
+                  </a:txBody>
+                  <a:tcPr/>
+                </a:tc>
+                <a:tc>
+                  <a:txBody>
+                    <a:bodyPr/>
+                    <a:lstStyle/>
+                    <a:p>
+                      <a:endParaRPr lang="en-CA"/>
+                    </a:p>
+                  </a:txBody>
+                  <a:tcPr/>
+                </a:tc>
+                <a:tc>
+                  <a:txBody>
+                    <a:bodyPr/>
+                    <a:lstStyle/>
+                    <a:p>
+                      <a:endParaRPr lang="en-CA" dirty="0"/>
+                    </a:p>
+                  </a:txBody>
+                  <a:tcPr/>
+                </a:tc>
+                <a:extLst>
+                  <a:ext uri="{0D108BD9-81ED-4DB2-BD59-A6C34878D82A}">
+                    <a16:rowId xmlns:a16="http://schemas.microsoft.com/office/drawing/2014/main" val="1843084733"/>
+                  </a:ext>
+                </a:extLst>
+              </a:tr>
+            </a:tbl>
+          </a:graphicData>
+        </a:graphic>
+      </p:graphicFrame>
     </p:spTree>
     <p:extLst>
       <p:ext uri="{BB962C8B-B14F-4D97-AF65-F5344CB8AC3E}">
@@ -19667,7 +24301,7 @@
             <p:ph idx="1"/>
             <p:extLst>
               <p:ext uri="{D42A27DB-BD31-4B8C-83A1-F6EECF244321}">
-                <p14:modId xmlns:p14="http://schemas.microsoft.com/office/powerpoint/2010/main" val="882932363"/>
+                <p14:modId xmlns:p14="http://schemas.microsoft.com/office/powerpoint/2010/main" val="1404869102"/>
               </p:ext>
             </p:extLst>
           </p:nvPr>

--- a/002 - Deliverables/Social_Media_v0.01.pptx
+++ b/002 - Deliverables/Social_Media_v0.01.pptx
@@ -7071,14 +7071,8 @@
                 </a:solidFill>
                 <a:latin typeface="+mn-lt"/>
               </a:rPr>
-              <a:t>How much time is spent on social media vs physical activities</a:t>
-            </a:r>
-            <a:endParaRPr lang="en-CA" b="1" dirty="0">
-              <a:solidFill>
-                <a:srgbClr val="0070C0"/>
-              </a:solidFill>
-              <a:latin typeface="+mn-lt"/>
-            </a:endParaRPr>
+              <a:t>Which social media platform/s do you like the most or use the most?</a:t>
+            </a:r>
           </a:p>
         </p:txBody>
       </p:sp>
@@ -7188,6 +7182,117 @@
           </a:p>
         </p:txBody>
       </p:sp>
+      <p:pic>
+        <p:nvPicPr>
+          <p:cNvPr id="8" name="Picture 7">
+            <a:extLst>
+              <a:ext uri="{FF2B5EF4-FFF2-40B4-BE49-F238E27FC236}">
+                <a16:creationId xmlns:a16="http://schemas.microsoft.com/office/drawing/2014/main" id="{9BBFF7C3-CE5A-4B43-9FD3-25EB652293D0}"/>
+              </a:ext>
+            </a:extLst>
+          </p:cNvPr>
+          <p:cNvPicPr>
+            <a:picLocks noChangeAspect="1"/>
+          </p:cNvPicPr>
+          <p:nvPr/>
+        </p:nvPicPr>
+        <p:blipFill>
+          <a:blip r:embed="rId2"/>
+          <a:stretch>
+            <a:fillRect/>
+          </a:stretch>
+        </p:blipFill>
+        <p:spPr>
+          <a:xfrm>
+            <a:off x="7449671" y="3417302"/>
+            <a:ext cx="3657599" cy="3121609"/>
+          </a:xfrm>
+          <a:prstGeom prst="rect">
+            <a:avLst/>
+          </a:prstGeom>
+          <a:ln w="57150">
+            <a:solidFill>
+              <a:schemeClr val="accent1"/>
+            </a:solidFill>
+          </a:ln>
+        </p:spPr>
+      </p:pic>
+      <p:pic>
+        <p:nvPicPr>
+          <p:cNvPr id="16" name="Picture 15">
+            <a:extLst>
+              <a:ext uri="{FF2B5EF4-FFF2-40B4-BE49-F238E27FC236}">
+                <a16:creationId xmlns:a16="http://schemas.microsoft.com/office/drawing/2014/main" id="{9EDBAC7E-67BD-4371-928F-3409A384DAC8}"/>
+              </a:ext>
+            </a:extLst>
+          </p:cNvPr>
+          <p:cNvPicPr>
+            <a:picLocks noChangeAspect="1"/>
+          </p:cNvPicPr>
+          <p:nvPr/>
+        </p:nvPicPr>
+        <p:blipFill>
+          <a:blip r:embed="rId3"/>
+          <a:stretch>
+            <a:fillRect/>
+          </a:stretch>
+        </p:blipFill>
+        <p:spPr>
+          <a:xfrm>
+            <a:off x="581793" y="2186416"/>
+            <a:ext cx="5693501" cy="3230731"/>
+          </a:xfrm>
+          <a:prstGeom prst="rect">
+            <a:avLst/>
+          </a:prstGeom>
+        </p:spPr>
+      </p:pic>
+      <p:cxnSp>
+        <p:nvCxnSpPr>
+          <p:cNvPr id="17" name="Connector: Elbow 16">
+            <a:extLst>
+              <a:ext uri="{FF2B5EF4-FFF2-40B4-BE49-F238E27FC236}">
+                <a16:creationId xmlns:a16="http://schemas.microsoft.com/office/drawing/2014/main" id="{7C5AF071-C741-461E-AF85-9A54BC2B3628}"/>
+              </a:ext>
+            </a:extLst>
+          </p:cNvPr>
+          <p:cNvCxnSpPr>
+            <a:cxnSpLocks/>
+          </p:cNvCxnSpPr>
+          <p:nvPr/>
+        </p:nvCxnSpPr>
+        <p:spPr>
+          <a:xfrm>
+            <a:off x="3971365" y="5092698"/>
+            <a:ext cx="3377341" cy="648897"/>
+          </a:xfrm>
+          <a:prstGeom prst="bentConnector3">
+            <a:avLst>
+              <a:gd name="adj1" fmla="val 98"/>
+            </a:avLst>
+          </a:prstGeom>
+          <a:ln w="76200">
+            <a:solidFill>
+              <a:schemeClr val="accent1"/>
+            </a:solidFill>
+            <a:tailEnd type="triangle"/>
+          </a:ln>
+        </p:spPr>
+        <p:style>
+          <a:lnRef idx="1">
+            <a:schemeClr val="accent1"/>
+          </a:lnRef>
+          <a:fillRef idx="0">
+            <a:schemeClr val="accent1"/>
+          </a:fillRef>
+          <a:effectRef idx="0">
+            <a:schemeClr val="accent1"/>
+          </a:effectRef>
+          <a:fontRef idx="minor">
+            <a:schemeClr val="tx1"/>
+          </a:fontRef>
+        </p:style>
+      </p:cxnSp>
     </p:spTree>
     <p:extLst>
       <p:ext uri="{BB962C8B-B14F-4D97-AF65-F5344CB8AC3E}">
@@ -8232,7 +8337,7 @@
         </p:spPr>
         <p:txBody>
           <a:bodyPr vert="horz" lIns="91440" tIns="45720" rIns="91440" bIns="45720" rtlCol="0" anchor="b">
-            <a:normAutofit fontScale="90000"/>
+            <a:normAutofit/>
           </a:bodyPr>
           <a:lstStyle/>
           <a:p>
@@ -8252,21 +8357,6 @@
                 </a:solidFill>
               </a:rPr>
             </a:br>
-            <a:br>
-              <a:rPr lang="en-US" sz="4100" b="1" dirty="0">
-                <a:solidFill>
-                  <a:schemeClr val="bg1"/>
-                </a:solidFill>
-              </a:rPr>
-            </a:br>
-            <a:r>
-              <a:rPr lang="en-US" sz="4100" b="1" dirty="0">
-                <a:solidFill>
-                  <a:schemeClr val="bg1"/>
-                </a:solidFill>
-              </a:rPr>
-              <a:t>Is social media taking over our lives?</a:t>
-            </a:r>
             <a:endParaRPr lang="en-US" sz="4100" b="1" kern="1200" dirty="0">
               <a:solidFill>
                 <a:schemeClr val="bg1"/>

--- a/002 - Deliverables/Social_Media_v0.01.pptx
+++ b/002 - Deliverables/Social_Media_v0.01.pptx
@@ -3822,15 +3822,12 @@
           <a:lstStyle/>
           <a:p>
             <a:r>
-              <a:rPr lang="en-US" sz="5200" b="1" kern="1200" dirty="0">
+              <a:rPr lang="en-US" sz="5200" b="1" dirty="0">
                 <a:solidFill>
                   <a:schemeClr val="bg1"/>
                 </a:solidFill>
-                <a:latin typeface="+mj-lt"/>
-                <a:ea typeface="+mj-ea"/>
-                <a:cs typeface="+mj-cs"/>
               </a:rPr>
-              <a:t>Is social media taking over our lives?</a:t>
+              <a:t>How does social media impact our lives?</a:t>
             </a:r>
           </a:p>
         </p:txBody>
@@ -6318,25 +6315,435 @@
                 <a:solidFill>
                   <a:srgbClr val="0070C0"/>
                 </a:solidFill>
-                <a:latin typeface="+mn-lt"/>
               </a:rPr>
-              <a:t>2.1 </a:t>
+              <a:t>We have applied a number of methods to </a:t>
             </a:r>
             <a:r>
               <a:rPr lang="en-US" sz="2400" b="1" dirty="0" err="1">
                 <a:solidFill>
                   <a:srgbClr val="0070C0"/>
                 </a:solidFill>
-                <a:latin typeface="+mn-lt"/>
               </a:rPr>
-              <a:t>xyz</a:t>
+              <a:t>analyse</a:t>
+            </a:r>
+            <a:r>
+              <a:rPr lang="en-US" sz="2400" b="1" dirty="0">
+                <a:solidFill>
+                  <a:srgbClr val="0070C0"/>
+                </a:solidFill>
+              </a:rPr>
+              <a:t> the responses</a:t>
             </a:r>
             <a:endParaRPr lang="en-CA" sz="2400" b="1" dirty="0">
               <a:solidFill>
                 <a:srgbClr val="0070C0"/>
               </a:solidFill>
-              <a:latin typeface="+mn-lt"/>
             </a:endParaRPr>
+          </a:p>
+        </p:txBody>
+      </p:sp>
+      <p:sp>
+        <p:nvSpPr>
+          <p:cNvPr id="5" name="Content Placeholder 5">
+            <a:extLst>
+              <a:ext uri="{FF2B5EF4-FFF2-40B4-BE49-F238E27FC236}">
+                <a16:creationId xmlns:a16="http://schemas.microsoft.com/office/drawing/2014/main" id="{08A950FA-DC04-4281-91F7-5BA75FF91E75}"/>
+              </a:ext>
+            </a:extLst>
+          </p:cNvPr>
+          <p:cNvSpPr>
+            <a:spLocks noGrp="1"/>
+          </p:cNvSpPr>
+          <p:nvPr>
+            <p:ph sz="half" idx="1"/>
+          </p:nvPr>
+        </p:nvSpPr>
+        <p:spPr>
+          <a:xfrm>
+            <a:off x="838200" y="1825625"/>
+            <a:ext cx="5181600" cy="4351338"/>
+          </a:xfrm>
+        </p:spPr>
+        <p:txBody>
+          <a:bodyPr>
+            <a:normAutofit/>
+          </a:bodyPr>
+          <a:lstStyle/>
+          <a:p>
+            <a:pPr marL="0" indent="0">
+              <a:buNone/>
+            </a:pPr>
+            <a:r>
+              <a:rPr lang="en-US" sz="2000" b="1" dirty="0"/>
+              <a:t>Analyzing the responses</a:t>
+            </a:r>
+          </a:p>
+          <a:p>
+            <a:r>
+              <a:rPr lang="en-US" sz="2000" dirty="0"/>
+              <a:t>Count / tally the responses for each question</a:t>
+            </a:r>
+          </a:p>
+          <a:p>
+            <a:pPr lvl="1">
+              <a:buFont typeface="Courier New" panose="02070309020205020404" pitchFamily="49" charset="0"/>
+              <a:buChar char="o"/>
+            </a:pPr>
+            <a:r>
+              <a:rPr lang="en-US" sz="1600" dirty="0"/>
+              <a:t>For example: which social media platform is preferred by the respondents?</a:t>
+            </a:r>
+          </a:p>
+          <a:p>
+            <a:pPr lvl="1">
+              <a:buFont typeface="Courier New" panose="02070309020205020404" pitchFamily="49" charset="0"/>
+              <a:buChar char="o"/>
+            </a:pPr>
+            <a:endParaRPr lang="en-US" sz="1600" dirty="0"/>
+          </a:p>
+          <a:p>
+            <a:pPr lvl="1">
+              <a:buFont typeface="Courier New" panose="02070309020205020404" pitchFamily="49" charset="0"/>
+              <a:buChar char="o"/>
+            </a:pPr>
+            <a:endParaRPr lang="en-US" sz="1600" dirty="0"/>
+          </a:p>
+          <a:p>
+            <a:r>
+              <a:rPr lang="en-US" sz="2000" dirty="0" err="1"/>
+              <a:t>Groupby</a:t>
+            </a:r>
+            <a:r>
+              <a:rPr lang="en-US" sz="2000" dirty="0"/>
+              <a:t> responses in order to understand the dynamic relationships</a:t>
+            </a:r>
+          </a:p>
+          <a:p>
+            <a:pPr lvl="1">
+              <a:buFont typeface="Courier New" panose="02070309020205020404" pitchFamily="49" charset="0"/>
+              <a:buChar char="o"/>
+            </a:pPr>
+            <a:r>
+              <a:rPr lang="en-US" sz="1600" dirty="0"/>
+              <a:t>For example: relationship between platform preferences and time spent on social media</a:t>
+            </a:r>
+          </a:p>
+          <a:p>
+            <a:pPr lvl="1">
+              <a:buFont typeface="Courier New" panose="02070309020205020404" pitchFamily="49" charset="0"/>
+              <a:buChar char="o"/>
+            </a:pPr>
+            <a:endParaRPr lang="en-US" sz="1600" dirty="0"/>
+          </a:p>
+          <a:p>
+            <a:pPr lvl="1">
+              <a:buFont typeface="Courier New" panose="02070309020205020404" pitchFamily="49" charset="0"/>
+              <a:buChar char="o"/>
+            </a:pPr>
+            <a:endParaRPr lang="en-US" sz="1600" dirty="0"/>
+          </a:p>
+          <a:p>
+            <a:pPr lvl="1">
+              <a:buFont typeface="Courier New" panose="02070309020205020404" pitchFamily="49" charset="0"/>
+              <a:buChar char="o"/>
+            </a:pPr>
+            <a:endParaRPr lang="en-US" sz="1600" dirty="0"/>
+          </a:p>
+          <a:p>
+            <a:pPr lvl="1">
+              <a:buFont typeface="Courier New" panose="02070309020205020404" pitchFamily="49" charset="0"/>
+              <a:buChar char="o"/>
+            </a:pPr>
+            <a:endParaRPr lang="en-US" sz="1600" dirty="0"/>
+          </a:p>
+          <a:p>
+            <a:pPr lvl="1"/>
+            <a:endParaRPr lang="en-US" sz="1600" dirty="0"/>
+          </a:p>
+          <a:p>
+            <a:pPr marL="0" indent="0">
+              <a:buNone/>
+            </a:pPr>
+            <a:endParaRPr lang="en-US" sz="2000" dirty="0"/>
+          </a:p>
+          <a:p>
+            <a:pPr lvl="1">
+              <a:buFont typeface="Courier New" panose="02070309020205020404" pitchFamily="49" charset="0"/>
+              <a:buChar char="o"/>
+            </a:pPr>
+            <a:endParaRPr lang="en-US" sz="1600" dirty="0"/>
+          </a:p>
+        </p:txBody>
+      </p:sp>
+      <p:sp>
+        <p:nvSpPr>
+          <p:cNvPr id="6" name="Content Placeholder 5">
+            <a:extLst>
+              <a:ext uri="{FF2B5EF4-FFF2-40B4-BE49-F238E27FC236}">
+                <a16:creationId xmlns:a16="http://schemas.microsoft.com/office/drawing/2014/main" id="{84B39409-8A44-4253-AFA3-5598ACCA41DE}"/>
+              </a:ext>
+            </a:extLst>
+          </p:cNvPr>
+          <p:cNvSpPr txBox="1">
+            <a:spLocks/>
+          </p:cNvSpPr>
+          <p:nvPr/>
+        </p:nvSpPr>
+        <p:spPr>
+          <a:xfrm>
+            <a:off x="6172202" y="1825625"/>
+            <a:ext cx="5181600" cy="4351338"/>
+          </a:xfrm>
+          <a:prstGeom prst="rect">
+            <a:avLst/>
+          </a:prstGeom>
+        </p:spPr>
+        <p:txBody>
+          <a:bodyPr vert="horz" lIns="91440" tIns="45720" rIns="91440" bIns="45720" rtlCol="0">
+            <a:normAutofit/>
+          </a:bodyPr>
+          <a:lstStyle>
+            <a:lvl1pPr marL="228600" indent="-228600" algn="l" defTabSz="914400" rtl="0" eaLnBrk="1" latinLnBrk="0" hangingPunct="1">
+              <a:lnSpc>
+                <a:spcPct val="90000"/>
+              </a:lnSpc>
+              <a:spcBef>
+                <a:spcPts val="1000"/>
+              </a:spcBef>
+              <a:buFont typeface="Arial" panose="020B0604020202020204" pitchFamily="34" charset="0"/>
+              <a:buChar char="•"/>
+              <a:defRPr sz="2800" kern="1200">
+                <a:solidFill>
+                  <a:schemeClr val="tx1"/>
+                </a:solidFill>
+                <a:latin typeface="+mn-lt"/>
+                <a:ea typeface="+mn-ea"/>
+                <a:cs typeface="+mn-cs"/>
+              </a:defRPr>
+            </a:lvl1pPr>
+            <a:lvl2pPr marL="685800" indent="-228600" algn="l" defTabSz="914400" rtl="0" eaLnBrk="1" latinLnBrk="0" hangingPunct="1">
+              <a:lnSpc>
+                <a:spcPct val="90000"/>
+              </a:lnSpc>
+              <a:spcBef>
+                <a:spcPts val="500"/>
+              </a:spcBef>
+              <a:buFont typeface="Arial" panose="020B0604020202020204" pitchFamily="34" charset="0"/>
+              <a:buChar char="•"/>
+              <a:defRPr sz="2400" kern="1200">
+                <a:solidFill>
+                  <a:schemeClr val="tx1"/>
+                </a:solidFill>
+                <a:latin typeface="+mn-lt"/>
+                <a:ea typeface="+mn-ea"/>
+                <a:cs typeface="+mn-cs"/>
+              </a:defRPr>
+            </a:lvl2pPr>
+            <a:lvl3pPr marL="1143000" indent="-228600" algn="l" defTabSz="914400" rtl="0" eaLnBrk="1" latinLnBrk="0" hangingPunct="1">
+              <a:lnSpc>
+                <a:spcPct val="90000"/>
+              </a:lnSpc>
+              <a:spcBef>
+                <a:spcPts val="500"/>
+              </a:spcBef>
+              <a:buFont typeface="Arial" panose="020B0604020202020204" pitchFamily="34" charset="0"/>
+              <a:buChar char="•"/>
+              <a:defRPr sz="2000" kern="1200">
+                <a:solidFill>
+                  <a:schemeClr val="tx1"/>
+                </a:solidFill>
+                <a:latin typeface="+mn-lt"/>
+                <a:ea typeface="+mn-ea"/>
+                <a:cs typeface="+mn-cs"/>
+              </a:defRPr>
+            </a:lvl3pPr>
+            <a:lvl4pPr marL="1600200" indent="-228600" algn="l" defTabSz="914400" rtl="0" eaLnBrk="1" latinLnBrk="0" hangingPunct="1">
+              <a:lnSpc>
+                <a:spcPct val="90000"/>
+              </a:lnSpc>
+              <a:spcBef>
+                <a:spcPts val="500"/>
+              </a:spcBef>
+              <a:buFont typeface="Arial" panose="020B0604020202020204" pitchFamily="34" charset="0"/>
+              <a:buChar char="•"/>
+              <a:defRPr sz="1800" kern="1200">
+                <a:solidFill>
+                  <a:schemeClr val="tx1"/>
+                </a:solidFill>
+                <a:latin typeface="+mn-lt"/>
+                <a:ea typeface="+mn-ea"/>
+                <a:cs typeface="+mn-cs"/>
+              </a:defRPr>
+            </a:lvl4pPr>
+            <a:lvl5pPr marL="2057400" indent="-228600" algn="l" defTabSz="914400" rtl="0" eaLnBrk="1" latinLnBrk="0" hangingPunct="1">
+              <a:lnSpc>
+                <a:spcPct val="90000"/>
+              </a:lnSpc>
+              <a:spcBef>
+                <a:spcPts val="500"/>
+              </a:spcBef>
+              <a:buFont typeface="Arial" panose="020B0604020202020204" pitchFamily="34" charset="0"/>
+              <a:buChar char="•"/>
+              <a:defRPr sz="1800" kern="1200">
+                <a:solidFill>
+                  <a:schemeClr val="tx1"/>
+                </a:solidFill>
+                <a:latin typeface="+mn-lt"/>
+                <a:ea typeface="+mn-ea"/>
+                <a:cs typeface="+mn-cs"/>
+              </a:defRPr>
+            </a:lvl5pPr>
+            <a:lvl6pPr marL="2514600" indent="-228600" algn="l" defTabSz="914400" rtl="0" eaLnBrk="1" latinLnBrk="0" hangingPunct="1">
+              <a:lnSpc>
+                <a:spcPct val="90000"/>
+              </a:lnSpc>
+              <a:spcBef>
+                <a:spcPts val="500"/>
+              </a:spcBef>
+              <a:buFont typeface="Arial" panose="020B0604020202020204" pitchFamily="34" charset="0"/>
+              <a:buChar char="•"/>
+              <a:defRPr sz="1800" kern="1200">
+                <a:solidFill>
+                  <a:schemeClr val="tx1"/>
+                </a:solidFill>
+                <a:latin typeface="+mn-lt"/>
+                <a:ea typeface="+mn-ea"/>
+                <a:cs typeface="+mn-cs"/>
+              </a:defRPr>
+            </a:lvl6pPr>
+            <a:lvl7pPr marL="2971800" indent="-228600" algn="l" defTabSz="914400" rtl="0" eaLnBrk="1" latinLnBrk="0" hangingPunct="1">
+              <a:lnSpc>
+                <a:spcPct val="90000"/>
+              </a:lnSpc>
+              <a:spcBef>
+                <a:spcPts val="500"/>
+              </a:spcBef>
+              <a:buFont typeface="Arial" panose="020B0604020202020204" pitchFamily="34" charset="0"/>
+              <a:buChar char="•"/>
+              <a:defRPr sz="1800" kern="1200">
+                <a:solidFill>
+                  <a:schemeClr val="tx1"/>
+                </a:solidFill>
+                <a:latin typeface="+mn-lt"/>
+                <a:ea typeface="+mn-ea"/>
+                <a:cs typeface="+mn-cs"/>
+              </a:defRPr>
+            </a:lvl7pPr>
+            <a:lvl8pPr marL="3429000" indent="-228600" algn="l" defTabSz="914400" rtl="0" eaLnBrk="1" latinLnBrk="0" hangingPunct="1">
+              <a:lnSpc>
+                <a:spcPct val="90000"/>
+              </a:lnSpc>
+              <a:spcBef>
+                <a:spcPts val="500"/>
+              </a:spcBef>
+              <a:buFont typeface="Arial" panose="020B0604020202020204" pitchFamily="34" charset="0"/>
+              <a:buChar char="•"/>
+              <a:defRPr sz="1800" kern="1200">
+                <a:solidFill>
+                  <a:schemeClr val="tx1"/>
+                </a:solidFill>
+                <a:latin typeface="+mn-lt"/>
+                <a:ea typeface="+mn-ea"/>
+                <a:cs typeface="+mn-cs"/>
+              </a:defRPr>
+            </a:lvl8pPr>
+            <a:lvl9pPr marL="3886200" indent="-228600" algn="l" defTabSz="914400" rtl="0" eaLnBrk="1" latinLnBrk="0" hangingPunct="1">
+              <a:lnSpc>
+                <a:spcPct val="90000"/>
+              </a:lnSpc>
+              <a:spcBef>
+                <a:spcPts val="500"/>
+              </a:spcBef>
+              <a:buFont typeface="Arial" panose="020B0604020202020204" pitchFamily="34" charset="0"/>
+              <a:buChar char="•"/>
+              <a:defRPr sz="1800" kern="1200">
+                <a:solidFill>
+                  <a:schemeClr val="tx1"/>
+                </a:solidFill>
+                <a:latin typeface="+mn-lt"/>
+                <a:ea typeface="+mn-ea"/>
+                <a:cs typeface="+mn-cs"/>
+              </a:defRPr>
+            </a:lvl9pPr>
+          </a:lstStyle>
+          <a:p>
+            <a:pPr marL="0" indent="0">
+              <a:buFont typeface="Arial" panose="020B0604020202020204" pitchFamily="34" charset="0"/>
+              <a:buNone/>
+            </a:pPr>
+            <a:r>
+              <a:rPr lang="en-US" sz="2000" b="1" dirty="0" err="1"/>
+              <a:t>Visualising</a:t>
+            </a:r>
+            <a:r>
+              <a:rPr lang="en-US" sz="2000" b="1" dirty="0"/>
+              <a:t> the findings</a:t>
+            </a:r>
+          </a:p>
+          <a:p>
+            <a:r>
+              <a:rPr lang="en-US" sz="2000" dirty="0"/>
+              <a:t>Pie charts</a:t>
+            </a:r>
+            <a:endParaRPr lang="en-US" sz="1600" dirty="0"/>
+          </a:p>
+          <a:p>
+            <a:r>
+              <a:rPr lang="en-US" sz="2000" dirty="0"/>
+              <a:t>Bar charts</a:t>
+            </a:r>
+          </a:p>
+          <a:p>
+            <a:r>
+              <a:rPr lang="en-US" sz="2000" dirty="0"/>
+              <a:t>Stacked bar chart</a:t>
+            </a:r>
+          </a:p>
+          <a:p>
+            <a:r>
+              <a:rPr lang="en-US" sz="2000" dirty="0"/>
+              <a:t>Line regression</a:t>
+            </a:r>
+            <a:endParaRPr lang="en-US" sz="1600" dirty="0"/>
+          </a:p>
+          <a:p>
+            <a:pPr lvl="1">
+              <a:buFont typeface="Courier New" panose="02070309020205020404" pitchFamily="49" charset="0"/>
+              <a:buChar char="o"/>
+            </a:pPr>
+            <a:endParaRPr lang="en-US" sz="1600" dirty="0"/>
+          </a:p>
+          <a:p>
+            <a:pPr lvl="1">
+              <a:buFont typeface="Courier New" panose="02070309020205020404" pitchFamily="49" charset="0"/>
+              <a:buChar char="o"/>
+            </a:pPr>
+            <a:endParaRPr lang="en-US" sz="1600" dirty="0"/>
+          </a:p>
+          <a:p>
+            <a:pPr lvl="1">
+              <a:buFont typeface="Courier New" panose="02070309020205020404" pitchFamily="49" charset="0"/>
+              <a:buChar char="o"/>
+            </a:pPr>
+            <a:endParaRPr lang="en-US" sz="1600" dirty="0"/>
+          </a:p>
+          <a:p>
+            <a:pPr lvl="1"/>
+            <a:endParaRPr lang="en-US" sz="1600" dirty="0"/>
+          </a:p>
+          <a:p>
+            <a:pPr marL="0" indent="0">
+              <a:buFont typeface="Arial" panose="020B0604020202020204" pitchFamily="34" charset="0"/>
+              <a:buNone/>
+            </a:pPr>
+            <a:endParaRPr lang="en-US" sz="2000" dirty="0"/>
+          </a:p>
+          <a:p>
+            <a:pPr lvl="1">
+              <a:buFont typeface="Courier New" panose="02070309020205020404" pitchFamily="49" charset="0"/>
+              <a:buChar char="o"/>
+            </a:pPr>
+            <a:endParaRPr lang="en-US" sz="1600" dirty="0"/>
           </a:p>
         </p:txBody>
       </p:sp>
@@ -7071,7 +7478,7 @@
                 </a:solidFill>
                 <a:latin typeface="+mn-lt"/>
               </a:rPr>
-              <a:t>Which social media platform/s do you like the most or use the most?</a:t>
+              <a:t>Which social media platform/s do you prefer and how often do you use social media? </a:t>
             </a:r>
           </a:p>
         </p:txBody>
@@ -7156,29 +7563,52 @@
           </a:lstStyle>
           <a:p>
             <a:r>
-              <a:rPr lang="en-US" sz="2400" b="1" dirty="0">
+              <a:rPr lang="en-US" sz="2000" dirty="0">
                 <a:solidFill>
                   <a:srgbClr val="0070C0"/>
                 </a:solidFill>
                 <a:latin typeface="+mn-lt"/>
               </a:rPr>
-              <a:t>2.1 </a:t>
-            </a:r>
-            <a:r>
-              <a:rPr lang="en-US" sz="2400" b="1" dirty="0" err="1">
+              <a:t>41% of respondents use social media for 1-2.5 hours per day</a:t>
+            </a:r>
+          </a:p>
+          <a:p>
+            <a:r>
+              <a:rPr lang="en-CA" sz="2000" dirty="0" err="1">
                 <a:solidFill>
                   <a:srgbClr val="0070C0"/>
                 </a:solidFill>
                 <a:latin typeface="+mn-lt"/>
               </a:rPr>
-              <a:t>xyz</a:t>
-            </a:r>
-            <a:endParaRPr lang="en-CA" sz="2400" b="1" dirty="0">
-              <a:solidFill>
-                <a:srgbClr val="0070C0"/>
-              </a:solidFill>
-              <a:latin typeface="+mn-lt"/>
-            </a:endParaRPr>
+              <a:t>Whatsapp</a:t>
+            </a:r>
+            <a:r>
+              <a:rPr lang="en-CA" sz="2000" dirty="0">
+                <a:solidFill>
+                  <a:srgbClr val="0070C0"/>
+                </a:solidFill>
+                <a:latin typeface="+mn-lt"/>
+              </a:rPr>
+              <a:t>, </a:t>
+            </a:r>
+            <a:r>
+              <a:rPr lang="en-CA" sz="2000" dirty="0" err="1">
+                <a:solidFill>
+                  <a:srgbClr val="0070C0"/>
+                </a:solidFill>
+                <a:latin typeface="+mn-lt"/>
+              </a:rPr>
+              <a:t>Youtube</a:t>
+            </a:r>
+            <a:r>
+              <a:rPr lang="en-CA" sz="2000" dirty="0">
+                <a:solidFill>
+                  <a:srgbClr val="0070C0"/>
+                </a:solidFill>
+                <a:latin typeface="+mn-lt"/>
+              </a:rPr>
+              <a:t> and Instagram are the most used social media platforms</a:t>
+            </a:r>
           </a:p>
         </p:txBody>
       </p:sp>
@@ -7416,7 +7846,7 @@
         <p:spPr>
           <a:xfrm>
             <a:off x="838200" y="1711138"/>
-            <a:ext cx="10515600" cy="304801"/>
+            <a:ext cx="10515600" cy="691776"/>
           </a:xfrm>
           <a:prstGeom prst="rect">
             <a:avLst/>
@@ -7450,24 +7880,28 @@
           </a:lstStyle>
           <a:p>
             <a:r>
-              <a:rPr lang="en-US" sz="2400" b="1" dirty="0">
+              <a:rPr lang="en-US" sz="2000" dirty="0">
                 <a:solidFill>
                   <a:srgbClr val="0070C0"/>
                 </a:solidFill>
                 <a:latin typeface="+mn-lt"/>
               </a:rPr>
-              <a:t>2.1 </a:t>
-            </a:r>
-            <a:r>
-              <a:rPr lang="en-US" sz="2400" b="1" dirty="0" err="1">
+              <a:t>41% of respondents spend less than 1 hour per day on physical activities</a:t>
+            </a:r>
+          </a:p>
+          <a:p>
+            <a:r>
+              <a:rPr lang="en-US" sz="2000" dirty="0">
                 <a:solidFill>
                   <a:srgbClr val="0070C0"/>
                 </a:solidFill>
                 <a:latin typeface="+mn-lt"/>
               </a:rPr>
-              <a:t>xyz</a:t>
-            </a:r>
-            <a:endParaRPr lang="en-CA" sz="2400" b="1" dirty="0">
+              <a:t>Majority of respondents spend more time on social media vs. physical activities</a:t>
+            </a:r>
+          </a:p>
+          <a:p>
+            <a:endParaRPr lang="en-CA" sz="2000" dirty="0">
               <a:solidFill>
                 <a:srgbClr val="0070C0"/>
               </a:solidFill>
@@ -7693,29 +8127,25 @@
           </a:lstStyle>
           <a:p>
             <a:r>
-              <a:rPr lang="en-US" sz="2400" b="1" dirty="0">
+              <a:rPr lang="en-US" sz="2000" dirty="0">
                 <a:solidFill>
                   <a:srgbClr val="0070C0"/>
                 </a:solidFill>
                 <a:latin typeface="+mn-lt"/>
               </a:rPr>
-              <a:t>2.1 </a:t>
-            </a:r>
-            <a:r>
-              <a:rPr lang="en-US" sz="2400" b="1" dirty="0" err="1">
+              <a:t>Majority of respondents have not experienced the listed types of cyber crimes</a:t>
+            </a:r>
+          </a:p>
+          <a:p>
+            <a:r>
+              <a:rPr lang="en-CA" sz="2000" dirty="0">
                 <a:solidFill>
                   <a:srgbClr val="0070C0"/>
                 </a:solidFill>
                 <a:latin typeface="+mn-lt"/>
               </a:rPr>
-              <a:t>xyz</a:t>
-            </a:r>
-            <a:endParaRPr lang="en-CA" sz="2400" b="1" dirty="0">
-              <a:solidFill>
-                <a:srgbClr val="0070C0"/>
-              </a:solidFill>
-              <a:latin typeface="+mn-lt"/>
-            </a:endParaRPr>
+              <a:t>The correlation between time spent online and exposure to cyber crime is insignificant</a:t>
+            </a:r>
           </a:p>
         </p:txBody>
       </p:sp>
@@ -7779,6 +8209,58 @@
           </a:prstGeom>
         </p:spPr>
       </p:pic>
+      <p:sp>
+        <p:nvSpPr>
+          <p:cNvPr id="8" name="Rectangle 7">
+            <a:extLst>
+              <a:ext uri="{FF2B5EF4-FFF2-40B4-BE49-F238E27FC236}">
+                <a16:creationId xmlns:a16="http://schemas.microsoft.com/office/drawing/2014/main" id="{15D85F36-27FD-4919-8F28-90BEFF9419F2}"/>
+              </a:ext>
+            </a:extLst>
+          </p:cNvPr>
+          <p:cNvSpPr/>
+          <p:nvPr/>
+        </p:nvSpPr>
+        <p:spPr>
+          <a:xfrm>
+            <a:off x="6096000" y="5522259"/>
+            <a:ext cx="4231341" cy="1004047"/>
+          </a:xfrm>
+          <a:prstGeom prst="rect">
+            <a:avLst/>
+          </a:prstGeom>
+          <a:solidFill>
+            <a:schemeClr val="accent4"/>
+          </a:solidFill>
+        </p:spPr>
+        <p:style>
+          <a:lnRef idx="2">
+            <a:schemeClr val="accent1">
+              <a:shade val="50000"/>
+            </a:schemeClr>
+          </a:lnRef>
+          <a:fillRef idx="1">
+            <a:schemeClr val="accent1"/>
+          </a:fillRef>
+          <a:effectRef idx="0">
+            <a:schemeClr val="accent1"/>
+          </a:effectRef>
+          <a:fontRef idx="minor">
+            <a:schemeClr val="lt1"/>
+          </a:fontRef>
+        </p:style>
+        <p:txBody>
+          <a:bodyPr rtlCol="0" anchor="ctr"/>
+          <a:lstStyle/>
+          <a:p>
+            <a:pPr algn="ctr"/>
+            <a:r>
+              <a:rPr lang="en-US" dirty="0"/>
+              <a:t>Add p-value </a:t>
+            </a:r>
+          </a:p>
+        </p:txBody>
+      </p:sp>
     </p:spTree>
     <p:extLst>
       <p:ext uri="{BB962C8B-B14F-4D97-AF65-F5344CB8AC3E}">
@@ -7942,7 +8424,7 @@
                 </a:solidFill>
                 <a:latin typeface="+mn-lt"/>
               </a:rPr>
-              <a:t>The majority of respondents prefer face to face communication</a:t>
+              <a:t>Despite the increasing amount of time spent on social media, the majority of respondents still prefer face to face communication </a:t>
             </a:r>
             <a:endParaRPr lang="en-CA" sz="2400" b="1" dirty="0">
               <a:solidFill>
@@ -8013,6 +8495,55 @@
           </a:prstGeom>
         </p:spPr>
       </p:pic>
+      <p:sp>
+        <p:nvSpPr>
+          <p:cNvPr id="9" name="Rectangle 8">
+            <a:extLst>
+              <a:ext uri="{FF2B5EF4-FFF2-40B4-BE49-F238E27FC236}">
+                <a16:creationId xmlns:a16="http://schemas.microsoft.com/office/drawing/2014/main" id="{50071449-A720-4A7D-B25C-DEAFEE88F719}"/>
+              </a:ext>
+            </a:extLst>
+          </p:cNvPr>
+          <p:cNvSpPr/>
+          <p:nvPr/>
+        </p:nvSpPr>
+        <p:spPr>
+          <a:xfrm>
+            <a:off x="9233647" y="4392706"/>
+            <a:ext cx="1694329" cy="1766047"/>
+          </a:xfrm>
+          <a:prstGeom prst="rect">
+            <a:avLst/>
+          </a:prstGeom>
+        </p:spPr>
+        <p:style>
+          <a:lnRef idx="2">
+            <a:schemeClr val="accent1">
+              <a:shade val="50000"/>
+            </a:schemeClr>
+          </a:lnRef>
+          <a:fillRef idx="1">
+            <a:schemeClr val="accent1"/>
+          </a:fillRef>
+          <a:effectRef idx="0">
+            <a:schemeClr val="accent1"/>
+          </a:effectRef>
+          <a:fontRef idx="minor">
+            <a:schemeClr val="lt1"/>
+          </a:fontRef>
+        </p:style>
+        <p:txBody>
+          <a:bodyPr rtlCol="0" anchor="ctr"/>
+          <a:lstStyle/>
+          <a:p>
+            <a:pPr algn="ctr"/>
+            <a:r>
+              <a:rPr lang="en-US" dirty="0"/>
+              <a:t>Change to a bar chart or stacked bar chart</a:t>
+            </a:r>
+          </a:p>
+        </p:txBody>
+      </p:sp>
     </p:spTree>
     <p:extLst>
       <p:ext uri="{BB962C8B-B14F-4D97-AF65-F5344CB8AC3E}">
@@ -8778,7 +9309,12 @@
             <p:ph type="body" idx="1"/>
           </p:nvPr>
         </p:nvSpPr>
-        <p:spPr/>
+        <p:spPr>
+          <a:xfrm>
+            <a:off x="839788" y="1161209"/>
+            <a:ext cx="5157787" cy="823912"/>
+          </a:xfrm>
+        </p:spPr>
         <p:txBody>
           <a:bodyPr/>
           <a:lstStyle/>
@@ -8806,12 +9342,86 @@
             <p:ph sz="half" idx="2"/>
           </p:nvPr>
         </p:nvSpPr>
-        <p:spPr/>
+        <p:spPr>
+          <a:xfrm>
+            <a:off x="839788" y="1985121"/>
+            <a:ext cx="5157787" cy="3684588"/>
+          </a:xfrm>
+        </p:spPr>
         <p:txBody>
           <a:bodyPr>
             <a:normAutofit/>
           </a:bodyPr>
           <a:lstStyle/>
+          <a:p>
+            <a:r>
+              <a:rPr lang="en-US" sz="2000" b="1" dirty="0"/>
+              <a:t>How does social media impact our lives?</a:t>
+            </a:r>
+          </a:p>
+          <a:p>
+            <a:pPr lvl="1">
+              <a:buFont typeface="Courier New" panose="02070309020205020404" pitchFamily="49" charset="0"/>
+              <a:buChar char="o"/>
+            </a:pPr>
+            <a:r>
+              <a:rPr lang="en-US" sz="1800" dirty="0"/>
+              <a:t>Which social media platform/s do you like the most or use the most?</a:t>
+            </a:r>
+          </a:p>
+          <a:p>
+            <a:pPr lvl="1">
+              <a:buFont typeface="Courier New" panose="02070309020205020404" pitchFamily="49" charset="0"/>
+              <a:buChar char="o"/>
+            </a:pPr>
+            <a:endParaRPr lang="en-US" sz="1800" dirty="0"/>
+          </a:p>
+          <a:p>
+            <a:pPr lvl="1">
+              <a:buFont typeface="Courier New" panose="02070309020205020404" pitchFamily="49" charset="0"/>
+              <a:buChar char="o"/>
+            </a:pPr>
+            <a:r>
+              <a:rPr lang="en-US" sz="1800" dirty="0"/>
+              <a:t>How much time is spent on social media vs physical activities?</a:t>
+            </a:r>
+          </a:p>
+          <a:p>
+            <a:pPr lvl="1">
+              <a:buFont typeface="Courier New" panose="02070309020205020404" pitchFamily="49" charset="0"/>
+              <a:buChar char="o"/>
+            </a:pPr>
+            <a:endParaRPr lang="en-US" sz="1800" dirty="0"/>
+          </a:p>
+          <a:p>
+            <a:pPr lvl="1">
+              <a:buFont typeface="Courier New" panose="02070309020205020404" pitchFamily="49" charset="0"/>
+              <a:buChar char="o"/>
+            </a:pPr>
+            <a:r>
+              <a:rPr lang="en-US" sz="1800" dirty="0"/>
+              <a:t>Have you ever been a victim of cyber crime?</a:t>
+            </a:r>
+          </a:p>
+          <a:p>
+            <a:pPr marL="457200" lvl="1" indent="0">
+              <a:buNone/>
+            </a:pPr>
+            <a:endParaRPr lang="en-US" sz="1800" dirty="0"/>
+          </a:p>
+          <a:p>
+            <a:pPr lvl="1">
+              <a:buFont typeface="Courier New" panose="02070309020205020404" pitchFamily="49" charset="0"/>
+              <a:buChar char="o"/>
+            </a:pPr>
+            <a:r>
+              <a:rPr lang="en-US" sz="1800" dirty="0"/>
+              <a:t>What type of communication is preferred?</a:t>
+            </a:r>
+          </a:p>
+          <a:p>
+            <a:endParaRPr lang="en-US" sz="2000" dirty="0"/>
+          </a:p>
           <a:p>
             <a:endParaRPr lang="en-US" sz="2000" dirty="0"/>
           </a:p>
@@ -8833,7 +9443,12 @@
             <p:ph type="body" sz="quarter" idx="3"/>
           </p:nvPr>
         </p:nvSpPr>
-        <p:spPr/>
+        <p:spPr>
+          <a:xfrm>
+            <a:off x="6172200" y="1089490"/>
+            <a:ext cx="5183188" cy="823912"/>
+          </a:xfrm>
+        </p:spPr>
         <p:txBody>
           <a:bodyPr/>
           <a:lstStyle/>
@@ -8861,7 +9476,12 @@
             <p:ph sz="quarter" idx="4"/>
           </p:nvPr>
         </p:nvSpPr>
-        <p:spPr/>
+        <p:spPr>
+          <a:xfrm>
+            <a:off x="6172200" y="1913402"/>
+            <a:ext cx="5183188" cy="3684588"/>
+          </a:xfrm>
+        </p:spPr>
         <p:txBody>
           <a:bodyPr>
             <a:normAutofit/>
@@ -8891,6 +9511,18 @@
             <a:r>
               <a:rPr lang="en-US" sz="2000" dirty="0"/>
               <a:t>The study did not identify the geographical location of respondents </a:t>
+            </a:r>
+          </a:p>
+          <a:p>
+            <a:r>
+              <a:rPr lang="en-US" sz="2000" dirty="0"/>
+              <a:t>The study did not include significant responses from other age groups</a:t>
+            </a:r>
+          </a:p>
+          <a:p>
+            <a:r>
+              <a:rPr lang="en-US" sz="2000" dirty="0"/>
+              <a:t>Physical activity was vaguely defined in the survey</a:t>
             </a:r>
           </a:p>
           <a:p>
@@ -8924,6 +9556,55 @@
               <a:t>18</a:t>
             </a:fld>
             <a:endParaRPr lang="en-CA"/>
+          </a:p>
+        </p:txBody>
+      </p:sp>
+      <p:sp>
+        <p:nvSpPr>
+          <p:cNvPr id="8" name="Rectangle: Rounded Corners 7">
+            <a:extLst>
+              <a:ext uri="{FF2B5EF4-FFF2-40B4-BE49-F238E27FC236}">
+                <a16:creationId xmlns:a16="http://schemas.microsoft.com/office/drawing/2014/main" id="{5EB190E9-C22F-429A-9781-3B2CEB93C023}"/>
+              </a:ext>
+            </a:extLst>
+          </p:cNvPr>
+          <p:cNvSpPr/>
+          <p:nvPr/>
+        </p:nvSpPr>
+        <p:spPr>
+          <a:xfrm>
+            <a:off x="836612" y="5395912"/>
+            <a:ext cx="10515600" cy="1325563"/>
+          </a:xfrm>
+          <a:prstGeom prst="roundRect">
+            <a:avLst/>
+          </a:prstGeom>
+        </p:spPr>
+        <p:style>
+          <a:lnRef idx="2">
+            <a:schemeClr val="accent1">
+              <a:shade val="50000"/>
+            </a:schemeClr>
+          </a:lnRef>
+          <a:fillRef idx="1">
+            <a:schemeClr val="accent1"/>
+          </a:fillRef>
+          <a:effectRef idx="0">
+            <a:schemeClr val="accent1"/>
+          </a:effectRef>
+          <a:fontRef idx="minor">
+            <a:schemeClr val="lt1"/>
+          </a:fontRef>
+        </p:style>
+        <p:txBody>
+          <a:bodyPr rtlCol="0" anchor="ctr"/>
+          <a:lstStyle/>
+          <a:p>
+            <a:pPr algn="ctr"/>
+            <a:r>
+              <a:rPr lang="en-US" sz="2000" dirty="0"/>
+              <a:t>Based on the dataset, people are using social media as an additional form of communication however it is not replacing the importance of face to face interaction.</a:t>
+            </a:r>
           </a:p>
         </p:txBody>
       </p:sp>
@@ -10615,7 +11296,7 @@
                 </a:solidFill>
                 <a:latin typeface="+mn-lt"/>
               </a:rPr>
-              <a:t>Main question: How dangerous is social media?</a:t>
+              <a:t>Motivation &amp; Summary </a:t>
             </a:r>
             <a:endParaRPr lang="en-CA" sz="4000" b="1" dirty="0">
               <a:solidFill>
@@ -10649,7 +11330,9 @@
           </a:xfrm>
         </p:spPr>
         <p:txBody>
-          <a:bodyPr/>
+          <a:bodyPr>
+            <a:normAutofit/>
+          </a:bodyPr>
           <a:lstStyle/>
           <a:p>
             <a:r>
@@ -10658,6 +11341,16 @@
             </a:r>
           </a:p>
           <a:p>
+            <a:pPr lvl="1">
+              <a:buFont typeface="Courier New" panose="02070309020205020404" pitchFamily="49" charset="0"/>
+              <a:buChar char="o"/>
+            </a:pPr>
+            <a:r>
+              <a:rPr lang="en-US" sz="2000" dirty="0"/>
+              <a:t>How does social media impact our lives?</a:t>
+            </a:r>
+          </a:p>
+          <a:p>
             <a:endParaRPr lang="en-US" dirty="0"/>
           </a:p>
           <a:p>
@@ -10670,6 +11363,34 @@
             </a:r>
           </a:p>
           <a:p>
+            <a:pPr lvl="1">
+              <a:buFont typeface="Courier New" panose="02070309020205020404" pitchFamily="49" charset="0"/>
+              <a:buChar char="o"/>
+            </a:pPr>
+            <a:r>
+              <a:rPr lang="en-US" sz="2000" dirty="0"/>
+              <a:t> Social media is becoming increasingly important in our everyday lives</a:t>
+            </a:r>
+          </a:p>
+          <a:p>
+            <a:pPr lvl="1">
+              <a:buFont typeface="Courier New" panose="02070309020205020404" pitchFamily="49" charset="0"/>
+              <a:buChar char="o"/>
+            </a:pPr>
+            <a:r>
+              <a:rPr lang="en-US" sz="2000" dirty="0"/>
+              <a:t>The number of users across all social media platforms is growing</a:t>
+            </a:r>
+          </a:p>
+          <a:p>
+            <a:pPr lvl="1">
+              <a:buFont typeface="Courier New" panose="02070309020205020404" pitchFamily="49" charset="0"/>
+              <a:buChar char="o"/>
+            </a:pPr>
+            <a:r>
+              <a:rPr lang="en-US" sz="2000" dirty="0"/>
+              <a:t>We wanted to understand how much does it actually affect society</a:t>
+            </a:r>
             <a:endParaRPr lang="en-US" dirty="0"/>
           </a:p>
           <a:p>
@@ -10700,7 +11421,9 @@
           </a:xfrm>
         </p:spPr>
         <p:txBody>
-          <a:bodyPr/>
+          <a:bodyPr>
+            <a:normAutofit/>
+          </a:bodyPr>
           <a:lstStyle/>
           <a:p>
             <a:r>
@@ -10709,19 +11432,80 @@
             </a:r>
           </a:p>
           <a:p>
-            <a:endParaRPr lang="en-US" dirty="0"/>
-          </a:p>
-          <a:p>
-            <a:pPr marL="0" indent="0">
-              <a:buNone/>
+            <a:pPr lvl="1">
+              <a:buFont typeface="Courier New" panose="02070309020205020404" pitchFamily="49" charset="0"/>
+              <a:buChar char="o"/>
             </a:pPr>
-            <a:endParaRPr lang="en-US" dirty="0"/>
+            <a:r>
+              <a:rPr lang="en-US" sz="1600" dirty="0"/>
+              <a:t>Which social media platform/s do you like the most or use the most?</a:t>
+            </a:r>
+          </a:p>
+          <a:p>
+            <a:pPr lvl="1">
+              <a:buFont typeface="Courier New" panose="02070309020205020404" pitchFamily="49" charset="0"/>
+              <a:buChar char="o"/>
+            </a:pPr>
+            <a:r>
+              <a:rPr lang="en-US" sz="1600" dirty="0"/>
+              <a:t>How much time is spent on social media vs physical activities?</a:t>
+            </a:r>
+          </a:p>
+          <a:p>
+            <a:pPr lvl="1">
+              <a:buFont typeface="Courier New" panose="02070309020205020404" pitchFamily="49" charset="0"/>
+              <a:buChar char="o"/>
+            </a:pPr>
+            <a:r>
+              <a:rPr lang="en-US" sz="1600" dirty="0"/>
+              <a:t>Have you ever been a victim of cyber crime?</a:t>
+            </a:r>
+          </a:p>
+          <a:p>
+            <a:pPr lvl="1">
+              <a:buFont typeface="Courier New" panose="02070309020205020404" pitchFamily="49" charset="0"/>
+              <a:buChar char="o"/>
+            </a:pPr>
+            <a:r>
+              <a:rPr lang="en-US" sz="1600" dirty="0"/>
+              <a:t>What type of communication is preferred?</a:t>
+            </a:r>
           </a:p>
           <a:p>
             <a:r>
               <a:rPr lang="en-US" dirty="0"/>
               <a:t>Sources of information:</a:t>
             </a:r>
+          </a:p>
+          <a:p>
+            <a:pPr lvl="1">
+              <a:buFont typeface="Courier New" panose="02070309020205020404" pitchFamily="49" charset="0"/>
+              <a:buChar char="o"/>
+            </a:pPr>
+            <a:r>
+              <a:rPr lang="en-US" sz="1600" dirty="0"/>
+              <a:t>Data World Survey</a:t>
+            </a:r>
+          </a:p>
+          <a:p>
+            <a:pPr lvl="1">
+              <a:buFont typeface="Courier New" panose="02070309020205020404" pitchFamily="49" charset="0"/>
+              <a:buChar char="o"/>
+            </a:pPr>
+            <a:r>
+              <a:rPr lang="en-US" sz="1600" dirty="0">
+                <a:hlinkClick r:id="rId2"/>
+              </a:rPr>
+              <a:t>https://data.world/maheepmahat/data-of-usage-of-social-media-by-students-between-age-17-22</a:t>
+            </a:r>
+            <a:endParaRPr lang="en-US" sz="1600" dirty="0"/>
+          </a:p>
+          <a:p>
+            <a:pPr lvl="1">
+              <a:buFont typeface="Courier New" panose="02070309020205020404" pitchFamily="49" charset="0"/>
+              <a:buChar char="o"/>
+            </a:pPr>
+            <a:endParaRPr lang="en-US" sz="1600" dirty="0"/>
           </a:p>
         </p:txBody>
       </p:sp>

--- a/002 - Deliverables/Social_Media_v0.01.pptx
+++ b/002 - Deliverables/Social_Media_v0.01.pptx
@@ -5,7 +5,7 @@
     <p:sldMasterId id="2147483648" r:id="rId1"/>
   </p:sldMasterIdLst>
   <p:notesMasterIdLst>
-    <p:notesMasterId r:id="rId21"/>
+    <p:notesMasterId r:id="rId20"/>
   </p:notesMasterIdLst>
   <p:sldIdLst>
     <p:sldId id="264" r:id="rId2"/>
@@ -13,20 +13,19 @@
     <p:sldId id="286" r:id="rId4"/>
     <p:sldId id="271" r:id="rId5"/>
     <p:sldId id="294" r:id="rId6"/>
-    <p:sldId id="273" r:id="rId7"/>
-    <p:sldId id="288" r:id="rId8"/>
-    <p:sldId id="304" r:id="rId9"/>
-    <p:sldId id="307" r:id="rId10"/>
-    <p:sldId id="295" r:id="rId11"/>
-    <p:sldId id="305" r:id="rId12"/>
-    <p:sldId id="296" r:id="rId13"/>
-    <p:sldId id="306" r:id="rId14"/>
-    <p:sldId id="310" r:id="rId15"/>
-    <p:sldId id="309" r:id="rId16"/>
-    <p:sldId id="308" r:id="rId17"/>
-    <p:sldId id="265" r:id="rId18"/>
-    <p:sldId id="303" r:id="rId19"/>
-    <p:sldId id="290" r:id="rId20"/>
+    <p:sldId id="288" r:id="rId7"/>
+    <p:sldId id="304" r:id="rId8"/>
+    <p:sldId id="307" r:id="rId9"/>
+    <p:sldId id="295" r:id="rId10"/>
+    <p:sldId id="305" r:id="rId11"/>
+    <p:sldId id="296" r:id="rId12"/>
+    <p:sldId id="306" r:id="rId13"/>
+    <p:sldId id="310" r:id="rId14"/>
+    <p:sldId id="309" r:id="rId15"/>
+    <p:sldId id="308" r:id="rId16"/>
+    <p:sldId id="265" r:id="rId17"/>
+    <p:sldId id="303" r:id="rId18"/>
+    <p:sldId id="290" r:id="rId19"/>
   </p:sldIdLst>
   <p:sldSz cx="12192000" cy="6858000"/>
   <p:notesSz cx="6858000" cy="9144000"/>
@@ -215,7 +214,7 @@
           <a:p>
             <a:fld id="{B72D89D6-1A82-47AE-A578-1D1A039685D3}" type="datetimeFigureOut">
               <a:rPr lang="en-CA" smtClean="0"/>
-              <a:t>2020-03-17</a:t>
+              <a:t>2020-03-18</a:t>
             </a:fld>
             <a:endParaRPr lang="en-CA"/>
           </a:p>
@@ -632,7 +631,7 @@
           <a:p>
             <a:fld id="{D3EA804D-2281-49B7-9479-79291B2ABE7D}" type="datetime1">
               <a:rPr lang="en-CA" smtClean="0"/>
-              <a:t>2020-03-17</a:t>
+              <a:t>2020-03-18</a:t>
             </a:fld>
             <a:endParaRPr lang="en-CA"/>
           </a:p>
@@ -832,7 +831,7 @@
           <a:p>
             <a:fld id="{A44BEBE3-46E2-4B16-83EA-EF244089F705}" type="datetime1">
               <a:rPr lang="en-CA" smtClean="0"/>
-              <a:t>2020-03-17</a:t>
+              <a:t>2020-03-18</a:t>
             </a:fld>
             <a:endParaRPr lang="en-CA"/>
           </a:p>
@@ -1042,7 +1041,7 @@
           <a:p>
             <a:fld id="{6D86A2CB-AF4C-46F3-8849-027EC5C34E44}" type="datetime1">
               <a:rPr lang="en-CA" smtClean="0"/>
-              <a:t>2020-03-17</a:t>
+              <a:t>2020-03-18</a:t>
             </a:fld>
             <a:endParaRPr lang="en-CA"/>
           </a:p>
@@ -1242,7 +1241,7 @@
           <a:p>
             <a:fld id="{EFCF45C6-0C92-4362-9CCD-3B35D08D8278}" type="datetime1">
               <a:rPr lang="en-CA" smtClean="0"/>
-              <a:t>2020-03-17</a:t>
+              <a:t>2020-03-18</a:t>
             </a:fld>
             <a:endParaRPr lang="en-CA"/>
           </a:p>
@@ -1518,7 +1517,7 @@
           <a:p>
             <a:fld id="{3C266647-B0FC-40A7-878A-D3075E09A60D}" type="datetime1">
               <a:rPr lang="en-CA" smtClean="0"/>
-              <a:t>2020-03-17</a:t>
+              <a:t>2020-03-18</a:t>
             </a:fld>
             <a:endParaRPr lang="en-CA"/>
           </a:p>
@@ -1786,7 +1785,7 @@
           <a:p>
             <a:fld id="{C6B3F6F5-2D9F-4C4F-B94C-19209C993E1B}" type="datetime1">
               <a:rPr lang="en-CA" smtClean="0"/>
-              <a:t>2020-03-17</a:t>
+              <a:t>2020-03-18</a:t>
             </a:fld>
             <a:endParaRPr lang="en-CA"/>
           </a:p>
@@ -2201,7 +2200,7 @@
           <a:p>
             <a:fld id="{F0EA00FA-3A7F-4A4A-AA2B-E3236E85837B}" type="datetime1">
               <a:rPr lang="en-CA" smtClean="0"/>
-              <a:t>2020-03-17</a:t>
+              <a:t>2020-03-18</a:t>
             </a:fld>
             <a:endParaRPr lang="en-CA"/>
           </a:p>
@@ -2343,7 +2342,7 @@
           <a:p>
             <a:fld id="{3BF0CE1A-9461-409D-A2B4-CBBFE4D19036}" type="datetime1">
               <a:rPr lang="en-CA" smtClean="0"/>
-              <a:t>2020-03-17</a:t>
+              <a:t>2020-03-18</a:t>
             </a:fld>
             <a:endParaRPr lang="en-CA"/>
           </a:p>
@@ -2456,7 +2455,7 @@
           <a:p>
             <a:fld id="{7D7E69F0-839D-4D14-8248-B37405F6506A}" type="datetime1">
               <a:rPr lang="en-CA" smtClean="0"/>
-              <a:t>2020-03-17</a:t>
+              <a:t>2020-03-18</a:t>
             </a:fld>
             <a:endParaRPr lang="en-CA"/>
           </a:p>
@@ -2769,7 +2768,7 @@
           <a:p>
             <a:fld id="{9076E1AD-6E80-40AA-836C-783706E2FB77}" type="datetime1">
               <a:rPr lang="en-CA" smtClean="0"/>
-              <a:t>2020-03-17</a:t>
+              <a:t>2020-03-18</a:t>
             </a:fld>
             <a:endParaRPr lang="en-CA"/>
           </a:p>
@@ -3058,7 +3057,7 @@
           <a:p>
             <a:fld id="{79A5A19C-7551-44DF-9F73-2C7240120CF0}" type="datetime1">
               <a:rPr lang="en-CA" smtClean="0"/>
-              <a:t>2020-03-17</a:t>
+              <a:t>2020-03-18</a:t>
             </a:fld>
             <a:endParaRPr lang="en-CA"/>
           </a:p>
@@ -3301,7 +3300,7 @@
           <a:p>
             <a:fld id="{8AA54C8C-1A85-4367-9836-6487B2863912}" type="datetime1">
               <a:rPr lang="en-CA" smtClean="0"/>
-              <a:t>2020-03-17</a:t>
+              <a:t>2020-03-18</a:t>
             </a:fld>
             <a:endParaRPr lang="en-CA"/>
           </a:p>
@@ -5505,671 +5504,6 @@
 <file path=ppt/slides/slide10.xml><?xml version="1.0" encoding="utf-8"?>
 <p:sld xmlns:a="http://schemas.openxmlformats.org/drawingml/2006/main" xmlns:r="http://schemas.openxmlformats.org/officeDocument/2006/relationships" xmlns:p="http://schemas.openxmlformats.org/presentationml/2006/main">
   <p:cSld>
-    <p:bg>
-      <p:bgPr>
-        <a:solidFill>
-          <a:schemeClr val="bg1"/>
-        </a:solidFill>
-        <a:effectLst/>
-      </p:bgPr>
-    </p:bg>
-    <p:spTree>
-      <p:nvGrpSpPr>
-        <p:cNvPr id="1" name=""/>
-        <p:cNvGrpSpPr/>
-        <p:nvPr/>
-      </p:nvGrpSpPr>
-      <p:grpSpPr>
-        <a:xfrm>
-          <a:off x="0" y="0"/>
-          <a:ext cx="0" cy="0"/>
-          <a:chOff x="0" y="0"/>
-          <a:chExt cx="0" cy="0"/>
-        </a:xfrm>
-      </p:grpSpPr>
-      <p:sp useBgFill="1">
-        <p:nvSpPr>
-          <p:cNvPr id="42" name="Rectangle 41">
-            <a:extLst>
-              <a:ext uri="{FF2B5EF4-FFF2-40B4-BE49-F238E27FC236}">
-                <a16:creationId xmlns:a16="http://schemas.microsoft.com/office/drawing/2014/main" id="{BF538DE5-A30F-4117-9482-6CCAD2A82196}"/>
-              </a:ext>
-              <a:ext uri="{C183D7F6-B498-43B3-948B-1728B52AA6E4}">
-                <adec:decorative xmlns:adec="http://schemas.microsoft.com/office/drawing/2017/decorative" val="1"/>
-              </a:ext>
-            </a:extLst>
-          </p:cNvPr>
-          <p:cNvSpPr>
-            <a:spLocks noGrp="1" noRot="1" noChangeAspect="1" noMove="1" noResize="1" noEditPoints="1" noAdjustHandles="1" noChangeArrowheads="1" noChangeShapeType="1" noTextEdit="1"/>
-          </p:cNvSpPr>
-          <p:nvPr>
-            <p:extLst>
-              <p:ext uri="{386F3935-93C4-4BCD-93E2-E3B085C9AB24}">
-                <p16:designElem xmlns:p16="http://schemas.microsoft.com/office/powerpoint/2015/main" val="1"/>
-              </p:ext>
-            </p:extLst>
-          </p:nvPr>
-        </p:nvSpPr>
-        <p:spPr>
-          <a:xfrm>
-            <a:off x="0" y="0"/>
-            <a:ext cx="12192000" cy="6858000"/>
-          </a:xfrm>
-          <a:prstGeom prst="rect">
-            <a:avLst/>
-          </a:prstGeom>
-          <a:ln>
-            <a:noFill/>
-          </a:ln>
-        </p:spPr>
-        <p:style>
-          <a:lnRef idx="2">
-            <a:schemeClr val="accent1">
-              <a:shade val="50000"/>
-            </a:schemeClr>
-          </a:lnRef>
-          <a:fillRef idx="1">
-            <a:schemeClr val="accent1"/>
-          </a:fillRef>
-          <a:effectRef idx="0">
-            <a:schemeClr val="accent1"/>
-          </a:effectRef>
-          <a:fontRef idx="minor">
-            <a:schemeClr val="lt1"/>
-          </a:fontRef>
-        </p:style>
-        <p:txBody>
-          <a:bodyPr rtlCol="0" anchor="ctr"/>
-          <a:lstStyle/>
-          <a:p>
-            <a:pPr algn="ctr"/>
-            <a:endParaRPr lang="en-US"/>
-          </a:p>
-        </p:txBody>
-      </p:sp>
-      <p:sp>
-        <p:nvSpPr>
-          <p:cNvPr id="48" name="Freeform: Shape 43">
-            <a:extLst>
-              <a:ext uri="{FF2B5EF4-FFF2-40B4-BE49-F238E27FC236}">
-                <a16:creationId xmlns:a16="http://schemas.microsoft.com/office/drawing/2014/main" id="{DB01F01A-0922-4194-8449-21D15139A756}"/>
-              </a:ext>
-              <a:ext uri="{C183D7F6-B498-43B3-948B-1728B52AA6E4}">
-                <adec:decorative xmlns:adec="http://schemas.microsoft.com/office/drawing/2017/decorative" val="1"/>
-              </a:ext>
-            </a:extLst>
-          </p:cNvPr>
-          <p:cNvSpPr>
-            <a:spLocks noGrp="1" noRot="1" noChangeAspect="1" noMove="1" noResize="1" noEditPoints="1" noAdjustHandles="1" noChangeArrowheads="1" noChangeShapeType="1" noTextEdit="1"/>
-          </p:cNvSpPr>
-          <p:nvPr>
-            <p:extLst>
-              <p:ext uri="{386F3935-93C4-4BCD-93E2-E3B085C9AB24}">
-                <p16:designElem xmlns:p16="http://schemas.microsoft.com/office/powerpoint/2015/main" val="1"/>
-              </p:ext>
-            </p:extLst>
-          </p:nvPr>
-        </p:nvSpPr>
-        <p:spPr>
-          <a:xfrm>
-            <a:off x="6715360" y="834629"/>
-            <a:ext cx="4979816" cy="4361685"/>
-          </a:xfrm>
-          <a:custGeom>
-            <a:avLst/>
-            <a:gdLst>
-              <a:gd name="connsiteX0" fmla="*/ 853538 w 2991693"/>
-              <a:gd name="connsiteY0" fmla="*/ 0 h 2651787"/>
-              <a:gd name="connsiteX1" fmla="*/ 2141030 w 2991693"/>
-              <a:gd name="connsiteY1" fmla="*/ 0 h 2651787"/>
-              <a:gd name="connsiteX2" fmla="*/ 2324957 w 2991693"/>
-              <a:gd name="connsiteY2" fmla="*/ 103466 h 2651787"/>
-              <a:gd name="connsiteX3" fmla="*/ 2968702 w 2991693"/>
-              <a:gd name="connsiteY3" fmla="*/ 1218596 h 2651787"/>
-              <a:gd name="connsiteX4" fmla="*/ 2968702 w 2991693"/>
-              <a:gd name="connsiteY4" fmla="*/ 1433192 h 2651787"/>
-              <a:gd name="connsiteX5" fmla="*/ 2324957 w 2991693"/>
-              <a:gd name="connsiteY5" fmla="*/ 2548321 h 2651787"/>
-              <a:gd name="connsiteX6" fmla="*/ 2141030 w 2991693"/>
-              <a:gd name="connsiteY6" fmla="*/ 2651787 h 2651787"/>
-              <a:gd name="connsiteX7" fmla="*/ 853538 w 2991693"/>
-              <a:gd name="connsiteY7" fmla="*/ 2651787 h 2651787"/>
-              <a:gd name="connsiteX8" fmla="*/ 669612 w 2991693"/>
-              <a:gd name="connsiteY8" fmla="*/ 2548321 h 2651787"/>
-              <a:gd name="connsiteX9" fmla="*/ 25866 w 2991693"/>
-              <a:gd name="connsiteY9" fmla="*/ 1433192 h 2651787"/>
-              <a:gd name="connsiteX10" fmla="*/ 25866 w 2991693"/>
-              <a:gd name="connsiteY10" fmla="*/ 1218596 h 2651787"/>
-              <a:gd name="connsiteX11" fmla="*/ 669612 w 2991693"/>
-              <a:gd name="connsiteY11" fmla="*/ 103466 h 2651787"/>
-              <a:gd name="connsiteX12" fmla="*/ 853538 w 2991693"/>
-              <a:gd name="connsiteY12" fmla="*/ 0 h 2651787"/>
-            </a:gdLst>
-            <a:ahLst/>
-            <a:cxnLst>
-              <a:cxn ang="0">
-                <a:pos x="connsiteX0" y="connsiteY0"/>
-              </a:cxn>
-              <a:cxn ang="0">
-                <a:pos x="connsiteX1" y="connsiteY1"/>
-              </a:cxn>
-              <a:cxn ang="0">
-                <a:pos x="connsiteX2" y="connsiteY2"/>
-              </a:cxn>
-              <a:cxn ang="0">
-                <a:pos x="connsiteX3" y="connsiteY3"/>
-              </a:cxn>
-              <a:cxn ang="0">
-                <a:pos x="connsiteX4" y="connsiteY4"/>
-              </a:cxn>
-              <a:cxn ang="0">
-                <a:pos x="connsiteX5" y="connsiteY5"/>
-              </a:cxn>
-              <a:cxn ang="0">
-                <a:pos x="connsiteX6" y="connsiteY6"/>
-              </a:cxn>
-              <a:cxn ang="0">
-                <a:pos x="connsiteX7" y="connsiteY7"/>
-              </a:cxn>
-              <a:cxn ang="0">
-                <a:pos x="connsiteX8" y="connsiteY8"/>
-              </a:cxn>
-              <a:cxn ang="0">
-                <a:pos x="connsiteX9" y="connsiteY9"/>
-              </a:cxn>
-              <a:cxn ang="0">
-                <a:pos x="connsiteX10" y="connsiteY10"/>
-              </a:cxn>
-              <a:cxn ang="0">
-                <a:pos x="connsiteX11" y="connsiteY11"/>
-              </a:cxn>
-              <a:cxn ang="0">
-                <a:pos x="connsiteX12" y="connsiteY12"/>
-              </a:cxn>
-            </a:cxnLst>
-            <a:rect l="l" t="t" r="r" b="b"/>
-            <a:pathLst>
-              <a:path w="2991693" h="2651787">
-                <a:moveTo>
-                  <a:pt x="853538" y="0"/>
-                </a:moveTo>
-                <a:cubicBezTo>
-                  <a:pt x="2141030" y="0"/>
-                  <a:pt x="2141030" y="0"/>
-                  <a:pt x="2141030" y="0"/>
-                </a:cubicBezTo>
-                <a:cubicBezTo>
-                  <a:pt x="2206170" y="0"/>
-                  <a:pt x="2290471" y="45985"/>
-                  <a:pt x="2324957" y="103466"/>
-                </a:cubicBezTo>
-                <a:cubicBezTo>
-                  <a:pt x="2968702" y="1218596"/>
-                  <a:pt x="2968702" y="1218596"/>
-                  <a:pt x="2968702" y="1218596"/>
-                </a:cubicBezTo>
-                <a:cubicBezTo>
-                  <a:pt x="2999357" y="1279909"/>
-                  <a:pt x="2999357" y="1371878"/>
-                  <a:pt x="2968702" y="1433192"/>
-                </a:cubicBezTo>
-                <a:cubicBezTo>
-                  <a:pt x="2324957" y="2548321"/>
-                  <a:pt x="2324957" y="2548321"/>
-                  <a:pt x="2324957" y="2548321"/>
-                </a:cubicBezTo>
-                <a:cubicBezTo>
-                  <a:pt x="2290471" y="2605803"/>
-                  <a:pt x="2206170" y="2651787"/>
-                  <a:pt x="2141030" y="2651787"/>
-                </a:cubicBezTo>
-                <a:lnTo>
-                  <a:pt x="853538" y="2651787"/>
-                </a:lnTo>
-                <a:cubicBezTo>
-                  <a:pt x="784566" y="2651787"/>
-                  <a:pt x="700266" y="2605803"/>
-                  <a:pt x="669612" y="2548321"/>
-                </a:cubicBezTo>
-                <a:cubicBezTo>
-                  <a:pt x="25866" y="1433192"/>
-                  <a:pt x="25866" y="1433192"/>
-                  <a:pt x="25866" y="1433192"/>
-                </a:cubicBezTo>
-                <a:cubicBezTo>
-                  <a:pt x="-8621" y="1371878"/>
-                  <a:pt x="-8621" y="1279909"/>
-                  <a:pt x="25866" y="1218596"/>
-                </a:cubicBezTo>
-                <a:cubicBezTo>
-                  <a:pt x="669612" y="103466"/>
-                  <a:pt x="669612" y="103466"/>
-                  <a:pt x="669612" y="103466"/>
-                </a:cubicBezTo>
-                <a:cubicBezTo>
-                  <a:pt x="700266" y="45985"/>
-                  <a:pt x="784566" y="0"/>
-                  <a:pt x="853538" y="0"/>
-                </a:cubicBezTo>
-                <a:close/>
-              </a:path>
-            </a:pathLst>
-          </a:custGeom>
-          <a:solidFill>
-            <a:schemeClr val="tx1"/>
-          </a:solidFill>
-          <a:ln w="50800">
-            <a:noFill/>
-          </a:ln>
-        </p:spPr>
-        <p:style>
-          <a:lnRef idx="2">
-            <a:schemeClr val="accent1">
-              <a:shade val="50000"/>
-            </a:schemeClr>
-          </a:lnRef>
-          <a:fillRef idx="1">
-            <a:schemeClr val="accent1"/>
-          </a:fillRef>
-          <a:effectRef idx="0">
-            <a:schemeClr val="accent1"/>
-          </a:effectRef>
-          <a:fontRef idx="minor">
-            <a:schemeClr val="lt1"/>
-          </a:fontRef>
-        </p:style>
-        <p:txBody>
-          <a:bodyPr wrap="square" rtlCol="0" anchor="ctr">
-            <a:noAutofit/>
-          </a:bodyPr>
-          <a:lstStyle/>
-          <a:p>
-            <a:pPr algn="ctr"/>
-            <a:endParaRPr lang="en-US"/>
-          </a:p>
-        </p:txBody>
-      </p:sp>
-      <p:sp>
-        <p:nvSpPr>
-          <p:cNvPr id="5" name="Title 4">
-            <a:extLst>
-              <a:ext uri="{FF2B5EF4-FFF2-40B4-BE49-F238E27FC236}">
-                <a16:creationId xmlns:a16="http://schemas.microsoft.com/office/drawing/2014/main" id="{06F23DEA-8166-4AD5-A142-8BFC440401B0}"/>
-              </a:ext>
-            </a:extLst>
-          </p:cNvPr>
-          <p:cNvSpPr>
-            <a:spLocks noGrp="1"/>
-          </p:cNvSpPr>
-          <p:nvPr>
-            <p:ph type="title"/>
-          </p:nvPr>
-        </p:nvSpPr>
-        <p:spPr>
-          <a:xfrm>
-            <a:off x="7250164" y="1789042"/>
-            <a:ext cx="3859398" cy="1795714"/>
-          </a:xfrm>
-        </p:spPr>
-        <p:txBody>
-          <a:bodyPr vert="horz" lIns="91440" tIns="45720" rIns="91440" bIns="45720" rtlCol="0" anchor="b">
-            <a:normAutofit/>
-          </a:bodyPr>
-          <a:lstStyle/>
-          <a:p>
-            <a:pPr algn="ctr"/>
-            <a:r>
-              <a:rPr lang="en-US" sz="4100" b="1" dirty="0">
-                <a:solidFill>
-                  <a:schemeClr val="bg1"/>
-                </a:solidFill>
-              </a:rPr>
-              <a:t>Data Analysis</a:t>
-            </a:r>
-            <a:endParaRPr lang="en-US" sz="4100" b="1" kern="1200" dirty="0">
-              <a:solidFill>
-                <a:schemeClr val="bg1"/>
-              </a:solidFill>
-              <a:latin typeface="+mj-lt"/>
-              <a:ea typeface="+mj-ea"/>
-              <a:cs typeface="+mj-cs"/>
-            </a:endParaRPr>
-          </a:p>
-        </p:txBody>
-      </p:sp>
-      <p:pic>
-        <p:nvPicPr>
-          <p:cNvPr id="3" name="Picture 2" descr="A picture containing toy, room, drawing&#10;&#10;Description automatically generated">
-            <a:extLst>
-              <a:ext uri="{FF2B5EF4-FFF2-40B4-BE49-F238E27FC236}">
-                <a16:creationId xmlns:a16="http://schemas.microsoft.com/office/drawing/2014/main" id="{6F00CF11-2E1D-46FA-8A50-F75DBD337EB7}"/>
-              </a:ext>
-            </a:extLst>
-          </p:cNvPr>
-          <p:cNvPicPr>
-            <a:picLocks noChangeAspect="1"/>
-          </p:cNvPicPr>
-          <p:nvPr/>
-        </p:nvPicPr>
-        <p:blipFill rotWithShape="1">
-          <a:blip r:embed="rId2">
-            <a:extLst>
-              <a:ext uri="{28A0092B-C50C-407E-A947-70E740481C1C}">
-                <a14:useLocalDpi xmlns:a14="http://schemas.microsoft.com/office/drawing/2010/main" val="0"/>
-              </a:ext>
-            </a:extLst>
-          </a:blip>
-          <a:srcRect l="7581" r="16499" b="5"/>
-          <a:stretch/>
-        </p:blipFill>
-        <p:spPr>
-          <a:xfrm>
-            <a:off x="2114164" y="371436"/>
-            <a:ext cx="2834571" cy="2482727"/>
-          </a:xfrm>
-          <a:custGeom>
-            <a:avLst/>
-            <a:gdLst/>
-            <a:ahLst/>
-            <a:cxnLst/>
-            <a:rect l="l" t="t" r="r" b="b"/>
-            <a:pathLst>
-              <a:path w="2298408" h="2013116">
-                <a:moveTo>
-                  <a:pt x="655742" y="0"/>
-                </a:moveTo>
-                <a:cubicBezTo>
-                  <a:pt x="1644875" y="0"/>
-                  <a:pt x="1644875" y="0"/>
-                  <a:pt x="1644875" y="0"/>
-                </a:cubicBezTo>
-                <a:cubicBezTo>
-                  <a:pt x="1694920" y="0"/>
-                  <a:pt x="1759685" y="34910"/>
-                  <a:pt x="1786179" y="78547"/>
-                </a:cubicBezTo>
-                <a:cubicBezTo>
-                  <a:pt x="2280745" y="925103"/>
-                  <a:pt x="2280745" y="925103"/>
-                  <a:pt x="2280745" y="925103"/>
-                </a:cubicBezTo>
-                <a:cubicBezTo>
-                  <a:pt x="2304296" y="971649"/>
-                  <a:pt x="2304296" y="1041468"/>
-                  <a:pt x="2280745" y="1088014"/>
-                </a:cubicBezTo>
-                <a:cubicBezTo>
-                  <a:pt x="1786179" y="1934570"/>
-                  <a:pt x="1786179" y="1934570"/>
-                  <a:pt x="1786179" y="1934570"/>
-                </a:cubicBezTo>
-                <a:cubicBezTo>
-                  <a:pt x="1759685" y="1978207"/>
-                  <a:pt x="1694920" y="2013116"/>
-                  <a:pt x="1644875" y="2013116"/>
-                </a:cubicBezTo>
-                <a:lnTo>
-                  <a:pt x="655742" y="2013116"/>
-                </a:lnTo>
-                <a:cubicBezTo>
-                  <a:pt x="602753" y="2013116"/>
-                  <a:pt x="537989" y="1978207"/>
-                  <a:pt x="514438" y="1934570"/>
-                </a:cubicBezTo>
-                <a:cubicBezTo>
-                  <a:pt x="19872" y="1088014"/>
-                  <a:pt x="19872" y="1088014"/>
-                  <a:pt x="19872" y="1088014"/>
-                </a:cubicBezTo>
-                <a:cubicBezTo>
-                  <a:pt x="-6623" y="1041468"/>
-                  <a:pt x="-6623" y="971649"/>
-                  <a:pt x="19872" y="925103"/>
-                </a:cubicBezTo>
-                <a:cubicBezTo>
-                  <a:pt x="514438" y="78547"/>
-                  <a:pt x="514438" y="78547"/>
-                  <a:pt x="514438" y="78547"/>
-                </a:cubicBezTo>
-                <a:cubicBezTo>
-                  <a:pt x="537989" y="34910"/>
-                  <a:pt x="602753" y="0"/>
-                  <a:pt x="655742" y="0"/>
-                </a:cubicBezTo>
-                <a:close/>
-              </a:path>
-            </a:pathLst>
-          </a:custGeom>
-        </p:spPr>
-      </p:pic>
-      <p:pic>
-        <p:nvPicPr>
-          <p:cNvPr id="2" name="Picture 1" descr="A picture containing drawing, clock, room, computer&#10;&#10;Description automatically generated">
-            <a:extLst>
-              <a:ext uri="{FF2B5EF4-FFF2-40B4-BE49-F238E27FC236}">
-                <a16:creationId xmlns:a16="http://schemas.microsoft.com/office/drawing/2014/main" id="{D06B943B-9B64-486A-976D-D4FC53E689DA}"/>
-              </a:ext>
-            </a:extLst>
-          </p:cNvPr>
-          <p:cNvPicPr>
-            <a:picLocks noChangeAspect="1"/>
-          </p:cNvPicPr>
-          <p:nvPr/>
-        </p:nvPicPr>
-        <p:blipFill rotWithShape="1">
-          <a:blip r:embed="rId3">
-            <a:extLst>
-              <a:ext uri="{28A0092B-C50C-407E-A947-70E740481C1C}">
-                <a14:useLocalDpi xmlns:a14="http://schemas.microsoft.com/office/drawing/2010/main" val="0"/>
-              </a:ext>
-            </a:extLst>
-          </a:blip>
-          <a:srcRect l="8645" r="10430" b="-1"/>
-          <a:stretch/>
-        </p:blipFill>
-        <p:spPr>
-          <a:xfrm>
-            <a:off x="496824" y="1969368"/>
-            <a:ext cx="7535357" cy="4888633"/>
-          </a:xfrm>
-          <a:custGeom>
-            <a:avLst/>
-            <a:gdLst/>
-            <a:ahLst/>
-            <a:cxnLst/>
-            <a:rect l="l" t="t" r="r" b="b"/>
-            <a:pathLst>
-              <a:path w="7535357" h="4888633">
-                <a:moveTo>
-                  <a:pt x="870790" y="4707517"/>
-                </a:moveTo>
-                <a:lnTo>
-                  <a:pt x="887365" y="4736227"/>
-                </a:lnTo>
-                <a:cubicBezTo>
-                  <a:pt x="904174" y="4765340"/>
-                  <a:pt x="922103" y="4796392"/>
-                  <a:pt x="941227" y="4829516"/>
-                </a:cubicBezTo>
-                <a:lnTo>
-                  <a:pt x="975359" y="4888633"/>
-                </a:lnTo>
-                <a:lnTo>
-                  <a:pt x="968986" y="4888633"/>
-                </a:lnTo>
-                <a:close/>
-                <a:moveTo>
-                  <a:pt x="2633174" y="985134"/>
-                </a:moveTo>
-                <a:cubicBezTo>
-                  <a:pt x="2633174" y="985134"/>
-                  <a:pt x="2633174" y="985134"/>
-                  <a:pt x="5550429" y="992447"/>
-                </a:cubicBezTo>
-                <a:cubicBezTo>
-                  <a:pt x="5736287" y="987221"/>
-                  <a:pt x="5911862" y="1090010"/>
-                  <a:pt x="6003423" y="1248596"/>
-                </a:cubicBezTo>
-                <a:cubicBezTo>
-                  <a:pt x="6003423" y="1248596"/>
-                  <a:pt x="6003423" y="1248596"/>
-                  <a:pt x="7465225" y="3780514"/>
-                </a:cubicBezTo>
-                <a:cubicBezTo>
-                  <a:pt x="7559943" y="3944569"/>
-                  <a:pt x="7558015" y="4142548"/>
-                  <a:pt x="7463717" y="4306361"/>
-                </a:cubicBezTo>
-                <a:cubicBezTo>
-                  <a:pt x="7463717" y="4306361"/>
-                  <a:pt x="7463717" y="4306361"/>
-                  <a:pt x="7159062" y="4834812"/>
-                </a:cubicBezTo>
-                <a:lnTo>
-                  <a:pt x="7128035" y="4888633"/>
-                </a:lnTo>
-                <a:lnTo>
-                  <a:pt x="1073039" y="4888633"/>
-                </a:lnTo>
-                <a:lnTo>
-                  <a:pt x="986766" y="4739206"/>
-                </a:lnTo>
-                <a:cubicBezTo>
-                  <a:pt x="906468" y="4600124"/>
-                  <a:pt x="820815" y="4451770"/>
-                  <a:pt x="729452" y="4293524"/>
-                </a:cubicBezTo>
-                <a:cubicBezTo>
-                  <a:pt x="637892" y="4134937"/>
-                  <a:pt x="636662" y="3931490"/>
-                  <a:pt x="734117" y="3773145"/>
-                </a:cubicBezTo>
-                <a:cubicBezTo>
-                  <a:pt x="734117" y="3773145"/>
-                  <a:pt x="734117" y="3773145"/>
-                  <a:pt x="2186411" y="1243073"/>
-                </a:cubicBezTo>
-                <a:cubicBezTo>
-                  <a:pt x="2275261" y="1082404"/>
-                  <a:pt x="2449608" y="981746"/>
-                  <a:pt x="2633174" y="985134"/>
-                </a:cubicBezTo>
-                <a:close/>
-                <a:moveTo>
-                  <a:pt x="631805" y="0"/>
-                </a:moveTo>
-                <a:cubicBezTo>
-                  <a:pt x="631805" y="0"/>
-                  <a:pt x="631805" y="0"/>
-                  <a:pt x="1562676" y="0"/>
-                </a:cubicBezTo>
-                <a:cubicBezTo>
-                  <a:pt x="1620981" y="0"/>
-                  <a:pt x="1677276" y="32050"/>
-                  <a:pt x="1705423" y="84130"/>
-                </a:cubicBezTo>
-                <a:cubicBezTo>
-                  <a:pt x="1705423" y="84130"/>
-                  <a:pt x="1705423" y="84130"/>
-                  <a:pt x="2171863" y="887371"/>
-                </a:cubicBezTo>
-                <a:cubicBezTo>
-                  <a:pt x="2202021" y="937449"/>
-                  <a:pt x="2202021" y="1001548"/>
-                  <a:pt x="2171863" y="1051625"/>
-                </a:cubicBezTo>
-                <a:cubicBezTo>
-                  <a:pt x="2171863" y="1051625"/>
-                  <a:pt x="2171863" y="1051625"/>
-                  <a:pt x="1705423" y="1854866"/>
-                </a:cubicBezTo>
-                <a:cubicBezTo>
-                  <a:pt x="1677276" y="1906947"/>
-                  <a:pt x="1620981" y="1938996"/>
-                  <a:pt x="1562676" y="1938996"/>
-                </a:cubicBezTo>
-                <a:cubicBezTo>
-                  <a:pt x="1562676" y="1938996"/>
-                  <a:pt x="1562676" y="1938996"/>
-                  <a:pt x="631805" y="1938996"/>
-                </a:cubicBezTo>
-                <a:cubicBezTo>
-                  <a:pt x="571490" y="1938996"/>
-                  <a:pt x="517206" y="1906947"/>
-                  <a:pt x="487048" y="1854866"/>
-                </a:cubicBezTo>
-                <a:cubicBezTo>
-                  <a:pt x="487048" y="1854866"/>
-                  <a:pt x="487048" y="1854866"/>
-                  <a:pt x="22618" y="1051625"/>
-                </a:cubicBezTo>
-                <a:cubicBezTo>
-                  <a:pt x="-7540" y="1001548"/>
-                  <a:pt x="-7540" y="937449"/>
-                  <a:pt x="22618" y="887371"/>
-                </a:cubicBezTo>
-                <a:cubicBezTo>
-                  <a:pt x="22618" y="887371"/>
-                  <a:pt x="22618" y="887371"/>
-                  <a:pt x="487048" y="84130"/>
-                </a:cubicBezTo>
-                <a:cubicBezTo>
-                  <a:pt x="517206" y="32050"/>
-                  <a:pt x="571490" y="0"/>
-                  <a:pt x="631805" y="0"/>
-                </a:cubicBezTo>
-                <a:close/>
-              </a:path>
-            </a:pathLst>
-          </a:custGeom>
-        </p:spPr>
-      </p:pic>
-      <p:sp>
-        <p:nvSpPr>
-          <p:cNvPr id="4" name="Slide Number Placeholder 3">
-            <a:extLst>
-              <a:ext uri="{FF2B5EF4-FFF2-40B4-BE49-F238E27FC236}">
-                <a16:creationId xmlns:a16="http://schemas.microsoft.com/office/drawing/2014/main" id="{29FBC74F-BAAE-4CA8-AD42-14819C0129E4}"/>
-              </a:ext>
-            </a:extLst>
-          </p:cNvPr>
-          <p:cNvSpPr>
-            <a:spLocks noGrp="1"/>
-          </p:cNvSpPr>
-          <p:nvPr>
-            <p:ph type="sldNum" sz="quarter" idx="12"/>
-          </p:nvPr>
-        </p:nvSpPr>
-        <p:spPr/>
-        <p:txBody>
-          <a:bodyPr/>
-          <a:lstStyle/>
-          <a:p>
-            <a:fld id="{A56E3B75-B6C5-4C90-8D86-3D0E4B666D89}" type="slidenum">
-              <a:rPr lang="en-CA" smtClean="0"/>
-              <a:t>10</a:t>
-            </a:fld>
-            <a:endParaRPr lang="en-CA"/>
-          </a:p>
-        </p:txBody>
-      </p:sp>
-    </p:spTree>
-    <p:extLst>
-      <p:ext uri="{BB962C8B-B14F-4D97-AF65-F5344CB8AC3E}">
-        <p14:creationId xmlns:p14="http://schemas.microsoft.com/office/powerpoint/2010/main" val="4115035585"/>
-      </p:ext>
-    </p:extLst>
-  </p:cSld>
-  <p:clrMapOvr>
-    <a:masterClrMapping/>
-  </p:clrMapOvr>
-</p:sld>
-</file>
-
-<file path=ppt/slides/slide11.xml><?xml version="1.0" encoding="utf-8"?>
-<p:sld xmlns:a="http://schemas.openxmlformats.org/drawingml/2006/main" xmlns:r="http://schemas.openxmlformats.org/officeDocument/2006/relationships" xmlns:p="http://schemas.openxmlformats.org/presentationml/2006/main">
-  <p:cSld>
     <p:spTree>
       <p:nvGrpSpPr>
         <p:cNvPr id="1" name=""/>
@@ -6254,7 +5588,7 @@
           <a:p>
             <a:fld id="{A56E3B75-B6C5-4C90-8D86-3D0E4B666D89}" type="slidenum">
               <a:rPr lang="en-CA" smtClean="0"/>
-              <a:t>11</a:t>
+              <a:t>10</a:t>
             </a:fld>
             <a:endParaRPr lang="en-CA"/>
           </a:p>
@@ -6760,7 +6094,7 @@
 </p:sld>
 </file>
 
-<file path=ppt/slides/slide12.xml><?xml version="1.0" encoding="utf-8"?>
+<file path=ppt/slides/slide11.xml><?xml version="1.0" encoding="utf-8"?>
 <p:sld xmlns:a="http://schemas.openxmlformats.org/drawingml/2006/main" xmlns:r="http://schemas.openxmlformats.org/officeDocument/2006/relationships" xmlns:p="http://schemas.openxmlformats.org/presentationml/2006/main">
   <p:cSld>
     <p:bg>
@@ -7406,7 +6740,7 @@
           <a:p>
             <a:fld id="{A56E3B75-B6C5-4C90-8D86-3D0E4B666D89}" type="slidenum">
               <a:rPr lang="en-CA" smtClean="0"/>
-              <a:t>12</a:t>
+              <a:t>11</a:t>
             </a:fld>
             <a:endParaRPr lang="en-CA"/>
           </a:p>
@@ -7425,7 +6759,7 @@
 </p:sld>
 </file>
 
-<file path=ppt/slides/slide13.xml><?xml version="1.0" encoding="utf-8"?>
+<file path=ppt/slides/slide12.xml><?xml version="1.0" encoding="utf-8"?>
 <p:sld xmlns:a="http://schemas.openxmlformats.org/drawingml/2006/main" xmlns:r="http://schemas.openxmlformats.org/officeDocument/2006/relationships" xmlns:p="http://schemas.openxmlformats.org/presentationml/2006/main">
   <p:cSld>
     <p:spTree>
@@ -7506,7 +6840,7 @@
           <a:p>
             <a:fld id="{A56E3B75-B6C5-4C90-8D86-3D0E4B666D89}" type="slidenum">
               <a:rPr lang="en-CA" smtClean="0"/>
-              <a:t>13</a:t>
+              <a:t>12</a:t>
             </a:fld>
             <a:endParaRPr lang="en-CA"/>
           </a:p>
@@ -7736,7 +7070,7 @@
 </p:sld>
 </file>
 
-<file path=ppt/slides/slide14.xml><?xml version="1.0" encoding="utf-8"?>
+<file path=ppt/slides/slide13.xml><?xml version="1.0" encoding="utf-8"?>
 <p:sld xmlns:a="http://schemas.openxmlformats.org/drawingml/2006/main" xmlns:r="http://schemas.openxmlformats.org/officeDocument/2006/relationships" xmlns:p="http://schemas.openxmlformats.org/presentationml/2006/main">
   <p:cSld>
     <p:spTree>
@@ -7823,7 +7157,7 @@
           <a:p>
             <a:fld id="{A56E3B75-B6C5-4C90-8D86-3D0E4B666D89}" type="slidenum">
               <a:rPr lang="en-CA" smtClean="0"/>
-              <a:t>14</a:t>
+              <a:t>13</a:t>
             </a:fld>
             <a:endParaRPr lang="en-CA"/>
           </a:p>
@@ -7983,7 +7317,7 @@
 </p:sld>
 </file>
 
-<file path=ppt/slides/slide15.xml><?xml version="1.0" encoding="utf-8"?>
+<file path=ppt/slides/slide14.xml><?xml version="1.0" encoding="utf-8"?>
 <p:sld xmlns:a="http://schemas.openxmlformats.org/drawingml/2006/main" xmlns:r="http://schemas.openxmlformats.org/officeDocument/2006/relationships" xmlns:p="http://schemas.openxmlformats.org/presentationml/2006/main">
   <p:cSld>
     <p:spTree>
@@ -8070,7 +7404,7 @@
           <a:p>
             <a:fld id="{A56E3B75-B6C5-4C90-8D86-3D0E4B666D89}" type="slidenum">
               <a:rPr lang="en-CA" smtClean="0"/>
-              <a:t>15</a:t>
+              <a:t>14</a:t>
             </a:fld>
             <a:endParaRPr lang="en-CA"/>
           </a:p>
@@ -8274,7 +7608,7 @@
 </p:sld>
 </file>
 
-<file path=ppt/slides/slide16.xml><?xml version="1.0" encoding="utf-8"?>
+<file path=ppt/slides/slide15.xml><?xml version="1.0" encoding="utf-8"?>
 <p:sld xmlns:a="http://schemas.openxmlformats.org/drawingml/2006/main" xmlns:r="http://schemas.openxmlformats.org/officeDocument/2006/relationships" xmlns:p="http://schemas.openxmlformats.org/presentationml/2006/main">
   <p:cSld>
     <p:spTree>
@@ -8361,7 +7695,7 @@
           <a:p>
             <a:fld id="{A56E3B75-B6C5-4C90-8D86-3D0E4B666D89}" type="slidenum">
               <a:rPr lang="en-CA" smtClean="0"/>
-              <a:t>16</a:t>
+              <a:t>15</a:t>
             </a:fld>
             <a:endParaRPr lang="en-CA"/>
           </a:p>
@@ -8557,7 +7891,7 @@
 </p:sld>
 </file>
 
-<file path=ppt/slides/slide17.xml><?xml version="1.0" encoding="utf-8"?>
+<file path=ppt/slides/slide16.xml><?xml version="1.0" encoding="utf-8"?>
 <p:sld xmlns:a="http://schemas.openxmlformats.org/drawingml/2006/main" xmlns:r="http://schemas.openxmlformats.org/officeDocument/2006/relationships" xmlns:p="http://schemas.openxmlformats.org/presentationml/2006/main">
   <p:cSld>
     <p:bg>
@@ -9210,7 +8544,7 @@
           <a:p>
             <a:fld id="{A56E3B75-B6C5-4C90-8D86-3D0E4B666D89}" type="slidenum">
               <a:rPr lang="en-CA" smtClean="0"/>
-              <a:t>17</a:t>
+              <a:t>16</a:t>
             </a:fld>
             <a:endParaRPr lang="en-CA"/>
           </a:p>
@@ -9229,7 +8563,7 @@
 </p:sld>
 </file>
 
-<file path=ppt/slides/slide18.xml><?xml version="1.0" encoding="utf-8"?>
+<file path=ppt/slides/slide17.xml><?xml version="1.0" encoding="utf-8"?>
 <p:sld xmlns:a="http://schemas.openxmlformats.org/drawingml/2006/main" xmlns:r="http://schemas.openxmlformats.org/officeDocument/2006/relationships" xmlns:p="http://schemas.openxmlformats.org/presentationml/2006/main">
   <p:cSld>
     <p:spTree>
@@ -9489,44 +8823,41 @@
           <a:lstStyle/>
           <a:p>
             <a:r>
-              <a:rPr lang="en-US" sz="2000" dirty="0"/>
-              <a:t>People tend to underestimate the time they spend online.</a:t>
-            </a:r>
-          </a:p>
-          <a:p>
-            <a:r>
-              <a:rPr lang="en-US" sz="2000" dirty="0"/>
+              <a:rPr lang="en-US" sz="1800" dirty="0"/>
+              <a:t>The study did not identify the geographical location of respondents </a:t>
+            </a:r>
+          </a:p>
+          <a:p>
+            <a:r>
+              <a:rPr lang="en-US" sz="1800" dirty="0"/>
+              <a:t>The study did not include significant responses from other age groups</a:t>
+            </a:r>
+          </a:p>
+          <a:p>
+            <a:r>
+              <a:rPr lang="en-US" sz="1800" dirty="0"/>
+              <a:t>Physical activity was vaguely defined in the survey</a:t>
+            </a:r>
+          </a:p>
+          <a:p>
+            <a:r>
+              <a:rPr lang="en-US" sz="1800" dirty="0"/>
               <a:t>The study did not cover exposure to scams, bullying, fake news..</a:t>
             </a:r>
             <a:r>
-              <a:rPr lang="en-US" sz="2000" dirty="0" err="1"/>
+              <a:rPr lang="en-US" sz="1800" dirty="0" err="1"/>
               <a:t>etc</a:t>
             </a:r>
-            <a:r>
-              <a:rPr lang="en-US" sz="2000" dirty="0"/>
-              <a:t>.</a:t>
-            </a:r>
-          </a:p>
-          <a:p>
-            <a:r>
-              <a:rPr lang="en-US" sz="2000" dirty="0"/>
-              <a:t>The study did not identify the geographical location of respondents </a:t>
-            </a:r>
-          </a:p>
-          <a:p>
-            <a:r>
-              <a:rPr lang="en-US" sz="2000" dirty="0"/>
-              <a:t>The study did not include significant responses from other age groups</a:t>
-            </a:r>
-          </a:p>
-          <a:p>
-            <a:r>
-              <a:rPr lang="en-US" sz="2000" dirty="0"/>
-              <a:t>Physical activity was vaguely defined in the survey</a:t>
-            </a:r>
-          </a:p>
-          <a:p>
-            <a:endParaRPr lang="en-US" sz="2000" dirty="0"/>
+            <a:endParaRPr lang="en-US" sz="1800" dirty="0"/>
+          </a:p>
+          <a:p>
+            <a:r>
+              <a:rPr lang="en-US" sz="1800" dirty="0"/>
+              <a:t>Further research is required to understand the effects of social media by age, geography and by type of effect</a:t>
+            </a:r>
+          </a:p>
+          <a:p>
+            <a:endParaRPr lang="en-US" sz="1800" dirty="0"/>
           </a:p>
         </p:txBody>
       </p:sp>
@@ -9553,7 +8884,7 @@
           <a:p>
             <a:fld id="{A56E3B75-B6C5-4C90-8D86-3D0E4B666D89}" type="slidenum">
               <a:rPr lang="en-CA" smtClean="0"/>
-              <a:t>18</a:t>
+              <a:t>17</a:t>
             </a:fld>
             <a:endParaRPr lang="en-CA"/>
           </a:p>
@@ -9602,7 +8933,7 @@
           <a:p>
             <a:pPr algn="ctr"/>
             <a:r>
-              <a:rPr lang="en-US" sz="2000" dirty="0"/>
+              <a:rPr lang="en-US" sz="2400" dirty="0"/>
               <a:t>Based on the dataset, people are using social media as an additional form of communication however it is not replacing the importance of face to face interaction.</a:t>
             </a:r>
           </a:p>
@@ -9621,7 +8952,7 @@
 </p:sld>
 </file>
 
-<file path=ppt/slides/slide19.xml><?xml version="1.0" encoding="utf-8"?>
+<file path=ppt/slides/slide18.xml><?xml version="1.0" encoding="utf-8"?>
 <p:sld xmlns:a="http://schemas.openxmlformats.org/drawingml/2006/main" xmlns:r="http://schemas.openxmlformats.org/officeDocument/2006/relationships" xmlns:p="http://schemas.openxmlformats.org/presentationml/2006/main">
   <p:cSld>
     <p:bg>
@@ -11595,14 +10926,8 @@
                 </a:solidFill>
                 <a:latin typeface="+mn-lt"/>
               </a:rPr>
-              <a:t> x</a:t>
-            </a:r>
-            <a:endParaRPr lang="en-CA" sz="2400" b="1" dirty="0">
-              <a:solidFill>
-                <a:srgbClr val="0070C0"/>
-              </a:solidFill>
-              <a:latin typeface="+mn-lt"/>
-            </a:endParaRPr>
+              <a:t> We wanted to understand how much social media affects society</a:t>
+            </a:r>
           </a:p>
         </p:txBody>
       </p:sp>
@@ -12298,180 +11623,6 @@
 <file path=ppt/slides/slide6.xml><?xml version="1.0" encoding="utf-8"?>
 <p:sld xmlns:a="http://schemas.openxmlformats.org/drawingml/2006/main" xmlns:r="http://schemas.openxmlformats.org/officeDocument/2006/relationships" xmlns:p="http://schemas.openxmlformats.org/presentationml/2006/main">
   <p:cSld>
-    <p:spTree>
-      <p:nvGrpSpPr>
-        <p:cNvPr id="1" name=""/>
-        <p:cNvGrpSpPr/>
-        <p:nvPr/>
-      </p:nvGrpSpPr>
-      <p:grpSpPr>
-        <a:xfrm>
-          <a:off x="0" y="0"/>
-          <a:ext cx="0" cy="0"/>
-          <a:chOff x="0" y="0"/>
-          <a:chExt cx="0" cy="0"/>
-        </a:xfrm>
-      </p:grpSpPr>
-      <p:sp>
-        <p:nvSpPr>
-          <p:cNvPr id="2" name="Title 1">
-            <a:extLst>
-              <a:ext uri="{FF2B5EF4-FFF2-40B4-BE49-F238E27FC236}">
-                <a16:creationId xmlns:a16="http://schemas.microsoft.com/office/drawing/2014/main" id="{EABBB07E-8C51-4F19-8A46-3D82ACA5858D}"/>
-              </a:ext>
-            </a:extLst>
-          </p:cNvPr>
-          <p:cNvSpPr>
-            <a:spLocks noGrp="1"/>
-          </p:cNvSpPr>
-          <p:nvPr>
-            <p:ph type="title"/>
-          </p:nvPr>
-        </p:nvSpPr>
-        <p:spPr>
-          <a:xfrm>
-            <a:off x="838200" y="435768"/>
-            <a:ext cx="10515600" cy="490538"/>
-          </a:xfrm>
-          <a:noFill/>
-        </p:spPr>
-        <p:txBody>
-          <a:bodyPr>
-            <a:normAutofit fontScale="90000"/>
-          </a:bodyPr>
-          <a:lstStyle/>
-          <a:p>
-            <a:r>
-              <a:rPr lang="en-US" b="1" dirty="0">
-                <a:solidFill>
-                  <a:srgbClr val="0070C0"/>
-                </a:solidFill>
-                <a:latin typeface="+mn-lt"/>
-              </a:rPr>
-              <a:t>Process summary</a:t>
-            </a:r>
-            <a:endParaRPr lang="en-CA" b="1" dirty="0">
-              <a:solidFill>
-                <a:srgbClr val="0070C0"/>
-              </a:solidFill>
-              <a:latin typeface="+mn-lt"/>
-            </a:endParaRPr>
-          </a:p>
-        </p:txBody>
-      </p:sp>
-      <p:sp>
-        <p:nvSpPr>
-          <p:cNvPr id="4" name="Slide Number Placeholder 3">
-            <a:extLst>
-              <a:ext uri="{FF2B5EF4-FFF2-40B4-BE49-F238E27FC236}">
-                <a16:creationId xmlns:a16="http://schemas.microsoft.com/office/drawing/2014/main" id="{6BD1DEB1-84C6-4D93-9AC5-3EC5BC06623F}"/>
-              </a:ext>
-            </a:extLst>
-          </p:cNvPr>
-          <p:cNvSpPr>
-            <a:spLocks noGrp="1"/>
-          </p:cNvSpPr>
-          <p:nvPr>
-            <p:ph type="sldNum" sz="quarter" idx="12"/>
-          </p:nvPr>
-        </p:nvSpPr>
-        <p:spPr/>
-        <p:txBody>
-          <a:bodyPr/>
-          <a:lstStyle/>
-          <a:p>
-            <a:fld id="{A56E3B75-B6C5-4C90-8D86-3D0E4B666D89}" type="slidenum">
-              <a:rPr lang="en-CA" smtClean="0"/>
-              <a:t>6</a:t>
-            </a:fld>
-            <a:endParaRPr lang="en-CA"/>
-          </a:p>
-        </p:txBody>
-      </p:sp>
-      <p:sp>
-        <p:nvSpPr>
-          <p:cNvPr id="3" name="Title 1">
-            <a:extLst>
-              <a:ext uri="{FF2B5EF4-FFF2-40B4-BE49-F238E27FC236}">
-                <a16:creationId xmlns:a16="http://schemas.microsoft.com/office/drawing/2014/main" id="{F8405E5D-A25D-4EA0-AA8E-2E8B561680E4}"/>
-              </a:ext>
-            </a:extLst>
-          </p:cNvPr>
-          <p:cNvSpPr txBox="1">
-            <a:spLocks/>
-          </p:cNvSpPr>
-          <p:nvPr/>
-        </p:nvSpPr>
-        <p:spPr>
-          <a:xfrm>
-            <a:off x="838200" y="895349"/>
-            <a:ext cx="10515600" cy="304801"/>
-          </a:xfrm>
-          <a:prstGeom prst="rect">
-            <a:avLst/>
-          </a:prstGeom>
-          <a:solidFill>
-            <a:schemeClr val="bg1"/>
-          </a:solidFill>
-        </p:spPr>
-        <p:txBody>
-          <a:bodyPr vert="horz" lIns="91440" tIns="45720" rIns="91440" bIns="45720" rtlCol="0" anchor="ctr">
-            <a:noAutofit/>
-          </a:bodyPr>
-          <a:lstStyle>
-            <a:lvl1pPr algn="l" defTabSz="914400" rtl="0" eaLnBrk="1" latinLnBrk="0" hangingPunct="1">
-              <a:lnSpc>
-                <a:spcPct val="90000"/>
-              </a:lnSpc>
-              <a:spcBef>
-                <a:spcPct val="0"/>
-              </a:spcBef>
-              <a:buNone/>
-              <a:defRPr sz="4400" kern="1200">
-                <a:solidFill>
-                  <a:schemeClr val="tx1"/>
-                </a:solidFill>
-                <a:latin typeface="+mj-lt"/>
-                <a:ea typeface="+mj-ea"/>
-                <a:cs typeface="+mj-cs"/>
-              </a:defRPr>
-            </a:lvl1pPr>
-          </a:lstStyle>
-          <a:p>
-            <a:r>
-              <a:rPr lang="en-US" sz="2400" b="1" dirty="0">
-                <a:solidFill>
-                  <a:srgbClr val="0070C0"/>
-                </a:solidFill>
-                <a:latin typeface="+mn-lt"/>
-              </a:rPr>
-              <a:t>x</a:t>
-            </a:r>
-            <a:endParaRPr lang="en-CA" sz="2400" b="1" dirty="0">
-              <a:solidFill>
-                <a:srgbClr val="0070C0"/>
-              </a:solidFill>
-              <a:latin typeface="+mn-lt"/>
-            </a:endParaRPr>
-          </a:p>
-        </p:txBody>
-      </p:sp>
-    </p:spTree>
-    <p:extLst>
-      <p:ext uri="{BB962C8B-B14F-4D97-AF65-F5344CB8AC3E}">
-        <p14:creationId xmlns:p14="http://schemas.microsoft.com/office/powerpoint/2010/main" val="4194127847"/>
-      </p:ext>
-    </p:extLst>
-  </p:cSld>
-  <p:clrMapOvr>
-    <a:masterClrMapping/>
-  </p:clrMapOvr>
-</p:sld>
-</file>
-
-<file path=ppt/slides/slide7.xml><?xml version="1.0" encoding="utf-8"?>
-<p:sld xmlns:a="http://schemas.openxmlformats.org/drawingml/2006/main" xmlns:r="http://schemas.openxmlformats.org/officeDocument/2006/relationships" xmlns:p="http://schemas.openxmlformats.org/presentationml/2006/main">
-  <p:cSld>
     <p:bg>
       <p:bgPr>
         <a:solidFill>
@@ -13107,7 +12258,7 @@
           <a:p>
             <a:fld id="{A56E3B75-B6C5-4C90-8D86-3D0E4B666D89}" type="slidenum">
               <a:rPr lang="en-CA" smtClean="0"/>
-              <a:t>7</a:t>
+              <a:t>6</a:t>
             </a:fld>
             <a:endParaRPr lang="en-CA"/>
           </a:p>
@@ -13126,7 +12277,7 @@
 </p:sld>
 </file>
 
-<file path=ppt/slides/slide8.xml><?xml version="1.0" encoding="utf-8"?>
+<file path=ppt/slides/slide7.xml><?xml version="1.0" encoding="utf-8"?>
 <p:sld xmlns:a="http://schemas.openxmlformats.org/drawingml/2006/main" xmlns:r="http://schemas.openxmlformats.org/officeDocument/2006/relationships" xmlns:p="http://schemas.openxmlformats.org/presentationml/2006/main">
   <p:cSld>
     <p:spTree>
@@ -13264,7 +12415,7 @@
           <a:p>
             <a:fld id="{A56E3B75-B6C5-4C90-8D86-3D0E4B666D89}" type="slidenum">
               <a:rPr lang="en-CA" smtClean="0"/>
-              <a:t>8</a:t>
+              <a:t>7</a:t>
             </a:fld>
             <a:endParaRPr lang="en-CA"/>
           </a:p>
@@ -13416,7 +12567,7 @@
 </p:sld>
 </file>
 
-<file path=ppt/slides/slide9.xml><?xml version="1.0" encoding="utf-8"?>
+<file path=ppt/slides/slide8.xml><?xml version="1.0" encoding="utf-8"?>
 <p:sld xmlns:a="http://schemas.openxmlformats.org/drawingml/2006/main" xmlns:r="http://schemas.openxmlformats.org/officeDocument/2006/relationships" xmlns:p="http://schemas.openxmlformats.org/presentationml/2006/main">
   <p:cSld>
     <p:spTree>
@@ -13690,7 +12841,7 @@
           <a:p>
             <a:fld id="{A56E3B75-B6C5-4C90-8D86-3D0E4B666D89}" type="slidenum">
               <a:rPr lang="en-CA" smtClean="0"/>
-              <a:t>9</a:t>
+              <a:t>8</a:t>
             </a:fld>
             <a:endParaRPr lang="en-CA"/>
           </a:p>
@@ -13768,6 +12919,671 @@
     <p:extLst>
       <p:ext uri="{BB962C8B-B14F-4D97-AF65-F5344CB8AC3E}">
         <p14:creationId xmlns:p14="http://schemas.microsoft.com/office/powerpoint/2010/main" val="3056980884"/>
+      </p:ext>
+    </p:extLst>
+  </p:cSld>
+  <p:clrMapOvr>
+    <a:masterClrMapping/>
+  </p:clrMapOvr>
+</p:sld>
+</file>
+
+<file path=ppt/slides/slide9.xml><?xml version="1.0" encoding="utf-8"?>
+<p:sld xmlns:a="http://schemas.openxmlformats.org/drawingml/2006/main" xmlns:r="http://schemas.openxmlformats.org/officeDocument/2006/relationships" xmlns:p="http://schemas.openxmlformats.org/presentationml/2006/main">
+  <p:cSld>
+    <p:bg>
+      <p:bgPr>
+        <a:solidFill>
+          <a:schemeClr val="bg1"/>
+        </a:solidFill>
+        <a:effectLst/>
+      </p:bgPr>
+    </p:bg>
+    <p:spTree>
+      <p:nvGrpSpPr>
+        <p:cNvPr id="1" name=""/>
+        <p:cNvGrpSpPr/>
+        <p:nvPr/>
+      </p:nvGrpSpPr>
+      <p:grpSpPr>
+        <a:xfrm>
+          <a:off x="0" y="0"/>
+          <a:ext cx="0" cy="0"/>
+          <a:chOff x="0" y="0"/>
+          <a:chExt cx="0" cy="0"/>
+        </a:xfrm>
+      </p:grpSpPr>
+      <p:sp useBgFill="1">
+        <p:nvSpPr>
+          <p:cNvPr id="42" name="Rectangle 41">
+            <a:extLst>
+              <a:ext uri="{FF2B5EF4-FFF2-40B4-BE49-F238E27FC236}">
+                <a16:creationId xmlns:a16="http://schemas.microsoft.com/office/drawing/2014/main" id="{BF538DE5-A30F-4117-9482-6CCAD2A82196}"/>
+              </a:ext>
+              <a:ext uri="{C183D7F6-B498-43B3-948B-1728B52AA6E4}">
+                <adec:decorative xmlns:adec="http://schemas.microsoft.com/office/drawing/2017/decorative" val="1"/>
+              </a:ext>
+            </a:extLst>
+          </p:cNvPr>
+          <p:cNvSpPr>
+            <a:spLocks noGrp="1" noRot="1" noChangeAspect="1" noMove="1" noResize="1" noEditPoints="1" noAdjustHandles="1" noChangeArrowheads="1" noChangeShapeType="1" noTextEdit="1"/>
+          </p:cNvSpPr>
+          <p:nvPr>
+            <p:extLst>
+              <p:ext uri="{386F3935-93C4-4BCD-93E2-E3B085C9AB24}">
+                <p16:designElem xmlns:p16="http://schemas.microsoft.com/office/powerpoint/2015/main" val="1"/>
+              </p:ext>
+            </p:extLst>
+          </p:nvPr>
+        </p:nvSpPr>
+        <p:spPr>
+          <a:xfrm>
+            <a:off x="0" y="0"/>
+            <a:ext cx="12192000" cy="6858000"/>
+          </a:xfrm>
+          <a:prstGeom prst="rect">
+            <a:avLst/>
+          </a:prstGeom>
+          <a:ln>
+            <a:noFill/>
+          </a:ln>
+        </p:spPr>
+        <p:style>
+          <a:lnRef idx="2">
+            <a:schemeClr val="accent1">
+              <a:shade val="50000"/>
+            </a:schemeClr>
+          </a:lnRef>
+          <a:fillRef idx="1">
+            <a:schemeClr val="accent1"/>
+          </a:fillRef>
+          <a:effectRef idx="0">
+            <a:schemeClr val="accent1"/>
+          </a:effectRef>
+          <a:fontRef idx="minor">
+            <a:schemeClr val="lt1"/>
+          </a:fontRef>
+        </p:style>
+        <p:txBody>
+          <a:bodyPr rtlCol="0" anchor="ctr"/>
+          <a:lstStyle/>
+          <a:p>
+            <a:pPr algn="ctr"/>
+            <a:endParaRPr lang="en-US"/>
+          </a:p>
+        </p:txBody>
+      </p:sp>
+      <p:sp>
+        <p:nvSpPr>
+          <p:cNvPr id="48" name="Freeform: Shape 43">
+            <a:extLst>
+              <a:ext uri="{FF2B5EF4-FFF2-40B4-BE49-F238E27FC236}">
+                <a16:creationId xmlns:a16="http://schemas.microsoft.com/office/drawing/2014/main" id="{DB01F01A-0922-4194-8449-21D15139A756}"/>
+              </a:ext>
+              <a:ext uri="{C183D7F6-B498-43B3-948B-1728B52AA6E4}">
+                <adec:decorative xmlns:adec="http://schemas.microsoft.com/office/drawing/2017/decorative" val="1"/>
+              </a:ext>
+            </a:extLst>
+          </p:cNvPr>
+          <p:cNvSpPr>
+            <a:spLocks noGrp="1" noRot="1" noChangeAspect="1" noMove="1" noResize="1" noEditPoints="1" noAdjustHandles="1" noChangeArrowheads="1" noChangeShapeType="1" noTextEdit="1"/>
+          </p:cNvSpPr>
+          <p:nvPr>
+            <p:extLst>
+              <p:ext uri="{386F3935-93C4-4BCD-93E2-E3B085C9AB24}">
+                <p16:designElem xmlns:p16="http://schemas.microsoft.com/office/powerpoint/2015/main" val="1"/>
+              </p:ext>
+            </p:extLst>
+          </p:nvPr>
+        </p:nvSpPr>
+        <p:spPr>
+          <a:xfrm>
+            <a:off x="6715360" y="834629"/>
+            <a:ext cx="4979816" cy="4361685"/>
+          </a:xfrm>
+          <a:custGeom>
+            <a:avLst/>
+            <a:gdLst>
+              <a:gd name="connsiteX0" fmla="*/ 853538 w 2991693"/>
+              <a:gd name="connsiteY0" fmla="*/ 0 h 2651787"/>
+              <a:gd name="connsiteX1" fmla="*/ 2141030 w 2991693"/>
+              <a:gd name="connsiteY1" fmla="*/ 0 h 2651787"/>
+              <a:gd name="connsiteX2" fmla="*/ 2324957 w 2991693"/>
+              <a:gd name="connsiteY2" fmla="*/ 103466 h 2651787"/>
+              <a:gd name="connsiteX3" fmla="*/ 2968702 w 2991693"/>
+              <a:gd name="connsiteY3" fmla="*/ 1218596 h 2651787"/>
+              <a:gd name="connsiteX4" fmla="*/ 2968702 w 2991693"/>
+              <a:gd name="connsiteY4" fmla="*/ 1433192 h 2651787"/>
+              <a:gd name="connsiteX5" fmla="*/ 2324957 w 2991693"/>
+              <a:gd name="connsiteY5" fmla="*/ 2548321 h 2651787"/>
+              <a:gd name="connsiteX6" fmla="*/ 2141030 w 2991693"/>
+              <a:gd name="connsiteY6" fmla="*/ 2651787 h 2651787"/>
+              <a:gd name="connsiteX7" fmla="*/ 853538 w 2991693"/>
+              <a:gd name="connsiteY7" fmla="*/ 2651787 h 2651787"/>
+              <a:gd name="connsiteX8" fmla="*/ 669612 w 2991693"/>
+              <a:gd name="connsiteY8" fmla="*/ 2548321 h 2651787"/>
+              <a:gd name="connsiteX9" fmla="*/ 25866 w 2991693"/>
+              <a:gd name="connsiteY9" fmla="*/ 1433192 h 2651787"/>
+              <a:gd name="connsiteX10" fmla="*/ 25866 w 2991693"/>
+              <a:gd name="connsiteY10" fmla="*/ 1218596 h 2651787"/>
+              <a:gd name="connsiteX11" fmla="*/ 669612 w 2991693"/>
+              <a:gd name="connsiteY11" fmla="*/ 103466 h 2651787"/>
+              <a:gd name="connsiteX12" fmla="*/ 853538 w 2991693"/>
+              <a:gd name="connsiteY12" fmla="*/ 0 h 2651787"/>
+            </a:gdLst>
+            <a:ahLst/>
+            <a:cxnLst>
+              <a:cxn ang="0">
+                <a:pos x="connsiteX0" y="connsiteY0"/>
+              </a:cxn>
+              <a:cxn ang="0">
+                <a:pos x="connsiteX1" y="connsiteY1"/>
+              </a:cxn>
+              <a:cxn ang="0">
+                <a:pos x="connsiteX2" y="connsiteY2"/>
+              </a:cxn>
+              <a:cxn ang="0">
+                <a:pos x="connsiteX3" y="connsiteY3"/>
+              </a:cxn>
+              <a:cxn ang="0">
+                <a:pos x="connsiteX4" y="connsiteY4"/>
+              </a:cxn>
+              <a:cxn ang="0">
+                <a:pos x="connsiteX5" y="connsiteY5"/>
+              </a:cxn>
+              <a:cxn ang="0">
+                <a:pos x="connsiteX6" y="connsiteY6"/>
+              </a:cxn>
+              <a:cxn ang="0">
+                <a:pos x="connsiteX7" y="connsiteY7"/>
+              </a:cxn>
+              <a:cxn ang="0">
+                <a:pos x="connsiteX8" y="connsiteY8"/>
+              </a:cxn>
+              <a:cxn ang="0">
+                <a:pos x="connsiteX9" y="connsiteY9"/>
+              </a:cxn>
+              <a:cxn ang="0">
+                <a:pos x="connsiteX10" y="connsiteY10"/>
+              </a:cxn>
+              <a:cxn ang="0">
+                <a:pos x="connsiteX11" y="connsiteY11"/>
+              </a:cxn>
+              <a:cxn ang="0">
+                <a:pos x="connsiteX12" y="connsiteY12"/>
+              </a:cxn>
+            </a:cxnLst>
+            <a:rect l="l" t="t" r="r" b="b"/>
+            <a:pathLst>
+              <a:path w="2991693" h="2651787">
+                <a:moveTo>
+                  <a:pt x="853538" y="0"/>
+                </a:moveTo>
+                <a:cubicBezTo>
+                  <a:pt x="2141030" y="0"/>
+                  <a:pt x="2141030" y="0"/>
+                  <a:pt x="2141030" y="0"/>
+                </a:cubicBezTo>
+                <a:cubicBezTo>
+                  <a:pt x="2206170" y="0"/>
+                  <a:pt x="2290471" y="45985"/>
+                  <a:pt x="2324957" y="103466"/>
+                </a:cubicBezTo>
+                <a:cubicBezTo>
+                  <a:pt x="2968702" y="1218596"/>
+                  <a:pt x="2968702" y="1218596"/>
+                  <a:pt x="2968702" y="1218596"/>
+                </a:cubicBezTo>
+                <a:cubicBezTo>
+                  <a:pt x="2999357" y="1279909"/>
+                  <a:pt x="2999357" y="1371878"/>
+                  <a:pt x="2968702" y="1433192"/>
+                </a:cubicBezTo>
+                <a:cubicBezTo>
+                  <a:pt x="2324957" y="2548321"/>
+                  <a:pt x="2324957" y="2548321"/>
+                  <a:pt x="2324957" y="2548321"/>
+                </a:cubicBezTo>
+                <a:cubicBezTo>
+                  <a:pt x="2290471" y="2605803"/>
+                  <a:pt x="2206170" y="2651787"/>
+                  <a:pt x="2141030" y="2651787"/>
+                </a:cubicBezTo>
+                <a:lnTo>
+                  <a:pt x="853538" y="2651787"/>
+                </a:lnTo>
+                <a:cubicBezTo>
+                  <a:pt x="784566" y="2651787"/>
+                  <a:pt x="700266" y="2605803"/>
+                  <a:pt x="669612" y="2548321"/>
+                </a:cubicBezTo>
+                <a:cubicBezTo>
+                  <a:pt x="25866" y="1433192"/>
+                  <a:pt x="25866" y="1433192"/>
+                  <a:pt x="25866" y="1433192"/>
+                </a:cubicBezTo>
+                <a:cubicBezTo>
+                  <a:pt x="-8621" y="1371878"/>
+                  <a:pt x="-8621" y="1279909"/>
+                  <a:pt x="25866" y="1218596"/>
+                </a:cubicBezTo>
+                <a:cubicBezTo>
+                  <a:pt x="669612" y="103466"/>
+                  <a:pt x="669612" y="103466"/>
+                  <a:pt x="669612" y="103466"/>
+                </a:cubicBezTo>
+                <a:cubicBezTo>
+                  <a:pt x="700266" y="45985"/>
+                  <a:pt x="784566" y="0"/>
+                  <a:pt x="853538" y="0"/>
+                </a:cubicBezTo>
+                <a:close/>
+              </a:path>
+            </a:pathLst>
+          </a:custGeom>
+          <a:solidFill>
+            <a:schemeClr val="tx1"/>
+          </a:solidFill>
+          <a:ln w="50800">
+            <a:noFill/>
+          </a:ln>
+        </p:spPr>
+        <p:style>
+          <a:lnRef idx="2">
+            <a:schemeClr val="accent1">
+              <a:shade val="50000"/>
+            </a:schemeClr>
+          </a:lnRef>
+          <a:fillRef idx="1">
+            <a:schemeClr val="accent1"/>
+          </a:fillRef>
+          <a:effectRef idx="0">
+            <a:schemeClr val="accent1"/>
+          </a:effectRef>
+          <a:fontRef idx="minor">
+            <a:schemeClr val="lt1"/>
+          </a:fontRef>
+        </p:style>
+        <p:txBody>
+          <a:bodyPr wrap="square" rtlCol="0" anchor="ctr">
+            <a:noAutofit/>
+          </a:bodyPr>
+          <a:lstStyle/>
+          <a:p>
+            <a:pPr algn="ctr"/>
+            <a:endParaRPr lang="en-US"/>
+          </a:p>
+        </p:txBody>
+      </p:sp>
+      <p:sp>
+        <p:nvSpPr>
+          <p:cNvPr id="5" name="Title 4">
+            <a:extLst>
+              <a:ext uri="{FF2B5EF4-FFF2-40B4-BE49-F238E27FC236}">
+                <a16:creationId xmlns:a16="http://schemas.microsoft.com/office/drawing/2014/main" id="{06F23DEA-8166-4AD5-A142-8BFC440401B0}"/>
+              </a:ext>
+            </a:extLst>
+          </p:cNvPr>
+          <p:cNvSpPr>
+            <a:spLocks noGrp="1"/>
+          </p:cNvSpPr>
+          <p:nvPr>
+            <p:ph type="title"/>
+          </p:nvPr>
+        </p:nvSpPr>
+        <p:spPr>
+          <a:xfrm>
+            <a:off x="7250164" y="1789042"/>
+            <a:ext cx="3859398" cy="1795714"/>
+          </a:xfrm>
+        </p:spPr>
+        <p:txBody>
+          <a:bodyPr vert="horz" lIns="91440" tIns="45720" rIns="91440" bIns="45720" rtlCol="0" anchor="b">
+            <a:normAutofit/>
+          </a:bodyPr>
+          <a:lstStyle/>
+          <a:p>
+            <a:pPr algn="ctr"/>
+            <a:r>
+              <a:rPr lang="en-US" sz="4100" b="1" dirty="0">
+                <a:solidFill>
+                  <a:schemeClr val="bg1"/>
+                </a:solidFill>
+              </a:rPr>
+              <a:t>Data Analysis</a:t>
+            </a:r>
+            <a:endParaRPr lang="en-US" sz="4100" b="1" kern="1200" dirty="0">
+              <a:solidFill>
+                <a:schemeClr val="bg1"/>
+              </a:solidFill>
+              <a:latin typeface="+mj-lt"/>
+              <a:ea typeface="+mj-ea"/>
+              <a:cs typeface="+mj-cs"/>
+            </a:endParaRPr>
+          </a:p>
+        </p:txBody>
+      </p:sp>
+      <p:pic>
+        <p:nvPicPr>
+          <p:cNvPr id="3" name="Picture 2" descr="A picture containing toy, room, drawing&#10;&#10;Description automatically generated">
+            <a:extLst>
+              <a:ext uri="{FF2B5EF4-FFF2-40B4-BE49-F238E27FC236}">
+                <a16:creationId xmlns:a16="http://schemas.microsoft.com/office/drawing/2014/main" id="{6F00CF11-2E1D-46FA-8A50-F75DBD337EB7}"/>
+              </a:ext>
+            </a:extLst>
+          </p:cNvPr>
+          <p:cNvPicPr>
+            <a:picLocks noChangeAspect="1"/>
+          </p:cNvPicPr>
+          <p:nvPr/>
+        </p:nvPicPr>
+        <p:blipFill rotWithShape="1">
+          <a:blip r:embed="rId2">
+            <a:extLst>
+              <a:ext uri="{28A0092B-C50C-407E-A947-70E740481C1C}">
+                <a14:useLocalDpi xmlns:a14="http://schemas.microsoft.com/office/drawing/2010/main" val="0"/>
+              </a:ext>
+            </a:extLst>
+          </a:blip>
+          <a:srcRect l="7581" r="16499" b="5"/>
+          <a:stretch/>
+        </p:blipFill>
+        <p:spPr>
+          <a:xfrm>
+            <a:off x="2114164" y="371436"/>
+            <a:ext cx="2834571" cy="2482727"/>
+          </a:xfrm>
+          <a:custGeom>
+            <a:avLst/>
+            <a:gdLst/>
+            <a:ahLst/>
+            <a:cxnLst/>
+            <a:rect l="l" t="t" r="r" b="b"/>
+            <a:pathLst>
+              <a:path w="2298408" h="2013116">
+                <a:moveTo>
+                  <a:pt x="655742" y="0"/>
+                </a:moveTo>
+                <a:cubicBezTo>
+                  <a:pt x="1644875" y="0"/>
+                  <a:pt x="1644875" y="0"/>
+                  <a:pt x="1644875" y="0"/>
+                </a:cubicBezTo>
+                <a:cubicBezTo>
+                  <a:pt x="1694920" y="0"/>
+                  <a:pt x="1759685" y="34910"/>
+                  <a:pt x="1786179" y="78547"/>
+                </a:cubicBezTo>
+                <a:cubicBezTo>
+                  <a:pt x="2280745" y="925103"/>
+                  <a:pt x="2280745" y="925103"/>
+                  <a:pt x="2280745" y="925103"/>
+                </a:cubicBezTo>
+                <a:cubicBezTo>
+                  <a:pt x="2304296" y="971649"/>
+                  <a:pt x="2304296" y="1041468"/>
+                  <a:pt x="2280745" y="1088014"/>
+                </a:cubicBezTo>
+                <a:cubicBezTo>
+                  <a:pt x="1786179" y="1934570"/>
+                  <a:pt x="1786179" y="1934570"/>
+                  <a:pt x="1786179" y="1934570"/>
+                </a:cubicBezTo>
+                <a:cubicBezTo>
+                  <a:pt x="1759685" y="1978207"/>
+                  <a:pt x="1694920" y="2013116"/>
+                  <a:pt x="1644875" y="2013116"/>
+                </a:cubicBezTo>
+                <a:lnTo>
+                  <a:pt x="655742" y="2013116"/>
+                </a:lnTo>
+                <a:cubicBezTo>
+                  <a:pt x="602753" y="2013116"/>
+                  <a:pt x="537989" y="1978207"/>
+                  <a:pt x="514438" y="1934570"/>
+                </a:cubicBezTo>
+                <a:cubicBezTo>
+                  <a:pt x="19872" y="1088014"/>
+                  <a:pt x="19872" y="1088014"/>
+                  <a:pt x="19872" y="1088014"/>
+                </a:cubicBezTo>
+                <a:cubicBezTo>
+                  <a:pt x="-6623" y="1041468"/>
+                  <a:pt x="-6623" y="971649"/>
+                  <a:pt x="19872" y="925103"/>
+                </a:cubicBezTo>
+                <a:cubicBezTo>
+                  <a:pt x="514438" y="78547"/>
+                  <a:pt x="514438" y="78547"/>
+                  <a:pt x="514438" y="78547"/>
+                </a:cubicBezTo>
+                <a:cubicBezTo>
+                  <a:pt x="537989" y="34910"/>
+                  <a:pt x="602753" y="0"/>
+                  <a:pt x="655742" y="0"/>
+                </a:cubicBezTo>
+                <a:close/>
+              </a:path>
+            </a:pathLst>
+          </a:custGeom>
+        </p:spPr>
+      </p:pic>
+      <p:pic>
+        <p:nvPicPr>
+          <p:cNvPr id="2" name="Picture 1" descr="A picture containing drawing, clock, room, computer&#10;&#10;Description automatically generated">
+            <a:extLst>
+              <a:ext uri="{FF2B5EF4-FFF2-40B4-BE49-F238E27FC236}">
+                <a16:creationId xmlns:a16="http://schemas.microsoft.com/office/drawing/2014/main" id="{D06B943B-9B64-486A-976D-D4FC53E689DA}"/>
+              </a:ext>
+            </a:extLst>
+          </p:cNvPr>
+          <p:cNvPicPr>
+            <a:picLocks noChangeAspect="1"/>
+          </p:cNvPicPr>
+          <p:nvPr/>
+        </p:nvPicPr>
+        <p:blipFill rotWithShape="1">
+          <a:blip r:embed="rId3">
+            <a:extLst>
+              <a:ext uri="{28A0092B-C50C-407E-A947-70E740481C1C}">
+                <a14:useLocalDpi xmlns:a14="http://schemas.microsoft.com/office/drawing/2010/main" val="0"/>
+              </a:ext>
+            </a:extLst>
+          </a:blip>
+          <a:srcRect l="8645" r="10430" b="-1"/>
+          <a:stretch/>
+        </p:blipFill>
+        <p:spPr>
+          <a:xfrm>
+            <a:off x="496824" y="1969368"/>
+            <a:ext cx="7535357" cy="4888633"/>
+          </a:xfrm>
+          <a:custGeom>
+            <a:avLst/>
+            <a:gdLst/>
+            <a:ahLst/>
+            <a:cxnLst/>
+            <a:rect l="l" t="t" r="r" b="b"/>
+            <a:pathLst>
+              <a:path w="7535357" h="4888633">
+                <a:moveTo>
+                  <a:pt x="870790" y="4707517"/>
+                </a:moveTo>
+                <a:lnTo>
+                  <a:pt x="887365" y="4736227"/>
+                </a:lnTo>
+                <a:cubicBezTo>
+                  <a:pt x="904174" y="4765340"/>
+                  <a:pt x="922103" y="4796392"/>
+                  <a:pt x="941227" y="4829516"/>
+                </a:cubicBezTo>
+                <a:lnTo>
+                  <a:pt x="975359" y="4888633"/>
+                </a:lnTo>
+                <a:lnTo>
+                  <a:pt x="968986" y="4888633"/>
+                </a:lnTo>
+                <a:close/>
+                <a:moveTo>
+                  <a:pt x="2633174" y="985134"/>
+                </a:moveTo>
+                <a:cubicBezTo>
+                  <a:pt x="2633174" y="985134"/>
+                  <a:pt x="2633174" y="985134"/>
+                  <a:pt x="5550429" y="992447"/>
+                </a:cubicBezTo>
+                <a:cubicBezTo>
+                  <a:pt x="5736287" y="987221"/>
+                  <a:pt x="5911862" y="1090010"/>
+                  <a:pt x="6003423" y="1248596"/>
+                </a:cubicBezTo>
+                <a:cubicBezTo>
+                  <a:pt x="6003423" y="1248596"/>
+                  <a:pt x="6003423" y="1248596"/>
+                  <a:pt x="7465225" y="3780514"/>
+                </a:cubicBezTo>
+                <a:cubicBezTo>
+                  <a:pt x="7559943" y="3944569"/>
+                  <a:pt x="7558015" y="4142548"/>
+                  <a:pt x="7463717" y="4306361"/>
+                </a:cubicBezTo>
+                <a:cubicBezTo>
+                  <a:pt x="7463717" y="4306361"/>
+                  <a:pt x="7463717" y="4306361"/>
+                  <a:pt x="7159062" y="4834812"/>
+                </a:cubicBezTo>
+                <a:lnTo>
+                  <a:pt x="7128035" y="4888633"/>
+                </a:lnTo>
+                <a:lnTo>
+                  <a:pt x="1073039" y="4888633"/>
+                </a:lnTo>
+                <a:lnTo>
+                  <a:pt x="986766" y="4739206"/>
+                </a:lnTo>
+                <a:cubicBezTo>
+                  <a:pt x="906468" y="4600124"/>
+                  <a:pt x="820815" y="4451770"/>
+                  <a:pt x="729452" y="4293524"/>
+                </a:cubicBezTo>
+                <a:cubicBezTo>
+                  <a:pt x="637892" y="4134937"/>
+                  <a:pt x="636662" y="3931490"/>
+                  <a:pt x="734117" y="3773145"/>
+                </a:cubicBezTo>
+                <a:cubicBezTo>
+                  <a:pt x="734117" y="3773145"/>
+                  <a:pt x="734117" y="3773145"/>
+                  <a:pt x="2186411" y="1243073"/>
+                </a:cubicBezTo>
+                <a:cubicBezTo>
+                  <a:pt x="2275261" y="1082404"/>
+                  <a:pt x="2449608" y="981746"/>
+                  <a:pt x="2633174" y="985134"/>
+                </a:cubicBezTo>
+                <a:close/>
+                <a:moveTo>
+                  <a:pt x="631805" y="0"/>
+                </a:moveTo>
+                <a:cubicBezTo>
+                  <a:pt x="631805" y="0"/>
+                  <a:pt x="631805" y="0"/>
+                  <a:pt x="1562676" y="0"/>
+                </a:cubicBezTo>
+                <a:cubicBezTo>
+                  <a:pt x="1620981" y="0"/>
+                  <a:pt x="1677276" y="32050"/>
+                  <a:pt x="1705423" y="84130"/>
+                </a:cubicBezTo>
+                <a:cubicBezTo>
+                  <a:pt x="1705423" y="84130"/>
+                  <a:pt x="1705423" y="84130"/>
+                  <a:pt x="2171863" y="887371"/>
+                </a:cubicBezTo>
+                <a:cubicBezTo>
+                  <a:pt x="2202021" y="937449"/>
+                  <a:pt x="2202021" y="1001548"/>
+                  <a:pt x="2171863" y="1051625"/>
+                </a:cubicBezTo>
+                <a:cubicBezTo>
+                  <a:pt x="2171863" y="1051625"/>
+                  <a:pt x="2171863" y="1051625"/>
+                  <a:pt x="1705423" y="1854866"/>
+                </a:cubicBezTo>
+                <a:cubicBezTo>
+                  <a:pt x="1677276" y="1906947"/>
+                  <a:pt x="1620981" y="1938996"/>
+                  <a:pt x="1562676" y="1938996"/>
+                </a:cubicBezTo>
+                <a:cubicBezTo>
+                  <a:pt x="1562676" y="1938996"/>
+                  <a:pt x="1562676" y="1938996"/>
+                  <a:pt x="631805" y="1938996"/>
+                </a:cubicBezTo>
+                <a:cubicBezTo>
+                  <a:pt x="571490" y="1938996"/>
+                  <a:pt x="517206" y="1906947"/>
+                  <a:pt x="487048" y="1854866"/>
+                </a:cubicBezTo>
+                <a:cubicBezTo>
+                  <a:pt x="487048" y="1854866"/>
+                  <a:pt x="487048" y="1854866"/>
+                  <a:pt x="22618" y="1051625"/>
+                </a:cubicBezTo>
+                <a:cubicBezTo>
+                  <a:pt x="-7540" y="1001548"/>
+                  <a:pt x="-7540" y="937449"/>
+                  <a:pt x="22618" y="887371"/>
+                </a:cubicBezTo>
+                <a:cubicBezTo>
+                  <a:pt x="22618" y="887371"/>
+                  <a:pt x="22618" y="887371"/>
+                  <a:pt x="487048" y="84130"/>
+                </a:cubicBezTo>
+                <a:cubicBezTo>
+                  <a:pt x="517206" y="32050"/>
+                  <a:pt x="571490" y="0"/>
+                  <a:pt x="631805" y="0"/>
+                </a:cubicBezTo>
+                <a:close/>
+              </a:path>
+            </a:pathLst>
+          </a:custGeom>
+        </p:spPr>
+      </p:pic>
+      <p:sp>
+        <p:nvSpPr>
+          <p:cNvPr id="4" name="Slide Number Placeholder 3">
+            <a:extLst>
+              <a:ext uri="{FF2B5EF4-FFF2-40B4-BE49-F238E27FC236}">
+                <a16:creationId xmlns:a16="http://schemas.microsoft.com/office/drawing/2014/main" id="{29FBC74F-BAAE-4CA8-AD42-14819C0129E4}"/>
+              </a:ext>
+            </a:extLst>
+          </p:cNvPr>
+          <p:cNvSpPr>
+            <a:spLocks noGrp="1"/>
+          </p:cNvSpPr>
+          <p:nvPr>
+            <p:ph type="sldNum" sz="quarter" idx="12"/>
+          </p:nvPr>
+        </p:nvSpPr>
+        <p:spPr/>
+        <p:txBody>
+          <a:bodyPr/>
+          <a:lstStyle/>
+          <a:p>
+            <a:fld id="{A56E3B75-B6C5-4C90-8D86-3D0E4B666D89}" type="slidenum">
+              <a:rPr lang="en-CA" smtClean="0"/>
+              <a:t>9</a:t>
+            </a:fld>
+            <a:endParaRPr lang="en-CA"/>
+          </a:p>
+        </p:txBody>
+      </p:sp>
+    </p:spTree>
+    <p:extLst>
+      <p:ext uri="{BB962C8B-B14F-4D97-AF65-F5344CB8AC3E}">
+        <p14:creationId xmlns:p14="http://schemas.microsoft.com/office/powerpoint/2010/main" val="4115035585"/>
       </p:ext>
     </p:extLst>
   </p:cSld>

--- a/002 - Deliverables/Social_Media_v0.01.pptx
+++ b/002 - Deliverables/Social_Media_v0.01.pptx
@@ -5,7 +5,7 @@
     <p:sldMasterId id="2147483648" r:id="rId1"/>
   </p:sldMasterIdLst>
   <p:notesMasterIdLst>
-    <p:notesMasterId r:id="rId20"/>
+    <p:notesMasterId r:id="rId22"/>
   </p:notesMasterIdLst>
   <p:sldIdLst>
     <p:sldId id="264" r:id="rId2"/>
@@ -13,19 +13,21 @@
     <p:sldId id="286" r:id="rId4"/>
     <p:sldId id="271" r:id="rId5"/>
     <p:sldId id="294" r:id="rId6"/>
-    <p:sldId id="288" r:id="rId7"/>
-    <p:sldId id="304" r:id="rId8"/>
-    <p:sldId id="307" r:id="rId9"/>
-    <p:sldId id="295" r:id="rId10"/>
-    <p:sldId id="305" r:id="rId11"/>
-    <p:sldId id="296" r:id="rId12"/>
-    <p:sldId id="306" r:id="rId13"/>
-    <p:sldId id="310" r:id="rId14"/>
-    <p:sldId id="309" r:id="rId15"/>
-    <p:sldId id="308" r:id="rId16"/>
-    <p:sldId id="265" r:id="rId17"/>
-    <p:sldId id="303" r:id="rId18"/>
-    <p:sldId id="290" r:id="rId19"/>
+    <p:sldId id="273" r:id="rId7"/>
+    <p:sldId id="288" r:id="rId8"/>
+    <p:sldId id="304" r:id="rId9"/>
+    <p:sldId id="307" r:id="rId10"/>
+    <p:sldId id="295" r:id="rId11"/>
+    <p:sldId id="305" r:id="rId12"/>
+    <p:sldId id="296" r:id="rId13"/>
+    <p:sldId id="306" r:id="rId14"/>
+    <p:sldId id="310" r:id="rId15"/>
+    <p:sldId id="309" r:id="rId16"/>
+    <p:sldId id="308" r:id="rId17"/>
+    <p:sldId id="311" r:id="rId18"/>
+    <p:sldId id="265" r:id="rId19"/>
+    <p:sldId id="303" r:id="rId20"/>
+    <p:sldId id="290" r:id="rId21"/>
   </p:sldIdLst>
   <p:sldSz cx="12192000" cy="6858000"/>
   <p:notesSz cx="6858000" cy="9144000"/>
@@ -130,6 +132,32 @@
     </p:ext>
   </p:extLst>
 </p:presentation>
+</file>
+
+<file path=ppt/commentAuthors.xml><?xml version="1.0" encoding="utf-8"?>
+<p:cmAuthorLst xmlns:a="http://schemas.openxmlformats.org/drawingml/2006/main" xmlns:r="http://schemas.openxmlformats.org/officeDocument/2006/relationships" xmlns:p="http://schemas.openxmlformats.org/presentationml/2006/main">
+  <p:cmAuthor id="1" name="zhang jiaqi" initials="zj" lastIdx="1" clrIdx="0">
+    <p:extLst>
+      <p:ext uri="{19B8F6BF-5375-455C-9EA6-DF929625EA0E}">
+        <p15:presenceInfo xmlns:p15="http://schemas.microsoft.com/office/powerpoint/2012/main" userId="4b10133e8cad6e2e" providerId="Windows Live"/>
+      </p:ext>
+    </p:extLst>
+  </p:cmAuthor>
+</p:cmAuthorLst>
+</file>
+
+<file path=ppt/comments/comment1.xml><?xml version="1.0" encoding="utf-8"?>
+<p:cmLst xmlns:a="http://schemas.openxmlformats.org/drawingml/2006/main" xmlns:r="http://schemas.openxmlformats.org/officeDocument/2006/relationships" xmlns:p="http://schemas.openxmlformats.org/presentationml/2006/main">
+  <p:cm authorId="1" dt="2020-03-18T17:31:22.009" idx="1">
+    <p:pos x="10" y="10"/>
+    <p:text/>
+    <p:extLst>
+      <p:ext uri="{C676402C-5697-4E1C-873F-D02D1690AC5C}">
+        <p15:threadingInfo xmlns:p15="http://schemas.microsoft.com/office/powerpoint/2012/main" timeZoneBias="240"/>
+      </p:ext>
+    </p:extLst>
+  </p:cm>
+</p:cmLst>
 </file>
 
 <file path=ppt/notesMasters/notesMaster1.xml><?xml version="1.0" encoding="utf-8"?>
@@ -5504,6 +5532,671 @@
 <file path=ppt/slides/slide10.xml><?xml version="1.0" encoding="utf-8"?>
 <p:sld xmlns:a="http://schemas.openxmlformats.org/drawingml/2006/main" xmlns:r="http://schemas.openxmlformats.org/officeDocument/2006/relationships" xmlns:p="http://schemas.openxmlformats.org/presentationml/2006/main">
   <p:cSld>
+    <p:bg>
+      <p:bgPr>
+        <a:solidFill>
+          <a:schemeClr val="bg1"/>
+        </a:solidFill>
+        <a:effectLst/>
+      </p:bgPr>
+    </p:bg>
+    <p:spTree>
+      <p:nvGrpSpPr>
+        <p:cNvPr id="1" name=""/>
+        <p:cNvGrpSpPr/>
+        <p:nvPr/>
+      </p:nvGrpSpPr>
+      <p:grpSpPr>
+        <a:xfrm>
+          <a:off x="0" y="0"/>
+          <a:ext cx="0" cy="0"/>
+          <a:chOff x="0" y="0"/>
+          <a:chExt cx="0" cy="0"/>
+        </a:xfrm>
+      </p:grpSpPr>
+      <p:sp useBgFill="1">
+        <p:nvSpPr>
+          <p:cNvPr id="42" name="Rectangle 41">
+            <a:extLst>
+              <a:ext uri="{FF2B5EF4-FFF2-40B4-BE49-F238E27FC236}">
+                <a16:creationId xmlns:a16="http://schemas.microsoft.com/office/drawing/2014/main" id="{BF538DE5-A30F-4117-9482-6CCAD2A82196}"/>
+              </a:ext>
+              <a:ext uri="{C183D7F6-B498-43B3-948B-1728B52AA6E4}">
+                <adec:decorative xmlns:adec="http://schemas.microsoft.com/office/drawing/2017/decorative" val="1"/>
+              </a:ext>
+            </a:extLst>
+          </p:cNvPr>
+          <p:cNvSpPr>
+            <a:spLocks noGrp="1" noRot="1" noChangeAspect="1" noMove="1" noResize="1" noEditPoints="1" noAdjustHandles="1" noChangeArrowheads="1" noChangeShapeType="1" noTextEdit="1"/>
+          </p:cNvSpPr>
+          <p:nvPr>
+            <p:extLst>
+              <p:ext uri="{386F3935-93C4-4BCD-93E2-E3B085C9AB24}">
+                <p16:designElem xmlns:p16="http://schemas.microsoft.com/office/powerpoint/2015/main" val="1"/>
+              </p:ext>
+            </p:extLst>
+          </p:nvPr>
+        </p:nvSpPr>
+        <p:spPr>
+          <a:xfrm>
+            <a:off x="0" y="0"/>
+            <a:ext cx="12192000" cy="6858000"/>
+          </a:xfrm>
+          <a:prstGeom prst="rect">
+            <a:avLst/>
+          </a:prstGeom>
+          <a:ln>
+            <a:noFill/>
+          </a:ln>
+        </p:spPr>
+        <p:style>
+          <a:lnRef idx="2">
+            <a:schemeClr val="accent1">
+              <a:shade val="50000"/>
+            </a:schemeClr>
+          </a:lnRef>
+          <a:fillRef idx="1">
+            <a:schemeClr val="accent1"/>
+          </a:fillRef>
+          <a:effectRef idx="0">
+            <a:schemeClr val="accent1"/>
+          </a:effectRef>
+          <a:fontRef idx="minor">
+            <a:schemeClr val="lt1"/>
+          </a:fontRef>
+        </p:style>
+        <p:txBody>
+          <a:bodyPr rtlCol="0" anchor="ctr"/>
+          <a:lstStyle/>
+          <a:p>
+            <a:pPr algn="ctr"/>
+            <a:endParaRPr lang="en-US"/>
+          </a:p>
+        </p:txBody>
+      </p:sp>
+      <p:sp>
+        <p:nvSpPr>
+          <p:cNvPr id="48" name="Freeform: Shape 43">
+            <a:extLst>
+              <a:ext uri="{FF2B5EF4-FFF2-40B4-BE49-F238E27FC236}">
+                <a16:creationId xmlns:a16="http://schemas.microsoft.com/office/drawing/2014/main" id="{DB01F01A-0922-4194-8449-21D15139A756}"/>
+              </a:ext>
+              <a:ext uri="{C183D7F6-B498-43B3-948B-1728B52AA6E4}">
+                <adec:decorative xmlns:adec="http://schemas.microsoft.com/office/drawing/2017/decorative" val="1"/>
+              </a:ext>
+            </a:extLst>
+          </p:cNvPr>
+          <p:cNvSpPr>
+            <a:spLocks noGrp="1" noRot="1" noChangeAspect="1" noMove="1" noResize="1" noEditPoints="1" noAdjustHandles="1" noChangeArrowheads="1" noChangeShapeType="1" noTextEdit="1"/>
+          </p:cNvSpPr>
+          <p:nvPr>
+            <p:extLst>
+              <p:ext uri="{386F3935-93C4-4BCD-93E2-E3B085C9AB24}">
+                <p16:designElem xmlns:p16="http://schemas.microsoft.com/office/powerpoint/2015/main" val="1"/>
+              </p:ext>
+            </p:extLst>
+          </p:nvPr>
+        </p:nvSpPr>
+        <p:spPr>
+          <a:xfrm>
+            <a:off x="6715360" y="834629"/>
+            <a:ext cx="4979816" cy="4361685"/>
+          </a:xfrm>
+          <a:custGeom>
+            <a:avLst/>
+            <a:gdLst>
+              <a:gd name="connsiteX0" fmla="*/ 853538 w 2991693"/>
+              <a:gd name="connsiteY0" fmla="*/ 0 h 2651787"/>
+              <a:gd name="connsiteX1" fmla="*/ 2141030 w 2991693"/>
+              <a:gd name="connsiteY1" fmla="*/ 0 h 2651787"/>
+              <a:gd name="connsiteX2" fmla="*/ 2324957 w 2991693"/>
+              <a:gd name="connsiteY2" fmla="*/ 103466 h 2651787"/>
+              <a:gd name="connsiteX3" fmla="*/ 2968702 w 2991693"/>
+              <a:gd name="connsiteY3" fmla="*/ 1218596 h 2651787"/>
+              <a:gd name="connsiteX4" fmla="*/ 2968702 w 2991693"/>
+              <a:gd name="connsiteY4" fmla="*/ 1433192 h 2651787"/>
+              <a:gd name="connsiteX5" fmla="*/ 2324957 w 2991693"/>
+              <a:gd name="connsiteY5" fmla="*/ 2548321 h 2651787"/>
+              <a:gd name="connsiteX6" fmla="*/ 2141030 w 2991693"/>
+              <a:gd name="connsiteY6" fmla="*/ 2651787 h 2651787"/>
+              <a:gd name="connsiteX7" fmla="*/ 853538 w 2991693"/>
+              <a:gd name="connsiteY7" fmla="*/ 2651787 h 2651787"/>
+              <a:gd name="connsiteX8" fmla="*/ 669612 w 2991693"/>
+              <a:gd name="connsiteY8" fmla="*/ 2548321 h 2651787"/>
+              <a:gd name="connsiteX9" fmla="*/ 25866 w 2991693"/>
+              <a:gd name="connsiteY9" fmla="*/ 1433192 h 2651787"/>
+              <a:gd name="connsiteX10" fmla="*/ 25866 w 2991693"/>
+              <a:gd name="connsiteY10" fmla="*/ 1218596 h 2651787"/>
+              <a:gd name="connsiteX11" fmla="*/ 669612 w 2991693"/>
+              <a:gd name="connsiteY11" fmla="*/ 103466 h 2651787"/>
+              <a:gd name="connsiteX12" fmla="*/ 853538 w 2991693"/>
+              <a:gd name="connsiteY12" fmla="*/ 0 h 2651787"/>
+            </a:gdLst>
+            <a:ahLst/>
+            <a:cxnLst>
+              <a:cxn ang="0">
+                <a:pos x="connsiteX0" y="connsiteY0"/>
+              </a:cxn>
+              <a:cxn ang="0">
+                <a:pos x="connsiteX1" y="connsiteY1"/>
+              </a:cxn>
+              <a:cxn ang="0">
+                <a:pos x="connsiteX2" y="connsiteY2"/>
+              </a:cxn>
+              <a:cxn ang="0">
+                <a:pos x="connsiteX3" y="connsiteY3"/>
+              </a:cxn>
+              <a:cxn ang="0">
+                <a:pos x="connsiteX4" y="connsiteY4"/>
+              </a:cxn>
+              <a:cxn ang="0">
+                <a:pos x="connsiteX5" y="connsiteY5"/>
+              </a:cxn>
+              <a:cxn ang="0">
+                <a:pos x="connsiteX6" y="connsiteY6"/>
+              </a:cxn>
+              <a:cxn ang="0">
+                <a:pos x="connsiteX7" y="connsiteY7"/>
+              </a:cxn>
+              <a:cxn ang="0">
+                <a:pos x="connsiteX8" y="connsiteY8"/>
+              </a:cxn>
+              <a:cxn ang="0">
+                <a:pos x="connsiteX9" y="connsiteY9"/>
+              </a:cxn>
+              <a:cxn ang="0">
+                <a:pos x="connsiteX10" y="connsiteY10"/>
+              </a:cxn>
+              <a:cxn ang="0">
+                <a:pos x="connsiteX11" y="connsiteY11"/>
+              </a:cxn>
+              <a:cxn ang="0">
+                <a:pos x="connsiteX12" y="connsiteY12"/>
+              </a:cxn>
+            </a:cxnLst>
+            <a:rect l="l" t="t" r="r" b="b"/>
+            <a:pathLst>
+              <a:path w="2991693" h="2651787">
+                <a:moveTo>
+                  <a:pt x="853538" y="0"/>
+                </a:moveTo>
+                <a:cubicBezTo>
+                  <a:pt x="2141030" y="0"/>
+                  <a:pt x="2141030" y="0"/>
+                  <a:pt x="2141030" y="0"/>
+                </a:cubicBezTo>
+                <a:cubicBezTo>
+                  <a:pt x="2206170" y="0"/>
+                  <a:pt x="2290471" y="45985"/>
+                  <a:pt x="2324957" y="103466"/>
+                </a:cubicBezTo>
+                <a:cubicBezTo>
+                  <a:pt x="2968702" y="1218596"/>
+                  <a:pt x="2968702" y="1218596"/>
+                  <a:pt x="2968702" y="1218596"/>
+                </a:cubicBezTo>
+                <a:cubicBezTo>
+                  <a:pt x="2999357" y="1279909"/>
+                  <a:pt x="2999357" y="1371878"/>
+                  <a:pt x="2968702" y="1433192"/>
+                </a:cubicBezTo>
+                <a:cubicBezTo>
+                  <a:pt x="2324957" y="2548321"/>
+                  <a:pt x="2324957" y="2548321"/>
+                  <a:pt x="2324957" y="2548321"/>
+                </a:cubicBezTo>
+                <a:cubicBezTo>
+                  <a:pt x="2290471" y="2605803"/>
+                  <a:pt x="2206170" y="2651787"/>
+                  <a:pt x="2141030" y="2651787"/>
+                </a:cubicBezTo>
+                <a:lnTo>
+                  <a:pt x="853538" y="2651787"/>
+                </a:lnTo>
+                <a:cubicBezTo>
+                  <a:pt x="784566" y="2651787"/>
+                  <a:pt x="700266" y="2605803"/>
+                  <a:pt x="669612" y="2548321"/>
+                </a:cubicBezTo>
+                <a:cubicBezTo>
+                  <a:pt x="25866" y="1433192"/>
+                  <a:pt x="25866" y="1433192"/>
+                  <a:pt x="25866" y="1433192"/>
+                </a:cubicBezTo>
+                <a:cubicBezTo>
+                  <a:pt x="-8621" y="1371878"/>
+                  <a:pt x="-8621" y="1279909"/>
+                  <a:pt x="25866" y="1218596"/>
+                </a:cubicBezTo>
+                <a:cubicBezTo>
+                  <a:pt x="669612" y="103466"/>
+                  <a:pt x="669612" y="103466"/>
+                  <a:pt x="669612" y="103466"/>
+                </a:cubicBezTo>
+                <a:cubicBezTo>
+                  <a:pt x="700266" y="45985"/>
+                  <a:pt x="784566" y="0"/>
+                  <a:pt x="853538" y="0"/>
+                </a:cubicBezTo>
+                <a:close/>
+              </a:path>
+            </a:pathLst>
+          </a:custGeom>
+          <a:solidFill>
+            <a:schemeClr val="tx1"/>
+          </a:solidFill>
+          <a:ln w="50800">
+            <a:noFill/>
+          </a:ln>
+        </p:spPr>
+        <p:style>
+          <a:lnRef idx="2">
+            <a:schemeClr val="accent1">
+              <a:shade val="50000"/>
+            </a:schemeClr>
+          </a:lnRef>
+          <a:fillRef idx="1">
+            <a:schemeClr val="accent1"/>
+          </a:fillRef>
+          <a:effectRef idx="0">
+            <a:schemeClr val="accent1"/>
+          </a:effectRef>
+          <a:fontRef idx="minor">
+            <a:schemeClr val="lt1"/>
+          </a:fontRef>
+        </p:style>
+        <p:txBody>
+          <a:bodyPr wrap="square" rtlCol="0" anchor="ctr">
+            <a:noAutofit/>
+          </a:bodyPr>
+          <a:lstStyle/>
+          <a:p>
+            <a:pPr algn="ctr"/>
+            <a:endParaRPr lang="en-US"/>
+          </a:p>
+        </p:txBody>
+      </p:sp>
+      <p:sp>
+        <p:nvSpPr>
+          <p:cNvPr id="5" name="Title 4">
+            <a:extLst>
+              <a:ext uri="{FF2B5EF4-FFF2-40B4-BE49-F238E27FC236}">
+                <a16:creationId xmlns:a16="http://schemas.microsoft.com/office/drawing/2014/main" id="{06F23DEA-8166-4AD5-A142-8BFC440401B0}"/>
+              </a:ext>
+            </a:extLst>
+          </p:cNvPr>
+          <p:cNvSpPr>
+            <a:spLocks noGrp="1"/>
+          </p:cNvSpPr>
+          <p:nvPr>
+            <p:ph type="title"/>
+          </p:nvPr>
+        </p:nvSpPr>
+        <p:spPr>
+          <a:xfrm>
+            <a:off x="7250164" y="1789042"/>
+            <a:ext cx="3859398" cy="1795714"/>
+          </a:xfrm>
+        </p:spPr>
+        <p:txBody>
+          <a:bodyPr vert="horz" lIns="91440" tIns="45720" rIns="91440" bIns="45720" rtlCol="0" anchor="b">
+            <a:normAutofit/>
+          </a:bodyPr>
+          <a:lstStyle/>
+          <a:p>
+            <a:pPr algn="ctr"/>
+            <a:r>
+              <a:rPr lang="en-US" sz="4100" b="1" dirty="0">
+                <a:solidFill>
+                  <a:schemeClr val="bg1"/>
+                </a:solidFill>
+              </a:rPr>
+              <a:t>Data Analysis</a:t>
+            </a:r>
+            <a:endParaRPr lang="en-US" sz="4100" b="1" kern="1200" dirty="0">
+              <a:solidFill>
+                <a:schemeClr val="bg1"/>
+              </a:solidFill>
+              <a:latin typeface="+mj-lt"/>
+              <a:ea typeface="+mj-ea"/>
+              <a:cs typeface="+mj-cs"/>
+            </a:endParaRPr>
+          </a:p>
+        </p:txBody>
+      </p:sp>
+      <p:pic>
+        <p:nvPicPr>
+          <p:cNvPr id="3" name="Picture 2" descr="A picture containing toy, room, drawing&#10;&#10;Description automatically generated">
+            <a:extLst>
+              <a:ext uri="{FF2B5EF4-FFF2-40B4-BE49-F238E27FC236}">
+                <a16:creationId xmlns:a16="http://schemas.microsoft.com/office/drawing/2014/main" id="{6F00CF11-2E1D-46FA-8A50-F75DBD337EB7}"/>
+              </a:ext>
+            </a:extLst>
+          </p:cNvPr>
+          <p:cNvPicPr>
+            <a:picLocks noChangeAspect="1"/>
+          </p:cNvPicPr>
+          <p:nvPr/>
+        </p:nvPicPr>
+        <p:blipFill rotWithShape="1">
+          <a:blip r:embed="rId2">
+            <a:extLst>
+              <a:ext uri="{28A0092B-C50C-407E-A947-70E740481C1C}">
+                <a14:useLocalDpi xmlns:a14="http://schemas.microsoft.com/office/drawing/2010/main" val="0"/>
+              </a:ext>
+            </a:extLst>
+          </a:blip>
+          <a:srcRect l="7581" r="16499" b="5"/>
+          <a:stretch/>
+        </p:blipFill>
+        <p:spPr>
+          <a:xfrm>
+            <a:off x="2114164" y="371436"/>
+            <a:ext cx="2834571" cy="2482727"/>
+          </a:xfrm>
+          <a:custGeom>
+            <a:avLst/>
+            <a:gdLst/>
+            <a:ahLst/>
+            <a:cxnLst/>
+            <a:rect l="l" t="t" r="r" b="b"/>
+            <a:pathLst>
+              <a:path w="2298408" h="2013116">
+                <a:moveTo>
+                  <a:pt x="655742" y="0"/>
+                </a:moveTo>
+                <a:cubicBezTo>
+                  <a:pt x="1644875" y="0"/>
+                  <a:pt x="1644875" y="0"/>
+                  <a:pt x="1644875" y="0"/>
+                </a:cubicBezTo>
+                <a:cubicBezTo>
+                  <a:pt x="1694920" y="0"/>
+                  <a:pt x="1759685" y="34910"/>
+                  <a:pt x="1786179" y="78547"/>
+                </a:cubicBezTo>
+                <a:cubicBezTo>
+                  <a:pt x="2280745" y="925103"/>
+                  <a:pt x="2280745" y="925103"/>
+                  <a:pt x="2280745" y="925103"/>
+                </a:cubicBezTo>
+                <a:cubicBezTo>
+                  <a:pt x="2304296" y="971649"/>
+                  <a:pt x="2304296" y="1041468"/>
+                  <a:pt x="2280745" y="1088014"/>
+                </a:cubicBezTo>
+                <a:cubicBezTo>
+                  <a:pt x="1786179" y="1934570"/>
+                  <a:pt x="1786179" y="1934570"/>
+                  <a:pt x="1786179" y="1934570"/>
+                </a:cubicBezTo>
+                <a:cubicBezTo>
+                  <a:pt x="1759685" y="1978207"/>
+                  <a:pt x="1694920" y="2013116"/>
+                  <a:pt x="1644875" y="2013116"/>
+                </a:cubicBezTo>
+                <a:lnTo>
+                  <a:pt x="655742" y="2013116"/>
+                </a:lnTo>
+                <a:cubicBezTo>
+                  <a:pt x="602753" y="2013116"/>
+                  <a:pt x="537989" y="1978207"/>
+                  <a:pt x="514438" y="1934570"/>
+                </a:cubicBezTo>
+                <a:cubicBezTo>
+                  <a:pt x="19872" y="1088014"/>
+                  <a:pt x="19872" y="1088014"/>
+                  <a:pt x="19872" y="1088014"/>
+                </a:cubicBezTo>
+                <a:cubicBezTo>
+                  <a:pt x="-6623" y="1041468"/>
+                  <a:pt x="-6623" y="971649"/>
+                  <a:pt x="19872" y="925103"/>
+                </a:cubicBezTo>
+                <a:cubicBezTo>
+                  <a:pt x="514438" y="78547"/>
+                  <a:pt x="514438" y="78547"/>
+                  <a:pt x="514438" y="78547"/>
+                </a:cubicBezTo>
+                <a:cubicBezTo>
+                  <a:pt x="537989" y="34910"/>
+                  <a:pt x="602753" y="0"/>
+                  <a:pt x="655742" y="0"/>
+                </a:cubicBezTo>
+                <a:close/>
+              </a:path>
+            </a:pathLst>
+          </a:custGeom>
+        </p:spPr>
+      </p:pic>
+      <p:pic>
+        <p:nvPicPr>
+          <p:cNvPr id="2" name="Picture 1" descr="A picture containing drawing, clock, room, computer&#10;&#10;Description automatically generated">
+            <a:extLst>
+              <a:ext uri="{FF2B5EF4-FFF2-40B4-BE49-F238E27FC236}">
+                <a16:creationId xmlns:a16="http://schemas.microsoft.com/office/drawing/2014/main" id="{D06B943B-9B64-486A-976D-D4FC53E689DA}"/>
+              </a:ext>
+            </a:extLst>
+          </p:cNvPr>
+          <p:cNvPicPr>
+            <a:picLocks noChangeAspect="1"/>
+          </p:cNvPicPr>
+          <p:nvPr/>
+        </p:nvPicPr>
+        <p:blipFill rotWithShape="1">
+          <a:blip r:embed="rId3">
+            <a:extLst>
+              <a:ext uri="{28A0092B-C50C-407E-A947-70E740481C1C}">
+                <a14:useLocalDpi xmlns:a14="http://schemas.microsoft.com/office/drawing/2010/main" val="0"/>
+              </a:ext>
+            </a:extLst>
+          </a:blip>
+          <a:srcRect l="8645" r="10430" b="-1"/>
+          <a:stretch/>
+        </p:blipFill>
+        <p:spPr>
+          <a:xfrm>
+            <a:off x="496824" y="1969368"/>
+            <a:ext cx="7535357" cy="4888633"/>
+          </a:xfrm>
+          <a:custGeom>
+            <a:avLst/>
+            <a:gdLst/>
+            <a:ahLst/>
+            <a:cxnLst/>
+            <a:rect l="l" t="t" r="r" b="b"/>
+            <a:pathLst>
+              <a:path w="7535357" h="4888633">
+                <a:moveTo>
+                  <a:pt x="870790" y="4707517"/>
+                </a:moveTo>
+                <a:lnTo>
+                  <a:pt x="887365" y="4736227"/>
+                </a:lnTo>
+                <a:cubicBezTo>
+                  <a:pt x="904174" y="4765340"/>
+                  <a:pt x="922103" y="4796392"/>
+                  <a:pt x="941227" y="4829516"/>
+                </a:cubicBezTo>
+                <a:lnTo>
+                  <a:pt x="975359" y="4888633"/>
+                </a:lnTo>
+                <a:lnTo>
+                  <a:pt x="968986" y="4888633"/>
+                </a:lnTo>
+                <a:close/>
+                <a:moveTo>
+                  <a:pt x="2633174" y="985134"/>
+                </a:moveTo>
+                <a:cubicBezTo>
+                  <a:pt x="2633174" y="985134"/>
+                  <a:pt x="2633174" y="985134"/>
+                  <a:pt x="5550429" y="992447"/>
+                </a:cubicBezTo>
+                <a:cubicBezTo>
+                  <a:pt x="5736287" y="987221"/>
+                  <a:pt x="5911862" y="1090010"/>
+                  <a:pt x="6003423" y="1248596"/>
+                </a:cubicBezTo>
+                <a:cubicBezTo>
+                  <a:pt x="6003423" y="1248596"/>
+                  <a:pt x="6003423" y="1248596"/>
+                  <a:pt x="7465225" y="3780514"/>
+                </a:cubicBezTo>
+                <a:cubicBezTo>
+                  <a:pt x="7559943" y="3944569"/>
+                  <a:pt x="7558015" y="4142548"/>
+                  <a:pt x="7463717" y="4306361"/>
+                </a:cubicBezTo>
+                <a:cubicBezTo>
+                  <a:pt x="7463717" y="4306361"/>
+                  <a:pt x="7463717" y="4306361"/>
+                  <a:pt x="7159062" y="4834812"/>
+                </a:cubicBezTo>
+                <a:lnTo>
+                  <a:pt x="7128035" y="4888633"/>
+                </a:lnTo>
+                <a:lnTo>
+                  <a:pt x="1073039" y="4888633"/>
+                </a:lnTo>
+                <a:lnTo>
+                  <a:pt x="986766" y="4739206"/>
+                </a:lnTo>
+                <a:cubicBezTo>
+                  <a:pt x="906468" y="4600124"/>
+                  <a:pt x="820815" y="4451770"/>
+                  <a:pt x="729452" y="4293524"/>
+                </a:cubicBezTo>
+                <a:cubicBezTo>
+                  <a:pt x="637892" y="4134937"/>
+                  <a:pt x="636662" y="3931490"/>
+                  <a:pt x="734117" y="3773145"/>
+                </a:cubicBezTo>
+                <a:cubicBezTo>
+                  <a:pt x="734117" y="3773145"/>
+                  <a:pt x="734117" y="3773145"/>
+                  <a:pt x="2186411" y="1243073"/>
+                </a:cubicBezTo>
+                <a:cubicBezTo>
+                  <a:pt x="2275261" y="1082404"/>
+                  <a:pt x="2449608" y="981746"/>
+                  <a:pt x="2633174" y="985134"/>
+                </a:cubicBezTo>
+                <a:close/>
+                <a:moveTo>
+                  <a:pt x="631805" y="0"/>
+                </a:moveTo>
+                <a:cubicBezTo>
+                  <a:pt x="631805" y="0"/>
+                  <a:pt x="631805" y="0"/>
+                  <a:pt x="1562676" y="0"/>
+                </a:cubicBezTo>
+                <a:cubicBezTo>
+                  <a:pt x="1620981" y="0"/>
+                  <a:pt x="1677276" y="32050"/>
+                  <a:pt x="1705423" y="84130"/>
+                </a:cubicBezTo>
+                <a:cubicBezTo>
+                  <a:pt x="1705423" y="84130"/>
+                  <a:pt x="1705423" y="84130"/>
+                  <a:pt x="2171863" y="887371"/>
+                </a:cubicBezTo>
+                <a:cubicBezTo>
+                  <a:pt x="2202021" y="937449"/>
+                  <a:pt x="2202021" y="1001548"/>
+                  <a:pt x="2171863" y="1051625"/>
+                </a:cubicBezTo>
+                <a:cubicBezTo>
+                  <a:pt x="2171863" y="1051625"/>
+                  <a:pt x="2171863" y="1051625"/>
+                  <a:pt x="1705423" y="1854866"/>
+                </a:cubicBezTo>
+                <a:cubicBezTo>
+                  <a:pt x="1677276" y="1906947"/>
+                  <a:pt x="1620981" y="1938996"/>
+                  <a:pt x="1562676" y="1938996"/>
+                </a:cubicBezTo>
+                <a:cubicBezTo>
+                  <a:pt x="1562676" y="1938996"/>
+                  <a:pt x="1562676" y="1938996"/>
+                  <a:pt x="631805" y="1938996"/>
+                </a:cubicBezTo>
+                <a:cubicBezTo>
+                  <a:pt x="571490" y="1938996"/>
+                  <a:pt x="517206" y="1906947"/>
+                  <a:pt x="487048" y="1854866"/>
+                </a:cubicBezTo>
+                <a:cubicBezTo>
+                  <a:pt x="487048" y="1854866"/>
+                  <a:pt x="487048" y="1854866"/>
+                  <a:pt x="22618" y="1051625"/>
+                </a:cubicBezTo>
+                <a:cubicBezTo>
+                  <a:pt x="-7540" y="1001548"/>
+                  <a:pt x="-7540" y="937449"/>
+                  <a:pt x="22618" y="887371"/>
+                </a:cubicBezTo>
+                <a:cubicBezTo>
+                  <a:pt x="22618" y="887371"/>
+                  <a:pt x="22618" y="887371"/>
+                  <a:pt x="487048" y="84130"/>
+                </a:cubicBezTo>
+                <a:cubicBezTo>
+                  <a:pt x="517206" y="32050"/>
+                  <a:pt x="571490" y="0"/>
+                  <a:pt x="631805" y="0"/>
+                </a:cubicBezTo>
+                <a:close/>
+              </a:path>
+            </a:pathLst>
+          </a:custGeom>
+        </p:spPr>
+      </p:pic>
+      <p:sp>
+        <p:nvSpPr>
+          <p:cNvPr id="4" name="Slide Number Placeholder 3">
+            <a:extLst>
+              <a:ext uri="{FF2B5EF4-FFF2-40B4-BE49-F238E27FC236}">
+                <a16:creationId xmlns:a16="http://schemas.microsoft.com/office/drawing/2014/main" id="{29FBC74F-BAAE-4CA8-AD42-14819C0129E4}"/>
+              </a:ext>
+            </a:extLst>
+          </p:cNvPr>
+          <p:cNvSpPr>
+            <a:spLocks noGrp="1"/>
+          </p:cNvSpPr>
+          <p:nvPr>
+            <p:ph type="sldNum" sz="quarter" idx="12"/>
+          </p:nvPr>
+        </p:nvSpPr>
+        <p:spPr/>
+        <p:txBody>
+          <a:bodyPr/>
+          <a:lstStyle/>
+          <a:p>
+            <a:fld id="{A56E3B75-B6C5-4C90-8D86-3D0E4B666D89}" type="slidenum">
+              <a:rPr lang="en-CA" smtClean="0"/>
+              <a:t>10</a:t>
+            </a:fld>
+            <a:endParaRPr lang="en-CA"/>
+          </a:p>
+        </p:txBody>
+      </p:sp>
+    </p:spTree>
+    <p:extLst>
+      <p:ext uri="{BB962C8B-B14F-4D97-AF65-F5344CB8AC3E}">
+        <p14:creationId xmlns:p14="http://schemas.microsoft.com/office/powerpoint/2010/main" val="4115035585"/>
+      </p:ext>
+    </p:extLst>
+  </p:cSld>
+  <p:clrMapOvr>
+    <a:masterClrMapping/>
+  </p:clrMapOvr>
+</p:sld>
+</file>
+
+<file path=ppt/slides/slide11.xml><?xml version="1.0" encoding="utf-8"?>
+<p:sld xmlns:a="http://schemas.openxmlformats.org/drawingml/2006/main" xmlns:r="http://schemas.openxmlformats.org/officeDocument/2006/relationships" xmlns:p="http://schemas.openxmlformats.org/presentationml/2006/main">
+  <p:cSld>
     <p:spTree>
       <p:nvGrpSpPr>
         <p:cNvPr id="1" name=""/>
@@ -5588,7 +6281,7 @@
           <a:p>
             <a:fld id="{A56E3B75-B6C5-4C90-8D86-3D0E4B666D89}" type="slidenum">
               <a:rPr lang="en-CA" smtClean="0"/>
-              <a:t>10</a:t>
+              <a:t>11</a:t>
             </a:fld>
             <a:endParaRPr lang="en-CA"/>
           </a:p>
@@ -6094,7 +6787,7 @@
 </p:sld>
 </file>
 
-<file path=ppt/slides/slide11.xml><?xml version="1.0" encoding="utf-8"?>
+<file path=ppt/slides/slide12.xml><?xml version="1.0" encoding="utf-8"?>
 <p:sld xmlns:a="http://schemas.openxmlformats.org/drawingml/2006/main" xmlns:r="http://schemas.openxmlformats.org/officeDocument/2006/relationships" xmlns:p="http://schemas.openxmlformats.org/presentationml/2006/main">
   <p:cSld>
     <p:bg>
@@ -6740,7 +7433,7 @@
           <a:p>
             <a:fld id="{A56E3B75-B6C5-4C90-8D86-3D0E4B666D89}" type="slidenum">
               <a:rPr lang="en-CA" smtClean="0"/>
-              <a:t>11</a:t>
+              <a:t>12</a:t>
             </a:fld>
             <a:endParaRPr lang="en-CA"/>
           </a:p>
@@ -6759,7 +7452,7 @@
 </p:sld>
 </file>
 
-<file path=ppt/slides/slide12.xml><?xml version="1.0" encoding="utf-8"?>
+<file path=ppt/slides/slide13.xml><?xml version="1.0" encoding="utf-8"?>
 <p:sld xmlns:a="http://schemas.openxmlformats.org/drawingml/2006/main" xmlns:r="http://schemas.openxmlformats.org/officeDocument/2006/relationships" xmlns:p="http://schemas.openxmlformats.org/presentationml/2006/main">
   <p:cSld>
     <p:spTree>
@@ -6840,7 +7533,7 @@
           <a:p>
             <a:fld id="{A56E3B75-B6C5-4C90-8D86-3D0E4B666D89}" type="slidenum">
               <a:rPr lang="en-CA" smtClean="0"/>
-              <a:t>12</a:t>
+              <a:t>13</a:t>
             </a:fld>
             <a:endParaRPr lang="en-CA"/>
           </a:p>
@@ -6908,40 +7601,13 @@
           </a:p>
           <a:p>
             <a:r>
-              <a:rPr lang="en-CA" sz="2000" dirty="0" err="1">
-                <a:solidFill>
-                  <a:srgbClr val="0070C0"/>
-                </a:solidFill>
-                <a:latin typeface="+mn-lt"/>
-              </a:rPr>
-              <a:t>Whatsapp</a:t>
-            </a:r>
-            <a:r>
               <a:rPr lang="en-CA" sz="2000" dirty="0">
                 <a:solidFill>
                   <a:srgbClr val="0070C0"/>
                 </a:solidFill>
                 <a:latin typeface="+mn-lt"/>
               </a:rPr>
-              <a:t>, </a:t>
-            </a:r>
-            <a:r>
-              <a:rPr lang="en-CA" sz="2000" dirty="0" err="1">
-                <a:solidFill>
-                  <a:srgbClr val="0070C0"/>
-                </a:solidFill>
-                <a:latin typeface="+mn-lt"/>
-              </a:rPr>
-              <a:t>Youtube</a:t>
-            </a:r>
-            <a:r>
-              <a:rPr lang="en-CA" sz="2000" dirty="0">
-                <a:solidFill>
-                  <a:srgbClr val="0070C0"/>
-                </a:solidFill>
-                <a:latin typeface="+mn-lt"/>
-              </a:rPr>
-              <a:t> and Instagram are the most used social media platforms</a:t>
+              <a:t>WhatsApp, YouTube and Instagram are the most used social media platforms</a:t>
             </a:r>
           </a:p>
         </p:txBody>
@@ -7070,7 +7736,7 @@
 </p:sld>
 </file>
 
-<file path=ppt/slides/slide13.xml><?xml version="1.0" encoding="utf-8"?>
+<file path=ppt/slides/slide14.xml><?xml version="1.0" encoding="utf-8"?>
 <p:sld xmlns:a="http://schemas.openxmlformats.org/drawingml/2006/main" xmlns:r="http://schemas.openxmlformats.org/officeDocument/2006/relationships" xmlns:p="http://schemas.openxmlformats.org/presentationml/2006/main">
   <p:cSld>
     <p:spTree>
@@ -7157,7 +7823,7 @@
           <a:p>
             <a:fld id="{A56E3B75-B6C5-4C90-8D86-3D0E4B666D89}" type="slidenum">
               <a:rPr lang="en-CA" smtClean="0"/>
-              <a:t>13</a:t>
+              <a:t>14</a:t>
             </a:fld>
             <a:endParaRPr lang="en-CA"/>
           </a:p>
@@ -7317,7 +7983,7 @@
 </p:sld>
 </file>
 
-<file path=ppt/slides/slide14.xml><?xml version="1.0" encoding="utf-8"?>
+<file path=ppt/slides/slide15.xml><?xml version="1.0" encoding="utf-8"?>
 <p:sld xmlns:a="http://schemas.openxmlformats.org/drawingml/2006/main" xmlns:r="http://schemas.openxmlformats.org/officeDocument/2006/relationships" xmlns:p="http://schemas.openxmlformats.org/presentationml/2006/main">
   <p:cSld>
     <p:spTree>
@@ -7404,9 +8070,9 @@
           <a:p>
             <a:fld id="{A56E3B75-B6C5-4C90-8D86-3D0E4B666D89}" type="slidenum">
               <a:rPr lang="en-CA" smtClean="0"/>
-              <a:t>14</a:t>
+              <a:t>15</a:t>
             </a:fld>
-            <a:endParaRPr lang="en-CA"/>
+            <a:endParaRPr lang="en-CA" dirty="0"/>
           </a:p>
         </p:txBody>
       </p:sp>
@@ -7478,7 +8144,7 @@
                 </a:solidFill>
                 <a:latin typeface="+mn-lt"/>
               </a:rPr>
-              <a:t>The correlation between time spent online and exposure to cyber crime is insignificant</a:t>
+              <a:t>The correlation between time spent online and exposure to cyber crime is insignificant due to large p value</a:t>
             </a:r>
           </a:p>
         </p:txBody>
@@ -7515,10 +8181,10 @@
       </p:pic>
       <p:pic>
         <p:nvPicPr>
-          <p:cNvPr id="6" name="Picture 5">
-            <a:extLst>
-              <a:ext uri="{FF2B5EF4-FFF2-40B4-BE49-F238E27FC236}">
-                <a16:creationId xmlns:a16="http://schemas.microsoft.com/office/drawing/2014/main" id="{682D8445-D758-4F0E-8FC0-BE2EBB079A6E}"/>
+          <p:cNvPr id="11" name="Picture 10" descr="A close up of a map&#10;&#10;Description automatically generated">
+            <a:extLst>
+              <a:ext uri="{FF2B5EF4-FFF2-40B4-BE49-F238E27FC236}">
+                <a16:creationId xmlns:a16="http://schemas.microsoft.com/office/drawing/2014/main" id="{58C30800-6008-FE49-9502-F90ED958C18C}"/>
               </a:ext>
             </a:extLst>
           </p:cNvPr>
@@ -7528,15 +8194,57 @@
           <p:nvPr/>
         </p:nvPicPr>
         <p:blipFill>
-          <a:blip r:embed="rId3"/>
+          <a:blip r:embed="rId3">
+            <a:extLst>
+              <a:ext uri="{28A0092B-C50C-407E-A947-70E740481C1C}">
+                <a14:useLocalDpi xmlns:a14="http://schemas.microsoft.com/office/drawing/2010/main" val="0"/>
+              </a:ext>
+            </a:extLst>
+          </a:blip>
           <a:stretch>
             <a:fillRect/>
           </a:stretch>
         </p:blipFill>
         <p:spPr>
           <a:xfrm>
-            <a:off x="5625328" y="2250954"/>
-            <a:ext cx="5970544" cy="3038475"/>
+            <a:off x="5568950" y="2182531"/>
+            <a:ext cx="6083300" cy="3238500"/>
+          </a:xfrm>
+          <a:prstGeom prst="rect">
+            <a:avLst/>
+          </a:prstGeom>
+        </p:spPr>
+      </p:pic>
+      <p:pic>
+        <p:nvPicPr>
+          <p:cNvPr id="13" name="Picture 12">
+            <a:extLst>
+              <a:ext uri="{FF2B5EF4-FFF2-40B4-BE49-F238E27FC236}">
+                <a16:creationId xmlns:a16="http://schemas.microsoft.com/office/drawing/2014/main" id="{47018C9C-A825-324F-BED9-5472ED4C615A}"/>
+              </a:ext>
+            </a:extLst>
+          </p:cNvPr>
+          <p:cNvPicPr>
+            <a:picLocks noChangeAspect="1"/>
+          </p:cNvPicPr>
+          <p:nvPr/>
+        </p:nvPicPr>
+        <p:blipFill>
+          <a:blip r:embed="rId4">
+            <a:extLst>
+              <a:ext uri="{28A0092B-C50C-407E-A947-70E740481C1C}">
+                <a14:useLocalDpi xmlns:a14="http://schemas.microsoft.com/office/drawing/2010/main" val="0"/>
+              </a:ext>
+            </a:extLst>
+          </a:blip>
+          <a:stretch>
+            <a:fillRect/>
+          </a:stretch>
+        </p:blipFill>
+        <p:spPr>
+          <a:xfrm>
+            <a:off x="6654427" y="5330337"/>
+            <a:ext cx="3213100" cy="190500"/>
           </a:xfrm>
           <a:prstGeom prst="rect">
             <a:avLst/>
@@ -7545,10 +8253,10 @@
       </p:pic>
       <p:sp>
         <p:nvSpPr>
-          <p:cNvPr id="8" name="Rectangle 7">
-            <a:extLst>
-              <a:ext uri="{FF2B5EF4-FFF2-40B4-BE49-F238E27FC236}">
-                <a16:creationId xmlns:a16="http://schemas.microsoft.com/office/drawing/2014/main" id="{15D85F36-27FD-4919-8F28-90BEFF9419F2}"/>
+          <p:cNvPr id="17" name="Cloud 16">
+            <a:extLst>
+              <a:ext uri="{FF2B5EF4-FFF2-40B4-BE49-F238E27FC236}">
+                <a16:creationId xmlns:a16="http://schemas.microsoft.com/office/drawing/2014/main" id="{721909C8-D02D-4545-BF25-D25055869D1A}"/>
               </a:ext>
             </a:extLst>
           </p:cNvPr>
@@ -7557,27 +8265,24 @@
         </p:nvSpPr>
         <p:spPr>
           <a:xfrm>
-            <a:off x="6096000" y="5522259"/>
-            <a:ext cx="4231341" cy="1004047"/>
+            <a:off x="5270500" y="5809129"/>
+            <a:ext cx="6381750" cy="893437"/>
           </a:xfrm>
-          <a:prstGeom prst="rect">
+          <a:prstGeom prst="cloud">
             <a:avLst/>
           </a:prstGeom>
-          <a:solidFill>
-            <a:schemeClr val="accent4"/>
-          </a:solidFill>
         </p:spPr>
         <p:style>
           <a:lnRef idx="2">
-            <a:schemeClr val="accent1">
+            <a:schemeClr val="accent4">
               <a:shade val="50000"/>
             </a:schemeClr>
           </a:lnRef>
           <a:fillRef idx="1">
-            <a:schemeClr val="accent1"/>
+            <a:schemeClr val="accent4"/>
           </a:fillRef>
           <a:effectRef idx="0">
-            <a:schemeClr val="accent1"/>
+            <a:schemeClr val="accent4"/>
           </a:effectRef>
           <a:fontRef idx="minor">
             <a:schemeClr val="lt1"/>
@@ -7588,13 +8293,87 @@
           <a:lstStyle/>
           <a:p>
             <a:pPr algn="ctr"/>
-            <a:r>
-              <a:rPr lang="en-US" dirty="0"/>
-              <a:t>Add p-value </a:t>
-            </a:r>
-          </a:p>
-        </p:txBody>
-      </p:sp>
+            <a:endParaRPr lang="en-US" sz="1600" dirty="0">
+              <a:ln w="0"/>
+              <a:solidFill>
+                <a:schemeClr val="tx1"/>
+              </a:solidFill>
+              <a:effectLst>
+                <a:outerShdw blurRad="38100" dist="19050" dir="2700000" algn="tl" rotWithShape="0">
+                  <a:schemeClr val="dk1">
+                    <a:alpha val="40000"/>
+                  </a:schemeClr>
+                </a:outerShdw>
+              </a:effectLst>
+              <a:latin typeface="Cambria Math" panose="02040503050406030204" pitchFamily="18" charset="0"/>
+              <a:ea typeface="Cambria Math" panose="02040503050406030204" pitchFamily="18" charset="0"/>
+              <a:cs typeface="Baghdad" pitchFamily="2" charset="-78"/>
+            </a:endParaRPr>
+          </a:p>
+          <a:p>
+            <a:pPr algn="ctr"/>
+            <a:r>
+              <a:rPr lang="en-US" dirty="0">
+                <a:ln w="0"/>
+                <a:solidFill>
+                  <a:schemeClr val="tx1"/>
+                </a:solidFill>
+                <a:effectLst>
+                  <a:outerShdw blurRad="38100" dist="19050" dir="2700000" algn="tl" rotWithShape="0">
+                    <a:schemeClr val="dk1">
+                      <a:alpha val="40000"/>
+                    </a:schemeClr>
+                  </a:outerShdw>
+                </a:effectLst>
+                <a:latin typeface="Abadi MT Condensed Light" panose="020B0306030101010103" pitchFamily="34" charset="77"/>
+                <a:ea typeface="Cambria Math" panose="02040503050406030204" pitchFamily="18" charset="0"/>
+                <a:cs typeface="Baghdad" pitchFamily="2" charset="-78"/>
+              </a:rPr>
+              <a:t>However,  with r-squared value between 0.3 and 0.5, we can also conclude weak correlation !  </a:t>
+            </a:r>
+          </a:p>
+          <a:p>
+            <a:pPr algn="ctr"/>
+            <a:endParaRPr lang="en-US" dirty="0"/>
+          </a:p>
+        </p:txBody>
+      </p:sp>
+      <p:pic>
+        <p:nvPicPr>
+          <p:cNvPr id="19" name="Picture 18">
+            <a:extLst>
+              <a:ext uri="{FF2B5EF4-FFF2-40B4-BE49-F238E27FC236}">
+                <a16:creationId xmlns:a16="http://schemas.microsoft.com/office/drawing/2014/main" id="{8CD98F94-F05C-E54A-B1D8-1A1A55022CD8}"/>
+              </a:ext>
+            </a:extLst>
+          </p:cNvPr>
+          <p:cNvPicPr>
+            <a:picLocks noChangeAspect="1"/>
+          </p:cNvPicPr>
+          <p:nvPr/>
+        </p:nvPicPr>
+        <p:blipFill>
+          <a:blip r:embed="rId5">
+            <a:extLst>
+              <a:ext uri="{28A0092B-C50C-407E-A947-70E740481C1C}">
+                <a14:useLocalDpi xmlns:a14="http://schemas.microsoft.com/office/drawing/2010/main" val="0"/>
+              </a:ext>
+            </a:extLst>
+          </a:blip>
+          <a:stretch>
+            <a:fillRect/>
+          </a:stretch>
+        </p:blipFill>
+        <p:spPr>
+          <a:xfrm>
+            <a:off x="6457577" y="5574114"/>
+            <a:ext cx="3606800" cy="190500"/>
+          </a:xfrm>
+          <a:prstGeom prst="rect">
+            <a:avLst/>
+          </a:prstGeom>
+        </p:spPr>
+      </p:pic>
     </p:spTree>
     <p:extLst>
       <p:ext uri="{BB962C8B-B14F-4D97-AF65-F5344CB8AC3E}">
@@ -7608,7 +8387,7 @@
 </p:sld>
 </file>
 
-<file path=ppt/slides/slide15.xml><?xml version="1.0" encoding="utf-8"?>
+<file path=ppt/slides/slide16.xml><?xml version="1.0" encoding="utf-8"?>
 <p:sld xmlns:a="http://schemas.openxmlformats.org/drawingml/2006/main" xmlns:r="http://schemas.openxmlformats.org/officeDocument/2006/relationships" xmlns:p="http://schemas.openxmlformats.org/presentationml/2006/main">
   <p:cSld>
     <p:spTree>
@@ -7695,9 +8474,9 @@
           <a:p>
             <a:fld id="{A56E3B75-B6C5-4C90-8D86-3D0E4B666D89}" type="slidenum">
               <a:rPr lang="en-CA" smtClean="0"/>
-              <a:t>15</a:t>
+              <a:t>16</a:t>
             </a:fld>
-            <a:endParaRPr lang="en-CA"/>
+            <a:endParaRPr lang="en-CA" dirty="0"/>
           </a:p>
         </p:txBody>
       </p:sp>
@@ -7717,7 +8496,7 @@
         </p:nvSpPr>
         <p:spPr>
           <a:xfrm>
-            <a:off x="838200" y="1711138"/>
+            <a:off x="838200" y="1650682"/>
             <a:ext cx="10515600" cy="304801"/>
           </a:xfrm>
           <a:prstGeom prst="rect">
@@ -7752,15 +8531,15 @@
           </a:lstStyle>
           <a:p>
             <a:r>
-              <a:rPr lang="en-US" sz="2400" b="1" dirty="0">
+              <a:rPr lang="en-US" sz="2400" dirty="0">
                 <a:solidFill>
                   <a:srgbClr val="0070C0"/>
                 </a:solidFill>
                 <a:latin typeface="+mn-lt"/>
               </a:rPr>
-              <a:t>Despite the increasing amount of time spent on social media, the majority of respondents still prefer face to face communication </a:t>
-            </a:r>
-            <a:endParaRPr lang="en-CA" sz="2400" b="1" dirty="0">
+              <a:t>Despite the increasing amount of time spent on social media, majority of respondents still prefer face to face communication </a:t>
+            </a:r>
+            <a:endParaRPr lang="en-CA" sz="2400" dirty="0">
               <a:solidFill>
                 <a:srgbClr val="0070C0"/>
               </a:solidFill>
@@ -7791,8 +8570,8 @@
         </p:blipFill>
         <p:spPr>
           <a:xfrm>
-            <a:off x="838200" y="2738718"/>
-            <a:ext cx="3695700" cy="3048000"/>
+            <a:off x="555449" y="2394069"/>
+            <a:ext cx="4157663" cy="3429000"/>
           </a:xfrm>
           <a:prstGeom prst="rect">
             <a:avLst/>
@@ -7801,10 +8580,10 @@
       </p:pic>
       <p:pic>
         <p:nvPicPr>
-          <p:cNvPr id="8" name="Picture 7">
-            <a:extLst>
-              <a:ext uri="{FF2B5EF4-FFF2-40B4-BE49-F238E27FC236}">
-                <a16:creationId xmlns:a16="http://schemas.microsoft.com/office/drawing/2014/main" id="{520E97E1-A02D-45D1-9B38-8E96897CC576}"/>
+          <p:cNvPr id="17" name="Picture 16" descr="A screenshot of a cell phone&#10;&#10;Description automatically generated">
+            <a:extLst>
+              <a:ext uri="{FF2B5EF4-FFF2-40B4-BE49-F238E27FC236}">
+                <a16:creationId xmlns:a16="http://schemas.microsoft.com/office/drawing/2014/main" id="{0E420ED0-17B8-C84B-A04A-3383B1500CCE}"/>
               </a:ext>
             </a:extLst>
           </p:cNvPr>
@@ -7814,15 +8593,309 @@
           <p:nvPr/>
         </p:nvPicPr>
         <p:blipFill>
-          <a:blip r:embed="rId3"/>
+          <a:blip r:embed="rId3">
+            <a:extLst>
+              <a:ext uri="{28A0092B-C50C-407E-A947-70E740481C1C}">
+                <a14:useLocalDpi xmlns:a14="http://schemas.microsoft.com/office/drawing/2010/main" val="0"/>
+              </a:ext>
+            </a:extLst>
+          </a:blip>
           <a:stretch>
             <a:fillRect/>
           </a:stretch>
         </p:blipFill>
         <p:spPr>
           <a:xfrm>
-            <a:off x="6096000" y="2738718"/>
-            <a:ext cx="4324350" cy="2505075"/>
+            <a:off x="5988423" y="2394069"/>
+            <a:ext cx="4679729" cy="3797076"/>
+          </a:xfrm>
+          <a:prstGeom prst="rect">
+            <a:avLst/>
+          </a:prstGeom>
+        </p:spPr>
+      </p:pic>
+    </p:spTree>
+    <p:extLst>
+      <p:ext uri="{BB962C8B-B14F-4D97-AF65-F5344CB8AC3E}">
+        <p14:creationId xmlns:p14="http://schemas.microsoft.com/office/powerpoint/2010/main" val="3806267574"/>
+      </p:ext>
+    </p:extLst>
+  </p:cSld>
+  <p:clrMapOvr>
+    <a:masterClrMapping/>
+  </p:clrMapOvr>
+</p:sld>
+</file>
+
+<file path=ppt/slides/slide17.xml><?xml version="1.0" encoding="utf-8"?>
+<p:sld xmlns:a="http://schemas.openxmlformats.org/drawingml/2006/main" xmlns:r="http://schemas.openxmlformats.org/officeDocument/2006/relationships" xmlns:p="http://schemas.openxmlformats.org/presentationml/2006/main">
+  <p:cSld>
+    <p:spTree>
+      <p:nvGrpSpPr>
+        <p:cNvPr id="1" name=""/>
+        <p:cNvGrpSpPr/>
+        <p:nvPr/>
+      </p:nvGrpSpPr>
+      <p:grpSpPr>
+        <a:xfrm>
+          <a:off x="0" y="0"/>
+          <a:ext cx="0" cy="0"/>
+          <a:chOff x="0" y="0"/>
+          <a:chExt cx="0" cy="0"/>
+        </a:xfrm>
+      </p:grpSpPr>
+      <p:sp>
+        <p:nvSpPr>
+          <p:cNvPr id="2" name="Title 1">
+            <a:extLst>
+              <a:ext uri="{FF2B5EF4-FFF2-40B4-BE49-F238E27FC236}">
+                <a16:creationId xmlns:a16="http://schemas.microsoft.com/office/drawing/2014/main" id="{F217C535-E12C-0B4B-9760-F8B12F0831C1}"/>
+              </a:ext>
+            </a:extLst>
+          </p:cNvPr>
+          <p:cNvSpPr>
+            <a:spLocks noGrp="1"/>
+          </p:cNvSpPr>
+          <p:nvPr>
+            <p:ph type="title"/>
+          </p:nvPr>
+        </p:nvSpPr>
+        <p:spPr>
+          <a:xfrm>
+            <a:off x="838200" y="260935"/>
+            <a:ext cx="10515600" cy="1325563"/>
+          </a:xfrm>
+        </p:spPr>
+        <p:txBody>
+          <a:bodyPr/>
+          <a:lstStyle/>
+          <a:p>
+            <a:r>
+              <a:rPr lang="en-US" b="1" dirty="0">
+                <a:solidFill>
+                  <a:srgbClr val="0070C0"/>
+                </a:solidFill>
+                <a:latin typeface="+mn-lt"/>
+              </a:rPr>
+              <a:t>Is platform used impacted by time spent on social media?</a:t>
+            </a:r>
+            <a:endParaRPr lang="en-US" dirty="0">
+              <a:latin typeface="+mn-lt"/>
+            </a:endParaRPr>
+          </a:p>
+        </p:txBody>
+      </p:sp>
+      <p:sp>
+        <p:nvSpPr>
+          <p:cNvPr id="4" name="Slide Number Placeholder 3">
+            <a:extLst>
+              <a:ext uri="{FF2B5EF4-FFF2-40B4-BE49-F238E27FC236}">
+                <a16:creationId xmlns:a16="http://schemas.microsoft.com/office/drawing/2014/main" id="{E9C9CEB3-393A-E744-9AD9-4DC8BE7BC282}"/>
+              </a:ext>
+            </a:extLst>
+          </p:cNvPr>
+          <p:cNvSpPr>
+            <a:spLocks noGrp="1"/>
+          </p:cNvSpPr>
+          <p:nvPr>
+            <p:ph type="sldNum" sz="quarter" idx="12"/>
+          </p:nvPr>
+        </p:nvSpPr>
+        <p:spPr/>
+        <p:txBody>
+          <a:bodyPr/>
+          <a:lstStyle/>
+          <a:p>
+            <a:fld id="{A56E3B75-B6C5-4C90-8D86-3D0E4B666D89}" type="slidenum">
+              <a:rPr lang="en-CA" smtClean="0"/>
+              <a:t>17</a:t>
+            </a:fld>
+            <a:endParaRPr lang="en-CA"/>
+          </a:p>
+        </p:txBody>
+      </p:sp>
+      <p:sp>
+        <p:nvSpPr>
+          <p:cNvPr id="7" name="Content Placeholder 6">
+            <a:extLst>
+              <a:ext uri="{FF2B5EF4-FFF2-40B4-BE49-F238E27FC236}">
+                <a16:creationId xmlns:a16="http://schemas.microsoft.com/office/drawing/2014/main" id="{66591137-5903-8D45-AAD5-941FE56725CA}"/>
+              </a:ext>
+            </a:extLst>
+          </p:cNvPr>
+          <p:cNvSpPr>
+            <a:spLocks noGrp="1"/>
+          </p:cNvSpPr>
+          <p:nvPr>
+            <p:ph idx="1"/>
+          </p:nvPr>
+        </p:nvSpPr>
+        <p:spPr>
+          <a:xfrm>
+            <a:off x="838199" y="1502874"/>
+            <a:ext cx="10914529" cy="528077"/>
+          </a:xfrm>
+        </p:spPr>
+        <p:txBody>
+          <a:bodyPr>
+            <a:noAutofit/>
+          </a:bodyPr>
+          <a:lstStyle/>
+          <a:p>
+            <a:pPr marL="0" indent="0">
+              <a:buNone/>
+            </a:pPr>
+            <a:r>
+              <a:rPr lang="en-US" sz="2400" dirty="0">
+                <a:solidFill>
+                  <a:srgbClr val="0070C0"/>
+                </a:solidFill>
+                <a:ea typeface="+mj-ea"/>
+                <a:cs typeface="+mj-cs"/>
+              </a:rPr>
+              <a:t>Snapchat , Tinder and Hike as complementary social media platforms where people spend additional time on </a:t>
+            </a:r>
+          </a:p>
+        </p:txBody>
+      </p:sp>
+      <p:pic>
+        <p:nvPicPr>
+          <p:cNvPr id="11" name="Picture 10" descr="A screenshot of a cell phone&#10;&#10;Description automatically generated">
+            <a:extLst>
+              <a:ext uri="{FF2B5EF4-FFF2-40B4-BE49-F238E27FC236}">
+                <a16:creationId xmlns:a16="http://schemas.microsoft.com/office/drawing/2014/main" id="{9EFEC0DA-D583-2B4D-9975-C230A3A05701}"/>
+              </a:ext>
+            </a:extLst>
+          </p:cNvPr>
+          <p:cNvPicPr>
+            <a:picLocks noChangeAspect="1"/>
+          </p:cNvPicPr>
+          <p:nvPr/>
+        </p:nvPicPr>
+        <p:blipFill>
+          <a:blip r:embed="rId2">
+            <a:extLst>
+              <a:ext uri="{28A0092B-C50C-407E-A947-70E740481C1C}">
+                <a14:useLocalDpi xmlns:a14="http://schemas.microsoft.com/office/drawing/2010/main" val="0"/>
+              </a:ext>
+            </a:extLst>
+          </a:blip>
+          <a:stretch>
+            <a:fillRect/>
+          </a:stretch>
+        </p:blipFill>
+        <p:spPr>
+          <a:xfrm>
+            <a:off x="609600" y="2949395"/>
+            <a:ext cx="4579844" cy="3755309"/>
+          </a:xfrm>
+          <a:prstGeom prst="rect">
+            <a:avLst/>
+          </a:prstGeom>
+        </p:spPr>
+      </p:pic>
+      <p:pic>
+        <p:nvPicPr>
+          <p:cNvPr id="13" name="Picture 12" descr="A screenshot of a cell phone&#10;&#10;Description automatically generated">
+            <a:extLst>
+              <a:ext uri="{FF2B5EF4-FFF2-40B4-BE49-F238E27FC236}">
+                <a16:creationId xmlns:a16="http://schemas.microsoft.com/office/drawing/2014/main" id="{E2760C14-72A5-A24D-B563-7655A1C7754C}"/>
+              </a:ext>
+            </a:extLst>
+          </p:cNvPr>
+          <p:cNvPicPr>
+            <a:picLocks noChangeAspect="1"/>
+          </p:cNvPicPr>
+          <p:nvPr/>
+        </p:nvPicPr>
+        <p:blipFill>
+          <a:blip r:embed="rId3">
+            <a:extLst>
+              <a:ext uri="{28A0092B-C50C-407E-A947-70E740481C1C}">
+                <a14:useLocalDpi xmlns:a14="http://schemas.microsoft.com/office/drawing/2010/main" val="0"/>
+              </a:ext>
+            </a:extLst>
+          </a:blip>
+          <a:stretch>
+            <a:fillRect/>
+          </a:stretch>
+        </p:blipFill>
+        <p:spPr>
+          <a:xfrm>
+            <a:off x="5714825" y="2369873"/>
+            <a:ext cx="3090011" cy="1997001"/>
+          </a:xfrm>
+          <a:prstGeom prst="rect">
+            <a:avLst/>
+          </a:prstGeom>
+        </p:spPr>
+      </p:pic>
+      <p:pic>
+        <p:nvPicPr>
+          <p:cNvPr id="15" name="Picture 14" descr="A screenshot of a cell phone&#10;&#10;Description automatically generated">
+            <a:extLst>
+              <a:ext uri="{FF2B5EF4-FFF2-40B4-BE49-F238E27FC236}">
+                <a16:creationId xmlns:a16="http://schemas.microsoft.com/office/drawing/2014/main" id="{8FFC7D01-009E-1644-B15C-44B25C17D629}"/>
+              </a:ext>
+            </a:extLst>
+          </p:cNvPr>
+          <p:cNvPicPr>
+            <a:picLocks noChangeAspect="1"/>
+          </p:cNvPicPr>
+          <p:nvPr/>
+        </p:nvPicPr>
+        <p:blipFill>
+          <a:blip r:embed="rId4">
+            <a:extLst>
+              <a:ext uri="{28A0092B-C50C-407E-A947-70E740481C1C}">
+                <a14:useLocalDpi xmlns:a14="http://schemas.microsoft.com/office/drawing/2010/main" val="0"/>
+              </a:ext>
+            </a:extLst>
+          </a:blip>
+          <a:stretch>
+            <a:fillRect/>
+          </a:stretch>
+        </p:blipFill>
+        <p:spPr>
+          <a:xfrm>
+            <a:off x="8804836" y="3512125"/>
+            <a:ext cx="3387164" cy="2045712"/>
+          </a:xfrm>
+          <a:prstGeom prst="rect">
+            <a:avLst/>
+          </a:prstGeom>
+        </p:spPr>
+      </p:pic>
+      <p:pic>
+        <p:nvPicPr>
+          <p:cNvPr id="17" name="Picture 16" descr="A screenshot of a cell phone&#10;&#10;Description automatically generated">
+            <a:extLst>
+              <a:ext uri="{FF2B5EF4-FFF2-40B4-BE49-F238E27FC236}">
+                <a16:creationId xmlns:a16="http://schemas.microsoft.com/office/drawing/2014/main" id="{A7B3C328-6D35-9E4A-BD1E-A2EF91761F20}"/>
+              </a:ext>
+            </a:extLst>
+          </p:cNvPr>
+          <p:cNvPicPr>
+            <a:picLocks noChangeAspect="1"/>
+          </p:cNvPicPr>
+          <p:nvPr/>
+        </p:nvPicPr>
+        <p:blipFill>
+          <a:blip r:embed="rId5">
+            <a:extLst>
+              <a:ext uri="{28A0092B-C50C-407E-A947-70E740481C1C}">
+                <a14:useLocalDpi xmlns:a14="http://schemas.microsoft.com/office/drawing/2010/main" val="0"/>
+              </a:ext>
+            </a:extLst>
+          </a:blip>
+          <a:stretch>
+            <a:fillRect/>
+          </a:stretch>
+        </p:blipFill>
+        <p:spPr>
+          <a:xfrm>
+            <a:off x="5773046" y="4866650"/>
+            <a:ext cx="3090011" cy="1969282"/>
           </a:xfrm>
           <a:prstGeom prst="rect">
             <a:avLst/>
@@ -7831,10 +8904,10 @@
       </p:pic>
       <p:sp>
         <p:nvSpPr>
-          <p:cNvPr id="9" name="Rectangle 8">
-            <a:extLst>
-              <a:ext uri="{FF2B5EF4-FFF2-40B4-BE49-F238E27FC236}">
-                <a16:creationId xmlns:a16="http://schemas.microsoft.com/office/drawing/2014/main" id="{50071449-A720-4A7D-B25C-DEAFEE88F719}"/>
+          <p:cNvPr id="18" name="Right Arrow 17">
+            <a:extLst>
+              <a:ext uri="{FF2B5EF4-FFF2-40B4-BE49-F238E27FC236}">
+                <a16:creationId xmlns:a16="http://schemas.microsoft.com/office/drawing/2014/main" id="{2AFD3EB0-58D6-2B43-865F-CADB12A49798}"/>
               </a:ext>
             </a:extLst>
           </p:cNvPr>
@@ -7842,11 +8915,11 @@
           <p:nvPr/>
         </p:nvSpPr>
         <p:spPr>
-          <a:xfrm>
-            <a:off x="9233647" y="4392706"/>
-            <a:ext cx="1694329" cy="1766047"/>
+          <a:xfrm rot="19182189">
+            <a:off x="5083932" y="3890486"/>
+            <a:ext cx="691029" cy="224820"/>
           </a:xfrm>
-          <a:prstGeom prst="rect">
+          <a:prstGeom prst="rightArrow">
             <a:avLst/>
           </a:prstGeom>
         </p:spPr>
@@ -7871,17 +8944,106 @@
           <a:lstStyle/>
           <a:p>
             <a:pPr algn="ctr"/>
-            <a:r>
-              <a:rPr lang="en-US" dirty="0"/>
-              <a:t>Change to a bar chart or stacked bar chart</a:t>
-            </a:r>
+            <a:endParaRPr lang="en-US"/>
+          </a:p>
+        </p:txBody>
+      </p:sp>
+      <p:sp>
+        <p:nvSpPr>
+          <p:cNvPr id="19" name="Right Arrow 18">
+            <a:extLst>
+              <a:ext uri="{FF2B5EF4-FFF2-40B4-BE49-F238E27FC236}">
+                <a16:creationId xmlns:a16="http://schemas.microsoft.com/office/drawing/2014/main" id="{7165A78E-4B26-2649-B5B9-AA7D6AC5116D}"/>
+              </a:ext>
+            </a:extLst>
+          </p:cNvPr>
+          <p:cNvSpPr/>
+          <p:nvPr/>
+        </p:nvSpPr>
+        <p:spPr>
+          <a:xfrm rot="2141237">
+            <a:off x="5109761" y="4875091"/>
+            <a:ext cx="666001" cy="205073"/>
+          </a:xfrm>
+          <a:prstGeom prst="rightArrow">
+            <a:avLst/>
+          </a:prstGeom>
+        </p:spPr>
+        <p:style>
+          <a:lnRef idx="2">
+            <a:schemeClr val="accent1">
+              <a:shade val="50000"/>
+            </a:schemeClr>
+          </a:lnRef>
+          <a:fillRef idx="1">
+            <a:schemeClr val="accent1"/>
+          </a:fillRef>
+          <a:effectRef idx="0">
+            <a:schemeClr val="accent1"/>
+          </a:effectRef>
+          <a:fontRef idx="minor">
+            <a:schemeClr val="lt1"/>
+          </a:fontRef>
+        </p:style>
+        <p:txBody>
+          <a:bodyPr rtlCol="0" anchor="ctr"/>
+          <a:lstStyle/>
+          <a:p>
+            <a:pPr algn="ctr"/>
+            <a:endParaRPr lang="en-US"/>
+          </a:p>
+        </p:txBody>
+      </p:sp>
+      <p:sp>
+        <p:nvSpPr>
+          <p:cNvPr id="20" name="Right Arrow 19">
+            <a:extLst>
+              <a:ext uri="{FF2B5EF4-FFF2-40B4-BE49-F238E27FC236}">
+                <a16:creationId xmlns:a16="http://schemas.microsoft.com/office/drawing/2014/main" id="{CD361522-BBFF-1D43-A61D-31E0C3AD4261}"/>
+              </a:ext>
+            </a:extLst>
+          </p:cNvPr>
+          <p:cNvSpPr/>
+          <p:nvPr/>
+        </p:nvSpPr>
+        <p:spPr>
+          <a:xfrm>
+            <a:off x="5189444" y="4395820"/>
+            <a:ext cx="3520142" cy="235319"/>
+          </a:xfrm>
+          <a:prstGeom prst="rightArrow">
+            <a:avLst/>
+          </a:prstGeom>
+        </p:spPr>
+        <p:style>
+          <a:lnRef idx="2">
+            <a:schemeClr val="accent1">
+              <a:shade val="50000"/>
+            </a:schemeClr>
+          </a:lnRef>
+          <a:fillRef idx="1">
+            <a:schemeClr val="accent1"/>
+          </a:fillRef>
+          <a:effectRef idx="0">
+            <a:schemeClr val="accent1"/>
+          </a:effectRef>
+          <a:fontRef idx="minor">
+            <a:schemeClr val="lt1"/>
+          </a:fontRef>
+        </p:style>
+        <p:txBody>
+          <a:bodyPr rtlCol="0" anchor="ctr"/>
+          <a:lstStyle/>
+          <a:p>
+            <a:pPr algn="ctr"/>
+            <a:endParaRPr lang="en-US"/>
           </a:p>
         </p:txBody>
       </p:sp>
     </p:spTree>
     <p:extLst>
       <p:ext uri="{BB962C8B-B14F-4D97-AF65-F5344CB8AC3E}">
-        <p14:creationId xmlns:p14="http://schemas.microsoft.com/office/powerpoint/2010/main" val="3806267574"/>
+        <p14:creationId xmlns:p14="http://schemas.microsoft.com/office/powerpoint/2010/main" val="1978128858"/>
       </p:ext>
     </p:extLst>
   </p:cSld>
@@ -7891,7 +9053,7 @@
 </p:sld>
 </file>
 
-<file path=ppt/slides/slide16.xml><?xml version="1.0" encoding="utf-8"?>
+<file path=ppt/slides/slide18.xml><?xml version="1.0" encoding="utf-8"?>
 <p:sld xmlns:a="http://schemas.openxmlformats.org/drawingml/2006/main" xmlns:r="http://schemas.openxmlformats.org/officeDocument/2006/relationships" xmlns:p="http://schemas.openxmlformats.org/presentationml/2006/main">
   <p:cSld>
     <p:bg>
@@ -8544,7 +9706,7 @@
           <a:p>
             <a:fld id="{A56E3B75-B6C5-4C90-8D86-3D0E4B666D89}" type="slidenum">
               <a:rPr lang="en-CA" smtClean="0"/>
-              <a:t>16</a:t>
+              <a:t>18</a:t>
             </a:fld>
             <a:endParaRPr lang="en-CA"/>
           </a:p>
@@ -8563,7 +9725,7 @@
 </p:sld>
 </file>
 
-<file path=ppt/slides/slide17.xml><?xml version="1.0" encoding="utf-8"?>
+<file path=ppt/slides/slide19.xml><?xml version="1.0" encoding="utf-8"?>
 <p:sld xmlns:a="http://schemas.openxmlformats.org/drawingml/2006/main" xmlns:r="http://schemas.openxmlformats.org/officeDocument/2006/relationships" xmlns:p="http://schemas.openxmlformats.org/presentationml/2006/main">
   <p:cSld>
     <p:spTree>
@@ -8823,41 +9985,44 @@
           <a:lstStyle/>
           <a:p>
             <a:r>
-              <a:rPr lang="en-US" sz="1800" dirty="0"/>
+              <a:rPr lang="en-US" sz="2000" dirty="0"/>
+              <a:t>People tend to underestimate the time they spend online.</a:t>
+            </a:r>
+          </a:p>
+          <a:p>
+            <a:r>
+              <a:rPr lang="en-US" sz="2000" dirty="0"/>
+              <a:t>The study did not cover exposure to scams, bullying, fake news..</a:t>
+            </a:r>
+            <a:r>
+              <a:rPr lang="en-US" sz="2000" dirty="0" err="1"/>
+              <a:t>etc</a:t>
+            </a:r>
+            <a:r>
+              <a:rPr lang="en-US" sz="2000" dirty="0"/>
+              <a:t>.</a:t>
+            </a:r>
+          </a:p>
+          <a:p>
+            <a:r>
+              <a:rPr lang="en-US" sz="2000" dirty="0"/>
               <a:t>The study did not identify the geographical location of respondents </a:t>
             </a:r>
           </a:p>
           <a:p>
             <a:r>
-              <a:rPr lang="en-US" sz="1800" dirty="0"/>
+              <a:rPr lang="en-US" sz="2000" dirty="0"/>
               <a:t>The study did not include significant responses from other age groups</a:t>
             </a:r>
           </a:p>
           <a:p>
             <a:r>
-              <a:rPr lang="en-US" sz="1800" dirty="0"/>
+              <a:rPr lang="en-US" sz="2000" dirty="0"/>
               <a:t>Physical activity was vaguely defined in the survey</a:t>
             </a:r>
           </a:p>
           <a:p>
-            <a:r>
-              <a:rPr lang="en-US" sz="1800" dirty="0"/>
-              <a:t>The study did not cover exposure to scams, bullying, fake news..</a:t>
-            </a:r>
-            <a:r>
-              <a:rPr lang="en-US" sz="1800" dirty="0" err="1"/>
-              <a:t>etc</a:t>
-            </a:r>
-            <a:endParaRPr lang="en-US" sz="1800" dirty="0"/>
-          </a:p>
-          <a:p>
-            <a:r>
-              <a:rPr lang="en-US" sz="1800" dirty="0"/>
-              <a:t>Further research is required to understand the effects of social media by age, geography and by type of effect</a:t>
-            </a:r>
-          </a:p>
-          <a:p>
-            <a:endParaRPr lang="en-US" sz="1800" dirty="0"/>
+            <a:endParaRPr lang="en-US" sz="2000" dirty="0"/>
           </a:p>
         </p:txBody>
       </p:sp>
@@ -8884,7 +10049,7 @@
           <a:p>
             <a:fld id="{A56E3B75-B6C5-4C90-8D86-3D0E4B666D89}" type="slidenum">
               <a:rPr lang="en-CA" smtClean="0"/>
-              <a:t>17</a:t>
+              <a:t>19</a:t>
             </a:fld>
             <a:endParaRPr lang="en-CA"/>
           </a:p>
@@ -8933,7 +10098,7 @@
           <a:p>
             <a:pPr algn="ctr"/>
             <a:r>
-              <a:rPr lang="en-US" sz="2400" dirty="0"/>
+              <a:rPr lang="en-US" sz="2000" dirty="0"/>
               <a:t>Based on the dataset, people are using social media as an additional form of communication however it is not replacing the importance of face to face interaction.</a:t>
             </a:r>
           </a:p>
@@ -8948,383 +10113,6 @@
   </p:cSld>
   <p:clrMapOvr>
     <a:masterClrMapping/>
-  </p:clrMapOvr>
-</p:sld>
-</file>
-
-<file path=ppt/slides/slide18.xml><?xml version="1.0" encoding="utf-8"?>
-<p:sld xmlns:a="http://schemas.openxmlformats.org/drawingml/2006/main" xmlns:r="http://schemas.openxmlformats.org/officeDocument/2006/relationships" xmlns:p="http://schemas.openxmlformats.org/presentationml/2006/main">
-  <p:cSld>
-    <p:bg>
-      <p:bgPr>
-        <a:solidFill>
-          <a:schemeClr val="bg1"/>
-        </a:solidFill>
-        <a:effectLst/>
-      </p:bgPr>
-    </p:bg>
-    <p:spTree>
-      <p:nvGrpSpPr>
-        <p:cNvPr id="1" name=""/>
-        <p:cNvGrpSpPr/>
-        <p:nvPr/>
-      </p:nvGrpSpPr>
-      <p:grpSpPr>
-        <a:xfrm>
-          <a:off x="0" y="0"/>
-          <a:ext cx="0" cy="0"/>
-          <a:chOff x="0" y="0"/>
-          <a:chExt cx="0" cy="0"/>
-        </a:xfrm>
-      </p:grpSpPr>
-      <p:sp>
-        <p:nvSpPr>
-          <p:cNvPr id="2" name="Title 1">
-            <a:extLst>
-              <a:ext uri="{FF2B5EF4-FFF2-40B4-BE49-F238E27FC236}">
-                <a16:creationId xmlns:a16="http://schemas.microsoft.com/office/drawing/2014/main" id="{EABBB07E-8C51-4F19-8A46-3D82ACA5858D}"/>
-              </a:ext>
-            </a:extLst>
-          </p:cNvPr>
-          <p:cNvSpPr>
-            <a:spLocks noGrp="1"/>
-          </p:cNvSpPr>
-          <p:nvPr>
-            <p:ph type="title"/>
-          </p:nvPr>
-        </p:nvSpPr>
-        <p:spPr>
-          <a:xfrm>
-            <a:off x="643468" y="1470212"/>
-            <a:ext cx="4666470" cy="3926980"/>
-          </a:xfrm>
-        </p:spPr>
-        <p:txBody>
-          <a:bodyPr vert="horz" lIns="91440" tIns="45720" rIns="91440" bIns="45720" rtlCol="0" anchor="t">
-            <a:normAutofit/>
-          </a:bodyPr>
-          <a:lstStyle/>
-          <a:p>
-            <a:r>
-              <a:rPr lang="en-US" sz="4800" b="1" dirty="0"/>
-              <a:t>Thank you!</a:t>
-            </a:r>
-            <a:br>
-              <a:rPr lang="en-US" sz="4800" b="1" dirty="0"/>
-            </a:br>
-            <a:br>
-              <a:rPr lang="en-US" sz="4800" b="1" dirty="0"/>
-            </a:br>
-            <a:r>
-              <a:rPr lang="en-US" sz="4800" b="1" dirty="0"/>
-              <a:t>Q &amp; A</a:t>
-            </a:r>
-            <a:endParaRPr lang="en-US" sz="4800" b="1" kern="1200" dirty="0">
-              <a:solidFill>
-                <a:schemeClr val="tx1"/>
-              </a:solidFill>
-              <a:latin typeface="+mj-lt"/>
-              <a:ea typeface="+mj-ea"/>
-              <a:cs typeface="+mj-cs"/>
-            </a:endParaRPr>
-          </a:p>
-        </p:txBody>
-      </p:sp>
-      <p:sp>
-        <p:nvSpPr>
-          <p:cNvPr id="18" name="Freeform: Shape 11">
-            <a:extLst>
-              <a:ext uri="{FF2B5EF4-FFF2-40B4-BE49-F238E27FC236}">
-                <a16:creationId xmlns:a16="http://schemas.microsoft.com/office/drawing/2014/main" id="{BCC55ACC-A2F6-403C-A3A4-D59B3734D45F}"/>
-              </a:ext>
-              <a:ext uri="{C183D7F6-B498-43B3-948B-1728B52AA6E4}">
-                <adec:decorative xmlns:adec="http://schemas.microsoft.com/office/drawing/2017/decorative" val="1"/>
-              </a:ext>
-            </a:extLst>
-          </p:cNvPr>
-          <p:cNvSpPr>
-            <a:spLocks noGrp="1" noRot="1" noChangeAspect="1" noMove="1" noResize="1" noEditPoints="1" noAdjustHandles="1" noChangeArrowheads="1" noChangeShapeType="1" noTextEdit="1"/>
-          </p:cNvSpPr>
-          <p:nvPr>
-            <p:extLst>
-              <p:ext uri="{386F3935-93C4-4BCD-93E2-E3B085C9AB24}">
-                <p16:designElem xmlns:p16="http://schemas.microsoft.com/office/powerpoint/2015/main" val="1"/>
-              </p:ext>
-            </p:extLst>
-          </p:nvPr>
-        </p:nvSpPr>
-        <p:spPr>
-          <a:xfrm>
-            <a:off x="5857312" y="381000"/>
-            <a:ext cx="6334689" cy="6477000"/>
-          </a:xfrm>
-          <a:custGeom>
-            <a:avLst/>
-            <a:gdLst>
-              <a:gd name="connsiteX0" fmla="*/ 3561588 w 6334689"/>
-              <a:gd name="connsiteY0" fmla="*/ 0 h 6477000"/>
-              <a:gd name="connsiteX1" fmla="*/ 6309883 w 6334689"/>
-              <a:gd name="connsiteY1" fmla="*/ 1296087 h 6477000"/>
-              <a:gd name="connsiteX2" fmla="*/ 6334689 w 6334689"/>
-              <a:gd name="connsiteY2" fmla="*/ 1329261 h 6477000"/>
-              <a:gd name="connsiteX3" fmla="*/ 6334689 w 6334689"/>
-              <a:gd name="connsiteY3" fmla="*/ 5793916 h 6477000"/>
-              <a:gd name="connsiteX4" fmla="*/ 6309883 w 6334689"/>
-              <a:gd name="connsiteY4" fmla="*/ 5827089 h 6477000"/>
-              <a:gd name="connsiteX5" fmla="*/ 5760467 w 6334689"/>
-              <a:gd name="connsiteY5" fmla="*/ 6363539 h 6477000"/>
-              <a:gd name="connsiteX6" fmla="*/ 5607796 w 6334689"/>
-              <a:gd name="connsiteY6" fmla="*/ 6477000 h 6477000"/>
-              <a:gd name="connsiteX7" fmla="*/ 1519571 w 6334689"/>
-              <a:gd name="connsiteY7" fmla="*/ 6477000 h 6477000"/>
-              <a:gd name="connsiteX8" fmla="*/ 1296088 w 6334689"/>
-              <a:gd name="connsiteY8" fmla="*/ 6309883 h 6477000"/>
-              <a:gd name="connsiteX9" fmla="*/ 0 w 6334689"/>
-              <a:gd name="connsiteY9" fmla="*/ 3561588 h 6477000"/>
-              <a:gd name="connsiteX10" fmla="*/ 3561588 w 6334689"/>
-              <a:gd name="connsiteY10" fmla="*/ 0 h 6477000"/>
-            </a:gdLst>
-            <a:ahLst/>
-            <a:cxnLst>
-              <a:cxn ang="0">
-                <a:pos x="connsiteX0" y="connsiteY0"/>
-              </a:cxn>
-              <a:cxn ang="0">
-                <a:pos x="connsiteX1" y="connsiteY1"/>
-              </a:cxn>
-              <a:cxn ang="0">
-                <a:pos x="connsiteX2" y="connsiteY2"/>
-              </a:cxn>
-              <a:cxn ang="0">
-                <a:pos x="connsiteX3" y="connsiteY3"/>
-              </a:cxn>
-              <a:cxn ang="0">
-                <a:pos x="connsiteX4" y="connsiteY4"/>
-              </a:cxn>
-              <a:cxn ang="0">
-                <a:pos x="connsiteX5" y="connsiteY5"/>
-              </a:cxn>
-              <a:cxn ang="0">
-                <a:pos x="connsiteX6" y="connsiteY6"/>
-              </a:cxn>
-              <a:cxn ang="0">
-                <a:pos x="connsiteX7" y="connsiteY7"/>
-              </a:cxn>
-              <a:cxn ang="0">
-                <a:pos x="connsiteX8" y="connsiteY8"/>
-              </a:cxn>
-              <a:cxn ang="0">
-                <a:pos x="connsiteX9" y="connsiteY9"/>
-              </a:cxn>
-              <a:cxn ang="0">
-                <a:pos x="connsiteX10" y="connsiteY10"/>
-              </a:cxn>
-            </a:cxnLst>
-            <a:rect l="l" t="t" r="r" b="b"/>
-            <a:pathLst>
-              <a:path w="6334689" h="6477000">
-                <a:moveTo>
-                  <a:pt x="3561588" y="0"/>
-                </a:moveTo>
-                <a:cubicBezTo>
-                  <a:pt x="4668032" y="0"/>
-                  <a:pt x="5656635" y="504534"/>
-                  <a:pt x="6309883" y="1296087"/>
-                </a:cubicBezTo>
-                <a:lnTo>
-                  <a:pt x="6334689" y="1329261"/>
-                </a:lnTo>
-                <a:lnTo>
-                  <a:pt x="6334689" y="5793916"/>
-                </a:lnTo>
-                <a:lnTo>
-                  <a:pt x="6309883" y="5827089"/>
-                </a:lnTo>
-                <a:cubicBezTo>
-                  <a:pt x="6146571" y="6024977"/>
-                  <a:pt x="5962299" y="6204927"/>
-                  <a:pt x="5760467" y="6363539"/>
-                </a:cubicBezTo>
-                <a:lnTo>
-                  <a:pt x="5607796" y="6477000"/>
-                </a:lnTo>
-                <a:lnTo>
-                  <a:pt x="1519571" y="6477000"/>
-                </a:lnTo>
-                <a:lnTo>
-                  <a:pt x="1296088" y="6309883"/>
-                </a:lnTo>
-                <a:cubicBezTo>
-                  <a:pt x="504535" y="5656635"/>
-                  <a:pt x="0" y="4668032"/>
-                  <a:pt x="0" y="3561588"/>
-                </a:cubicBezTo>
-                <a:cubicBezTo>
-                  <a:pt x="0" y="1594577"/>
-                  <a:pt x="1594577" y="0"/>
-                  <a:pt x="3561588" y="0"/>
-                </a:cubicBezTo>
-                <a:close/>
-              </a:path>
-            </a:pathLst>
-          </a:custGeom>
-          <a:solidFill>
-            <a:srgbClr val="FFFFFF">
-              <a:alpha val="80000"/>
-            </a:srgbClr>
-          </a:solidFill>
-          <a:ln>
-            <a:noFill/>
-          </a:ln>
-        </p:spPr>
-        <p:style>
-          <a:lnRef idx="2">
-            <a:schemeClr val="accent1">
-              <a:shade val="50000"/>
-            </a:schemeClr>
-          </a:lnRef>
-          <a:fillRef idx="1">
-            <a:schemeClr val="accent1"/>
-          </a:fillRef>
-          <a:effectRef idx="0">
-            <a:schemeClr val="accent1"/>
-          </a:effectRef>
-          <a:fontRef idx="minor">
-            <a:schemeClr val="lt1"/>
-          </a:fontRef>
-        </p:style>
-        <p:txBody>
-          <a:bodyPr rtlCol="0" anchor="ctr"/>
-          <a:lstStyle/>
-          <a:p>
-            <a:pPr marL="0" marR="0" lvl="0" indent="0" algn="ctr" defTabSz="914400" rtl="0" eaLnBrk="1" fontAlgn="auto" latinLnBrk="0" hangingPunct="1">
-              <a:lnSpc>
-                <a:spcPct val="100000"/>
-              </a:lnSpc>
-              <a:spcBef>
-                <a:spcPts val="0"/>
-              </a:spcBef>
-              <a:spcAft>
-                <a:spcPts val="0"/>
-              </a:spcAft>
-              <a:buClrTx/>
-              <a:buSzTx/>
-              <a:buFontTx/>
-              <a:buNone/>
-              <a:tabLst/>
-              <a:defRPr/>
-            </a:pPr>
-            <a:endParaRPr kumimoji="0" lang="en-US" sz="1800" b="0" i="0" u="none" strike="noStrike" kern="1200" cap="none" spc="0" normalizeH="0" baseline="0" noProof="0">
-              <a:ln>
-                <a:noFill/>
-              </a:ln>
-              <a:solidFill>
-                <a:prstClr val="white"/>
-              </a:solidFill>
-              <a:effectLst/>
-              <a:uLnTx/>
-              <a:uFillTx/>
-              <a:latin typeface="Calibri" panose="020F0502020204030204"/>
-              <a:ea typeface="+mn-ea"/>
-              <a:cs typeface="+mn-cs"/>
-            </a:endParaRPr>
-          </a:p>
-        </p:txBody>
-      </p:sp>
-      <p:pic>
-        <p:nvPicPr>
-          <p:cNvPr id="7" name="Picture 6">
-            <a:extLst>
-              <a:ext uri="{FF2B5EF4-FFF2-40B4-BE49-F238E27FC236}">
-                <a16:creationId xmlns:a16="http://schemas.microsoft.com/office/drawing/2014/main" id="{510D78B8-F885-46C6-8A37-AE5F0FA43020}"/>
-              </a:ext>
-            </a:extLst>
-          </p:cNvPr>
-          <p:cNvPicPr>
-            <a:picLocks noChangeAspect="1"/>
-          </p:cNvPicPr>
-          <p:nvPr/>
-        </p:nvPicPr>
-        <p:blipFill rotWithShape="1">
-          <a:blip r:embed="rId2">
-            <a:extLst>
-              <a:ext uri="{28A0092B-C50C-407E-A947-70E740481C1C}">
-                <a14:useLocalDpi xmlns:a14="http://schemas.microsoft.com/office/drawing/2010/main" val="0"/>
-              </a:ext>
-            </a:extLst>
-          </a:blip>
-          <a:srcRect l="18450" r="26568" b="1"/>
-          <a:stretch/>
-        </p:blipFill>
-        <p:spPr>
-          <a:xfrm>
-            <a:off x="6021086" y="544804"/>
-            <a:ext cx="6170914" cy="6313225"/>
-          </a:xfrm>
-          <a:custGeom>
-            <a:avLst/>
-            <a:gdLst/>
-            <a:ahLst/>
-            <a:cxnLst/>
-            <a:rect l="l" t="t" r="r" b="b"/>
-            <a:pathLst>
-              <a:path w="6170914" h="6313225">
-                <a:moveTo>
-                  <a:pt x="3397813" y="0"/>
-                </a:moveTo>
-                <a:cubicBezTo>
-                  <a:pt x="4453378" y="0"/>
-                  <a:pt x="5396522" y="481334"/>
-                  <a:pt x="6019731" y="1236489"/>
-                </a:cubicBezTo>
-                <a:lnTo>
-                  <a:pt x="6170914" y="1438663"/>
-                </a:lnTo>
-                <a:lnTo>
-                  <a:pt x="6170914" y="5356963"/>
-                </a:lnTo>
-                <a:lnTo>
-                  <a:pt x="6019731" y="5559138"/>
-                </a:lnTo>
-                <a:cubicBezTo>
-                  <a:pt x="5786028" y="5842321"/>
-                  <a:pt x="5507333" y="6086998"/>
-                  <a:pt x="5194591" y="6282226"/>
-                </a:cubicBezTo>
-                <a:lnTo>
-                  <a:pt x="5141791" y="6313225"/>
-                </a:lnTo>
-                <a:lnTo>
-                  <a:pt x="1659199" y="6313225"/>
-                </a:lnTo>
-                <a:lnTo>
-                  <a:pt x="1498064" y="6215333"/>
-                </a:lnTo>
-                <a:cubicBezTo>
-                  <a:pt x="594240" y="5604721"/>
-                  <a:pt x="0" y="4570663"/>
-                  <a:pt x="0" y="3397813"/>
-                </a:cubicBezTo>
-                <a:cubicBezTo>
-                  <a:pt x="0" y="1521253"/>
-                  <a:pt x="1521253" y="0"/>
-                  <a:pt x="3397813" y="0"/>
-                </a:cubicBezTo>
-                <a:close/>
-              </a:path>
-            </a:pathLst>
-          </a:custGeom>
-        </p:spPr>
-      </p:pic>
-    </p:spTree>
-    <p:extLst>
-      <p:ext uri="{BB962C8B-B14F-4D97-AF65-F5344CB8AC3E}">
-        <p14:creationId xmlns:p14="http://schemas.microsoft.com/office/powerpoint/2010/main" val="2326076908"/>
-      </p:ext>
-    </p:extLst>
-  </p:cSld>
-  <p:clrMapOvr>
-    <a:overrideClrMapping bg1="dk1" tx1="lt1" bg2="dk2" tx2="lt2" accent1="accent1" accent2="accent2" accent3="accent3" accent4="accent4" accent5="accent5" accent6="accent6" hlink="hlink" folHlink="folHlink"/>
   </p:clrMapOvr>
 </p:sld>
 </file>
@@ -9913,6 +10701,383 @@
 </p:sld>
 </file>
 
+<file path=ppt/slides/slide20.xml><?xml version="1.0" encoding="utf-8"?>
+<p:sld xmlns:a="http://schemas.openxmlformats.org/drawingml/2006/main" xmlns:r="http://schemas.openxmlformats.org/officeDocument/2006/relationships" xmlns:p="http://schemas.openxmlformats.org/presentationml/2006/main">
+  <p:cSld>
+    <p:bg>
+      <p:bgPr>
+        <a:solidFill>
+          <a:schemeClr val="bg1"/>
+        </a:solidFill>
+        <a:effectLst/>
+      </p:bgPr>
+    </p:bg>
+    <p:spTree>
+      <p:nvGrpSpPr>
+        <p:cNvPr id="1" name=""/>
+        <p:cNvGrpSpPr/>
+        <p:nvPr/>
+      </p:nvGrpSpPr>
+      <p:grpSpPr>
+        <a:xfrm>
+          <a:off x="0" y="0"/>
+          <a:ext cx="0" cy="0"/>
+          <a:chOff x="0" y="0"/>
+          <a:chExt cx="0" cy="0"/>
+        </a:xfrm>
+      </p:grpSpPr>
+      <p:sp>
+        <p:nvSpPr>
+          <p:cNvPr id="2" name="Title 1">
+            <a:extLst>
+              <a:ext uri="{FF2B5EF4-FFF2-40B4-BE49-F238E27FC236}">
+                <a16:creationId xmlns:a16="http://schemas.microsoft.com/office/drawing/2014/main" id="{EABBB07E-8C51-4F19-8A46-3D82ACA5858D}"/>
+              </a:ext>
+            </a:extLst>
+          </p:cNvPr>
+          <p:cNvSpPr>
+            <a:spLocks noGrp="1"/>
+          </p:cNvSpPr>
+          <p:nvPr>
+            <p:ph type="title"/>
+          </p:nvPr>
+        </p:nvSpPr>
+        <p:spPr>
+          <a:xfrm>
+            <a:off x="643468" y="1470212"/>
+            <a:ext cx="4666470" cy="3926980"/>
+          </a:xfrm>
+        </p:spPr>
+        <p:txBody>
+          <a:bodyPr vert="horz" lIns="91440" tIns="45720" rIns="91440" bIns="45720" rtlCol="0" anchor="t">
+            <a:normAutofit/>
+          </a:bodyPr>
+          <a:lstStyle/>
+          <a:p>
+            <a:r>
+              <a:rPr lang="en-US" sz="4800" b="1" dirty="0"/>
+              <a:t>Thank you!</a:t>
+            </a:r>
+            <a:br>
+              <a:rPr lang="en-US" sz="4800" b="1" dirty="0"/>
+            </a:br>
+            <a:br>
+              <a:rPr lang="en-US" sz="4800" b="1" dirty="0"/>
+            </a:br>
+            <a:r>
+              <a:rPr lang="en-US" sz="4800" b="1" dirty="0"/>
+              <a:t>Q &amp; A</a:t>
+            </a:r>
+            <a:endParaRPr lang="en-US" sz="4800" b="1" kern="1200" dirty="0">
+              <a:solidFill>
+                <a:schemeClr val="tx1"/>
+              </a:solidFill>
+              <a:latin typeface="+mj-lt"/>
+              <a:ea typeface="+mj-ea"/>
+              <a:cs typeface="+mj-cs"/>
+            </a:endParaRPr>
+          </a:p>
+        </p:txBody>
+      </p:sp>
+      <p:sp>
+        <p:nvSpPr>
+          <p:cNvPr id="18" name="Freeform: Shape 11">
+            <a:extLst>
+              <a:ext uri="{FF2B5EF4-FFF2-40B4-BE49-F238E27FC236}">
+                <a16:creationId xmlns:a16="http://schemas.microsoft.com/office/drawing/2014/main" id="{BCC55ACC-A2F6-403C-A3A4-D59B3734D45F}"/>
+              </a:ext>
+              <a:ext uri="{C183D7F6-B498-43B3-948B-1728B52AA6E4}">
+                <adec:decorative xmlns:adec="http://schemas.microsoft.com/office/drawing/2017/decorative" val="1"/>
+              </a:ext>
+            </a:extLst>
+          </p:cNvPr>
+          <p:cNvSpPr>
+            <a:spLocks noGrp="1" noRot="1" noChangeAspect="1" noMove="1" noResize="1" noEditPoints="1" noAdjustHandles="1" noChangeArrowheads="1" noChangeShapeType="1" noTextEdit="1"/>
+          </p:cNvSpPr>
+          <p:nvPr>
+            <p:extLst>
+              <p:ext uri="{386F3935-93C4-4BCD-93E2-E3B085C9AB24}">
+                <p16:designElem xmlns:p16="http://schemas.microsoft.com/office/powerpoint/2015/main" val="1"/>
+              </p:ext>
+            </p:extLst>
+          </p:nvPr>
+        </p:nvSpPr>
+        <p:spPr>
+          <a:xfrm>
+            <a:off x="5857312" y="381000"/>
+            <a:ext cx="6334689" cy="6477000"/>
+          </a:xfrm>
+          <a:custGeom>
+            <a:avLst/>
+            <a:gdLst>
+              <a:gd name="connsiteX0" fmla="*/ 3561588 w 6334689"/>
+              <a:gd name="connsiteY0" fmla="*/ 0 h 6477000"/>
+              <a:gd name="connsiteX1" fmla="*/ 6309883 w 6334689"/>
+              <a:gd name="connsiteY1" fmla="*/ 1296087 h 6477000"/>
+              <a:gd name="connsiteX2" fmla="*/ 6334689 w 6334689"/>
+              <a:gd name="connsiteY2" fmla="*/ 1329261 h 6477000"/>
+              <a:gd name="connsiteX3" fmla="*/ 6334689 w 6334689"/>
+              <a:gd name="connsiteY3" fmla="*/ 5793916 h 6477000"/>
+              <a:gd name="connsiteX4" fmla="*/ 6309883 w 6334689"/>
+              <a:gd name="connsiteY4" fmla="*/ 5827089 h 6477000"/>
+              <a:gd name="connsiteX5" fmla="*/ 5760467 w 6334689"/>
+              <a:gd name="connsiteY5" fmla="*/ 6363539 h 6477000"/>
+              <a:gd name="connsiteX6" fmla="*/ 5607796 w 6334689"/>
+              <a:gd name="connsiteY6" fmla="*/ 6477000 h 6477000"/>
+              <a:gd name="connsiteX7" fmla="*/ 1519571 w 6334689"/>
+              <a:gd name="connsiteY7" fmla="*/ 6477000 h 6477000"/>
+              <a:gd name="connsiteX8" fmla="*/ 1296088 w 6334689"/>
+              <a:gd name="connsiteY8" fmla="*/ 6309883 h 6477000"/>
+              <a:gd name="connsiteX9" fmla="*/ 0 w 6334689"/>
+              <a:gd name="connsiteY9" fmla="*/ 3561588 h 6477000"/>
+              <a:gd name="connsiteX10" fmla="*/ 3561588 w 6334689"/>
+              <a:gd name="connsiteY10" fmla="*/ 0 h 6477000"/>
+            </a:gdLst>
+            <a:ahLst/>
+            <a:cxnLst>
+              <a:cxn ang="0">
+                <a:pos x="connsiteX0" y="connsiteY0"/>
+              </a:cxn>
+              <a:cxn ang="0">
+                <a:pos x="connsiteX1" y="connsiteY1"/>
+              </a:cxn>
+              <a:cxn ang="0">
+                <a:pos x="connsiteX2" y="connsiteY2"/>
+              </a:cxn>
+              <a:cxn ang="0">
+                <a:pos x="connsiteX3" y="connsiteY3"/>
+              </a:cxn>
+              <a:cxn ang="0">
+                <a:pos x="connsiteX4" y="connsiteY4"/>
+              </a:cxn>
+              <a:cxn ang="0">
+                <a:pos x="connsiteX5" y="connsiteY5"/>
+              </a:cxn>
+              <a:cxn ang="0">
+                <a:pos x="connsiteX6" y="connsiteY6"/>
+              </a:cxn>
+              <a:cxn ang="0">
+                <a:pos x="connsiteX7" y="connsiteY7"/>
+              </a:cxn>
+              <a:cxn ang="0">
+                <a:pos x="connsiteX8" y="connsiteY8"/>
+              </a:cxn>
+              <a:cxn ang="0">
+                <a:pos x="connsiteX9" y="connsiteY9"/>
+              </a:cxn>
+              <a:cxn ang="0">
+                <a:pos x="connsiteX10" y="connsiteY10"/>
+              </a:cxn>
+            </a:cxnLst>
+            <a:rect l="l" t="t" r="r" b="b"/>
+            <a:pathLst>
+              <a:path w="6334689" h="6477000">
+                <a:moveTo>
+                  <a:pt x="3561588" y="0"/>
+                </a:moveTo>
+                <a:cubicBezTo>
+                  <a:pt x="4668032" y="0"/>
+                  <a:pt x="5656635" y="504534"/>
+                  <a:pt x="6309883" y="1296087"/>
+                </a:cubicBezTo>
+                <a:lnTo>
+                  <a:pt x="6334689" y="1329261"/>
+                </a:lnTo>
+                <a:lnTo>
+                  <a:pt x="6334689" y="5793916"/>
+                </a:lnTo>
+                <a:lnTo>
+                  <a:pt x="6309883" y="5827089"/>
+                </a:lnTo>
+                <a:cubicBezTo>
+                  <a:pt x="6146571" y="6024977"/>
+                  <a:pt x="5962299" y="6204927"/>
+                  <a:pt x="5760467" y="6363539"/>
+                </a:cubicBezTo>
+                <a:lnTo>
+                  <a:pt x="5607796" y="6477000"/>
+                </a:lnTo>
+                <a:lnTo>
+                  <a:pt x="1519571" y="6477000"/>
+                </a:lnTo>
+                <a:lnTo>
+                  <a:pt x="1296088" y="6309883"/>
+                </a:lnTo>
+                <a:cubicBezTo>
+                  <a:pt x="504535" y="5656635"/>
+                  <a:pt x="0" y="4668032"/>
+                  <a:pt x="0" y="3561588"/>
+                </a:cubicBezTo>
+                <a:cubicBezTo>
+                  <a:pt x="0" y="1594577"/>
+                  <a:pt x="1594577" y="0"/>
+                  <a:pt x="3561588" y="0"/>
+                </a:cubicBezTo>
+                <a:close/>
+              </a:path>
+            </a:pathLst>
+          </a:custGeom>
+          <a:solidFill>
+            <a:srgbClr val="FFFFFF">
+              <a:alpha val="80000"/>
+            </a:srgbClr>
+          </a:solidFill>
+          <a:ln>
+            <a:noFill/>
+          </a:ln>
+        </p:spPr>
+        <p:style>
+          <a:lnRef idx="2">
+            <a:schemeClr val="accent1">
+              <a:shade val="50000"/>
+            </a:schemeClr>
+          </a:lnRef>
+          <a:fillRef idx="1">
+            <a:schemeClr val="accent1"/>
+          </a:fillRef>
+          <a:effectRef idx="0">
+            <a:schemeClr val="accent1"/>
+          </a:effectRef>
+          <a:fontRef idx="minor">
+            <a:schemeClr val="lt1"/>
+          </a:fontRef>
+        </p:style>
+        <p:txBody>
+          <a:bodyPr rtlCol="0" anchor="ctr"/>
+          <a:lstStyle/>
+          <a:p>
+            <a:pPr marL="0" marR="0" lvl="0" indent="0" algn="ctr" defTabSz="914400" rtl="0" eaLnBrk="1" fontAlgn="auto" latinLnBrk="0" hangingPunct="1">
+              <a:lnSpc>
+                <a:spcPct val="100000"/>
+              </a:lnSpc>
+              <a:spcBef>
+                <a:spcPts val="0"/>
+              </a:spcBef>
+              <a:spcAft>
+                <a:spcPts val="0"/>
+              </a:spcAft>
+              <a:buClrTx/>
+              <a:buSzTx/>
+              <a:buFontTx/>
+              <a:buNone/>
+              <a:tabLst/>
+              <a:defRPr/>
+            </a:pPr>
+            <a:endParaRPr kumimoji="0" lang="en-US" sz="1800" b="0" i="0" u="none" strike="noStrike" kern="1200" cap="none" spc="0" normalizeH="0" baseline="0" noProof="0">
+              <a:ln>
+                <a:noFill/>
+              </a:ln>
+              <a:solidFill>
+                <a:prstClr val="white"/>
+              </a:solidFill>
+              <a:effectLst/>
+              <a:uLnTx/>
+              <a:uFillTx/>
+              <a:latin typeface="Calibri" panose="020F0502020204030204"/>
+              <a:ea typeface="+mn-ea"/>
+              <a:cs typeface="+mn-cs"/>
+            </a:endParaRPr>
+          </a:p>
+        </p:txBody>
+      </p:sp>
+      <p:pic>
+        <p:nvPicPr>
+          <p:cNvPr id="7" name="Picture 6">
+            <a:extLst>
+              <a:ext uri="{FF2B5EF4-FFF2-40B4-BE49-F238E27FC236}">
+                <a16:creationId xmlns:a16="http://schemas.microsoft.com/office/drawing/2014/main" id="{510D78B8-F885-46C6-8A37-AE5F0FA43020}"/>
+              </a:ext>
+            </a:extLst>
+          </p:cNvPr>
+          <p:cNvPicPr>
+            <a:picLocks noChangeAspect="1"/>
+          </p:cNvPicPr>
+          <p:nvPr/>
+        </p:nvPicPr>
+        <p:blipFill rotWithShape="1">
+          <a:blip r:embed="rId2">
+            <a:extLst>
+              <a:ext uri="{28A0092B-C50C-407E-A947-70E740481C1C}">
+                <a14:useLocalDpi xmlns:a14="http://schemas.microsoft.com/office/drawing/2010/main" val="0"/>
+              </a:ext>
+            </a:extLst>
+          </a:blip>
+          <a:srcRect l="18450" r="26568" b="1"/>
+          <a:stretch/>
+        </p:blipFill>
+        <p:spPr>
+          <a:xfrm>
+            <a:off x="6021086" y="544804"/>
+            <a:ext cx="6170914" cy="6313225"/>
+          </a:xfrm>
+          <a:custGeom>
+            <a:avLst/>
+            <a:gdLst/>
+            <a:ahLst/>
+            <a:cxnLst/>
+            <a:rect l="l" t="t" r="r" b="b"/>
+            <a:pathLst>
+              <a:path w="6170914" h="6313225">
+                <a:moveTo>
+                  <a:pt x="3397813" y="0"/>
+                </a:moveTo>
+                <a:cubicBezTo>
+                  <a:pt x="4453378" y="0"/>
+                  <a:pt x="5396522" y="481334"/>
+                  <a:pt x="6019731" y="1236489"/>
+                </a:cubicBezTo>
+                <a:lnTo>
+                  <a:pt x="6170914" y="1438663"/>
+                </a:lnTo>
+                <a:lnTo>
+                  <a:pt x="6170914" y="5356963"/>
+                </a:lnTo>
+                <a:lnTo>
+                  <a:pt x="6019731" y="5559138"/>
+                </a:lnTo>
+                <a:cubicBezTo>
+                  <a:pt x="5786028" y="5842321"/>
+                  <a:pt x="5507333" y="6086998"/>
+                  <a:pt x="5194591" y="6282226"/>
+                </a:cubicBezTo>
+                <a:lnTo>
+                  <a:pt x="5141791" y="6313225"/>
+                </a:lnTo>
+                <a:lnTo>
+                  <a:pt x="1659199" y="6313225"/>
+                </a:lnTo>
+                <a:lnTo>
+                  <a:pt x="1498064" y="6215333"/>
+                </a:lnTo>
+                <a:cubicBezTo>
+                  <a:pt x="594240" y="5604721"/>
+                  <a:pt x="0" y="4570663"/>
+                  <a:pt x="0" y="3397813"/>
+                </a:cubicBezTo>
+                <a:cubicBezTo>
+                  <a:pt x="0" y="1521253"/>
+                  <a:pt x="1521253" y="0"/>
+                  <a:pt x="3397813" y="0"/>
+                </a:cubicBezTo>
+                <a:close/>
+              </a:path>
+            </a:pathLst>
+          </a:custGeom>
+        </p:spPr>
+      </p:pic>
+    </p:spTree>
+    <p:extLst>
+      <p:ext uri="{BB962C8B-B14F-4D97-AF65-F5344CB8AC3E}">
+        <p14:creationId xmlns:p14="http://schemas.microsoft.com/office/powerpoint/2010/main" val="2326076908"/>
+      </p:ext>
+    </p:extLst>
+  </p:cSld>
+  <p:clrMapOvr>
+    <a:overrideClrMapping bg1="dk1" tx1="lt1" bg2="dk2" tx2="lt2" accent1="accent1" accent2="accent2" accent3="accent3" accent4="accent4" accent5="accent5" accent6="accent6" hlink="hlink" folHlink="folHlink"/>
+  </p:clrMapOvr>
+</p:sld>
+</file>
+
 <file path=ppt/slides/slide3.xml><?xml version="1.0" encoding="utf-8"?>
 <p:sld xmlns:a="http://schemas.openxmlformats.org/drawingml/2006/main" xmlns:r="http://schemas.openxmlformats.org/officeDocument/2006/relationships" xmlns:p="http://schemas.openxmlformats.org/presentationml/2006/main">
   <p:cSld>
@@ -10926,8 +12091,14 @@
                 </a:solidFill>
                 <a:latin typeface="+mn-lt"/>
               </a:rPr>
-              <a:t> We wanted to understand how much social media affects society</a:t>
-            </a:r>
+              <a:t> x</a:t>
+            </a:r>
+            <a:endParaRPr lang="en-CA" sz="2400" b="1" dirty="0">
+              <a:solidFill>
+                <a:srgbClr val="0070C0"/>
+              </a:solidFill>
+              <a:latin typeface="+mn-lt"/>
+            </a:endParaRPr>
           </a:p>
         </p:txBody>
       </p:sp>
@@ -11623,6 +12794,180 @@
 <file path=ppt/slides/slide6.xml><?xml version="1.0" encoding="utf-8"?>
 <p:sld xmlns:a="http://schemas.openxmlformats.org/drawingml/2006/main" xmlns:r="http://schemas.openxmlformats.org/officeDocument/2006/relationships" xmlns:p="http://schemas.openxmlformats.org/presentationml/2006/main">
   <p:cSld>
+    <p:spTree>
+      <p:nvGrpSpPr>
+        <p:cNvPr id="1" name=""/>
+        <p:cNvGrpSpPr/>
+        <p:nvPr/>
+      </p:nvGrpSpPr>
+      <p:grpSpPr>
+        <a:xfrm>
+          <a:off x="0" y="0"/>
+          <a:ext cx="0" cy="0"/>
+          <a:chOff x="0" y="0"/>
+          <a:chExt cx="0" cy="0"/>
+        </a:xfrm>
+      </p:grpSpPr>
+      <p:sp>
+        <p:nvSpPr>
+          <p:cNvPr id="2" name="Title 1">
+            <a:extLst>
+              <a:ext uri="{FF2B5EF4-FFF2-40B4-BE49-F238E27FC236}">
+                <a16:creationId xmlns:a16="http://schemas.microsoft.com/office/drawing/2014/main" id="{EABBB07E-8C51-4F19-8A46-3D82ACA5858D}"/>
+              </a:ext>
+            </a:extLst>
+          </p:cNvPr>
+          <p:cNvSpPr>
+            <a:spLocks noGrp="1"/>
+          </p:cNvSpPr>
+          <p:nvPr>
+            <p:ph type="title"/>
+          </p:nvPr>
+        </p:nvSpPr>
+        <p:spPr>
+          <a:xfrm>
+            <a:off x="838200" y="435768"/>
+            <a:ext cx="10515600" cy="490538"/>
+          </a:xfrm>
+          <a:noFill/>
+        </p:spPr>
+        <p:txBody>
+          <a:bodyPr>
+            <a:normAutofit fontScale="90000"/>
+          </a:bodyPr>
+          <a:lstStyle/>
+          <a:p>
+            <a:r>
+              <a:rPr lang="en-US" b="1" dirty="0">
+                <a:solidFill>
+                  <a:srgbClr val="0070C0"/>
+                </a:solidFill>
+                <a:latin typeface="+mn-lt"/>
+              </a:rPr>
+              <a:t>Process summary</a:t>
+            </a:r>
+            <a:endParaRPr lang="en-CA" b="1" dirty="0">
+              <a:solidFill>
+                <a:srgbClr val="0070C0"/>
+              </a:solidFill>
+              <a:latin typeface="+mn-lt"/>
+            </a:endParaRPr>
+          </a:p>
+        </p:txBody>
+      </p:sp>
+      <p:sp>
+        <p:nvSpPr>
+          <p:cNvPr id="4" name="Slide Number Placeholder 3">
+            <a:extLst>
+              <a:ext uri="{FF2B5EF4-FFF2-40B4-BE49-F238E27FC236}">
+                <a16:creationId xmlns:a16="http://schemas.microsoft.com/office/drawing/2014/main" id="{6BD1DEB1-84C6-4D93-9AC5-3EC5BC06623F}"/>
+              </a:ext>
+            </a:extLst>
+          </p:cNvPr>
+          <p:cNvSpPr>
+            <a:spLocks noGrp="1"/>
+          </p:cNvSpPr>
+          <p:nvPr>
+            <p:ph type="sldNum" sz="quarter" idx="12"/>
+          </p:nvPr>
+        </p:nvSpPr>
+        <p:spPr/>
+        <p:txBody>
+          <a:bodyPr/>
+          <a:lstStyle/>
+          <a:p>
+            <a:fld id="{A56E3B75-B6C5-4C90-8D86-3D0E4B666D89}" type="slidenum">
+              <a:rPr lang="en-CA" smtClean="0"/>
+              <a:t>6</a:t>
+            </a:fld>
+            <a:endParaRPr lang="en-CA"/>
+          </a:p>
+        </p:txBody>
+      </p:sp>
+      <p:sp>
+        <p:nvSpPr>
+          <p:cNvPr id="3" name="Title 1">
+            <a:extLst>
+              <a:ext uri="{FF2B5EF4-FFF2-40B4-BE49-F238E27FC236}">
+                <a16:creationId xmlns:a16="http://schemas.microsoft.com/office/drawing/2014/main" id="{F8405E5D-A25D-4EA0-AA8E-2E8B561680E4}"/>
+              </a:ext>
+            </a:extLst>
+          </p:cNvPr>
+          <p:cNvSpPr txBox="1">
+            <a:spLocks/>
+          </p:cNvSpPr>
+          <p:nvPr/>
+        </p:nvSpPr>
+        <p:spPr>
+          <a:xfrm>
+            <a:off x="838200" y="895349"/>
+            <a:ext cx="10515600" cy="304801"/>
+          </a:xfrm>
+          <a:prstGeom prst="rect">
+            <a:avLst/>
+          </a:prstGeom>
+          <a:solidFill>
+            <a:schemeClr val="bg1"/>
+          </a:solidFill>
+        </p:spPr>
+        <p:txBody>
+          <a:bodyPr vert="horz" lIns="91440" tIns="45720" rIns="91440" bIns="45720" rtlCol="0" anchor="ctr">
+            <a:noAutofit/>
+          </a:bodyPr>
+          <a:lstStyle>
+            <a:lvl1pPr algn="l" defTabSz="914400" rtl="0" eaLnBrk="1" latinLnBrk="0" hangingPunct="1">
+              <a:lnSpc>
+                <a:spcPct val="90000"/>
+              </a:lnSpc>
+              <a:spcBef>
+                <a:spcPct val="0"/>
+              </a:spcBef>
+              <a:buNone/>
+              <a:defRPr sz="4400" kern="1200">
+                <a:solidFill>
+                  <a:schemeClr val="tx1"/>
+                </a:solidFill>
+                <a:latin typeface="+mj-lt"/>
+                <a:ea typeface="+mj-ea"/>
+                <a:cs typeface="+mj-cs"/>
+              </a:defRPr>
+            </a:lvl1pPr>
+          </a:lstStyle>
+          <a:p>
+            <a:r>
+              <a:rPr lang="en-US" sz="2400" b="1" dirty="0">
+                <a:solidFill>
+                  <a:srgbClr val="0070C0"/>
+                </a:solidFill>
+                <a:latin typeface="+mn-lt"/>
+              </a:rPr>
+              <a:t>x</a:t>
+            </a:r>
+            <a:endParaRPr lang="en-CA" sz="2400" b="1" dirty="0">
+              <a:solidFill>
+                <a:srgbClr val="0070C0"/>
+              </a:solidFill>
+              <a:latin typeface="+mn-lt"/>
+            </a:endParaRPr>
+          </a:p>
+        </p:txBody>
+      </p:sp>
+    </p:spTree>
+    <p:extLst>
+      <p:ext uri="{BB962C8B-B14F-4D97-AF65-F5344CB8AC3E}">
+        <p14:creationId xmlns:p14="http://schemas.microsoft.com/office/powerpoint/2010/main" val="4194127847"/>
+      </p:ext>
+    </p:extLst>
+  </p:cSld>
+  <p:clrMapOvr>
+    <a:masterClrMapping/>
+  </p:clrMapOvr>
+</p:sld>
+</file>
+
+<file path=ppt/slides/slide7.xml><?xml version="1.0" encoding="utf-8"?>
+<p:sld xmlns:a="http://schemas.openxmlformats.org/drawingml/2006/main" xmlns:r="http://schemas.openxmlformats.org/officeDocument/2006/relationships" xmlns:p="http://schemas.openxmlformats.org/presentationml/2006/main">
+  <p:cSld>
     <p:bg>
       <p:bgPr>
         <a:solidFill>
@@ -12258,7 +13603,7 @@
           <a:p>
             <a:fld id="{A56E3B75-B6C5-4C90-8D86-3D0E4B666D89}" type="slidenum">
               <a:rPr lang="en-CA" smtClean="0"/>
-              <a:t>6</a:t>
+              <a:t>7</a:t>
             </a:fld>
             <a:endParaRPr lang="en-CA"/>
           </a:p>
@@ -12277,7 +13622,7 @@
 </p:sld>
 </file>
 
-<file path=ppt/slides/slide7.xml><?xml version="1.0" encoding="utf-8"?>
+<file path=ppt/slides/slide8.xml><?xml version="1.0" encoding="utf-8"?>
 <p:sld xmlns:a="http://schemas.openxmlformats.org/drawingml/2006/main" xmlns:r="http://schemas.openxmlformats.org/officeDocument/2006/relationships" xmlns:p="http://schemas.openxmlformats.org/presentationml/2006/main">
   <p:cSld>
     <p:spTree>
@@ -12415,7 +13760,7 @@
           <a:p>
             <a:fld id="{A56E3B75-B6C5-4C90-8D86-3D0E4B666D89}" type="slidenum">
               <a:rPr lang="en-CA" smtClean="0"/>
-              <a:t>7</a:t>
+              <a:t>8</a:t>
             </a:fld>
             <a:endParaRPr lang="en-CA"/>
           </a:p>
@@ -12567,7 +13912,7 @@
 </p:sld>
 </file>
 
-<file path=ppt/slides/slide8.xml><?xml version="1.0" encoding="utf-8"?>
+<file path=ppt/slides/slide9.xml><?xml version="1.0" encoding="utf-8"?>
 <p:sld xmlns:a="http://schemas.openxmlformats.org/drawingml/2006/main" xmlns:r="http://schemas.openxmlformats.org/officeDocument/2006/relationships" xmlns:p="http://schemas.openxmlformats.org/presentationml/2006/main">
   <p:cSld>
     <p:spTree>
@@ -12841,7 +14186,7 @@
           <a:p>
             <a:fld id="{A56E3B75-B6C5-4C90-8D86-3D0E4B666D89}" type="slidenum">
               <a:rPr lang="en-CA" smtClean="0"/>
-              <a:t>8</a:t>
+              <a:t>9</a:t>
             </a:fld>
             <a:endParaRPr lang="en-CA"/>
           </a:p>
@@ -12919,671 +14264,6 @@
     <p:extLst>
       <p:ext uri="{BB962C8B-B14F-4D97-AF65-F5344CB8AC3E}">
         <p14:creationId xmlns:p14="http://schemas.microsoft.com/office/powerpoint/2010/main" val="3056980884"/>
-      </p:ext>
-    </p:extLst>
-  </p:cSld>
-  <p:clrMapOvr>
-    <a:masterClrMapping/>
-  </p:clrMapOvr>
-</p:sld>
-</file>
-
-<file path=ppt/slides/slide9.xml><?xml version="1.0" encoding="utf-8"?>
-<p:sld xmlns:a="http://schemas.openxmlformats.org/drawingml/2006/main" xmlns:r="http://schemas.openxmlformats.org/officeDocument/2006/relationships" xmlns:p="http://schemas.openxmlformats.org/presentationml/2006/main">
-  <p:cSld>
-    <p:bg>
-      <p:bgPr>
-        <a:solidFill>
-          <a:schemeClr val="bg1"/>
-        </a:solidFill>
-        <a:effectLst/>
-      </p:bgPr>
-    </p:bg>
-    <p:spTree>
-      <p:nvGrpSpPr>
-        <p:cNvPr id="1" name=""/>
-        <p:cNvGrpSpPr/>
-        <p:nvPr/>
-      </p:nvGrpSpPr>
-      <p:grpSpPr>
-        <a:xfrm>
-          <a:off x="0" y="0"/>
-          <a:ext cx="0" cy="0"/>
-          <a:chOff x="0" y="0"/>
-          <a:chExt cx="0" cy="0"/>
-        </a:xfrm>
-      </p:grpSpPr>
-      <p:sp useBgFill="1">
-        <p:nvSpPr>
-          <p:cNvPr id="42" name="Rectangle 41">
-            <a:extLst>
-              <a:ext uri="{FF2B5EF4-FFF2-40B4-BE49-F238E27FC236}">
-                <a16:creationId xmlns:a16="http://schemas.microsoft.com/office/drawing/2014/main" id="{BF538DE5-A30F-4117-9482-6CCAD2A82196}"/>
-              </a:ext>
-              <a:ext uri="{C183D7F6-B498-43B3-948B-1728B52AA6E4}">
-                <adec:decorative xmlns:adec="http://schemas.microsoft.com/office/drawing/2017/decorative" val="1"/>
-              </a:ext>
-            </a:extLst>
-          </p:cNvPr>
-          <p:cNvSpPr>
-            <a:spLocks noGrp="1" noRot="1" noChangeAspect="1" noMove="1" noResize="1" noEditPoints="1" noAdjustHandles="1" noChangeArrowheads="1" noChangeShapeType="1" noTextEdit="1"/>
-          </p:cNvSpPr>
-          <p:nvPr>
-            <p:extLst>
-              <p:ext uri="{386F3935-93C4-4BCD-93E2-E3B085C9AB24}">
-                <p16:designElem xmlns:p16="http://schemas.microsoft.com/office/powerpoint/2015/main" val="1"/>
-              </p:ext>
-            </p:extLst>
-          </p:nvPr>
-        </p:nvSpPr>
-        <p:spPr>
-          <a:xfrm>
-            <a:off x="0" y="0"/>
-            <a:ext cx="12192000" cy="6858000"/>
-          </a:xfrm>
-          <a:prstGeom prst="rect">
-            <a:avLst/>
-          </a:prstGeom>
-          <a:ln>
-            <a:noFill/>
-          </a:ln>
-        </p:spPr>
-        <p:style>
-          <a:lnRef idx="2">
-            <a:schemeClr val="accent1">
-              <a:shade val="50000"/>
-            </a:schemeClr>
-          </a:lnRef>
-          <a:fillRef idx="1">
-            <a:schemeClr val="accent1"/>
-          </a:fillRef>
-          <a:effectRef idx="0">
-            <a:schemeClr val="accent1"/>
-          </a:effectRef>
-          <a:fontRef idx="minor">
-            <a:schemeClr val="lt1"/>
-          </a:fontRef>
-        </p:style>
-        <p:txBody>
-          <a:bodyPr rtlCol="0" anchor="ctr"/>
-          <a:lstStyle/>
-          <a:p>
-            <a:pPr algn="ctr"/>
-            <a:endParaRPr lang="en-US"/>
-          </a:p>
-        </p:txBody>
-      </p:sp>
-      <p:sp>
-        <p:nvSpPr>
-          <p:cNvPr id="48" name="Freeform: Shape 43">
-            <a:extLst>
-              <a:ext uri="{FF2B5EF4-FFF2-40B4-BE49-F238E27FC236}">
-                <a16:creationId xmlns:a16="http://schemas.microsoft.com/office/drawing/2014/main" id="{DB01F01A-0922-4194-8449-21D15139A756}"/>
-              </a:ext>
-              <a:ext uri="{C183D7F6-B498-43B3-948B-1728B52AA6E4}">
-                <adec:decorative xmlns:adec="http://schemas.microsoft.com/office/drawing/2017/decorative" val="1"/>
-              </a:ext>
-            </a:extLst>
-          </p:cNvPr>
-          <p:cNvSpPr>
-            <a:spLocks noGrp="1" noRot="1" noChangeAspect="1" noMove="1" noResize="1" noEditPoints="1" noAdjustHandles="1" noChangeArrowheads="1" noChangeShapeType="1" noTextEdit="1"/>
-          </p:cNvSpPr>
-          <p:nvPr>
-            <p:extLst>
-              <p:ext uri="{386F3935-93C4-4BCD-93E2-E3B085C9AB24}">
-                <p16:designElem xmlns:p16="http://schemas.microsoft.com/office/powerpoint/2015/main" val="1"/>
-              </p:ext>
-            </p:extLst>
-          </p:nvPr>
-        </p:nvSpPr>
-        <p:spPr>
-          <a:xfrm>
-            <a:off x="6715360" y="834629"/>
-            <a:ext cx="4979816" cy="4361685"/>
-          </a:xfrm>
-          <a:custGeom>
-            <a:avLst/>
-            <a:gdLst>
-              <a:gd name="connsiteX0" fmla="*/ 853538 w 2991693"/>
-              <a:gd name="connsiteY0" fmla="*/ 0 h 2651787"/>
-              <a:gd name="connsiteX1" fmla="*/ 2141030 w 2991693"/>
-              <a:gd name="connsiteY1" fmla="*/ 0 h 2651787"/>
-              <a:gd name="connsiteX2" fmla="*/ 2324957 w 2991693"/>
-              <a:gd name="connsiteY2" fmla="*/ 103466 h 2651787"/>
-              <a:gd name="connsiteX3" fmla="*/ 2968702 w 2991693"/>
-              <a:gd name="connsiteY3" fmla="*/ 1218596 h 2651787"/>
-              <a:gd name="connsiteX4" fmla="*/ 2968702 w 2991693"/>
-              <a:gd name="connsiteY4" fmla="*/ 1433192 h 2651787"/>
-              <a:gd name="connsiteX5" fmla="*/ 2324957 w 2991693"/>
-              <a:gd name="connsiteY5" fmla="*/ 2548321 h 2651787"/>
-              <a:gd name="connsiteX6" fmla="*/ 2141030 w 2991693"/>
-              <a:gd name="connsiteY6" fmla="*/ 2651787 h 2651787"/>
-              <a:gd name="connsiteX7" fmla="*/ 853538 w 2991693"/>
-              <a:gd name="connsiteY7" fmla="*/ 2651787 h 2651787"/>
-              <a:gd name="connsiteX8" fmla="*/ 669612 w 2991693"/>
-              <a:gd name="connsiteY8" fmla="*/ 2548321 h 2651787"/>
-              <a:gd name="connsiteX9" fmla="*/ 25866 w 2991693"/>
-              <a:gd name="connsiteY9" fmla="*/ 1433192 h 2651787"/>
-              <a:gd name="connsiteX10" fmla="*/ 25866 w 2991693"/>
-              <a:gd name="connsiteY10" fmla="*/ 1218596 h 2651787"/>
-              <a:gd name="connsiteX11" fmla="*/ 669612 w 2991693"/>
-              <a:gd name="connsiteY11" fmla="*/ 103466 h 2651787"/>
-              <a:gd name="connsiteX12" fmla="*/ 853538 w 2991693"/>
-              <a:gd name="connsiteY12" fmla="*/ 0 h 2651787"/>
-            </a:gdLst>
-            <a:ahLst/>
-            <a:cxnLst>
-              <a:cxn ang="0">
-                <a:pos x="connsiteX0" y="connsiteY0"/>
-              </a:cxn>
-              <a:cxn ang="0">
-                <a:pos x="connsiteX1" y="connsiteY1"/>
-              </a:cxn>
-              <a:cxn ang="0">
-                <a:pos x="connsiteX2" y="connsiteY2"/>
-              </a:cxn>
-              <a:cxn ang="0">
-                <a:pos x="connsiteX3" y="connsiteY3"/>
-              </a:cxn>
-              <a:cxn ang="0">
-                <a:pos x="connsiteX4" y="connsiteY4"/>
-              </a:cxn>
-              <a:cxn ang="0">
-                <a:pos x="connsiteX5" y="connsiteY5"/>
-              </a:cxn>
-              <a:cxn ang="0">
-                <a:pos x="connsiteX6" y="connsiteY6"/>
-              </a:cxn>
-              <a:cxn ang="0">
-                <a:pos x="connsiteX7" y="connsiteY7"/>
-              </a:cxn>
-              <a:cxn ang="0">
-                <a:pos x="connsiteX8" y="connsiteY8"/>
-              </a:cxn>
-              <a:cxn ang="0">
-                <a:pos x="connsiteX9" y="connsiteY9"/>
-              </a:cxn>
-              <a:cxn ang="0">
-                <a:pos x="connsiteX10" y="connsiteY10"/>
-              </a:cxn>
-              <a:cxn ang="0">
-                <a:pos x="connsiteX11" y="connsiteY11"/>
-              </a:cxn>
-              <a:cxn ang="0">
-                <a:pos x="connsiteX12" y="connsiteY12"/>
-              </a:cxn>
-            </a:cxnLst>
-            <a:rect l="l" t="t" r="r" b="b"/>
-            <a:pathLst>
-              <a:path w="2991693" h="2651787">
-                <a:moveTo>
-                  <a:pt x="853538" y="0"/>
-                </a:moveTo>
-                <a:cubicBezTo>
-                  <a:pt x="2141030" y="0"/>
-                  <a:pt x="2141030" y="0"/>
-                  <a:pt x="2141030" y="0"/>
-                </a:cubicBezTo>
-                <a:cubicBezTo>
-                  <a:pt x="2206170" y="0"/>
-                  <a:pt x="2290471" y="45985"/>
-                  <a:pt x="2324957" y="103466"/>
-                </a:cubicBezTo>
-                <a:cubicBezTo>
-                  <a:pt x="2968702" y="1218596"/>
-                  <a:pt x="2968702" y="1218596"/>
-                  <a:pt x="2968702" y="1218596"/>
-                </a:cubicBezTo>
-                <a:cubicBezTo>
-                  <a:pt x="2999357" y="1279909"/>
-                  <a:pt x="2999357" y="1371878"/>
-                  <a:pt x="2968702" y="1433192"/>
-                </a:cubicBezTo>
-                <a:cubicBezTo>
-                  <a:pt x="2324957" y="2548321"/>
-                  <a:pt x="2324957" y="2548321"/>
-                  <a:pt x="2324957" y="2548321"/>
-                </a:cubicBezTo>
-                <a:cubicBezTo>
-                  <a:pt x="2290471" y="2605803"/>
-                  <a:pt x="2206170" y="2651787"/>
-                  <a:pt x="2141030" y="2651787"/>
-                </a:cubicBezTo>
-                <a:lnTo>
-                  <a:pt x="853538" y="2651787"/>
-                </a:lnTo>
-                <a:cubicBezTo>
-                  <a:pt x="784566" y="2651787"/>
-                  <a:pt x="700266" y="2605803"/>
-                  <a:pt x="669612" y="2548321"/>
-                </a:cubicBezTo>
-                <a:cubicBezTo>
-                  <a:pt x="25866" y="1433192"/>
-                  <a:pt x="25866" y="1433192"/>
-                  <a:pt x="25866" y="1433192"/>
-                </a:cubicBezTo>
-                <a:cubicBezTo>
-                  <a:pt x="-8621" y="1371878"/>
-                  <a:pt x="-8621" y="1279909"/>
-                  <a:pt x="25866" y="1218596"/>
-                </a:cubicBezTo>
-                <a:cubicBezTo>
-                  <a:pt x="669612" y="103466"/>
-                  <a:pt x="669612" y="103466"/>
-                  <a:pt x="669612" y="103466"/>
-                </a:cubicBezTo>
-                <a:cubicBezTo>
-                  <a:pt x="700266" y="45985"/>
-                  <a:pt x="784566" y="0"/>
-                  <a:pt x="853538" y="0"/>
-                </a:cubicBezTo>
-                <a:close/>
-              </a:path>
-            </a:pathLst>
-          </a:custGeom>
-          <a:solidFill>
-            <a:schemeClr val="tx1"/>
-          </a:solidFill>
-          <a:ln w="50800">
-            <a:noFill/>
-          </a:ln>
-        </p:spPr>
-        <p:style>
-          <a:lnRef idx="2">
-            <a:schemeClr val="accent1">
-              <a:shade val="50000"/>
-            </a:schemeClr>
-          </a:lnRef>
-          <a:fillRef idx="1">
-            <a:schemeClr val="accent1"/>
-          </a:fillRef>
-          <a:effectRef idx="0">
-            <a:schemeClr val="accent1"/>
-          </a:effectRef>
-          <a:fontRef idx="minor">
-            <a:schemeClr val="lt1"/>
-          </a:fontRef>
-        </p:style>
-        <p:txBody>
-          <a:bodyPr wrap="square" rtlCol="0" anchor="ctr">
-            <a:noAutofit/>
-          </a:bodyPr>
-          <a:lstStyle/>
-          <a:p>
-            <a:pPr algn="ctr"/>
-            <a:endParaRPr lang="en-US"/>
-          </a:p>
-        </p:txBody>
-      </p:sp>
-      <p:sp>
-        <p:nvSpPr>
-          <p:cNvPr id="5" name="Title 4">
-            <a:extLst>
-              <a:ext uri="{FF2B5EF4-FFF2-40B4-BE49-F238E27FC236}">
-                <a16:creationId xmlns:a16="http://schemas.microsoft.com/office/drawing/2014/main" id="{06F23DEA-8166-4AD5-A142-8BFC440401B0}"/>
-              </a:ext>
-            </a:extLst>
-          </p:cNvPr>
-          <p:cNvSpPr>
-            <a:spLocks noGrp="1"/>
-          </p:cNvSpPr>
-          <p:nvPr>
-            <p:ph type="title"/>
-          </p:nvPr>
-        </p:nvSpPr>
-        <p:spPr>
-          <a:xfrm>
-            <a:off x="7250164" y="1789042"/>
-            <a:ext cx="3859398" cy="1795714"/>
-          </a:xfrm>
-        </p:spPr>
-        <p:txBody>
-          <a:bodyPr vert="horz" lIns="91440" tIns="45720" rIns="91440" bIns="45720" rtlCol="0" anchor="b">
-            <a:normAutofit/>
-          </a:bodyPr>
-          <a:lstStyle/>
-          <a:p>
-            <a:pPr algn="ctr"/>
-            <a:r>
-              <a:rPr lang="en-US" sz="4100" b="1" dirty="0">
-                <a:solidFill>
-                  <a:schemeClr val="bg1"/>
-                </a:solidFill>
-              </a:rPr>
-              <a:t>Data Analysis</a:t>
-            </a:r>
-            <a:endParaRPr lang="en-US" sz="4100" b="1" kern="1200" dirty="0">
-              <a:solidFill>
-                <a:schemeClr val="bg1"/>
-              </a:solidFill>
-              <a:latin typeface="+mj-lt"/>
-              <a:ea typeface="+mj-ea"/>
-              <a:cs typeface="+mj-cs"/>
-            </a:endParaRPr>
-          </a:p>
-        </p:txBody>
-      </p:sp>
-      <p:pic>
-        <p:nvPicPr>
-          <p:cNvPr id="3" name="Picture 2" descr="A picture containing toy, room, drawing&#10;&#10;Description automatically generated">
-            <a:extLst>
-              <a:ext uri="{FF2B5EF4-FFF2-40B4-BE49-F238E27FC236}">
-                <a16:creationId xmlns:a16="http://schemas.microsoft.com/office/drawing/2014/main" id="{6F00CF11-2E1D-46FA-8A50-F75DBD337EB7}"/>
-              </a:ext>
-            </a:extLst>
-          </p:cNvPr>
-          <p:cNvPicPr>
-            <a:picLocks noChangeAspect="1"/>
-          </p:cNvPicPr>
-          <p:nvPr/>
-        </p:nvPicPr>
-        <p:blipFill rotWithShape="1">
-          <a:blip r:embed="rId2">
-            <a:extLst>
-              <a:ext uri="{28A0092B-C50C-407E-A947-70E740481C1C}">
-                <a14:useLocalDpi xmlns:a14="http://schemas.microsoft.com/office/drawing/2010/main" val="0"/>
-              </a:ext>
-            </a:extLst>
-          </a:blip>
-          <a:srcRect l="7581" r="16499" b="5"/>
-          <a:stretch/>
-        </p:blipFill>
-        <p:spPr>
-          <a:xfrm>
-            <a:off x="2114164" y="371436"/>
-            <a:ext cx="2834571" cy="2482727"/>
-          </a:xfrm>
-          <a:custGeom>
-            <a:avLst/>
-            <a:gdLst/>
-            <a:ahLst/>
-            <a:cxnLst/>
-            <a:rect l="l" t="t" r="r" b="b"/>
-            <a:pathLst>
-              <a:path w="2298408" h="2013116">
-                <a:moveTo>
-                  <a:pt x="655742" y="0"/>
-                </a:moveTo>
-                <a:cubicBezTo>
-                  <a:pt x="1644875" y="0"/>
-                  <a:pt x="1644875" y="0"/>
-                  <a:pt x="1644875" y="0"/>
-                </a:cubicBezTo>
-                <a:cubicBezTo>
-                  <a:pt x="1694920" y="0"/>
-                  <a:pt x="1759685" y="34910"/>
-                  <a:pt x="1786179" y="78547"/>
-                </a:cubicBezTo>
-                <a:cubicBezTo>
-                  <a:pt x="2280745" y="925103"/>
-                  <a:pt x="2280745" y="925103"/>
-                  <a:pt x="2280745" y="925103"/>
-                </a:cubicBezTo>
-                <a:cubicBezTo>
-                  <a:pt x="2304296" y="971649"/>
-                  <a:pt x="2304296" y="1041468"/>
-                  <a:pt x="2280745" y="1088014"/>
-                </a:cubicBezTo>
-                <a:cubicBezTo>
-                  <a:pt x="1786179" y="1934570"/>
-                  <a:pt x="1786179" y="1934570"/>
-                  <a:pt x="1786179" y="1934570"/>
-                </a:cubicBezTo>
-                <a:cubicBezTo>
-                  <a:pt x="1759685" y="1978207"/>
-                  <a:pt x="1694920" y="2013116"/>
-                  <a:pt x="1644875" y="2013116"/>
-                </a:cubicBezTo>
-                <a:lnTo>
-                  <a:pt x="655742" y="2013116"/>
-                </a:lnTo>
-                <a:cubicBezTo>
-                  <a:pt x="602753" y="2013116"/>
-                  <a:pt x="537989" y="1978207"/>
-                  <a:pt x="514438" y="1934570"/>
-                </a:cubicBezTo>
-                <a:cubicBezTo>
-                  <a:pt x="19872" y="1088014"/>
-                  <a:pt x="19872" y="1088014"/>
-                  <a:pt x="19872" y="1088014"/>
-                </a:cubicBezTo>
-                <a:cubicBezTo>
-                  <a:pt x="-6623" y="1041468"/>
-                  <a:pt x="-6623" y="971649"/>
-                  <a:pt x="19872" y="925103"/>
-                </a:cubicBezTo>
-                <a:cubicBezTo>
-                  <a:pt x="514438" y="78547"/>
-                  <a:pt x="514438" y="78547"/>
-                  <a:pt x="514438" y="78547"/>
-                </a:cubicBezTo>
-                <a:cubicBezTo>
-                  <a:pt x="537989" y="34910"/>
-                  <a:pt x="602753" y="0"/>
-                  <a:pt x="655742" y="0"/>
-                </a:cubicBezTo>
-                <a:close/>
-              </a:path>
-            </a:pathLst>
-          </a:custGeom>
-        </p:spPr>
-      </p:pic>
-      <p:pic>
-        <p:nvPicPr>
-          <p:cNvPr id="2" name="Picture 1" descr="A picture containing drawing, clock, room, computer&#10;&#10;Description automatically generated">
-            <a:extLst>
-              <a:ext uri="{FF2B5EF4-FFF2-40B4-BE49-F238E27FC236}">
-                <a16:creationId xmlns:a16="http://schemas.microsoft.com/office/drawing/2014/main" id="{D06B943B-9B64-486A-976D-D4FC53E689DA}"/>
-              </a:ext>
-            </a:extLst>
-          </p:cNvPr>
-          <p:cNvPicPr>
-            <a:picLocks noChangeAspect="1"/>
-          </p:cNvPicPr>
-          <p:nvPr/>
-        </p:nvPicPr>
-        <p:blipFill rotWithShape="1">
-          <a:blip r:embed="rId3">
-            <a:extLst>
-              <a:ext uri="{28A0092B-C50C-407E-A947-70E740481C1C}">
-                <a14:useLocalDpi xmlns:a14="http://schemas.microsoft.com/office/drawing/2010/main" val="0"/>
-              </a:ext>
-            </a:extLst>
-          </a:blip>
-          <a:srcRect l="8645" r="10430" b="-1"/>
-          <a:stretch/>
-        </p:blipFill>
-        <p:spPr>
-          <a:xfrm>
-            <a:off x="496824" y="1969368"/>
-            <a:ext cx="7535357" cy="4888633"/>
-          </a:xfrm>
-          <a:custGeom>
-            <a:avLst/>
-            <a:gdLst/>
-            <a:ahLst/>
-            <a:cxnLst/>
-            <a:rect l="l" t="t" r="r" b="b"/>
-            <a:pathLst>
-              <a:path w="7535357" h="4888633">
-                <a:moveTo>
-                  <a:pt x="870790" y="4707517"/>
-                </a:moveTo>
-                <a:lnTo>
-                  <a:pt x="887365" y="4736227"/>
-                </a:lnTo>
-                <a:cubicBezTo>
-                  <a:pt x="904174" y="4765340"/>
-                  <a:pt x="922103" y="4796392"/>
-                  <a:pt x="941227" y="4829516"/>
-                </a:cubicBezTo>
-                <a:lnTo>
-                  <a:pt x="975359" y="4888633"/>
-                </a:lnTo>
-                <a:lnTo>
-                  <a:pt x="968986" y="4888633"/>
-                </a:lnTo>
-                <a:close/>
-                <a:moveTo>
-                  <a:pt x="2633174" y="985134"/>
-                </a:moveTo>
-                <a:cubicBezTo>
-                  <a:pt x="2633174" y="985134"/>
-                  <a:pt x="2633174" y="985134"/>
-                  <a:pt x="5550429" y="992447"/>
-                </a:cubicBezTo>
-                <a:cubicBezTo>
-                  <a:pt x="5736287" y="987221"/>
-                  <a:pt x="5911862" y="1090010"/>
-                  <a:pt x="6003423" y="1248596"/>
-                </a:cubicBezTo>
-                <a:cubicBezTo>
-                  <a:pt x="6003423" y="1248596"/>
-                  <a:pt x="6003423" y="1248596"/>
-                  <a:pt x="7465225" y="3780514"/>
-                </a:cubicBezTo>
-                <a:cubicBezTo>
-                  <a:pt x="7559943" y="3944569"/>
-                  <a:pt x="7558015" y="4142548"/>
-                  <a:pt x="7463717" y="4306361"/>
-                </a:cubicBezTo>
-                <a:cubicBezTo>
-                  <a:pt x="7463717" y="4306361"/>
-                  <a:pt x="7463717" y="4306361"/>
-                  <a:pt x="7159062" y="4834812"/>
-                </a:cubicBezTo>
-                <a:lnTo>
-                  <a:pt x="7128035" y="4888633"/>
-                </a:lnTo>
-                <a:lnTo>
-                  <a:pt x="1073039" y="4888633"/>
-                </a:lnTo>
-                <a:lnTo>
-                  <a:pt x="986766" y="4739206"/>
-                </a:lnTo>
-                <a:cubicBezTo>
-                  <a:pt x="906468" y="4600124"/>
-                  <a:pt x="820815" y="4451770"/>
-                  <a:pt x="729452" y="4293524"/>
-                </a:cubicBezTo>
-                <a:cubicBezTo>
-                  <a:pt x="637892" y="4134937"/>
-                  <a:pt x="636662" y="3931490"/>
-                  <a:pt x="734117" y="3773145"/>
-                </a:cubicBezTo>
-                <a:cubicBezTo>
-                  <a:pt x="734117" y="3773145"/>
-                  <a:pt x="734117" y="3773145"/>
-                  <a:pt x="2186411" y="1243073"/>
-                </a:cubicBezTo>
-                <a:cubicBezTo>
-                  <a:pt x="2275261" y="1082404"/>
-                  <a:pt x="2449608" y="981746"/>
-                  <a:pt x="2633174" y="985134"/>
-                </a:cubicBezTo>
-                <a:close/>
-                <a:moveTo>
-                  <a:pt x="631805" y="0"/>
-                </a:moveTo>
-                <a:cubicBezTo>
-                  <a:pt x="631805" y="0"/>
-                  <a:pt x="631805" y="0"/>
-                  <a:pt x="1562676" y="0"/>
-                </a:cubicBezTo>
-                <a:cubicBezTo>
-                  <a:pt x="1620981" y="0"/>
-                  <a:pt x="1677276" y="32050"/>
-                  <a:pt x="1705423" y="84130"/>
-                </a:cubicBezTo>
-                <a:cubicBezTo>
-                  <a:pt x="1705423" y="84130"/>
-                  <a:pt x="1705423" y="84130"/>
-                  <a:pt x="2171863" y="887371"/>
-                </a:cubicBezTo>
-                <a:cubicBezTo>
-                  <a:pt x="2202021" y="937449"/>
-                  <a:pt x="2202021" y="1001548"/>
-                  <a:pt x="2171863" y="1051625"/>
-                </a:cubicBezTo>
-                <a:cubicBezTo>
-                  <a:pt x="2171863" y="1051625"/>
-                  <a:pt x="2171863" y="1051625"/>
-                  <a:pt x="1705423" y="1854866"/>
-                </a:cubicBezTo>
-                <a:cubicBezTo>
-                  <a:pt x="1677276" y="1906947"/>
-                  <a:pt x="1620981" y="1938996"/>
-                  <a:pt x="1562676" y="1938996"/>
-                </a:cubicBezTo>
-                <a:cubicBezTo>
-                  <a:pt x="1562676" y="1938996"/>
-                  <a:pt x="1562676" y="1938996"/>
-                  <a:pt x="631805" y="1938996"/>
-                </a:cubicBezTo>
-                <a:cubicBezTo>
-                  <a:pt x="571490" y="1938996"/>
-                  <a:pt x="517206" y="1906947"/>
-                  <a:pt x="487048" y="1854866"/>
-                </a:cubicBezTo>
-                <a:cubicBezTo>
-                  <a:pt x="487048" y="1854866"/>
-                  <a:pt x="487048" y="1854866"/>
-                  <a:pt x="22618" y="1051625"/>
-                </a:cubicBezTo>
-                <a:cubicBezTo>
-                  <a:pt x="-7540" y="1001548"/>
-                  <a:pt x="-7540" y="937449"/>
-                  <a:pt x="22618" y="887371"/>
-                </a:cubicBezTo>
-                <a:cubicBezTo>
-                  <a:pt x="22618" y="887371"/>
-                  <a:pt x="22618" y="887371"/>
-                  <a:pt x="487048" y="84130"/>
-                </a:cubicBezTo>
-                <a:cubicBezTo>
-                  <a:pt x="517206" y="32050"/>
-                  <a:pt x="571490" y="0"/>
-                  <a:pt x="631805" y="0"/>
-                </a:cubicBezTo>
-                <a:close/>
-              </a:path>
-            </a:pathLst>
-          </a:custGeom>
-        </p:spPr>
-      </p:pic>
-      <p:sp>
-        <p:nvSpPr>
-          <p:cNvPr id="4" name="Slide Number Placeholder 3">
-            <a:extLst>
-              <a:ext uri="{FF2B5EF4-FFF2-40B4-BE49-F238E27FC236}">
-                <a16:creationId xmlns:a16="http://schemas.microsoft.com/office/drawing/2014/main" id="{29FBC74F-BAAE-4CA8-AD42-14819C0129E4}"/>
-              </a:ext>
-            </a:extLst>
-          </p:cNvPr>
-          <p:cNvSpPr>
-            <a:spLocks noGrp="1"/>
-          </p:cNvSpPr>
-          <p:nvPr>
-            <p:ph type="sldNum" sz="quarter" idx="12"/>
-          </p:nvPr>
-        </p:nvSpPr>
-        <p:spPr/>
-        <p:txBody>
-          <a:bodyPr/>
-          <a:lstStyle/>
-          <a:p>
-            <a:fld id="{A56E3B75-B6C5-4C90-8D86-3D0E4B666D89}" type="slidenum">
-              <a:rPr lang="en-CA" smtClean="0"/>
-              <a:t>9</a:t>
-            </a:fld>
-            <a:endParaRPr lang="en-CA"/>
-          </a:p>
-        </p:txBody>
-      </p:sp>
-    </p:spTree>
-    <p:extLst>
-      <p:ext uri="{BB962C8B-B14F-4D97-AF65-F5344CB8AC3E}">
-        <p14:creationId xmlns:p14="http://schemas.microsoft.com/office/powerpoint/2010/main" val="4115035585"/>
       </p:ext>
     </p:extLst>
   </p:cSld>
